--- a/Presentation/DIMA_myAPTracker_Presentation.pptx
+++ b/Presentation/DIMA_myAPTracker_Presentation.pptx
@@ -860,7 +860,7 @@
 </file>
 
 <file path=ppt/slideLayouts/slideLayout2.xml><?xml version="1.0" encoding="utf-8"?>
-<p:sldLayout xmlns:a="http://schemas.openxmlformats.org/drawingml/2006/main" xmlns:r="http://schemas.openxmlformats.org/officeDocument/2006/relationships" xmlns:p="http://schemas.openxmlformats.org/presentationml/2006/main" type="titleOnly" preserve="1">
+<p:sldLayout xmlns:a="http://schemas.openxmlformats.org/drawingml/2006/main" xmlns:r="http://schemas.openxmlformats.org/officeDocument/2006/relationships" xmlns:p="http://schemas.openxmlformats.org/presentationml/2006/main" preserve="1" userDrawn="1">
   <p:cSld name="1_Solo titolo">
     <p:spTree>
       <p:nvGrpSpPr>
@@ -876,49 +876,6 @@
           <a:chExt cx="0" cy="0"/>
         </a:xfrm>
       </p:grpSpPr>
-      <p:sp>
-        <p:nvSpPr>
-          <p:cNvPr id="2" name="Titolo 1">
-            <a:extLst>
-              <a:ext uri="{FF2B5EF4-FFF2-40B4-BE49-F238E27FC236}">
-                <a16:creationId xmlns:a16="http://schemas.microsoft.com/office/drawing/2014/main" id="{09387677-ADD2-52F3-2EDF-BB8F41E08188}"/>
-              </a:ext>
-            </a:extLst>
-          </p:cNvPr>
-          <p:cNvSpPr>
-            <a:spLocks noGrp="1"/>
-          </p:cNvSpPr>
-          <p:nvPr>
-            <p:ph type="title" hasCustomPrompt="1"/>
-          </p:nvPr>
-        </p:nvSpPr>
-        <p:spPr>
-          <a:xfrm>
-            <a:off x="1007293" y="121689"/>
-            <a:ext cx="11062786" cy="626984"/>
-          </a:xfrm>
-        </p:spPr>
-        <p:txBody>
-          <a:bodyPr>
-            <a:noAutofit/>
-          </a:bodyPr>
-          <a:lstStyle>
-            <a:lvl1pPr>
-              <a:defRPr sz="3200" b="1">
-                <a:solidFill>
-                  <a:srgbClr val="3F3C53"/>
-                </a:solidFill>
-              </a:defRPr>
-            </a:lvl1pPr>
-          </a:lstStyle>
-          <a:p>
-            <a:r>
-              <a:rPr lang="it-IT" dirty="0"/>
-              <a:t>Click per titolo</a:t>
-            </a:r>
-          </a:p>
-        </p:txBody>
-      </p:sp>
       <p:sp>
         <p:nvSpPr>
           <p:cNvPr id="5" name="Segnaposto numero diapositiva 4">
@@ -1080,10 +1037,332 @@
           </a:prstGeom>
         </p:spPr>
       </p:pic>
+      <p:sp>
+        <p:nvSpPr>
+          <p:cNvPr id="8" name="Titolo 1">
+            <a:extLst>
+              <a:ext uri="{FF2B5EF4-FFF2-40B4-BE49-F238E27FC236}">
+                <a16:creationId xmlns:a16="http://schemas.microsoft.com/office/drawing/2014/main" id="{103D0CAE-07A5-05BE-EBA9-8F035C3A060A}"/>
+              </a:ext>
+            </a:extLst>
+          </p:cNvPr>
+          <p:cNvSpPr>
+            <a:spLocks noGrp="1"/>
+          </p:cNvSpPr>
+          <p:nvPr>
+            <p:ph type="title" hasCustomPrompt="1"/>
+          </p:nvPr>
+        </p:nvSpPr>
+        <p:spPr>
+          <a:xfrm>
+            <a:off x="1007293" y="155485"/>
+            <a:ext cx="11062786" cy="507996"/>
+          </a:xfrm>
+        </p:spPr>
+        <p:txBody>
+          <a:bodyPr>
+            <a:noAutofit/>
+          </a:bodyPr>
+          <a:lstStyle>
+            <a:lvl1pPr>
+              <a:defRPr sz="3200" b="1">
+                <a:solidFill>
+                  <a:srgbClr val="3F3C53"/>
+                </a:solidFill>
+              </a:defRPr>
+            </a:lvl1pPr>
+          </a:lstStyle>
+          <a:p>
+            <a:r>
+              <a:rPr lang="it-IT" dirty="0"/>
+              <a:t>Click per titolo</a:t>
+            </a:r>
+          </a:p>
+        </p:txBody>
+      </p:sp>
     </p:spTree>
     <p:extLst>
       <p:ext uri="{BB962C8B-B14F-4D97-AF65-F5344CB8AC3E}">
         <p14:creationId xmlns:p14="http://schemas.microsoft.com/office/powerpoint/2010/main" val="484226743"/>
+      </p:ext>
+    </p:extLst>
+  </p:cSld>
+  <p:clrMapOvr>
+    <a:masterClrMapping/>
+  </p:clrMapOvr>
+</p:sldLayout>
+</file>
+
+<file path=ppt/slideLayouts/slideLayout3.xml><?xml version="1.0" encoding="utf-8"?>
+<p:sldLayout xmlns:a="http://schemas.openxmlformats.org/drawingml/2006/main" xmlns:r="http://schemas.openxmlformats.org/officeDocument/2006/relationships" xmlns:p="http://schemas.openxmlformats.org/presentationml/2006/main" preserve="1" userDrawn="1">
+  <p:cSld name="2_Solo titolo">
+    <p:spTree>
+      <p:nvGrpSpPr>
+        <p:cNvPr id="1" name=""/>
+        <p:cNvGrpSpPr/>
+        <p:nvPr/>
+      </p:nvGrpSpPr>
+      <p:grpSpPr>
+        <a:xfrm>
+          <a:off x="0" y="0"/>
+          <a:ext cx="0" cy="0"/>
+          <a:chOff x="0" y="0"/>
+          <a:chExt cx="0" cy="0"/>
+        </a:xfrm>
+      </p:grpSpPr>
+      <p:sp>
+        <p:nvSpPr>
+          <p:cNvPr id="2" name="Titolo 1">
+            <a:extLst>
+              <a:ext uri="{FF2B5EF4-FFF2-40B4-BE49-F238E27FC236}">
+                <a16:creationId xmlns:a16="http://schemas.microsoft.com/office/drawing/2014/main" id="{09387677-ADD2-52F3-2EDF-BB8F41E08188}"/>
+              </a:ext>
+            </a:extLst>
+          </p:cNvPr>
+          <p:cNvSpPr>
+            <a:spLocks noGrp="1"/>
+          </p:cNvSpPr>
+          <p:nvPr>
+            <p:ph type="title" hasCustomPrompt="1"/>
+          </p:nvPr>
+        </p:nvSpPr>
+        <p:spPr>
+          <a:xfrm>
+            <a:off x="1007293" y="155485"/>
+            <a:ext cx="11062786" cy="507996"/>
+          </a:xfrm>
+        </p:spPr>
+        <p:txBody>
+          <a:bodyPr>
+            <a:noAutofit/>
+          </a:bodyPr>
+          <a:lstStyle>
+            <a:lvl1pPr>
+              <a:defRPr sz="3200" b="1">
+                <a:solidFill>
+                  <a:srgbClr val="3F3C53"/>
+                </a:solidFill>
+              </a:defRPr>
+            </a:lvl1pPr>
+          </a:lstStyle>
+          <a:p>
+            <a:r>
+              <a:rPr lang="it-IT" dirty="0"/>
+              <a:t>Click per titolo</a:t>
+            </a:r>
+          </a:p>
+        </p:txBody>
+      </p:sp>
+      <p:sp>
+        <p:nvSpPr>
+          <p:cNvPr id="5" name="Segnaposto numero diapositiva 4">
+            <a:extLst>
+              <a:ext uri="{FF2B5EF4-FFF2-40B4-BE49-F238E27FC236}">
+                <a16:creationId xmlns:a16="http://schemas.microsoft.com/office/drawing/2014/main" id="{F6928FE3-306B-53CF-D509-FCE276FF5B9A}"/>
+              </a:ext>
+            </a:extLst>
+          </p:cNvPr>
+          <p:cNvSpPr>
+            <a:spLocks noGrp="1"/>
+          </p:cNvSpPr>
+          <p:nvPr>
+            <p:ph type="sldNum" sz="quarter" idx="12"/>
+          </p:nvPr>
+        </p:nvSpPr>
+        <p:spPr>
+          <a:xfrm>
+            <a:off x="11408345" y="6524766"/>
+            <a:ext cx="565941" cy="299480"/>
+          </a:xfrm>
+        </p:spPr>
+        <p:txBody>
+          <a:bodyPr/>
+          <a:lstStyle>
+            <a:lvl1pPr algn="ctr">
+              <a:defRPr sz="1200" b="1">
+                <a:solidFill>
+                  <a:srgbClr val="3F3C53"/>
+                </a:solidFill>
+              </a:defRPr>
+            </a:lvl1pPr>
+          </a:lstStyle>
+          <a:p>
+            <a:fld id="{925FCEA2-F0DA-AB4C-B1CA-0E33C745EDE1}" type="slidenum">
+              <a:rPr lang="it-IT" smtClean="0"/>
+              <a:pPr/>
+              <a:t>‹N›</a:t>
+            </a:fld>
+            <a:endParaRPr lang="it-IT" dirty="0"/>
+          </a:p>
+        </p:txBody>
+      </p:sp>
+      <p:cxnSp>
+        <p:nvCxnSpPr>
+          <p:cNvPr id="4" name="Connettore 1 3">
+            <a:extLst>
+              <a:ext uri="{FF2B5EF4-FFF2-40B4-BE49-F238E27FC236}">
+                <a16:creationId xmlns:a16="http://schemas.microsoft.com/office/drawing/2014/main" id="{C3D275A2-80D1-4E82-E53D-577BE879C336}"/>
+              </a:ext>
+            </a:extLst>
+          </p:cNvPr>
+          <p:cNvCxnSpPr>
+            <a:cxnSpLocks/>
+          </p:cNvCxnSpPr>
+          <p:nvPr userDrawn="1"/>
+        </p:nvCxnSpPr>
+        <p:spPr>
+          <a:xfrm>
+            <a:off x="399143" y="878114"/>
+            <a:ext cx="0" cy="5860143"/>
+          </a:xfrm>
+          <a:prstGeom prst="line">
+            <a:avLst/>
+          </a:prstGeom>
+          <a:ln w="25400" cap="rnd">
+            <a:solidFill>
+              <a:srgbClr val="3F3C53"/>
+            </a:solidFill>
+            <a:bevel/>
+          </a:ln>
+        </p:spPr>
+        <p:style>
+          <a:lnRef idx="1">
+            <a:schemeClr val="accent1"/>
+          </a:lnRef>
+          <a:fillRef idx="0">
+            <a:schemeClr val="accent1"/>
+          </a:fillRef>
+          <a:effectRef idx="0">
+            <a:schemeClr val="accent1"/>
+          </a:effectRef>
+          <a:fontRef idx="minor">
+            <a:schemeClr val="tx1"/>
+          </a:fontRef>
+        </p:style>
+      </p:cxnSp>
+      <p:cxnSp>
+        <p:nvCxnSpPr>
+          <p:cNvPr id="7" name="Connettore 1 6">
+            <a:extLst>
+              <a:ext uri="{FF2B5EF4-FFF2-40B4-BE49-F238E27FC236}">
+                <a16:creationId xmlns:a16="http://schemas.microsoft.com/office/drawing/2014/main" id="{478A66D8-D47A-0092-E4EE-65789A0E8D78}"/>
+              </a:ext>
+            </a:extLst>
+          </p:cNvPr>
+          <p:cNvCxnSpPr>
+            <a:cxnSpLocks/>
+          </p:cNvCxnSpPr>
+          <p:nvPr userDrawn="1"/>
+        </p:nvCxnSpPr>
+        <p:spPr>
+          <a:xfrm flipH="1">
+            <a:off x="101602" y="6473371"/>
+            <a:ext cx="11872684" cy="0"/>
+          </a:xfrm>
+          <a:prstGeom prst="line">
+            <a:avLst/>
+          </a:prstGeom>
+          <a:ln w="25400" cap="rnd">
+            <a:solidFill>
+              <a:srgbClr val="3F3C53"/>
+            </a:solidFill>
+            <a:bevel/>
+          </a:ln>
+        </p:spPr>
+        <p:style>
+          <a:lnRef idx="1">
+            <a:schemeClr val="accent1"/>
+          </a:lnRef>
+          <a:fillRef idx="0">
+            <a:schemeClr val="accent1"/>
+          </a:fillRef>
+          <a:effectRef idx="0">
+            <a:schemeClr val="accent1"/>
+          </a:effectRef>
+          <a:fontRef idx="minor">
+            <a:schemeClr val="tx1"/>
+          </a:fontRef>
+        </p:style>
+      </p:cxnSp>
+      <p:pic>
+        <p:nvPicPr>
+          <p:cNvPr id="12" name="Immagine 11">
+            <a:extLst>
+              <a:ext uri="{FF2B5EF4-FFF2-40B4-BE49-F238E27FC236}">
+                <a16:creationId xmlns:a16="http://schemas.microsoft.com/office/drawing/2014/main" id="{1447576D-4C76-761A-5115-FF01306D9B58}"/>
+              </a:ext>
+            </a:extLst>
+          </p:cNvPr>
+          <p:cNvPicPr>
+            <a:picLocks noChangeAspect="1"/>
+          </p:cNvPicPr>
+          <p:nvPr userDrawn="1"/>
+        </p:nvPicPr>
+        <p:blipFill>
+          <a:blip r:embed="rId2"/>
+          <a:stretch>
+            <a:fillRect/>
+          </a:stretch>
+        </p:blipFill>
+        <p:spPr>
+          <a:xfrm>
+            <a:off x="121921" y="121689"/>
+            <a:ext cx="573542" cy="575589"/>
+          </a:xfrm>
+          <a:prstGeom prst="rect">
+            <a:avLst/>
+          </a:prstGeom>
+        </p:spPr>
+      </p:pic>
+      <p:sp>
+        <p:nvSpPr>
+          <p:cNvPr id="10" name="Segnaposto testo 9">
+            <a:extLst>
+              <a:ext uri="{FF2B5EF4-FFF2-40B4-BE49-F238E27FC236}">
+                <a16:creationId xmlns:a16="http://schemas.microsoft.com/office/drawing/2014/main" id="{5C4AC70B-4E48-C782-AB6E-D91D2185AD3C}"/>
+              </a:ext>
+            </a:extLst>
+          </p:cNvPr>
+          <p:cNvSpPr>
+            <a:spLocks noGrp="1"/>
+          </p:cNvSpPr>
+          <p:nvPr>
+            <p:ph type="body" sz="quarter" idx="13" hasCustomPrompt="1"/>
+          </p:nvPr>
+        </p:nvSpPr>
+        <p:spPr>
+          <a:xfrm>
+            <a:off x="1008063" y="670833"/>
+            <a:ext cx="11061700" cy="299480"/>
+          </a:xfrm>
+        </p:spPr>
+        <p:txBody>
+          <a:bodyPr>
+            <a:noAutofit/>
+          </a:bodyPr>
+          <a:lstStyle>
+            <a:lvl1pPr marL="0" indent="0">
+              <a:buNone/>
+              <a:defRPr sz="1800" b="0" i="0">
+                <a:latin typeface="SF Pro Text Light" pitchFamily="2" charset="0"/>
+                <a:ea typeface="SF Pro Text Light" pitchFamily="2" charset="0"/>
+                <a:cs typeface="SF Pro Text Light" pitchFamily="2" charset="0"/>
+              </a:defRPr>
+            </a:lvl1pPr>
+          </a:lstStyle>
+          <a:p>
+            <a:pPr lvl="0"/>
+            <a:r>
+              <a:rPr lang="it-IT" dirty="0"/>
+              <a:t>Click per sottotitolo</a:t>
+            </a:r>
+          </a:p>
+        </p:txBody>
+      </p:sp>
+    </p:spTree>
+    <p:extLst>
+      <p:ext uri="{BB962C8B-B14F-4D97-AF65-F5344CB8AC3E}">
+        <p14:creationId xmlns:p14="http://schemas.microsoft.com/office/powerpoint/2010/main" val="2221554375"/>
       </p:ext>
     </p:extLst>
   </p:cSld>
@@ -1371,6 +1650,7 @@
   <p:sldLayoutIdLst>
     <p:sldLayoutId id="2147483649" r:id="rId1"/>
     <p:sldLayoutId id="2147483655" r:id="rId2"/>
+    <p:sldLayoutId id="2147483656" r:id="rId3"/>
   </p:sldLayoutIdLst>
   <p:hf hdr="0" ftr="0" dt="0"/>
   <p:txStyles>
@@ -1794,7 +2074,12 @@
             <p:ph type="title"/>
           </p:nvPr>
         </p:nvSpPr>
-        <p:spPr/>
+        <p:spPr>
+          <a:xfrm>
+            <a:off x="1007293" y="121689"/>
+            <a:ext cx="11062786" cy="626984"/>
+          </a:xfrm>
+        </p:spPr>
         <p:txBody>
           <a:bodyPr>
             <a:normAutofit/>
@@ -2128,6 +2413,36 @@
       </p:grpSpPr>
       <p:sp>
         <p:nvSpPr>
+          <p:cNvPr id="3" name="Segnaposto numero diapositiva 2">
+            <a:extLst>
+              <a:ext uri="{FF2B5EF4-FFF2-40B4-BE49-F238E27FC236}">
+                <a16:creationId xmlns:a16="http://schemas.microsoft.com/office/drawing/2014/main" id="{1CB1CB99-22DD-0EB2-849B-C4B75DE58E30}"/>
+              </a:ext>
+            </a:extLst>
+          </p:cNvPr>
+          <p:cNvSpPr>
+            <a:spLocks noGrp="1"/>
+          </p:cNvSpPr>
+          <p:nvPr>
+            <p:ph type="sldNum" sz="quarter" idx="12"/>
+          </p:nvPr>
+        </p:nvSpPr>
+        <p:spPr/>
+        <p:txBody>
+          <a:bodyPr/>
+          <a:lstStyle/>
+          <a:p>
+            <a:fld id="{925FCEA2-F0DA-AB4C-B1CA-0E33C745EDE1}" type="slidenum">
+              <a:rPr lang="it-IT" smtClean="0"/>
+              <a:pPr/>
+              <a:t>2</a:t>
+            </a:fld>
+            <a:endParaRPr lang="it-IT" dirty="0"/>
+          </a:p>
+        </p:txBody>
+      </p:sp>
+      <p:sp>
+        <p:nvSpPr>
           <p:cNvPr id="2" name="Titolo 1">
             <a:extLst>
               <a:ext uri="{FF2B5EF4-FFF2-40B4-BE49-F238E27FC236}">
@@ -2145,44 +2460,14 @@
         <p:spPr/>
         <p:txBody>
           <a:bodyPr>
-            <a:normAutofit/>
+            <a:normAutofit fontScale="90000"/>
           </a:bodyPr>
           <a:lstStyle/>
           <a:p>
             <a:r>
-              <a:rPr lang="en-US"/>
+              <a:rPr lang="en-US" dirty="0"/>
               <a:t>Introduction</a:t>
             </a:r>
-          </a:p>
-        </p:txBody>
-      </p:sp>
-      <p:sp>
-        <p:nvSpPr>
-          <p:cNvPr id="3" name="Segnaposto numero diapositiva 2">
-            <a:extLst>
-              <a:ext uri="{FF2B5EF4-FFF2-40B4-BE49-F238E27FC236}">
-                <a16:creationId xmlns:a16="http://schemas.microsoft.com/office/drawing/2014/main" id="{1CB1CB99-22DD-0EB2-849B-C4B75DE58E30}"/>
-              </a:ext>
-            </a:extLst>
-          </p:cNvPr>
-          <p:cNvSpPr>
-            <a:spLocks noGrp="1"/>
-          </p:cNvSpPr>
-          <p:nvPr>
-            <p:ph type="sldNum" sz="quarter" idx="12"/>
-          </p:nvPr>
-        </p:nvSpPr>
-        <p:spPr/>
-        <p:txBody>
-          <a:bodyPr/>
-          <a:lstStyle/>
-          <a:p>
-            <a:fld id="{925FCEA2-F0DA-AB4C-B1CA-0E33C745EDE1}" type="slidenum">
-              <a:rPr lang="it-IT" smtClean="0"/>
-              <a:pPr/>
-              <a:t>2</a:t>
-            </a:fld>
-            <a:endParaRPr lang="it-IT" dirty="0"/>
           </a:p>
         </p:txBody>
       </p:sp>
@@ -2279,7 +2564,12 @@
             <p:ph type="title"/>
           </p:nvPr>
         </p:nvSpPr>
-        <p:spPr/>
+        <p:spPr>
+          <a:xfrm>
+            <a:off x="1007293" y="121689"/>
+            <a:ext cx="11062786" cy="626984"/>
+          </a:xfrm>
+        </p:spPr>
         <p:txBody>
           <a:bodyPr>
             <a:normAutofit/>

--- a/Presentation/DIMA_myAPTracker_Presentation.pptx
+++ b/Presentation/DIMA_myAPTracker_Presentation.pptx
@@ -5,13 +5,15 @@
     <p:sldMasterId id="2147483648" r:id="rId1"/>
   </p:sldMasterIdLst>
   <p:notesMasterIdLst>
-    <p:notesMasterId r:id="rId6"/>
+    <p:notesMasterId r:id="rId8"/>
   </p:notesMasterIdLst>
   <p:sldIdLst>
     <p:sldId id="256" r:id="rId2"/>
     <p:sldId id="257" r:id="rId3"/>
     <p:sldId id="258" r:id="rId4"/>
     <p:sldId id="259" r:id="rId5"/>
+    <p:sldId id="260" r:id="rId6"/>
+    <p:sldId id="261" r:id="rId7"/>
   </p:sldIdLst>
   <p:sldSz cx="12192000" cy="6858000"/>
   <p:notesSz cx="6858000" cy="9144000"/>
@@ -200,7 +202,7 @@
           <a:p>
             <a:fld id="{04871163-4F93-9544-967C-41CE9E9A3E47}" type="datetimeFigureOut">
               <a:rPr lang="it-IT" smtClean="0"/>
-              <a:t>31/05/22</a:t>
+              <a:t>14/06/22</a:t>
             </a:fld>
             <a:endParaRPr lang="it-IT"/>
           </a:p>
@@ -542,6 +544,90 @@
     <p:extLst>
       <p:ext uri="{BB962C8B-B14F-4D97-AF65-F5344CB8AC3E}">
         <p14:creationId xmlns:p14="http://schemas.microsoft.com/office/powerpoint/2010/main" val="331579371"/>
+      </p:ext>
+    </p:extLst>
+  </p:cSld>
+  <p:clrMapOvr>
+    <a:masterClrMapping/>
+  </p:clrMapOvr>
+</p:notes>
+</file>
+
+<file path=ppt/notesSlides/notesSlide2.xml><?xml version="1.0" encoding="utf-8"?>
+<p:notes xmlns:a="http://schemas.openxmlformats.org/drawingml/2006/main" xmlns:r="http://schemas.openxmlformats.org/officeDocument/2006/relationships" xmlns:p="http://schemas.openxmlformats.org/presentationml/2006/main">
+  <p:cSld>
+    <p:spTree>
+      <p:nvGrpSpPr>
+        <p:cNvPr id="1" name=""/>
+        <p:cNvGrpSpPr/>
+        <p:nvPr/>
+      </p:nvGrpSpPr>
+      <p:grpSpPr>
+        <a:xfrm>
+          <a:off x="0" y="0"/>
+          <a:ext cx="0" cy="0"/>
+          <a:chOff x="0" y="0"/>
+          <a:chExt cx="0" cy="0"/>
+        </a:xfrm>
+      </p:grpSpPr>
+      <p:sp>
+        <p:nvSpPr>
+          <p:cNvPr id="2" name="Segnaposto immagine diapositiva 1"/>
+          <p:cNvSpPr>
+            <a:spLocks noGrp="1" noRot="1" noChangeAspect="1"/>
+          </p:cNvSpPr>
+          <p:nvPr>
+            <p:ph type="sldImg"/>
+          </p:nvPr>
+        </p:nvSpPr>
+        <p:spPr/>
+      </p:sp>
+      <p:sp>
+        <p:nvSpPr>
+          <p:cNvPr id="3" name="Segnaposto note 2"/>
+          <p:cNvSpPr>
+            <a:spLocks noGrp="1"/>
+          </p:cNvSpPr>
+          <p:nvPr>
+            <p:ph type="body" idx="1"/>
+          </p:nvPr>
+        </p:nvSpPr>
+        <p:spPr/>
+        <p:txBody>
+          <a:bodyPr/>
+          <a:lstStyle/>
+          <a:p>
+            <a:endParaRPr lang="it-IT" dirty="0"/>
+          </a:p>
+        </p:txBody>
+      </p:sp>
+      <p:sp>
+        <p:nvSpPr>
+          <p:cNvPr id="4" name="Segnaposto numero diapositiva 3"/>
+          <p:cNvSpPr>
+            <a:spLocks noGrp="1"/>
+          </p:cNvSpPr>
+          <p:nvPr>
+            <p:ph type="sldNum" sz="quarter" idx="5"/>
+          </p:nvPr>
+        </p:nvSpPr>
+        <p:spPr/>
+        <p:txBody>
+          <a:bodyPr/>
+          <a:lstStyle/>
+          <a:p>
+            <a:fld id="{A09D37E0-8943-9746-B7FE-8F0BF24C4FD4}" type="slidenum">
+              <a:rPr lang="it-IT" smtClean="0"/>
+              <a:t>4</a:t>
+            </a:fld>
+            <a:endParaRPr lang="it-IT"/>
+          </a:p>
+        </p:txBody>
+      </p:sp>
+    </p:spTree>
+    <p:extLst>
+      <p:ext uri="{BB962C8B-B14F-4D97-AF65-F5344CB8AC3E}">
+        <p14:creationId xmlns:p14="http://schemas.microsoft.com/office/powerpoint/2010/main" val="3940364729"/>
       </p:ext>
     </p:extLst>
   </p:cSld>
@@ -2154,7 +2240,7 @@
             <a:r>
               <a:rPr lang="it-IT" sz="2400" b="1" dirty="0">
                 <a:solidFill>
-                  <a:srgbClr val="3F3C53"/>
+                  <a:srgbClr val="3F51C3"/>
                 </a:solidFill>
                 <a:latin typeface="SF Pro Text" pitchFamily="2" charset="0"/>
                 <a:ea typeface="SF Pro Text" pitchFamily="2" charset="0"/>
@@ -2249,7 +2335,7 @@
             <a:r>
               <a:rPr lang="it-IT" sz="2400" b="1" dirty="0">
                 <a:solidFill>
-                  <a:srgbClr val="3F3C53"/>
+                  <a:srgbClr val="3F51C3"/>
                 </a:solidFill>
                 <a:latin typeface="SF Pro Text" pitchFamily="2" charset="0"/>
                 <a:ea typeface="SF Pro Text" pitchFamily="2" charset="0"/>
@@ -2500,7 +2586,7 @@
         </p:blipFill>
         <p:spPr bwMode="auto">
           <a:xfrm>
-            <a:off x="8384584" y="1263492"/>
+            <a:off x="8327283" y="1697445"/>
             <a:ext cx="3081062" cy="306501"/>
           </a:xfrm>
           <a:prstGeom prst="rect">
@@ -3062,7 +3148,7 @@
             <a:r>
               <a:rPr lang="it-IT" b="1" dirty="0">
                 <a:solidFill>
-                  <a:srgbClr val="3F3C53"/>
+                  <a:srgbClr val="3F51C3"/>
                 </a:solidFill>
                 <a:latin typeface="SF Pro Text" pitchFamily="2" charset="0"/>
                 <a:ea typeface="SF Pro Text" pitchFamily="2" charset="0"/>
@@ -3296,7 +3382,7 @@
             <a:r>
               <a:rPr lang="it-IT" b="1" dirty="0">
                 <a:solidFill>
-                  <a:srgbClr val="3F3C53"/>
+                  <a:srgbClr val="3F51C3"/>
                 </a:solidFill>
                 <a:latin typeface="SF Pro Text" pitchFamily="2" charset="0"/>
                 <a:ea typeface="SF Pro Text" pitchFamily="2" charset="0"/>
@@ -3399,7 +3485,7 @@
             <a:r>
               <a:rPr lang="it-IT" b="1" dirty="0">
                 <a:solidFill>
-                  <a:srgbClr val="3F3C53"/>
+                  <a:srgbClr val="3F51C3"/>
                 </a:solidFill>
                 <a:latin typeface="SF Pro Text" pitchFamily="2" charset="0"/>
                 <a:ea typeface="SF Pro Text" pitchFamily="2" charset="0"/>
@@ -3495,7 +3581,7 @@
             <a:r>
               <a:rPr lang="it-IT" b="1" dirty="0" err="1">
                 <a:solidFill>
-                  <a:srgbClr val="3F3C53"/>
+                  <a:srgbClr val="3F51C3"/>
                 </a:solidFill>
                 <a:latin typeface="SF Pro Text" pitchFamily="2" charset="0"/>
                 <a:ea typeface="SF Pro Text" pitchFamily="2" charset="0"/>
@@ -3505,7 +3591,7 @@
             </a:r>
             <a:endParaRPr lang="it-IT" b="1" dirty="0">
               <a:solidFill>
-                <a:srgbClr val="3F3C53"/>
+                <a:srgbClr val="3F51C3"/>
               </a:solidFill>
               <a:latin typeface="SF Pro Text" pitchFamily="2" charset="0"/>
               <a:ea typeface="SF Pro Text" pitchFamily="2" charset="0"/>
@@ -3709,7 +3795,7 @@
             <a:r>
               <a:rPr lang="it-IT" b="1" dirty="0" err="1">
                 <a:solidFill>
-                  <a:srgbClr val="3F3C53"/>
+                  <a:srgbClr val="3F51C3"/>
                 </a:solidFill>
                 <a:latin typeface="SF Pro Text" pitchFamily="2" charset="0"/>
                 <a:ea typeface="SF Pro Text" pitchFamily="2" charset="0"/>
@@ -3719,7 +3805,7 @@
             </a:r>
             <a:endParaRPr lang="it-IT" b="1" dirty="0">
               <a:solidFill>
-                <a:srgbClr val="3F3C53"/>
+                <a:srgbClr val="3F51C3"/>
               </a:solidFill>
               <a:latin typeface="SF Pro Text" pitchFamily="2" charset="0"/>
               <a:ea typeface="SF Pro Text" pitchFamily="2" charset="0"/>
@@ -3841,6 +3927,2062 @@
     <p:extLst>
       <p:ext uri="{BB962C8B-B14F-4D97-AF65-F5344CB8AC3E}">
         <p14:creationId xmlns:p14="http://schemas.microsoft.com/office/powerpoint/2010/main" val="676491772"/>
+      </p:ext>
+    </p:extLst>
+  </p:cSld>
+  <p:clrMapOvr>
+    <a:masterClrMapping/>
+  </p:clrMapOvr>
+</p:sld>
+</file>
+
+<file path=ppt/slides/slide5.xml><?xml version="1.0" encoding="utf-8"?>
+<p:sld xmlns:a="http://schemas.openxmlformats.org/drawingml/2006/main" xmlns:r="http://schemas.openxmlformats.org/officeDocument/2006/relationships" xmlns:p="http://schemas.openxmlformats.org/presentationml/2006/main">
+  <p:cSld>
+    <p:spTree>
+      <p:nvGrpSpPr>
+        <p:cNvPr id="1" name=""/>
+        <p:cNvGrpSpPr/>
+        <p:nvPr/>
+      </p:nvGrpSpPr>
+      <p:grpSpPr>
+        <a:xfrm>
+          <a:off x="0" y="0"/>
+          <a:ext cx="0" cy="0"/>
+          <a:chOff x="0" y="0"/>
+          <a:chExt cx="0" cy="0"/>
+        </a:xfrm>
+      </p:grpSpPr>
+      <p:sp>
+        <p:nvSpPr>
+          <p:cNvPr id="33" name="Rettangolo con angoli arrotondati 32">
+            <a:extLst>
+              <a:ext uri="{FF2B5EF4-FFF2-40B4-BE49-F238E27FC236}">
+                <a16:creationId xmlns:a16="http://schemas.microsoft.com/office/drawing/2014/main" id="{33F62617-49A1-AD24-532B-FC4F4546E4B7}"/>
+              </a:ext>
+            </a:extLst>
+          </p:cNvPr>
+          <p:cNvSpPr/>
+          <p:nvPr/>
+        </p:nvSpPr>
+        <p:spPr>
+          <a:xfrm>
+            <a:off x="1150019" y="1349085"/>
+            <a:ext cx="1659680" cy="4631042"/>
+          </a:xfrm>
+          <a:prstGeom prst="roundRect">
+            <a:avLst>
+              <a:gd name="adj" fmla="val 30571"/>
+            </a:avLst>
+          </a:prstGeom>
+          <a:solidFill>
+            <a:srgbClr val="FFFFFF">
+              <a:alpha val="50196"/>
+            </a:srgbClr>
+          </a:solidFill>
+          <a:ln w="38100">
+            <a:noFill/>
+          </a:ln>
+        </p:spPr>
+        <p:style>
+          <a:lnRef idx="2">
+            <a:schemeClr val="accent1">
+              <a:shade val="50000"/>
+            </a:schemeClr>
+          </a:lnRef>
+          <a:fillRef idx="1">
+            <a:schemeClr val="accent1"/>
+          </a:fillRef>
+          <a:effectRef idx="0">
+            <a:schemeClr val="accent1"/>
+          </a:effectRef>
+          <a:fontRef idx="minor">
+            <a:schemeClr val="lt1"/>
+          </a:fontRef>
+        </p:style>
+        <p:txBody>
+          <a:bodyPr rtlCol="0" anchor="ctr"/>
+          <a:lstStyle/>
+          <a:p>
+            <a:pPr algn="ctr"/>
+            <a:endParaRPr lang="it-IT"/>
+          </a:p>
+        </p:txBody>
+      </p:sp>
+      <p:sp>
+        <p:nvSpPr>
+          <p:cNvPr id="12" name="Rettangolo con angoli arrotondati 11">
+            <a:extLst>
+              <a:ext uri="{FF2B5EF4-FFF2-40B4-BE49-F238E27FC236}">
+                <a16:creationId xmlns:a16="http://schemas.microsoft.com/office/drawing/2014/main" id="{BA180BE6-40E0-6C1A-6DC1-DB6C78CD2433}"/>
+              </a:ext>
+            </a:extLst>
+          </p:cNvPr>
+          <p:cNvSpPr/>
+          <p:nvPr/>
+        </p:nvSpPr>
+        <p:spPr>
+          <a:xfrm>
+            <a:off x="1007293" y="1191885"/>
+            <a:ext cx="1945133" cy="4945443"/>
+          </a:xfrm>
+          <a:prstGeom prst="roundRect">
+            <a:avLst>
+              <a:gd name="adj" fmla="val 30571"/>
+            </a:avLst>
+          </a:prstGeom>
+          <a:noFill/>
+          <a:ln w="38100">
+            <a:solidFill>
+              <a:srgbClr val="3F3C53"/>
+            </a:solidFill>
+          </a:ln>
+        </p:spPr>
+        <p:style>
+          <a:lnRef idx="2">
+            <a:schemeClr val="accent1">
+              <a:shade val="50000"/>
+            </a:schemeClr>
+          </a:lnRef>
+          <a:fillRef idx="1">
+            <a:schemeClr val="accent1"/>
+          </a:fillRef>
+          <a:effectRef idx="0">
+            <a:schemeClr val="accent1"/>
+          </a:effectRef>
+          <a:fontRef idx="minor">
+            <a:schemeClr val="lt1"/>
+          </a:fontRef>
+        </p:style>
+        <p:txBody>
+          <a:bodyPr rtlCol="0" anchor="ctr"/>
+          <a:lstStyle/>
+          <a:p>
+            <a:pPr algn="ctr"/>
+            <a:endParaRPr lang="it-IT"/>
+          </a:p>
+        </p:txBody>
+      </p:sp>
+      <p:sp>
+        <p:nvSpPr>
+          <p:cNvPr id="27" name="Ovale 26">
+            <a:extLst>
+              <a:ext uri="{FF2B5EF4-FFF2-40B4-BE49-F238E27FC236}">
+                <a16:creationId xmlns:a16="http://schemas.microsoft.com/office/drawing/2014/main" id="{FE89D3D4-9CA0-ED98-CF8B-8A767160C60D}"/>
+              </a:ext>
+            </a:extLst>
+          </p:cNvPr>
+          <p:cNvSpPr/>
+          <p:nvPr/>
+        </p:nvSpPr>
+        <p:spPr>
+          <a:xfrm>
+            <a:off x="2549470" y="1655662"/>
+            <a:ext cx="805912" cy="805912"/>
+          </a:xfrm>
+          <a:prstGeom prst="ellipse">
+            <a:avLst/>
+          </a:prstGeom>
+          <a:solidFill>
+            <a:srgbClr val="3F51C3"/>
+          </a:solidFill>
+          <a:ln>
+            <a:noFill/>
+          </a:ln>
+        </p:spPr>
+        <p:style>
+          <a:lnRef idx="2">
+            <a:schemeClr val="accent1">
+              <a:shade val="50000"/>
+            </a:schemeClr>
+          </a:lnRef>
+          <a:fillRef idx="1">
+            <a:schemeClr val="accent1"/>
+          </a:fillRef>
+          <a:effectRef idx="0">
+            <a:schemeClr val="accent1"/>
+          </a:effectRef>
+          <a:fontRef idx="minor">
+            <a:schemeClr val="lt1"/>
+          </a:fontRef>
+        </p:style>
+        <p:txBody>
+          <a:bodyPr rtlCol="0" anchor="ctr"/>
+          <a:lstStyle/>
+          <a:p>
+            <a:pPr algn="ctr"/>
+            <a:endParaRPr lang="it-IT"/>
+          </a:p>
+        </p:txBody>
+      </p:sp>
+      <p:sp>
+        <p:nvSpPr>
+          <p:cNvPr id="28" name="Ovale 27">
+            <a:extLst>
+              <a:ext uri="{FF2B5EF4-FFF2-40B4-BE49-F238E27FC236}">
+                <a16:creationId xmlns:a16="http://schemas.microsoft.com/office/drawing/2014/main" id="{9D902341-8272-F68D-9301-30488CD18310}"/>
+              </a:ext>
+            </a:extLst>
+          </p:cNvPr>
+          <p:cNvSpPr/>
+          <p:nvPr/>
+        </p:nvSpPr>
+        <p:spPr>
+          <a:xfrm>
+            <a:off x="2549470" y="2727409"/>
+            <a:ext cx="805912" cy="805912"/>
+          </a:xfrm>
+          <a:prstGeom prst="ellipse">
+            <a:avLst/>
+          </a:prstGeom>
+          <a:solidFill>
+            <a:srgbClr val="3F51C3"/>
+          </a:solidFill>
+          <a:ln>
+            <a:noFill/>
+          </a:ln>
+        </p:spPr>
+        <p:style>
+          <a:lnRef idx="2">
+            <a:schemeClr val="accent1">
+              <a:shade val="50000"/>
+            </a:schemeClr>
+          </a:lnRef>
+          <a:fillRef idx="1">
+            <a:schemeClr val="accent1"/>
+          </a:fillRef>
+          <a:effectRef idx="0">
+            <a:schemeClr val="accent1"/>
+          </a:effectRef>
+          <a:fontRef idx="minor">
+            <a:schemeClr val="lt1"/>
+          </a:fontRef>
+        </p:style>
+        <p:txBody>
+          <a:bodyPr rtlCol="0" anchor="ctr"/>
+          <a:lstStyle/>
+          <a:p>
+            <a:pPr algn="ctr"/>
+            <a:endParaRPr lang="it-IT"/>
+          </a:p>
+        </p:txBody>
+      </p:sp>
+      <p:sp>
+        <p:nvSpPr>
+          <p:cNvPr id="29" name="Ovale 28">
+            <a:extLst>
+              <a:ext uri="{FF2B5EF4-FFF2-40B4-BE49-F238E27FC236}">
+                <a16:creationId xmlns:a16="http://schemas.microsoft.com/office/drawing/2014/main" id="{E041F5E8-5699-5D70-99DB-33E96CAD4280}"/>
+              </a:ext>
+            </a:extLst>
+          </p:cNvPr>
+          <p:cNvSpPr/>
+          <p:nvPr/>
+        </p:nvSpPr>
+        <p:spPr>
+          <a:xfrm>
+            <a:off x="2549470" y="3799156"/>
+            <a:ext cx="805912" cy="805912"/>
+          </a:xfrm>
+          <a:prstGeom prst="ellipse">
+            <a:avLst/>
+          </a:prstGeom>
+          <a:solidFill>
+            <a:srgbClr val="3F51C3"/>
+          </a:solidFill>
+          <a:ln>
+            <a:noFill/>
+          </a:ln>
+        </p:spPr>
+        <p:style>
+          <a:lnRef idx="2">
+            <a:schemeClr val="accent1">
+              <a:shade val="50000"/>
+            </a:schemeClr>
+          </a:lnRef>
+          <a:fillRef idx="1">
+            <a:schemeClr val="accent1"/>
+          </a:fillRef>
+          <a:effectRef idx="0">
+            <a:schemeClr val="accent1"/>
+          </a:effectRef>
+          <a:fontRef idx="minor">
+            <a:schemeClr val="lt1"/>
+          </a:fontRef>
+        </p:style>
+        <p:txBody>
+          <a:bodyPr rtlCol="0" anchor="ctr"/>
+          <a:lstStyle/>
+          <a:p>
+            <a:pPr algn="ctr"/>
+            <a:endParaRPr lang="it-IT"/>
+          </a:p>
+        </p:txBody>
+      </p:sp>
+      <p:sp>
+        <p:nvSpPr>
+          <p:cNvPr id="30" name="Ovale 29">
+            <a:extLst>
+              <a:ext uri="{FF2B5EF4-FFF2-40B4-BE49-F238E27FC236}">
+                <a16:creationId xmlns:a16="http://schemas.microsoft.com/office/drawing/2014/main" id="{7461AF3F-393F-619C-F79F-A7E671DE7D2E}"/>
+              </a:ext>
+            </a:extLst>
+          </p:cNvPr>
+          <p:cNvSpPr/>
+          <p:nvPr/>
+        </p:nvSpPr>
+        <p:spPr>
+          <a:xfrm>
+            <a:off x="2549470" y="4870903"/>
+            <a:ext cx="805912" cy="805912"/>
+          </a:xfrm>
+          <a:prstGeom prst="ellipse">
+            <a:avLst/>
+          </a:prstGeom>
+          <a:solidFill>
+            <a:srgbClr val="3F51C3"/>
+          </a:solidFill>
+          <a:ln>
+            <a:noFill/>
+          </a:ln>
+        </p:spPr>
+        <p:style>
+          <a:lnRef idx="2">
+            <a:schemeClr val="accent1">
+              <a:shade val="50000"/>
+            </a:schemeClr>
+          </a:lnRef>
+          <a:fillRef idx="1">
+            <a:schemeClr val="accent1"/>
+          </a:fillRef>
+          <a:effectRef idx="0">
+            <a:schemeClr val="accent1"/>
+          </a:effectRef>
+          <a:fontRef idx="minor">
+            <a:schemeClr val="lt1"/>
+          </a:fontRef>
+        </p:style>
+        <p:txBody>
+          <a:bodyPr rtlCol="0" anchor="ctr"/>
+          <a:lstStyle/>
+          <a:p>
+            <a:pPr algn="ctr"/>
+            <a:endParaRPr lang="it-IT"/>
+          </a:p>
+        </p:txBody>
+      </p:sp>
+      <p:sp>
+        <p:nvSpPr>
+          <p:cNvPr id="2" name="Segnaposto numero diapositiva 1">
+            <a:extLst>
+              <a:ext uri="{FF2B5EF4-FFF2-40B4-BE49-F238E27FC236}">
+                <a16:creationId xmlns:a16="http://schemas.microsoft.com/office/drawing/2014/main" id="{69067B06-9255-DECE-F263-9B1B0135452D}"/>
+              </a:ext>
+            </a:extLst>
+          </p:cNvPr>
+          <p:cNvSpPr>
+            <a:spLocks noGrp="1"/>
+          </p:cNvSpPr>
+          <p:nvPr>
+            <p:ph type="sldNum" sz="quarter" idx="12"/>
+          </p:nvPr>
+        </p:nvSpPr>
+        <p:spPr/>
+        <p:txBody>
+          <a:bodyPr/>
+          <a:lstStyle/>
+          <a:p>
+            <a:fld id="{925FCEA2-F0DA-AB4C-B1CA-0E33C745EDE1}" type="slidenum">
+              <a:rPr lang="it-IT" smtClean="0"/>
+              <a:pPr/>
+              <a:t>4</a:t>
+            </a:fld>
+            <a:endParaRPr lang="it-IT" dirty="0"/>
+          </a:p>
+        </p:txBody>
+      </p:sp>
+      <p:sp>
+        <p:nvSpPr>
+          <p:cNvPr id="3" name="Titolo 2">
+            <a:extLst>
+              <a:ext uri="{FF2B5EF4-FFF2-40B4-BE49-F238E27FC236}">
+                <a16:creationId xmlns:a16="http://schemas.microsoft.com/office/drawing/2014/main" id="{C2A02218-6C6F-112E-F8EF-B3D5F7CC4210}"/>
+              </a:ext>
+            </a:extLst>
+          </p:cNvPr>
+          <p:cNvSpPr>
+            <a:spLocks noGrp="1"/>
+          </p:cNvSpPr>
+          <p:nvPr>
+            <p:ph type="title"/>
+          </p:nvPr>
+        </p:nvSpPr>
+        <p:spPr/>
+        <p:txBody>
+          <a:bodyPr/>
+          <a:lstStyle/>
+          <a:p>
+            <a:r>
+              <a:rPr lang="it-IT" dirty="0" err="1"/>
+              <a:t>Functionalities</a:t>
+            </a:r>
+            <a:endParaRPr lang="it-IT" dirty="0"/>
+          </a:p>
+        </p:txBody>
+      </p:sp>
+      <p:sp>
+        <p:nvSpPr>
+          <p:cNvPr id="4" name="CasellaDiTesto 3">
+            <a:extLst>
+              <a:ext uri="{FF2B5EF4-FFF2-40B4-BE49-F238E27FC236}">
+                <a16:creationId xmlns:a16="http://schemas.microsoft.com/office/drawing/2014/main" id="{94D7553B-667D-7C74-3C16-445CE007B55E}"/>
+              </a:ext>
+            </a:extLst>
+          </p:cNvPr>
+          <p:cNvSpPr txBox="1"/>
+          <p:nvPr/>
+        </p:nvSpPr>
+        <p:spPr>
+          <a:xfrm>
+            <a:off x="3516035" y="1655662"/>
+            <a:ext cx="7245458" cy="615553"/>
+          </a:xfrm>
+          <a:prstGeom prst="rect">
+            <a:avLst/>
+          </a:prstGeom>
+          <a:noFill/>
+        </p:spPr>
+        <p:txBody>
+          <a:bodyPr wrap="square" rtlCol="0">
+            <a:spAutoFit/>
+          </a:bodyPr>
+          <a:lstStyle/>
+          <a:p>
+            <a:r>
+              <a:rPr lang="it-IT" sz="2000" b="1" dirty="0">
+                <a:solidFill>
+                  <a:srgbClr val="3F51C3"/>
+                </a:solidFill>
+                <a:latin typeface="SF Pro Text" pitchFamily="2" charset="0"/>
+                <a:ea typeface="SF Pro Text" pitchFamily="2" charset="0"/>
+                <a:cs typeface="SF Pro Text" pitchFamily="2" charset="0"/>
+              </a:rPr>
+              <a:t>Track product price</a:t>
+            </a:r>
+          </a:p>
+          <a:p>
+            <a:r>
+              <a:rPr lang="it-IT" sz="1400" dirty="0" err="1">
+                <a:solidFill>
+                  <a:srgbClr val="3F3C53"/>
+                </a:solidFill>
+                <a:latin typeface="SF Pro Text" pitchFamily="2" charset="0"/>
+                <a:ea typeface="SF Pro Text" pitchFamily="2" charset="0"/>
+                <a:cs typeface="SF Pro Text" pitchFamily="2" charset="0"/>
+              </a:rPr>
+              <a:t>Keep</a:t>
+            </a:r>
+            <a:r>
+              <a:rPr lang="it-IT" sz="1400" dirty="0">
+                <a:solidFill>
+                  <a:srgbClr val="3F3C53"/>
+                </a:solidFill>
+                <a:latin typeface="SF Pro Text" pitchFamily="2" charset="0"/>
+                <a:ea typeface="SF Pro Text" pitchFamily="2" charset="0"/>
+                <a:cs typeface="SF Pro Text" pitchFamily="2" charset="0"/>
+              </a:rPr>
+              <a:t> track of the price of </a:t>
+            </a:r>
+            <a:r>
+              <a:rPr lang="it-IT" sz="1400" dirty="0" err="1">
+                <a:solidFill>
+                  <a:srgbClr val="3F3C53"/>
+                </a:solidFill>
+                <a:latin typeface="SF Pro Text" pitchFamily="2" charset="0"/>
+                <a:ea typeface="SF Pro Text" pitchFamily="2" charset="0"/>
+                <a:cs typeface="SF Pro Text" pitchFamily="2" charset="0"/>
+              </a:rPr>
+              <a:t>your</a:t>
+            </a:r>
+            <a:r>
+              <a:rPr lang="it-IT" sz="1400" dirty="0">
+                <a:solidFill>
+                  <a:srgbClr val="3F3C53"/>
+                </a:solidFill>
+                <a:latin typeface="SF Pro Text" pitchFamily="2" charset="0"/>
+                <a:ea typeface="SF Pro Text" pitchFamily="2" charset="0"/>
+                <a:cs typeface="SF Pro Text" pitchFamily="2" charset="0"/>
+              </a:rPr>
+              <a:t> </a:t>
+            </a:r>
+            <a:r>
+              <a:rPr lang="it-IT" sz="1400" dirty="0" err="1">
+                <a:solidFill>
+                  <a:srgbClr val="3F3C53"/>
+                </a:solidFill>
+                <a:latin typeface="SF Pro Text" pitchFamily="2" charset="0"/>
+                <a:ea typeface="SF Pro Text" pitchFamily="2" charset="0"/>
+                <a:cs typeface="SF Pro Text" pitchFamily="2" charset="0"/>
+              </a:rPr>
+              <a:t>favourite</a:t>
+            </a:r>
+            <a:r>
+              <a:rPr lang="it-IT" sz="1400" dirty="0">
+                <a:solidFill>
+                  <a:srgbClr val="3F3C53"/>
+                </a:solidFill>
+                <a:latin typeface="SF Pro Text" pitchFamily="2" charset="0"/>
+                <a:ea typeface="SF Pro Text" pitchFamily="2" charset="0"/>
+                <a:cs typeface="SF Pro Text" pitchFamily="2" charset="0"/>
+              </a:rPr>
+              <a:t> products</a:t>
+            </a:r>
+          </a:p>
+        </p:txBody>
+      </p:sp>
+      <p:pic>
+        <p:nvPicPr>
+          <p:cNvPr id="9" name="Elemento grafico 8">
+            <a:extLst>
+              <a:ext uri="{FF2B5EF4-FFF2-40B4-BE49-F238E27FC236}">
+                <a16:creationId xmlns:a16="http://schemas.microsoft.com/office/drawing/2014/main" id="{85253182-9526-7780-6538-CF4A5F804064}"/>
+              </a:ext>
+            </a:extLst>
+          </p:cNvPr>
+          <p:cNvPicPr>
+            <a:picLocks noChangeAspect="1"/>
+          </p:cNvPicPr>
+          <p:nvPr/>
+        </p:nvPicPr>
+        <p:blipFill>
+          <a:blip r:embed="rId3">
+            <a:extLst>
+              <a:ext uri="{96DAC541-7B7A-43D3-8B79-37D633B846F1}">
+                <asvg:svgBlip xmlns:asvg="http://schemas.microsoft.com/office/drawing/2016/SVG/main" r:embed="rId4"/>
+              </a:ext>
+            </a:extLst>
+          </a:blip>
+          <a:stretch>
+            <a:fillRect/>
+          </a:stretch>
+        </p:blipFill>
+        <p:spPr>
+          <a:xfrm>
+            <a:off x="2710123" y="1817430"/>
+            <a:ext cx="484606" cy="484606"/>
+          </a:xfrm>
+          <a:prstGeom prst="rect">
+            <a:avLst/>
+          </a:prstGeom>
+        </p:spPr>
+      </p:pic>
+      <p:pic>
+        <p:nvPicPr>
+          <p:cNvPr id="32" name="Elemento grafico 31">
+            <a:extLst>
+              <a:ext uri="{FF2B5EF4-FFF2-40B4-BE49-F238E27FC236}">
+                <a16:creationId xmlns:a16="http://schemas.microsoft.com/office/drawing/2014/main" id="{BCCD7A27-0D10-3E03-F761-3B6B23DBDA01}"/>
+              </a:ext>
+            </a:extLst>
+          </p:cNvPr>
+          <p:cNvPicPr>
+            <a:picLocks noChangeAspect="1"/>
+          </p:cNvPicPr>
+          <p:nvPr/>
+        </p:nvPicPr>
+        <p:blipFill>
+          <a:blip r:embed="rId5">
+            <a:extLst>
+              <a:ext uri="{96DAC541-7B7A-43D3-8B79-37D633B846F1}">
+                <asvg:svgBlip xmlns:asvg="http://schemas.microsoft.com/office/drawing/2016/SVG/main" r:embed="rId6"/>
+              </a:ext>
+            </a:extLst>
+          </a:blip>
+          <a:stretch>
+            <a:fillRect/>
+          </a:stretch>
+        </p:blipFill>
+        <p:spPr>
+          <a:xfrm rot="5400000">
+            <a:off x="1108215" y="2771836"/>
+            <a:ext cx="1638554" cy="1638554"/>
+          </a:xfrm>
+          <a:prstGeom prst="rect">
+            <a:avLst/>
+          </a:prstGeom>
+        </p:spPr>
+      </p:pic>
+      <p:sp>
+        <p:nvSpPr>
+          <p:cNvPr id="36" name="CasellaDiTesto 35">
+            <a:extLst>
+              <a:ext uri="{FF2B5EF4-FFF2-40B4-BE49-F238E27FC236}">
+                <a16:creationId xmlns:a16="http://schemas.microsoft.com/office/drawing/2014/main" id="{5598B97E-5AB2-B126-80E5-E51543C08C86}"/>
+              </a:ext>
+            </a:extLst>
+          </p:cNvPr>
+          <p:cNvSpPr txBox="1"/>
+          <p:nvPr/>
+        </p:nvSpPr>
+        <p:spPr>
+          <a:xfrm>
+            <a:off x="3516035" y="3894335"/>
+            <a:ext cx="7245458" cy="615553"/>
+          </a:xfrm>
+          <a:prstGeom prst="rect">
+            <a:avLst/>
+          </a:prstGeom>
+          <a:noFill/>
+        </p:spPr>
+        <p:txBody>
+          <a:bodyPr wrap="square" rtlCol="0">
+            <a:spAutoFit/>
+          </a:bodyPr>
+          <a:lstStyle/>
+          <a:p>
+            <a:r>
+              <a:rPr lang="it-IT" sz="2000" b="1" dirty="0">
+                <a:solidFill>
+                  <a:srgbClr val="3F51C3"/>
+                </a:solidFill>
+                <a:latin typeface="SF Pro Text" pitchFamily="2" charset="0"/>
+                <a:ea typeface="SF Pro Text" pitchFamily="2" charset="0"/>
+                <a:cs typeface="SF Pro Text" pitchFamily="2" charset="0"/>
+              </a:rPr>
+              <a:t>Notification</a:t>
+            </a:r>
+          </a:p>
+          <a:p>
+            <a:r>
+              <a:rPr lang="it-IT" sz="1400" dirty="0" err="1">
+                <a:solidFill>
+                  <a:srgbClr val="3F3C53"/>
+                </a:solidFill>
+                <a:latin typeface="SF Pro Text" pitchFamily="2" charset="0"/>
+                <a:ea typeface="SF Pro Text" pitchFamily="2" charset="0"/>
+                <a:cs typeface="SF Pro Text" pitchFamily="2" charset="0"/>
+              </a:rPr>
+              <a:t>Get</a:t>
+            </a:r>
+            <a:r>
+              <a:rPr lang="it-IT" sz="1400" dirty="0">
+                <a:solidFill>
+                  <a:srgbClr val="3F3C53"/>
+                </a:solidFill>
+                <a:latin typeface="SF Pro Text" pitchFamily="2" charset="0"/>
+                <a:ea typeface="SF Pro Text" pitchFamily="2" charset="0"/>
+                <a:cs typeface="SF Pro Text" pitchFamily="2" charset="0"/>
+              </a:rPr>
+              <a:t> </a:t>
+            </a:r>
+            <a:r>
+              <a:rPr lang="it-IT" sz="1400" dirty="0" err="1">
+                <a:solidFill>
+                  <a:srgbClr val="3F3C53"/>
+                </a:solidFill>
+                <a:latin typeface="SF Pro Text" pitchFamily="2" charset="0"/>
+                <a:ea typeface="SF Pro Text" pitchFamily="2" charset="0"/>
+                <a:cs typeface="SF Pro Text" pitchFamily="2" charset="0"/>
+              </a:rPr>
+              <a:t>notified</a:t>
+            </a:r>
+            <a:r>
+              <a:rPr lang="it-IT" sz="1400" dirty="0">
+                <a:solidFill>
+                  <a:srgbClr val="3F3C53"/>
+                </a:solidFill>
+                <a:latin typeface="SF Pro Text" pitchFamily="2" charset="0"/>
+                <a:ea typeface="SF Pro Text" pitchFamily="2" charset="0"/>
+                <a:cs typeface="SF Pro Text" pitchFamily="2" charset="0"/>
+              </a:rPr>
+              <a:t> </a:t>
+            </a:r>
+            <a:r>
+              <a:rPr lang="it-IT" sz="1400" dirty="0" err="1">
+                <a:solidFill>
+                  <a:srgbClr val="3F3C53"/>
+                </a:solidFill>
+                <a:latin typeface="SF Pro Text" pitchFamily="2" charset="0"/>
+                <a:ea typeface="SF Pro Text" pitchFamily="2" charset="0"/>
+                <a:cs typeface="SF Pro Text" pitchFamily="2" charset="0"/>
+              </a:rPr>
+              <a:t>when</a:t>
+            </a:r>
+            <a:r>
+              <a:rPr lang="it-IT" sz="1400" dirty="0">
+                <a:solidFill>
+                  <a:srgbClr val="3F3C53"/>
+                </a:solidFill>
+                <a:latin typeface="SF Pro Text" pitchFamily="2" charset="0"/>
+                <a:ea typeface="SF Pro Text" pitchFamily="2" charset="0"/>
+                <a:cs typeface="SF Pro Text" pitchFamily="2" charset="0"/>
+              </a:rPr>
+              <a:t> a </a:t>
+            </a:r>
+            <a:r>
+              <a:rPr lang="it-IT" sz="1400" dirty="0" err="1">
+                <a:solidFill>
+                  <a:srgbClr val="3F3C53"/>
+                </a:solidFill>
+                <a:latin typeface="SF Pro Text" pitchFamily="2" charset="0"/>
+                <a:ea typeface="SF Pro Text" pitchFamily="2" charset="0"/>
+                <a:cs typeface="SF Pro Text" pitchFamily="2" charset="0"/>
+              </a:rPr>
+              <a:t>tracked</a:t>
+            </a:r>
+            <a:r>
+              <a:rPr lang="it-IT" sz="1400" dirty="0">
+                <a:solidFill>
+                  <a:srgbClr val="3F3C53"/>
+                </a:solidFill>
+                <a:latin typeface="SF Pro Text" pitchFamily="2" charset="0"/>
+                <a:ea typeface="SF Pro Text" pitchFamily="2" charset="0"/>
+                <a:cs typeface="SF Pro Text" pitchFamily="2" charset="0"/>
+              </a:rPr>
+              <a:t> product price </a:t>
+            </a:r>
+            <a:r>
+              <a:rPr lang="it-IT" sz="1400" dirty="0" err="1">
+                <a:solidFill>
+                  <a:srgbClr val="3F3C53"/>
+                </a:solidFill>
+                <a:latin typeface="SF Pro Text" pitchFamily="2" charset="0"/>
+                <a:ea typeface="SF Pro Text" pitchFamily="2" charset="0"/>
+                <a:cs typeface="SF Pro Text" pitchFamily="2" charset="0"/>
+              </a:rPr>
+              <a:t>falls</a:t>
+            </a:r>
+            <a:r>
+              <a:rPr lang="it-IT" sz="1400" dirty="0">
+                <a:solidFill>
+                  <a:srgbClr val="3F3C53"/>
+                </a:solidFill>
+                <a:latin typeface="SF Pro Text" pitchFamily="2" charset="0"/>
+                <a:ea typeface="SF Pro Text" pitchFamily="2" charset="0"/>
+                <a:cs typeface="SF Pro Text" pitchFamily="2" charset="0"/>
+              </a:rPr>
+              <a:t> down</a:t>
+            </a:r>
+          </a:p>
+        </p:txBody>
+      </p:sp>
+      <p:pic>
+        <p:nvPicPr>
+          <p:cNvPr id="37" name="Elemento grafico 36">
+            <a:extLst>
+              <a:ext uri="{FF2B5EF4-FFF2-40B4-BE49-F238E27FC236}">
+                <a16:creationId xmlns:a16="http://schemas.microsoft.com/office/drawing/2014/main" id="{FD48E28F-3662-45A7-AF8B-9E8ABE6D90BE}"/>
+              </a:ext>
+            </a:extLst>
+          </p:cNvPr>
+          <p:cNvPicPr>
+            <a:picLocks noChangeAspect="1"/>
+          </p:cNvPicPr>
+          <p:nvPr/>
+        </p:nvPicPr>
+        <p:blipFill>
+          <a:blip r:embed="rId7">
+            <a:extLst>
+              <a:ext uri="{96DAC541-7B7A-43D3-8B79-37D633B846F1}">
+                <asvg:svgBlip xmlns:asvg="http://schemas.microsoft.com/office/drawing/2016/SVG/main" r:embed="rId8"/>
+              </a:ext>
+            </a:extLst>
+          </a:blip>
+          <a:stretch>
+            <a:fillRect/>
+          </a:stretch>
+        </p:blipFill>
+        <p:spPr>
+          <a:xfrm>
+            <a:off x="2738982" y="3974974"/>
+            <a:ext cx="454274" cy="454274"/>
+          </a:xfrm>
+          <a:prstGeom prst="rect">
+            <a:avLst/>
+          </a:prstGeom>
+        </p:spPr>
+      </p:pic>
+      <p:sp>
+        <p:nvSpPr>
+          <p:cNvPr id="38" name="CasellaDiTesto 37">
+            <a:extLst>
+              <a:ext uri="{FF2B5EF4-FFF2-40B4-BE49-F238E27FC236}">
+                <a16:creationId xmlns:a16="http://schemas.microsoft.com/office/drawing/2014/main" id="{45E3C27E-F785-6F26-E7EA-46BCF4D46EDE}"/>
+              </a:ext>
+            </a:extLst>
+          </p:cNvPr>
+          <p:cNvSpPr txBox="1"/>
+          <p:nvPr/>
+        </p:nvSpPr>
+        <p:spPr>
+          <a:xfrm>
+            <a:off x="3516035" y="2803729"/>
+            <a:ext cx="7245458" cy="615553"/>
+          </a:xfrm>
+          <a:prstGeom prst="rect">
+            <a:avLst/>
+          </a:prstGeom>
+          <a:noFill/>
+        </p:spPr>
+        <p:txBody>
+          <a:bodyPr wrap="square" rtlCol="0">
+            <a:spAutoFit/>
+          </a:bodyPr>
+          <a:lstStyle/>
+          <a:p>
+            <a:r>
+              <a:rPr lang="it-IT" sz="2000" b="1" dirty="0" err="1">
+                <a:solidFill>
+                  <a:srgbClr val="3F51C3"/>
+                </a:solidFill>
+                <a:latin typeface="SF Pro Text" pitchFamily="2" charset="0"/>
+                <a:ea typeface="SF Pro Text" pitchFamily="2" charset="0"/>
+                <a:cs typeface="SF Pro Text" pitchFamily="2" charset="0"/>
+              </a:rPr>
+              <a:t>Explore</a:t>
+            </a:r>
+            <a:endParaRPr lang="it-IT" sz="2000" b="1" dirty="0">
+              <a:solidFill>
+                <a:srgbClr val="3F51C3"/>
+              </a:solidFill>
+              <a:latin typeface="SF Pro Text" pitchFamily="2" charset="0"/>
+              <a:ea typeface="SF Pro Text" pitchFamily="2" charset="0"/>
+              <a:cs typeface="SF Pro Text" pitchFamily="2" charset="0"/>
+            </a:endParaRPr>
+          </a:p>
+          <a:p>
+            <a:r>
+              <a:rPr lang="it-IT" sz="1400" dirty="0" err="1">
+                <a:solidFill>
+                  <a:srgbClr val="3F3C53"/>
+                </a:solidFill>
+                <a:latin typeface="SF Pro Text" pitchFamily="2" charset="0"/>
+                <a:ea typeface="SF Pro Text" pitchFamily="2" charset="0"/>
+                <a:cs typeface="SF Pro Text" pitchFamily="2" charset="0"/>
+              </a:rPr>
+              <a:t>Explore</a:t>
+            </a:r>
+            <a:r>
+              <a:rPr lang="it-IT" sz="1400" dirty="0">
+                <a:solidFill>
+                  <a:srgbClr val="3F3C53"/>
+                </a:solidFill>
+                <a:latin typeface="SF Pro Text" pitchFamily="2" charset="0"/>
+                <a:ea typeface="SF Pro Text" pitchFamily="2" charset="0"/>
+                <a:cs typeface="SF Pro Text" pitchFamily="2" charset="0"/>
+              </a:rPr>
+              <a:t> products </a:t>
+            </a:r>
+            <a:r>
+              <a:rPr lang="it-IT" sz="1400" dirty="0" err="1">
+                <a:solidFill>
+                  <a:srgbClr val="3F3C53"/>
+                </a:solidFill>
+                <a:latin typeface="SF Pro Text" pitchFamily="2" charset="0"/>
+                <a:ea typeface="SF Pro Text" pitchFamily="2" charset="0"/>
+                <a:cs typeface="SF Pro Text" pitchFamily="2" charset="0"/>
+              </a:rPr>
+              <a:t>added</a:t>
+            </a:r>
+            <a:r>
+              <a:rPr lang="it-IT" sz="1400" dirty="0">
+                <a:solidFill>
+                  <a:srgbClr val="3F3C53"/>
+                </a:solidFill>
+                <a:latin typeface="SF Pro Text" pitchFamily="2" charset="0"/>
+                <a:ea typeface="SF Pro Text" pitchFamily="2" charset="0"/>
+                <a:cs typeface="SF Pro Text" pitchFamily="2" charset="0"/>
+              </a:rPr>
+              <a:t> by </a:t>
+            </a:r>
+            <a:r>
+              <a:rPr lang="it-IT" sz="1400" dirty="0" err="1">
+                <a:solidFill>
+                  <a:srgbClr val="3F3C53"/>
+                </a:solidFill>
+                <a:latin typeface="SF Pro Text" pitchFamily="2" charset="0"/>
+                <a:ea typeface="SF Pro Text" pitchFamily="2" charset="0"/>
+                <a:cs typeface="SF Pro Text" pitchFamily="2" charset="0"/>
+              </a:rPr>
+              <a:t>other</a:t>
+            </a:r>
+            <a:r>
+              <a:rPr lang="it-IT" sz="1400" dirty="0">
+                <a:solidFill>
+                  <a:srgbClr val="3F3C53"/>
+                </a:solidFill>
+                <a:latin typeface="SF Pro Text" pitchFamily="2" charset="0"/>
+                <a:ea typeface="SF Pro Text" pitchFamily="2" charset="0"/>
+                <a:cs typeface="SF Pro Text" pitchFamily="2" charset="0"/>
+              </a:rPr>
+              <a:t> users by </a:t>
+            </a:r>
+            <a:r>
+              <a:rPr lang="it-IT" sz="1400" dirty="0" err="1">
+                <a:solidFill>
+                  <a:srgbClr val="3F3C53"/>
+                </a:solidFill>
+                <a:latin typeface="SF Pro Text" pitchFamily="2" charset="0"/>
+                <a:ea typeface="SF Pro Text" pitchFamily="2" charset="0"/>
+                <a:cs typeface="SF Pro Text" pitchFamily="2" charset="0"/>
+              </a:rPr>
+              <a:t>different</a:t>
+            </a:r>
+            <a:r>
+              <a:rPr lang="it-IT" sz="1400" dirty="0">
+                <a:solidFill>
+                  <a:srgbClr val="3F3C53"/>
+                </a:solidFill>
+                <a:latin typeface="SF Pro Text" pitchFamily="2" charset="0"/>
+                <a:ea typeface="SF Pro Text" pitchFamily="2" charset="0"/>
+                <a:cs typeface="SF Pro Text" pitchFamily="2" charset="0"/>
+              </a:rPr>
+              <a:t> </a:t>
+            </a:r>
+            <a:r>
+              <a:rPr lang="it-IT" sz="1400" dirty="0" err="1">
+                <a:solidFill>
+                  <a:srgbClr val="3F3C53"/>
+                </a:solidFill>
+                <a:latin typeface="SF Pro Text" pitchFamily="2" charset="0"/>
+                <a:ea typeface="SF Pro Text" pitchFamily="2" charset="0"/>
+                <a:cs typeface="SF Pro Text" pitchFamily="2" charset="0"/>
+              </a:rPr>
+              <a:t>criteria</a:t>
+            </a:r>
+            <a:endParaRPr lang="it-IT" sz="1400" dirty="0">
+              <a:solidFill>
+                <a:srgbClr val="3F3C53"/>
+              </a:solidFill>
+              <a:latin typeface="SF Pro Text" pitchFamily="2" charset="0"/>
+              <a:ea typeface="SF Pro Text" pitchFamily="2" charset="0"/>
+              <a:cs typeface="SF Pro Text" pitchFamily="2" charset="0"/>
+            </a:endParaRPr>
+          </a:p>
+        </p:txBody>
+      </p:sp>
+      <p:pic>
+        <p:nvPicPr>
+          <p:cNvPr id="43" name="Elemento grafico 42">
+            <a:extLst>
+              <a:ext uri="{FF2B5EF4-FFF2-40B4-BE49-F238E27FC236}">
+                <a16:creationId xmlns:a16="http://schemas.microsoft.com/office/drawing/2014/main" id="{A23E1DEC-4ED2-6CC1-F038-D0471DA06671}"/>
+              </a:ext>
+            </a:extLst>
+          </p:cNvPr>
+          <p:cNvPicPr>
+            <a:picLocks noChangeAspect="1"/>
+          </p:cNvPicPr>
+          <p:nvPr/>
+        </p:nvPicPr>
+        <p:blipFill>
+          <a:blip r:embed="rId9">
+            <a:extLst>
+              <a:ext uri="{96DAC541-7B7A-43D3-8B79-37D633B846F1}">
+                <asvg:svgBlip xmlns:asvg="http://schemas.microsoft.com/office/drawing/2016/SVG/main" r:embed="rId10"/>
+              </a:ext>
+            </a:extLst>
+          </a:blip>
+          <a:stretch>
+            <a:fillRect/>
+          </a:stretch>
+        </p:blipFill>
+        <p:spPr>
+          <a:xfrm>
+            <a:off x="2718123" y="2887277"/>
+            <a:ext cx="468604" cy="468604"/>
+          </a:xfrm>
+          <a:prstGeom prst="rect">
+            <a:avLst/>
+          </a:prstGeom>
+        </p:spPr>
+      </p:pic>
+      <p:pic>
+        <p:nvPicPr>
+          <p:cNvPr id="45" name="Elemento grafico 44">
+            <a:extLst>
+              <a:ext uri="{FF2B5EF4-FFF2-40B4-BE49-F238E27FC236}">
+                <a16:creationId xmlns:a16="http://schemas.microsoft.com/office/drawing/2014/main" id="{92CB6EDF-2E74-B9B7-76C2-57222E133222}"/>
+              </a:ext>
+            </a:extLst>
+          </p:cNvPr>
+          <p:cNvPicPr>
+            <a:picLocks noChangeAspect="1"/>
+          </p:cNvPicPr>
+          <p:nvPr/>
+        </p:nvPicPr>
+        <p:blipFill>
+          <a:blip r:embed="rId11">
+            <a:extLst>
+              <a:ext uri="{96DAC541-7B7A-43D3-8B79-37D633B846F1}">
+                <asvg:svgBlip xmlns:asvg="http://schemas.microsoft.com/office/drawing/2016/SVG/main" r:embed="rId12"/>
+              </a:ext>
+            </a:extLst>
+          </a:blip>
+          <a:stretch>
+            <a:fillRect/>
+          </a:stretch>
+        </p:blipFill>
+        <p:spPr>
+          <a:xfrm>
+            <a:off x="2676003" y="4987068"/>
+            <a:ext cx="552843" cy="552843"/>
+          </a:xfrm>
+          <a:prstGeom prst="rect">
+            <a:avLst/>
+          </a:prstGeom>
+        </p:spPr>
+      </p:pic>
+      <p:sp>
+        <p:nvSpPr>
+          <p:cNvPr id="46" name="CasellaDiTesto 45">
+            <a:extLst>
+              <a:ext uri="{FF2B5EF4-FFF2-40B4-BE49-F238E27FC236}">
+                <a16:creationId xmlns:a16="http://schemas.microsoft.com/office/drawing/2014/main" id="{32F48D70-52DA-C5B9-A49C-249F65FFE077}"/>
+              </a:ext>
+            </a:extLst>
+          </p:cNvPr>
+          <p:cNvSpPr txBox="1"/>
+          <p:nvPr/>
+        </p:nvSpPr>
+        <p:spPr>
+          <a:xfrm>
+            <a:off x="3481915" y="4984941"/>
+            <a:ext cx="7245458" cy="615553"/>
+          </a:xfrm>
+          <a:prstGeom prst="rect">
+            <a:avLst/>
+          </a:prstGeom>
+          <a:noFill/>
+        </p:spPr>
+        <p:txBody>
+          <a:bodyPr wrap="square" rtlCol="0">
+            <a:spAutoFit/>
+          </a:bodyPr>
+          <a:lstStyle/>
+          <a:p>
+            <a:r>
+              <a:rPr lang="it-IT" sz="2000" b="1" dirty="0" err="1">
+                <a:solidFill>
+                  <a:srgbClr val="3F51C3"/>
+                </a:solidFill>
+                <a:latin typeface="SF Pro Text" pitchFamily="2" charset="0"/>
+                <a:ea typeface="SF Pro Text" pitchFamily="2" charset="0"/>
+                <a:cs typeface="SF Pro Text" pitchFamily="2" charset="0"/>
+              </a:rPr>
+              <a:t>Synchronization</a:t>
+            </a:r>
+            <a:endParaRPr lang="it-IT" sz="2000" b="1" dirty="0">
+              <a:solidFill>
+                <a:srgbClr val="3F51C3"/>
+              </a:solidFill>
+              <a:latin typeface="SF Pro Text" pitchFamily="2" charset="0"/>
+              <a:ea typeface="SF Pro Text" pitchFamily="2" charset="0"/>
+              <a:cs typeface="SF Pro Text" pitchFamily="2" charset="0"/>
+            </a:endParaRPr>
+          </a:p>
+          <a:p>
+            <a:r>
+              <a:rPr lang="it-IT" sz="1400" dirty="0" err="1">
+                <a:solidFill>
+                  <a:srgbClr val="3F3C53"/>
+                </a:solidFill>
+                <a:latin typeface="SF Pro Text" pitchFamily="2" charset="0"/>
+                <a:ea typeface="SF Pro Text" pitchFamily="2" charset="0"/>
+                <a:cs typeface="SF Pro Text" pitchFamily="2" charset="0"/>
+              </a:rPr>
+              <a:t>Keep</a:t>
+            </a:r>
+            <a:r>
+              <a:rPr lang="it-IT" sz="1400" dirty="0">
+                <a:solidFill>
+                  <a:srgbClr val="3F3C53"/>
+                </a:solidFill>
+                <a:latin typeface="SF Pro Text" pitchFamily="2" charset="0"/>
+                <a:ea typeface="SF Pro Text" pitchFamily="2" charset="0"/>
+                <a:cs typeface="SF Pro Text" pitchFamily="2" charset="0"/>
+              </a:rPr>
+              <a:t> </a:t>
+            </a:r>
+            <a:r>
+              <a:rPr lang="it-IT" sz="1400" dirty="0" err="1">
+                <a:solidFill>
+                  <a:srgbClr val="3F3C53"/>
+                </a:solidFill>
+                <a:latin typeface="SF Pro Text" pitchFamily="2" charset="0"/>
+                <a:ea typeface="SF Pro Text" pitchFamily="2" charset="0"/>
+                <a:cs typeface="SF Pro Text" pitchFamily="2" charset="0"/>
+              </a:rPr>
+              <a:t>your</a:t>
+            </a:r>
+            <a:r>
+              <a:rPr lang="it-IT" sz="1400" dirty="0">
+                <a:solidFill>
+                  <a:srgbClr val="3F3C53"/>
+                </a:solidFill>
+                <a:latin typeface="SF Pro Text" pitchFamily="2" charset="0"/>
+                <a:ea typeface="SF Pro Text" pitchFamily="2" charset="0"/>
+                <a:cs typeface="SF Pro Text" pitchFamily="2" charset="0"/>
+              </a:rPr>
+              <a:t> data and </a:t>
+            </a:r>
+            <a:r>
+              <a:rPr lang="it-IT" sz="1400" dirty="0" err="1">
+                <a:solidFill>
+                  <a:srgbClr val="3F3C53"/>
+                </a:solidFill>
+                <a:latin typeface="SF Pro Text" pitchFamily="2" charset="0"/>
+                <a:ea typeface="SF Pro Text" pitchFamily="2" charset="0"/>
+                <a:cs typeface="SF Pro Text" pitchFamily="2" charset="0"/>
+              </a:rPr>
+              <a:t>preferences</a:t>
+            </a:r>
+            <a:r>
+              <a:rPr lang="it-IT" sz="1400" dirty="0">
+                <a:solidFill>
+                  <a:srgbClr val="3F3C53"/>
+                </a:solidFill>
+                <a:latin typeface="SF Pro Text" pitchFamily="2" charset="0"/>
+                <a:ea typeface="SF Pro Text" pitchFamily="2" charset="0"/>
+                <a:cs typeface="SF Pro Text" pitchFamily="2" charset="0"/>
+              </a:rPr>
+              <a:t> </a:t>
+            </a:r>
+            <a:r>
+              <a:rPr lang="it-IT" sz="1400" dirty="0" err="1">
+                <a:solidFill>
+                  <a:srgbClr val="3F3C53"/>
+                </a:solidFill>
+                <a:latin typeface="SF Pro Text" pitchFamily="2" charset="0"/>
+                <a:ea typeface="SF Pro Text" pitchFamily="2" charset="0"/>
+                <a:cs typeface="SF Pro Text" pitchFamily="2" charset="0"/>
+              </a:rPr>
+              <a:t>synced</a:t>
+            </a:r>
+            <a:r>
+              <a:rPr lang="it-IT" sz="1400" dirty="0">
+                <a:solidFill>
+                  <a:srgbClr val="3F3C53"/>
+                </a:solidFill>
+                <a:latin typeface="SF Pro Text" pitchFamily="2" charset="0"/>
+                <a:ea typeface="SF Pro Text" pitchFamily="2" charset="0"/>
+                <a:cs typeface="SF Pro Text" pitchFamily="2" charset="0"/>
+              </a:rPr>
+              <a:t> with </a:t>
+            </a:r>
+            <a:r>
+              <a:rPr lang="it-IT" sz="1400" dirty="0" err="1">
+                <a:solidFill>
+                  <a:srgbClr val="3F3C53"/>
+                </a:solidFill>
+                <a:latin typeface="SF Pro Text" pitchFamily="2" charset="0"/>
+                <a:ea typeface="SF Pro Text" pitchFamily="2" charset="0"/>
+                <a:cs typeface="SF Pro Text" pitchFamily="2" charset="0"/>
+              </a:rPr>
+              <a:t>your</a:t>
+            </a:r>
+            <a:r>
+              <a:rPr lang="it-IT" sz="1400" dirty="0">
+                <a:solidFill>
+                  <a:srgbClr val="3F3C53"/>
+                </a:solidFill>
+                <a:latin typeface="SF Pro Text" pitchFamily="2" charset="0"/>
+                <a:ea typeface="SF Pro Text" pitchFamily="2" charset="0"/>
+                <a:cs typeface="SF Pro Text" pitchFamily="2" charset="0"/>
+              </a:rPr>
+              <a:t> devices</a:t>
+            </a:r>
+          </a:p>
+        </p:txBody>
+      </p:sp>
+    </p:spTree>
+    <p:extLst>
+      <p:ext uri="{BB962C8B-B14F-4D97-AF65-F5344CB8AC3E}">
+        <p14:creationId xmlns:p14="http://schemas.microsoft.com/office/powerpoint/2010/main" val="2374531488"/>
+      </p:ext>
+    </p:extLst>
+  </p:cSld>
+  <p:clrMapOvr>
+    <a:masterClrMapping/>
+  </p:clrMapOvr>
+</p:sld>
+</file>
+
+<file path=ppt/slides/slide6.xml><?xml version="1.0" encoding="utf-8"?>
+<p:sld xmlns:a="http://schemas.openxmlformats.org/drawingml/2006/main" xmlns:r="http://schemas.openxmlformats.org/officeDocument/2006/relationships" xmlns:p="http://schemas.openxmlformats.org/presentationml/2006/main">
+  <p:cSld>
+    <p:spTree>
+      <p:nvGrpSpPr>
+        <p:cNvPr id="1" name=""/>
+        <p:cNvGrpSpPr/>
+        <p:nvPr/>
+      </p:nvGrpSpPr>
+      <p:grpSpPr>
+        <a:xfrm>
+          <a:off x="0" y="0"/>
+          <a:ext cx="0" cy="0"/>
+          <a:chOff x="0" y="0"/>
+          <a:chExt cx="0" cy="0"/>
+        </a:xfrm>
+      </p:grpSpPr>
+      <p:sp>
+        <p:nvSpPr>
+          <p:cNvPr id="4" name="Titolo 3">
+            <a:extLst>
+              <a:ext uri="{FF2B5EF4-FFF2-40B4-BE49-F238E27FC236}">
+                <a16:creationId xmlns:a16="http://schemas.microsoft.com/office/drawing/2014/main" id="{37AB6371-3E6C-2AD4-2688-BDF6726A9F33}"/>
+              </a:ext>
+            </a:extLst>
+          </p:cNvPr>
+          <p:cNvSpPr>
+            <a:spLocks noGrp="1"/>
+          </p:cNvSpPr>
+          <p:nvPr>
+            <p:ph type="title"/>
+          </p:nvPr>
+        </p:nvSpPr>
+        <p:spPr/>
+        <p:txBody>
+          <a:bodyPr/>
+          <a:lstStyle/>
+          <a:p>
+            <a:r>
+              <a:rPr lang="it-IT" dirty="0" err="1"/>
+              <a:t>Supported</a:t>
+            </a:r>
+            <a:r>
+              <a:rPr lang="it-IT" dirty="0"/>
+              <a:t> devices</a:t>
+            </a:r>
+          </a:p>
+        </p:txBody>
+      </p:sp>
+      <p:sp>
+        <p:nvSpPr>
+          <p:cNvPr id="5" name="Rettangolo 4">
+            <a:extLst>
+              <a:ext uri="{FF2B5EF4-FFF2-40B4-BE49-F238E27FC236}">
+                <a16:creationId xmlns:a16="http://schemas.microsoft.com/office/drawing/2014/main" id="{9EEA5409-A3FF-B5F4-4228-C7631E717679}"/>
+              </a:ext>
+            </a:extLst>
+          </p:cNvPr>
+          <p:cNvSpPr/>
+          <p:nvPr/>
+        </p:nvSpPr>
+        <p:spPr>
+          <a:xfrm>
+            <a:off x="8645935" y="663481"/>
+            <a:ext cx="2912977" cy="1200329"/>
+          </a:xfrm>
+          <a:prstGeom prst="rect">
+            <a:avLst/>
+          </a:prstGeom>
+        </p:spPr>
+        <p:txBody>
+          <a:bodyPr wrap="none">
+            <a:spAutoFit/>
+          </a:bodyPr>
+          <a:lstStyle/>
+          <a:p>
+            <a:r>
+              <a:rPr lang="it-IT" dirty="0">
+                <a:solidFill>
+                  <a:srgbClr val="3F3C53"/>
+                </a:solidFill>
+                <a:latin typeface="SF Pro Text" pitchFamily="2" charset="0"/>
+                <a:ea typeface="SF Pro Text" pitchFamily="2" charset="0"/>
+                <a:cs typeface="SF Pro Text" pitchFamily="2" charset="0"/>
+              </a:rPr>
+              <a:t>iOS 14 +</a:t>
+            </a:r>
+          </a:p>
+          <a:p>
+            <a:r>
+              <a:rPr lang="it-IT" dirty="0">
+                <a:solidFill>
+                  <a:srgbClr val="3F3C53"/>
+                </a:solidFill>
+                <a:latin typeface="SF Pro Text" pitchFamily="2" charset="0"/>
+                <a:ea typeface="SF Pro Text" pitchFamily="2" charset="0"/>
+                <a:cs typeface="SF Pro Text" pitchFamily="2" charset="0"/>
+              </a:rPr>
+              <a:t>iPhone </a:t>
+            </a:r>
+            <a:r>
+              <a:rPr lang="it-IT" dirty="0" err="1">
+                <a:solidFill>
+                  <a:srgbClr val="3F3C53"/>
+                </a:solidFill>
+                <a:latin typeface="SF Pro Text" pitchFamily="2" charset="0"/>
+                <a:ea typeface="SF Pro Text" pitchFamily="2" charset="0"/>
+                <a:cs typeface="SF Pro Text" pitchFamily="2" charset="0"/>
+              </a:rPr>
+              <a:t>portrait</a:t>
+            </a:r>
+            <a:endParaRPr lang="it-IT" dirty="0">
+              <a:solidFill>
+                <a:srgbClr val="3F3C53"/>
+              </a:solidFill>
+              <a:latin typeface="SF Pro Text" pitchFamily="2" charset="0"/>
+              <a:ea typeface="SF Pro Text" pitchFamily="2" charset="0"/>
+              <a:cs typeface="SF Pro Text" pitchFamily="2" charset="0"/>
+            </a:endParaRPr>
+          </a:p>
+          <a:p>
+            <a:r>
+              <a:rPr lang="it-IT" dirty="0">
+                <a:solidFill>
+                  <a:srgbClr val="3F3C53"/>
+                </a:solidFill>
+                <a:latin typeface="SF Pro Text" pitchFamily="2" charset="0"/>
+                <a:ea typeface="SF Pro Text" pitchFamily="2" charset="0"/>
+                <a:cs typeface="SF Pro Text" pitchFamily="2" charset="0"/>
+              </a:rPr>
+              <a:t>iPad </a:t>
+            </a:r>
+            <a:r>
+              <a:rPr lang="it-IT" dirty="0" err="1">
+                <a:solidFill>
+                  <a:srgbClr val="3F3C53"/>
+                </a:solidFill>
+                <a:latin typeface="SF Pro Text" pitchFamily="2" charset="0"/>
+                <a:ea typeface="SF Pro Text" pitchFamily="2" charset="0"/>
+                <a:cs typeface="SF Pro Text" pitchFamily="2" charset="0"/>
+              </a:rPr>
+              <a:t>portrait</a:t>
+            </a:r>
+            <a:r>
+              <a:rPr lang="it-IT" dirty="0">
+                <a:solidFill>
+                  <a:srgbClr val="3F3C53"/>
+                </a:solidFill>
+                <a:latin typeface="SF Pro Text" pitchFamily="2" charset="0"/>
+                <a:ea typeface="SF Pro Text" pitchFamily="2" charset="0"/>
+                <a:cs typeface="SF Pro Text" pitchFamily="2" charset="0"/>
+              </a:rPr>
+              <a:t> + </a:t>
+            </a:r>
+            <a:r>
+              <a:rPr lang="it-IT" dirty="0" err="1">
+                <a:solidFill>
+                  <a:srgbClr val="3F3C53"/>
+                </a:solidFill>
+                <a:latin typeface="SF Pro Text" pitchFamily="2" charset="0"/>
+                <a:ea typeface="SF Pro Text" pitchFamily="2" charset="0"/>
+                <a:cs typeface="SF Pro Text" pitchFamily="2" charset="0"/>
+              </a:rPr>
+              <a:t>landscape</a:t>
+            </a:r>
+            <a:endParaRPr lang="it-IT" dirty="0">
+              <a:solidFill>
+                <a:srgbClr val="3F3C53"/>
+              </a:solidFill>
+              <a:latin typeface="SF Pro Text" pitchFamily="2" charset="0"/>
+              <a:ea typeface="SF Pro Text" pitchFamily="2" charset="0"/>
+              <a:cs typeface="SF Pro Text" pitchFamily="2" charset="0"/>
+            </a:endParaRPr>
+          </a:p>
+          <a:p>
+            <a:r>
+              <a:rPr lang="it-IT" dirty="0">
+                <a:solidFill>
+                  <a:srgbClr val="3F3C53"/>
+                </a:solidFill>
+                <a:latin typeface="SF Pro Text" pitchFamily="2" charset="0"/>
+                <a:ea typeface="SF Pro Text" pitchFamily="2" charset="0"/>
+                <a:cs typeface="SF Pro Text" pitchFamily="2" charset="0"/>
+              </a:rPr>
+              <a:t>Widgets </a:t>
+            </a:r>
+            <a:r>
+              <a:rPr lang="it-IT" dirty="0" err="1">
+                <a:solidFill>
+                  <a:srgbClr val="3F3C53"/>
+                </a:solidFill>
+                <a:latin typeface="SF Pro Text" pitchFamily="2" charset="0"/>
+                <a:ea typeface="SF Pro Text" pitchFamily="2" charset="0"/>
+                <a:cs typeface="SF Pro Text" pitchFamily="2" charset="0"/>
+              </a:rPr>
+              <a:t>iphone</a:t>
+            </a:r>
+            <a:r>
+              <a:rPr lang="it-IT" dirty="0">
+                <a:solidFill>
+                  <a:srgbClr val="3F3C53"/>
+                </a:solidFill>
+                <a:latin typeface="SF Pro Text" pitchFamily="2" charset="0"/>
+                <a:ea typeface="SF Pro Text" pitchFamily="2" charset="0"/>
+                <a:cs typeface="SF Pro Text" pitchFamily="2" charset="0"/>
+              </a:rPr>
+              <a:t> + </a:t>
+            </a:r>
+            <a:r>
+              <a:rPr lang="it-IT" dirty="0" err="1">
+                <a:solidFill>
+                  <a:srgbClr val="3F3C53"/>
+                </a:solidFill>
+                <a:latin typeface="SF Pro Text" pitchFamily="2" charset="0"/>
+                <a:ea typeface="SF Pro Text" pitchFamily="2" charset="0"/>
+                <a:cs typeface="SF Pro Text" pitchFamily="2" charset="0"/>
+              </a:rPr>
+              <a:t>ipad</a:t>
+            </a:r>
+            <a:endParaRPr lang="it-IT" dirty="0"/>
+          </a:p>
+        </p:txBody>
+      </p:sp>
+      <p:sp>
+        <p:nvSpPr>
+          <p:cNvPr id="6" name="Rettangolo con angoli arrotondati 5">
+            <a:extLst>
+              <a:ext uri="{FF2B5EF4-FFF2-40B4-BE49-F238E27FC236}">
+                <a16:creationId xmlns:a16="http://schemas.microsoft.com/office/drawing/2014/main" id="{B2EF8B3E-436E-D98A-79BC-561F3E300933}"/>
+              </a:ext>
+            </a:extLst>
+          </p:cNvPr>
+          <p:cNvSpPr/>
+          <p:nvPr/>
+        </p:nvSpPr>
+        <p:spPr>
+          <a:xfrm>
+            <a:off x="2974384" y="1977280"/>
+            <a:ext cx="1759325" cy="1231383"/>
+          </a:xfrm>
+          <a:prstGeom prst="roundRect">
+            <a:avLst>
+              <a:gd name="adj" fmla="val 30571"/>
+            </a:avLst>
+          </a:prstGeom>
+          <a:solidFill>
+            <a:srgbClr val="FFFFFF">
+              <a:alpha val="50196"/>
+            </a:srgbClr>
+          </a:solidFill>
+          <a:ln w="38100">
+            <a:noFill/>
+          </a:ln>
+        </p:spPr>
+        <p:style>
+          <a:lnRef idx="2">
+            <a:schemeClr val="accent1">
+              <a:shade val="50000"/>
+            </a:schemeClr>
+          </a:lnRef>
+          <a:fillRef idx="1">
+            <a:schemeClr val="accent1"/>
+          </a:fillRef>
+          <a:effectRef idx="0">
+            <a:schemeClr val="accent1"/>
+          </a:effectRef>
+          <a:fontRef idx="minor">
+            <a:schemeClr val="lt1"/>
+          </a:fontRef>
+        </p:style>
+        <p:txBody>
+          <a:bodyPr rtlCol="0" anchor="ctr"/>
+          <a:lstStyle/>
+          <a:p>
+            <a:pPr algn="ctr"/>
+            <a:endParaRPr lang="it-IT"/>
+          </a:p>
+        </p:txBody>
+      </p:sp>
+      <p:sp>
+        <p:nvSpPr>
+          <p:cNvPr id="7" name="Rettangolo con angoli arrotondati 6">
+            <a:extLst>
+              <a:ext uri="{FF2B5EF4-FFF2-40B4-BE49-F238E27FC236}">
+                <a16:creationId xmlns:a16="http://schemas.microsoft.com/office/drawing/2014/main" id="{3A908ADC-BF45-9137-0F6C-8E58F806D137}"/>
+              </a:ext>
+            </a:extLst>
+          </p:cNvPr>
+          <p:cNvSpPr/>
+          <p:nvPr/>
+        </p:nvSpPr>
+        <p:spPr>
+          <a:xfrm>
+            <a:off x="2881481" y="1863810"/>
+            <a:ext cx="1945133" cy="1458325"/>
+          </a:xfrm>
+          <a:prstGeom prst="roundRect">
+            <a:avLst>
+              <a:gd name="adj" fmla="val 30571"/>
+            </a:avLst>
+          </a:prstGeom>
+          <a:noFill/>
+          <a:ln w="38100">
+            <a:solidFill>
+              <a:srgbClr val="3F3C53"/>
+            </a:solidFill>
+          </a:ln>
+        </p:spPr>
+        <p:style>
+          <a:lnRef idx="2">
+            <a:schemeClr val="accent1">
+              <a:shade val="50000"/>
+            </a:schemeClr>
+          </a:lnRef>
+          <a:fillRef idx="1">
+            <a:schemeClr val="accent1"/>
+          </a:fillRef>
+          <a:effectRef idx="0">
+            <a:schemeClr val="accent1"/>
+          </a:effectRef>
+          <a:fontRef idx="minor">
+            <a:schemeClr val="lt1"/>
+          </a:fontRef>
+        </p:style>
+        <p:txBody>
+          <a:bodyPr rtlCol="0" anchor="ctr"/>
+          <a:lstStyle/>
+          <a:p>
+            <a:pPr algn="ctr"/>
+            <a:endParaRPr lang="it-IT"/>
+          </a:p>
+        </p:txBody>
+      </p:sp>
+      <p:sp>
+        <p:nvSpPr>
+          <p:cNvPr id="8" name="Ovale 7">
+            <a:extLst>
+              <a:ext uri="{FF2B5EF4-FFF2-40B4-BE49-F238E27FC236}">
+                <a16:creationId xmlns:a16="http://schemas.microsoft.com/office/drawing/2014/main" id="{AC6D2013-7DE4-9B35-26AF-F84D02282B87}"/>
+              </a:ext>
+            </a:extLst>
+          </p:cNvPr>
+          <p:cNvSpPr/>
+          <p:nvPr/>
+        </p:nvSpPr>
+        <p:spPr>
+          <a:xfrm>
+            <a:off x="5212598" y="2545598"/>
+            <a:ext cx="805912" cy="805912"/>
+          </a:xfrm>
+          <a:prstGeom prst="ellipse">
+            <a:avLst/>
+          </a:prstGeom>
+          <a:solidFill>
+            <a:srgbClr val="3F51C3"/>
+          </a:solidFill>
+          <a:ln>
+            <a:noFill/>
+          </a:ln>
+        </p:spPr>
+        <p:style>
+          <a:lnRef idx="2">
+            <a:schemeClr val="accent1">
+              <a:shade val="50000"/>
+            </a:schemeClr>
+          </a:lnRef>
+          <a:fillRef idx="1">
+            <a:schemeClr val="accent1"/>
+          </a:fillRef>
+          <a:effectRef idx="0">
+            <a:schemeClr val="accent1"/>
+          </a:effectRef>
+          <a:fontRef idx="minor">
+            <a:schemeClr val="lt1"/>
+          </a:fontRef>
+        </p:style>
+        <p:txBody>
+          <a:bodyPr rtlCol="0" anchor="ctr"/>
+          <a:lstStyle/>
+          <a:p>
+            <a:pPr algn="ctr"/>
+            <a:endParaRPr lang="it-IT"/>
+          </a:p>
+        </p:txBody>
+      </p:sp>
+      <p:sp>
+        <p:nvSpPr>
+          <p:cNvPr id="9" name="Ovale 8">
+            <a:extLst>
+              <a:ext uri="{FF2B5EF4-FFF2-40B4-BE49-F238E27FC236}">
+                <a16:creationId xmlns:a16="http://schemas.microsoft.com/office/drawing/2014/main" id="{5136F787-97D5-8AD9-497F-90598A855BAA}"/>
+              </a:ext>
+            </a:extLst>
+          </p:cNvPr>
+          <p:cNvSpPr/>
+          <p:nvPr/>
+        </p:nvSpPr>
+        <p:spPr>
+          <a:xfrm>
+            <a:off x="6157992" y="2561096"/>
+            <a:ext cx="805912" cy="805912"/>
+          </a:xfrm>
+          <a:prstGeom prst="ellipse">
+            <a:avLst/>
+          </a:prstGeom>
+          <a:solidFill>
+            <a:srgbClr val="3F51C3"/>
+          </a:solidFill>
+          <a:ln>
+            <a:noFill/>
+          </a:ln>
+        </p:spPr>
+        <p:style>
+          <a:lnRef idx="2">
+            <a:schemeClr val="accent1">
+              <a:shade val="50000"/>
+            </a:schemeClr>
+          </a:lnRef>
+          <a:fillRef idx="1">
+            <a:schemeClr val="accent1"/>
+          </a:fillRef>
+          <a:effectRef idx="0">
+            <a:schemeClr val="accent1"/>
+          </a:effectRef>
+          <a:fontRef idx="minor">
+            <a:schemeClr val="lt1"/>
+          </a:fontRef>
+        </p:style>
+        <p:txBody>
+          <a:bodyPr rtlCol="0" anchor="ctr"/>
+          <a:lstStyle/>
+          <a:p>
+            <a:pPr algn="ctr"/>
+            <a:endParaRPr lang="it-IT"/>
+          </a:p>
+        </p:txBody>
+      </p:sp>
+      <p:sp>
+        <p:nvSpPr>
+          <p:cNvPr id="10" name="Ovale 9">
+            <a:extLst>
+              <a:ext uri="{FF2B5EF4-FFF2-40B4-BE49-F238E27FC236}">
+                <a16:creationId xmlns:a16="http://schemas.microsoft.com/office/drawing/2014/main" id="{BD036F20-06D7-AFC3-EBED-3F4648758321}"/>
+              </a:ext>
+            </a:extLst>
+          </p:cNvPr>
+          <p:cNvSpPr/>
+          <p:nvPr/>
+        </p:nvSpPr>
+        <p:spPr>
+          <a:xfrm>
+            <a:off x="6157992" y="3506490"/>
+            <a:ext cx="805912" cy="805912"/>
+          </a:xfrm>
+          <a:prstGeom prst="ellipse">
+            <a:avLst/>
+          </a:prstGeom>
+          <a:solidFill>
+            <a:srgbClr val="3F51C3"/>
+          </a:solidFill>
+          <a:ln>
+            <a:noFill/>
+          </a:ln>
+        </p:spPr>
+        <p:style>
+          <a:lnRef idx="2">
+            <a:schemeClr val="accent1">
+              <a:shade val="50000"/>
+            </a:schemeClr>
+          </a:lnRef>
+          <a:fillRef idx="1">
+            <a:schemeClr val="accent1"/>
+          </a:fillRef>
+          <a:effectRef idx="0">
+            <a:schemeClr val="accent1"/>
+          </a:effectRef>
+          <a:fontRef idx="minor">
+            <a:schemeClr val="lt1"/>
+          </a:fontRef>
+        </p:style>
+        <p:txBody>
+          <a:bodyPr rtlCol="0" anchor="ctr"/>
+          <a:lstStyle/>
+          <a:p>
+            <a:pPr algn="ctr"/>
+            <a:endParaRPr lang="it-IT"/>
+          </a:p>
+        </p:txBody>
+      </p:sp>
+      <p:sp>
+        <p:nvSpPr>
+          <p:cNvPr id="11" name="Ovale 10">
+            <a:extLst>
+              <a:ext uri="{FF2B5EF4-FFF2-40B4-BE49-F238E27FC236}">
+                <a16:creationId xmlns:a16="http://schemas.microsoft.com/office/drawing/2014/main" id="{F4A863FD-3E60-7AAD-946E-4125E11622FD}"/>
+              </a:ext>
+            </a:extLst>
+          </p:cNvPr>
+          <p:cNvSpPr/>
+          <p:nvPr/>
+        </p:nvSpPr>
+        <p:spPr>
+          <a:xfrm>
+            <a:off x="5212598" y="3506490"/>
+            <a:ext cx="805912" cy="805912"/>
+          </a:xfrm>
+          <a:prstGeom prst="ellipse">
+            <a:avLst/>
+          </a:prstGeom>
+          <a:solidFill>
+            <a:srgbClr val="3F51C3"/>
+          </a:solidFill>
+          <a:ln>
+            <a:noFill/>
+          </a:ln>
+        </p:spPr>
+        <p:style>
+          <a:lnRef idx="2">
+            <a:schemeClr val="accent1">
+              <a:shade val="50000"/>
+            </a:schemeClr>
+          </a:lnRef>
+          <a:fillRef idx="1">
+            <a:schemeClr val="accent1"/>
+          </a:fillRef>
+          <a:effectRef idx="0">
+            <a:schemeClr val="accent1"/>
+          </a:effectRef>
+          <a:fontRef idx="minor">
+            <a:schemeClr val="lt1"/>
+          </a:fontRef>
+        </p:style>
+        <p:txBody>
+          <a:bodyPr rtlCol="0" anchor="ctr"/>
+          <a:lstStyle/>
+          <a:p>
+            <a:pPr algn="ctr"/>
+            <a:endParaRPr lang="it-IT"/>
+          </a:p>
+        </p:txBody>
+      </p:sp>
+      <p:sp>
+        <p:nvSpPr>
+          <p:cNvPr id="12" name="Rettangolo con angoli arrotondati 11">
+            <a:extLst>
+              <a:ext uri="{FF2B5EF4-FFF2-40B4-BE49-F238E27FC236}">
+                <a16:creationId xmlns:a16="http://schemas.microsoft.com/office/drawing/2014/main" id="{A976E2C9-98E9-407B-54AE-198736A6DE4C}"/>
+              </a:ext>
+            </a:extLst>
+          </p:cNvPr>
+          <p:cNvSpPr/>
+          <p:nvPr/>
+        </p:nvSpPr>
+        <p:spPr>
+          <a:xfrm>
+            <a:off x="2973273" y="3649336"/>
+            <a:ext cx="1759325" cy="1231383"/>
+          </a:xfrm>
+          <a:prstGeom prst="roundRect">
+            <a:avLst>
+              <a:gd name="adj" fmla="val 30571"/>
+            </a:avLst>
+          </a:prstGeom>
+          <a:solidFill>
+            <a:srgbClr val="FFFFFF">
+              <a:alpha val="50196"/>
+            </a:srgbClr>
+          </a:solidFill>
+          <a:ln w="38100">
+            <a:noFill/>
+          </a:ln>
+        </p:spPr>
+        <p:style>
+          <a:lnRef idx="2">
+            <a:schemeClr val="accent1">
+              <a:shade val="50000"/>
+            </a:schemeClr>
+          </a:lnRef>
+          <a:fillRef idx="1">
+            <a:schemeClr val="accent1"/>
+          </a:fillRef>
+          <a:effectRef idx="0">
+            <a:schemeClr val="accent1"/>
+          </a:effectRef>
+          <a:fontRef idx="minor">
+            <a:schemeClr val="lt1"/>
+          </a:fontRef>
+        </p:style>
+        <p:txBody>
+          <a:bodyPr rtlCol="0" anchor="ctr"/>
+          <a:lstStyle/>
+          <a:p>
+            <a:pPr algn="ctr"/>
+            <a:endParaRPr lang="it-IT"/>
+          </a:p>
+        </p:txBody>
+      </p:sp>
+      <p:sp>
+        <p:nvSpPr>
+          <p:cNvPr id="13" name="Rettangolo con angoli arrotondati 12">
+            <a:extLst>
+              <a:ext uri="{FF2B5EF4-FFF2-40B4-BE49-F238E27FC236}">
+                <a16:creationId xmlns:a16="http://schemas.microsoft.com/office/drawing/2014/main" id="{5CC632D6-3DC0-B161-EAF7-45165ECD11BA}"/>
+              </a:ext>
+            </a:extLst>
+          </p:cNvPr>
+          <p:cNvSpPr/>
+          <p:nvPr/>
+        </p:nvSpPr>
+        <p:spPr>
+          <a:xfrm>
+            <a:off x="2880370" y="3535866"/>
+            <a:ext cx="1945133" cy="1458325"/>
+          </a:xfrm>
+          <a:prstGeom prst="roundRect">
+            <a:avLst>
+              <a:gd name="adj" fmla="val 30571"/>
+            </a:avLst>
+          </a:prstGeom>
+          <a:noFill/>
+          <a:ln w="38100">
+            <a:solidFill>
+              <a:srgbClr val="3F3C53"/>
+            </a:solidFill>
+          </a:ln>
+        </p:spPr>
+        <p:style>
+          <a:lnRef idx="2">
+            <a:schemeClr val="accent1">
+              <a:shade val="50000"/>
+            </a:schemeClr>
+          </a:lnRef>
+          <a:fillRef idx="1">
+            <a:schemeClr val="accent1"/>
+          </a:fillRef>
+          <a:effectRef idx="0">
+            <a:schemeClr val="accent1"/>
+          </a:effectRef>
+          <a:fontRef idx="minor">
+            <a:schemeClr val="lt1"/>
+          </a:fontRef>
+        </p:style>
+        <p:txBody>
+          <a:bodyPr rtlCol="0" anchor="ctr"/>
+          <a:lstStyle/>
+          <a:p>
+            <a:pPr algn="ctr"/>
+            <a:endParaRPr lang="it-IT"/>
+          </a:p>
+        </p:txBody>
+      </p:sp>
+      <p:sp>
+        <p:nvSpPr>
+          <p:cNvPr id="14" name="Rettangolo con angoli arrotondati 13">
+            <a:extLst>
+              <a:ext uri="{FF2B5EF4-FFF2-40B4-BE49-F238E27FC236}">
+                <a16:creationId xmlns:a16="http://schemas.microsoft.com/office/drawing/2014/main" id="{87B4568C-50CA-0DC9-8AFA-8A0C2F12376D}"/>
+              </a:ext>
+            </a:extLst>
+          </p:cNvPr>
+          <p:cNvSpPr/>
+          <p:nvPr/>
+        </p:nvSpPr>
+        <p:spPr>
+          <a:xfrm>
+            <a:off x="7364275" y="1977280"/>
+            <a:ext cx="1759325" cy="1231383"/>
+          </a:xfrm>
+          <a:prstGeom prst="roundRect">
+            <a:avLst>
+              <a:gd name="adj" fmla="val 30571"/>
+            </a:avLst>
+          </a:prstGeom>
+          <a:solidFill>
+            <a:srgbClr val="FFFFFF">
+              <a:alpha val="50196"/>
+            </a:srgbClr>
+          </a:solidFill>
+          <a:ln w="38100">
+            <a:noFill/>
+          </a:ln>
+        </p:spPr>
+        <p:style>
+          <a:lnRef idx="2">
+            <a:schemeClr val="accent1">
+              <a:shade val="50000"/>
+            </a:schemeClr>
+          </a:lnRef>
+          <a:fillRef idx="1">
+            <a:schemeClr val="accent1"/>
+          </a:fillRef>
+          <a:effectRef idx="0">
+            <a:schemeClr val="accent1"/>
+          </a:effectRef>
+          <a:fontRef idx="minor">
+            <a:schemeClr val="lt1"/>
+          </a:fontRef>
+        </p:style>
+        <p:txBody>
+          <a:bodyPr rtlCol="0" anchor="ctr"/>
+          <a:lstStyle/>
+          <a:p>
+            <a:pPr algn="ctr"/>
+            <a:endParaRPr lang="it-IT"/>
+          </a:p>
+        </p:txBody>
+      </p:sp>
+      <p:sp>
+        <p:nvSpPr>
+          <p:cNvPr id="15" name="Rettangolo con angoli arrotondati 14">
+            <a:extLst>
+              <a:ext uri="{FF2B5EF4-FFF2-40B4-BE49-F238E27FC236}">
+                <a16:creationId xmlns:a16="http://schemas.microsoft.com/office/drawing/2014/main" id="{70382ED0-8C79-A89F-0E8A-4EEFF6595F14}"/>
+              </a:ext>
+            </a:extLst>
+          </p:cNvPr>
+          <p:cNvSpPr/>
+          <p:nvPr/>
+        </p:nvSpPr>
+        <p:spPr>
+          <a:xfrm>
+            <a:off x="7271372" y="1863810"/>
+            <a:ext cx="1945133" cy="1458325"/>
+          </a:xfrm>
+          <a:prstGeom prst="roundRect">
+            <a:avLst>
+              <a:gd name="adj" fmla="val 30571"/>
+            </a:avLst>
+          </a:prstGeom>
+          <a:noFill/>
+          <a:ln w="38100">
+            <a:solidFill>
+              <a:srgbClr val="3F3C53"/>
+            </a:solidFill>
+          </a:ln>
+        </p:spPr>
+        <p:style>
+          <a:lnRef idx="2">
+            <a:schemeClr val="accent1">
+              <a:shade val="50000"/>
+            </a:schemeClr>
+          </a:lnRef>
+          <a:fillRef idx="1">
+            <a:schemeClr val="accent1"/>
+          </a:fillRef>
+          <a:effectRef idx="0">
+            <a:schemeClr val="accent1"/>
+          </a:effectRef>
+          <a:fontRef idx="minor">
+            <a:schemeClr val="lt1"/>
+          </a:fontRef>
+        </p:style>
+        <p:txBody>
+          <a:bodyPr rtlCol="0" anchor="ctr"/>
+          <a:lstStyle/>
+          <a:p>
+            <a:pPr algn="ctr"/>
+            <a:endParaRPr lang="it-IT"/>
+          </a:p>
+        </p:txBody>
+      </p:sp>
+      <p:sp>
+        <p:nvSpPr>
+          <p:cNvPr id="16" name="Rettangolo con angoli arrotondati 15">
+            <a:extLst>
+              <a:ext uri="{FF2B5EF4-FFF2-40B4-BE49-F238E27FC236}">
+                <a16:creationId xmlns:a16="http://schemas.microsoft.com/office/drawing/2014/main" id="{A9D835DC-75BC-9952-B494-E29C9A00D48C}"/>
+              </a:ext>
+            </a:extLst>
+          </p:cNvPr>
+          <p:cNvSpPr/>
+          <p:nvPr/>
+        </p:nvSpPr>
+        <p:spPr>
+          <a:xfrm>
+            <a:off x="7364275" y="3649336"/>
+            <a:ext cx="1759325" cy="1231383"/>
+          </a:xfrm>
+          <a:prstGeom prst="roundRect">
+            <a:avLst>
+              <a:gd name="adj" fmla="val 30571"/>
+            </a:avLst>
+          </a:prstGeom>
+          <a:solidFill>
+            <a:srgbClr val="FFFFFF">
+              <a:alpha val="50196"/>
+            </a:srgbClr>
+          </a:solidFill>
+          <a:ln w="38100">
+            <a:noFill/>
+          </a:ln>
+        </p:spPr>
+        <p:style>
+          <a:lnRef idx="2">
+            <a:schemeClr val="accent1">
+              <a:shade val="50000"/>
+            </a:schemeClr>
+          </a:lnRef>
+          <a:fillRef idx="1">
+            <a:schemeClr val="accent1"/>
+          </a:fillRef>
+          <a:effectRef idx="0">
+            <a:schemeClr val="accent1"/>
+          </a:effectRef>
+          <a:fontRef idx="minor">
+            <a:schemeClr val="lt1"/>
+          </a:fontRef>
+        </p:style>
+        <p:txBody>
+          <a:bodyPr rtlCol="0" anchor="ctr"/>
+          <a:lstStyle/>
+          <a:p>
+            <a:pPr algn="ctr"/>
+            <a:endParaRPr lang="it-IT"/>
+          </a:p>
+        </p:txBody>
+      </p:sp>
+      <p:sp>
+        <p:nvSpPr>
+          <p:cNvPr id="17" name="Rettangolo con angoli arrotondati 16">
+            <a:extLst>
+              <a:ext uri="{FF2B5EF4-FFF2-40B4-BE49-F238E27FC236}">
+                <a16:creationId xmlns:a16="http://schemas.microsoft.com/office/drawing/2014/main" id="{0DE31E09-A0C2-07C7-C78A-FEF94B9D4D12}"/>
+              </a:ext>
+            </a:extLst>
+          </p:cNvPr>
+          <p:cNvSpPr/>
+          <p:nvPr/>
+        </p:nvSpPr>
+        <p:spPr>
+          <a:xfrm>
+            <a:off x="7271372" y="3535866"/>
+            <a:ext cx="1945133" cy="1458325"/>
+          </a:xfrm>
+          <a:prstGeom prst="roundRect">
+            <a:avLst>
+              <a:gd name="adj" fmla="val 30571"/>
+            </a:avLst>
+          </a:prstGeom>
+          <a:noFill/>
+          <a:ln w="38100">
+            <a:solidFill>
+              <a:srgbClr val="3F3C53"/>
+            </a:solidFill>
+          </a:ln>
+        </p:spPr>
+        <p:style>
+          <a:lnRef idx="2">
+            <a:schemeClr val="accent1">
+              <a:shade val="50000"/>
+            </a:schemeClr>
+          </a:lnRef>
+          <a:fillRef idx="1">
+            <a:schemeClr val="accent1"/>
+          </a:fillRef>
+          <a:effectRef idx="0">
+            <a:schemeClr val="accent1"/>
+          </a:effectRef>
+          <a:fontRef idx="minor">
+            <a:schemeClr val="lt1"/>
+          </a:fontRef>
+        </p:style>
+        <p:txBody>
+          <a:bodyPr rtlCol="0" anchor="ctr"/>
+          <a:lstStyle/>
+          <a:p>
+            <a:pPr algn="ctr"/>
+            <a:endParaRPr lang="it-IT"/>
+          </a:p>
+        </p:txBody>
+      </p:sp>
+    </p:spTree>
+    <p:extLst>
+      <p:ext uri="{BB962C8B-B14F-4D97-AF65-F5344CB8AC3E}">
+        <p14:creationId xmlns:p14="http://schemas.microsoft.com/office/powerpoint/2010/main" val="993587225"/>
       </p:ext>
     </p:extLst>
   </p:cSld>

--- a/Presentation/DIMA_myAPTracker_Presentation.pptx
+++ b/Presentation/DIMA_myAPTracker_Presentation.pptx
@@ -5,15 +5,17 @@
     <p:sldMasterId id="2147483648" r:id="rId1"/>
   </p:sldMasterIdLst>
   <p:notesMasterIdLst>
-    <p:notesMasterId r:id="rId8"/>
+    <p:notesMasterId r:id="rId10"/>
   </p:notesMasterIdLst>
   <p:sldIdLst>
     <p:sldId id="256" r:id="rId2"/>
     <p:sldId id="257" r:id="rId3"/>
     <p:sldId id="258" r:id="rId4"/>
     <p:sldId id="259" r:id="rId5"/>
-    <p:sldId id="260" r:id="rId6"/>
-    <p:sldId id="261" r:id="rId7"/>
+    <p:sldId id="261" r:id="rId6"/>
+    <p:sldId id="260" r:id="rId7"/>
+    <p:sldId id="263" r:id="rId8"/>
+    <p:sldId id="262" r:id="rId9"/>
   </p:sldIdLst>
   <p:sldSz cx="12192000" cy="6858000"/>
   <p:notesSz cx="6858000" cy="9144000"/>
@@ -202,7 +204,7 @@
           <a:p>
             <a:fld id="{04871163-4F93-9544-967C-41CE9E9A3E47}" type="datetimeFigureOut">
               <a:rPr lang="it-IT" smtClean="0"/>
-              <a:t>14/06/22</a:t>
+              <a:t>15/06/22</a:t>
             </a:fld>
             <a:endParaRPr lang="it-IT"/>
           </a:p>
@@ -618,7 +620,7 @@
           <a:p>
             <a:fld id="{A09D37E0-8943-9746-B7FE-8F0BF24C4FD4}" type="slidenum">
               <a:rPr lang="it-IT" smtClean="0"/>
-              <a:t>4</a:t>
+              <a:t>5</a:t>
             </a:fld>
             <a:endParaRPr lang="it-IT"/>
           </a:p>
@@ -898,7 +900,7 @@
           <a:lstStyle/>
           <a:p>
             <a:r>
-              <a:rPr lang="en-US" sz="2400" b="0" i="0" noProof="0" dirty="0" err="1">
+              <a:rPr lang="en-US" sz="2400" b="1" i="0" noProof="0" dirty="0" err="1">
                 <a:solidFill>
                   <a:srgbClr val="3F3C53"/>
                 </a:solidFill>
@@ -908,7 +910,7 @@
               </a:rPr>
               <a:t>myAPTracker</a:t>
             </a:r>
-            <a:endParaRPr lang="en-US" sz="2400" b="0" i="0" noProof="0" dirty="0">
+            <a:endParaRPr lang="en-US" sz="2400" b="1" i="0" noProof="0" dirty="0">
               <a:solidFill>
                 <a:srgbClr val="3F3C53"/>
               </a:solidFill>
@@ -2061,7 +2063,11 @@
           <a:lstStyle/>
           <a:p>
             <a:r>
-              <a:rPr lang="it-IT" b="1" dirty="0"/>
+              <a:rPr lang="it-IT" b="1" dirty="0">
+                <a:solidFill>
+                  <a:srgbClr val="3F51C3"/>
+                </a:solidFill>
+              </a:rPr>
               <a:t>Project Presentation</a:t>
             </a:r>
           </a:p>
@@ -2181,10 +2187,268 @@
       </p:sp>
       <p:sp>
         <p:nvSpPr>
-          <p:cNvPr id="3" name="Segnaposto numero diapositiva 2">
-            <a:extLst>
-              <a:ext uri="{FF2B5EF4-FFF2-40B4-BE49-F238E27FC236}">
-                <a16:creationId xmlns:a16="http://schemas.microsoft.com/office/drawing/2014/main" id="{05C00A69-FAFB-1E2C-4D6A-41B29B130A49}"/>
+          <p:cNvPr id="6" name="CasellaDiTesto 5">
+            <a:extLst>
+              <a:ext uri="{FF2B5EF4-FFF2-40B4-BE49-F238E27FC236}">
+                <a16:creationId xmlns:a16="http://schemas.microsoft.com/office/drawing/2014/main" id="{17FA4027-3CC6-D7DE-0EF9-ECFCC7471C1D}"/>
+              </a:ext>
+            </a:extLst>
+          </p:cNvPr>
+          <p:cNvSpPr txBox="1"/>
+          <p:nvPr/>
+        </p:nvSpPr>
+        <p:spPr>
+          <a:xfrm>
+            <a:off x="2100019" y="4122551"/>
+            <a:ext cx="2673457" cy="461665"/>
+          </a:xfrm>
+          <a:prstGeom prst="rect">
+            <a:avLst/>
+          </a:prstGeom>
+          <a:noFill/>
+        </p:spPr>
+        <p:txBody>
+          <a:bodyPr wrap="square" rtlCol="0">
+            <a:spAutoFit/>
+          </a:bodyPr>
+          <a:lstStyle/>
+          <a:p>
+            <a:r>
+              <a:rPr lang="it-IT" sz="2400" b="1" dirty="0">
+                <a:solidFill>
+                  <a:srgbClr val="3F51C3"/>
+                </a:solidFill>
+                <a:latin typeface="SF Pro Text" pitchFamily="2" charset="0"/>
+                <a:ea typeface="SF Pro Text" pitchFamily="2" charset="0"/>
+                <a:cs typeface="SF Pro Text" pitchFamily="2" charset="0"/>
+              </a:rPr>
+              <a:t>MATTIA SIRIANI</a:t>
+            </a:r>
+          </a:p>
+        </p:txBody>
+      </p:sp>
+      <p:sp>
+        <p:nvSpPr>
+          <p:cNvPr id="7" name="CasellaDiTesto 6">
+            <a:extLst>
+              <a:ext uri="{FF2B5EF4-FFF2-40B4-BE49-F238E27FC236}">
+                <a16:creationId xmlns:a16="http://schemas.microsoft.com/office/drawing/2014/main" id="{19AB00FF-6B70-11C9-DEC4-7E7DC712B466}"/>
+              </a:ext>
+            </a:extLst>
+          </p:cNvPr>
+          <p:cNvSpPr txBox="1"/>
+          <p:nvPr/>
+        </p:nvSpPr>
+        <p:spPr>
+          <a:xfrm>
+            <a:off x="1338020" y="4580933"/>
+            <a:ext cx="4197456" cy="338554"/>
+          </a:xfrm>
+          <a:prstGeom prst="rect">
+            <a:avLst/>
+          </a:prstGeom>
+          <a:noFill/>
+        </p:spPr>
+        <p:txBody>
+          <a:bodyPr wrap="square" rtlCol="0">
+            <a:spAutoFit/>
+          </a:bodyPr>
+          <a:lstStyle/>
+          <a:p>
+            <a:r>
+              <a:rPr lang="it-IT" sz="1600" dirty="0" err="1">
+                <a:solidFill>
+                  <a:srgbClr val="3F3C53"/>
+                </a:solidFill>
+                <a:latin typeface="SF Pro Text" pitchFamily="2" charset="0"/>
+                <a:ea typeface="SF Pro Text" pitchFamily="2" charset="0"/>
+                <a:cs typeface="SF Pro Text" pitchFamily="2" charset="0"/>
+              </a:rPr>
+              <a:t>M.Sc</a:t>
+            </a:r>
+            <a:r>
+              <a:rPr lang="it-IT" sz="1600" dirty="0">
+                <a:solidFill>
+                  <a:srgbClr val="3F3C53"/>
+                </a:solidFill>
+                <a:latin typeface="SF Pro Text" pitchFamily="2" charset="0"/>
+                <a:ea typeface="SF Pro Text" pitchFamily="2" charset="0"/>
+                <a:cs typeface="SF Pro Text" pitchFamily="2" charset="0"/>
+              </a:rPr>
+              <a:t> Computer Science and Engineering</a:t>
+            </a:r>
+          </a:p>
+        </p:txBody>
+      </p:sp>
+      <p:sp>
+        <p:nvSpPr>
+          <p:cNvPr id="9" name="CasellaDiTesto 8">
+            <a:extLst>
+              <a:ext uri="{FF2B5EF4-FFF2-40B4-BE49-F238E27FC236}">
+                <a16:creationId xmlns:a16="http://schemas.microsoft.com/office/drawing/2014/main" id="{7CBEFA74-89FF-76C8-BAC7-E8BAAD0B4D8D}"/>
+              </a:ext>
+            </a:extLst>
+          </p:cNvPr>
+          <p:cNvSpPr txBox="1"/>
+          <p:nvPr/>
+        </p:nvSpPr>
+        <p:spPr>
+          <a:xfrm>
+            <a:off x="7018149" y="4122551"/>
+            <a:ext cx="3184901" cy="461665"/>
+          </a:xfrm>
+          <a:prstGeom prst="rect">
+            <a:avLst/>
+          </a:prstGeom>
+          <a:noFill/>
+        </p:spPr>
+        <p:txBody>
+          <a:bodyPr wrap="square" rtlCol="0">
+            <a:spAutoFit/>
+          </a:bodyPr>
+          <a:lstStyle/>
+          <a:p>
+            <a:r>
+              <a:rPr lang="it-IT" sz="2400" b="1" dirty="0">
+                <a:solidFill>
+                  <a:srgbClr val="3F51C3"/>
+                </a:solidFill>
+                <a:latin typeface="SF Pro Text" pitchFamily="2" charset="0"/>
+                <a:ea typeface="SF Pro Text" pitchFamily="2" charset="0"/>
+                <a:cs typeface="SF Pro Text" pitchFamily="2" charset="0"/>
+              </a:rPr>
+              <a:t>MATTEO VISOTTO</a:t>
+            </a:r>
+          </a:p>
+        </p:txBody>
+      </p:sp>
+      <p:sp>
+        <p:nvSpPr>
+          <p:cNvPr id="10" name="CasellaDiTesto 9">
+            <a:extLst>
+              <a:ext uri="{FF2B5EF4-FFF2-40B4-BE49-F238E27FC236}">
+                <a16:creationId xmlns:a16="http://schemas.microsoft.com/office/drawing/2014/main" id="{C4D8B370-CA98-9765-DE52-657F44C3F2FA}"/>
+              </a:ext>
+            </a:extLst>
+          </p:cNvPr>
+          <p:cNvSpPr txBox="1"/>
+          <p:nvPr/>
+        </p:nvSpPr>
+        <p:spPr>
+          <a:xfrm>
+            <a:off x="6511871" y="4580933"/>
+            <a:ext cx="4197456" cy="338554"/>
+          </a:xfrm>
+          <a:prstGeom prst="rect">
+            <a:avLst/>
+          </a:prstGeom>
+          <a:noFill/>
+        </p:spPr>
+        <p:txBody>
+          <a:bodyPr wrap="square" rtlCol="0">
+            <a:spAutoFit/>
+          </a:bodyPr>
+          <a:lstStyle/>
+          <a:p>
+            <a:r>
+              <a:rPr lang="it-IT" sz="1600" dirty="0" err="1">
+                <a:solidFill>
+                  <a:srgbClr val="3F3C53"/>
+                </a:solidFill>
+                <a:latin typeface="SF Pro Text" pitchFamily="2" charset="0"/>
+                <a:ea typeface="SF Pro Text" pitchFamily="2" charset="0"/>
+                <a:cs typeface="SF Pro Text" pitchFamily="2" charset="0"/>
+              </a:rPr>
+              <a:t>M.Sc</a:t>
+            </a:r>
+            <a:r>
+              <a:rPr lang="it-IT" sz="1600" dirty="0">
+                <a:solidFill>
+                  <a:srgbClr val="3F3C53"/>
+                </a:solidFill>
+                <a:latin typeface="SF Pro Text" pitchFamily="2" charset="0"/>
+                <a:ea typeface="SF Pro Text" pitchFamily="2" charset="0"/>
+                <a:cs typeface="SF Pro Text" pitchFamily="2" charset="0"/>
+              </a:rPr>
+              <a:t> Computer Science and Engineering</a:t>
+            </a:r>
+          </a:p>
+        </p:txBody>
+      </p:sp>
+      <p:pic>
+        <p:nvPicPr>
+          <p:cNvPr id="11" name="Immagine 10" descr="Immagine che contiene edificio, esterni, tuta, persona&#10;&#10;Descrizione generata automaticamente">
+            <a:extLst>
+              <a:ext uri="{FF2B5EF4-FFF2-40B4-BE49-F238E27FC236}">
+                <a16:creationId xmlns:a16="http://schemas.microsoft.com/office/drawing/2014/main" id="{7DC147EE-C3B0-E567-FB45-4C90D5EB4255}"/>
+              </a:ext>
+            </a:extLst>
+          </p:cNvPr>
+          <p:cNvPicPr>
+            <a:picLocks noChangeAspect="1"/>
+          </p:cNvPicPr>
+          <p:nvPr/>
+        </p:nvPicPr>
+        <p:blipFill rotWithShape="1">
+          <a:blip r:embed="rId2"/>
+          <a:srcRect l="13019" t="43639" r="11834"/>
+          <a:stretch/>
+        </p:blipFill>
+        <p:spPr>
+          <a:xfrm>
+            <a:off x="2355740" y="1782306"/>
+            <a:ext cx="2162014" cy="2162014"/>
+          </a:xfrm>
+          <a:prstGeom prst="ellipse">
+            <a:avLst/>
+          </a:prstGeom>
+          <a:ln w="12700">
+            <a:solidFill>
+              <a:srgbClr val="3F3C53"/>
+            </a:solidFill>
+          </a:ln>
+        </p:spPr>
+      </p:pic>
+      <p:pic>
+        <p:nvPicPr>
+          <p:cNvPr id="12" name="Immagine 11" descr="Immagine che contiene esterni, edificio, persona, uomo&#10;&#10;Descrizione generata automaticamente">
+            <a:extLst>
+              <a:ext uri="{FF2B5EF4-FFF2-40B4-BE49-F238E27FC236}">
+                <a16:creationId xmlns:a16="http://schemas.microsoft.com/office/drawing/2014/main" id="{3137D6C9-4213-C70E-6337-3397E93E02AF}"/>
+              </a:ext>
+            </a:extLst>
+          </p:cNvPr>
+          <p:cNvPicPr>
+            <a:picLocks noChangeAspect="1"/>
+          </p:cNvPicPr>
+          <p:nvPr/>
+        </p:nvPicPr>
+        <p:blipFill rotWithShape="1">
+          <a:blip r:embed="rId3"/>
+          <a:srcRect l="14921" t="44191" r="10668"/>
+          <a:stretch/>
+        </p:blipFill>
+        <p:spPr>
+          <a:xfrm>
+            <a:off x="7361694" y="1731346"/>
+            <a:ext cx="2162014" cy="2162014"/>
+          </a:xfrm>
+          <a:prstGeom prst="ellipse">
+            <a:avLst/>
+          </a:prstGeom>
+          <a:ln w="12700">
+            <a:solidFill>
+              <a:srgbClr val="3F3C53"/>
+            </a:solidFill>
+          </a:ln>
+        </p:spPr>
+      </p:pic>
+      <p:sp>
+        <p:nvSpPr>
+          <p:cNvPr id="4" name="Segnaposto numero diapositiva 3">
+            <a:extLst>
+              <a:ext uri="{FF2B5EF4-FFF2-40B4-BE49-F238E27FC236}">
+                <a16:creationId xmlns:a16="http://schemas.microsoft.com/office/drawing/2014/main" id="{2A1A543C-688E-9D77-33DF-BE1D609ECB65}"/>
               </a:ext>
             </a:extLst>
           </p:cNvPr>
@@ -2209,264 +2473,6 @@
           </a:p>
         </p:txBody>
       </p:sp>
-      <p:sp>
-        <p:nvSpPr>
-          <p:cNvPr id="6" name="CasellaDiTesto 5">
-            <a:extLst>
-              <a:ext uri="{FF2B5EF4-FFF2-40B4-BE49-F238E27FC236}">
-                <a16:creationId xmlns:a16="http://schemas.microsoft.com/office/drawing/2014/main" id="{17FA4027-3CC6-D7DE-0EF9-ECFCC7471C1D}"/>
-              </a:ext>
-            </a:extLst>
-          </p:cNvPr>
-          <p:cNvSpPr txBox="1"/>
-          <p:nvPr/>
-        </p:nvSpPr>
-        <p:spPr>
-          <a:xfrm>
-            <a:off x="2100019" y="4122551"/>
-            <a:ext cx="2673457" cy="461665"/>
-          </a:xfrm>
-          <a:prstGeom prst="rect">
-            <a:avLst/>
-          </a:prstGeom>
-          <a:noFill/>
-        </p:spPr>
-        <p:txBody>
-          <a:bodyPr wrap="square" rtlCol="0">
-            <a:spAutoFit/>
-          </a:bodyPr>
-          <a:lstStyle/>
-          <a:p>
-            <a:r>
-              <a:rPr lang="it-IT" sz="2400" b="1" dirty="0">
-                <a:solidFill>
-                  <a:srgbClr val="3F51C3"/>
-                </a:solidFill>
-                <a:latin typeface="SF Pro Text" pitchFamily="2" charset="0"/>
-                <a:ea typeface="SF Pro Text" pitchFamily="2" charset="0"/>
-                <a:cs typeface="SF Pro Text" pitchFamily="2" charset="0"/>
-              </a:rPr>
-              <a:t>MATTIA SIRIANI</a:t>
-            </a:r>
-          </a:p>
-        </p:txBody>
-      </p:sp>
-      <p:sp>
-        <p:nvSpPr>
-          <p:cNvPr id="7" name="CasellaDiTesto 6">
-            <a:extLst>
-              <a:ext uri="{FF2B5EF4-FFF2-40B4-BE49-F238E27FC236}">
-                <a16:creationId xmlns:a16="http://schemas.microsoft.com/office/drawing/2014/main" id="{19AB00FF-6B70-11C9-DEC4-7E7DC712B466}"/>
-              </a:ext>
-            </a:extLst>
-          </p:cNvPr>
-          <p:cNvSpPr txBox="1"/>
-          <p:nvPr/>
-        </p:nvSpPr>
-        <p:spPr>
-          <a:xfrm>
-            <a:off x="1338020" y="4580933"/>
-            <a:ext cx="4197456" cy="338554"/>
-          </a:xfrm>
-          <a:prstGeom prst="rect">
-            <a:avLst/>
-          </a:prstGeom>
-          <a:noFill/>
-        </p:spPr>
-        <p:txBody>
-          <a:bodyPr wrap="square" rtlCol="0">
-            <a:spAutoFit/>
-          </a:bodyPr>
-          <a:lstStyle/>
-          <a:p>
-            <a:r>
-              <a:rPr lang="it-IT" sz="1600" dirty="0" err="1">
-                <a:solidFill>
-                  <a:srgbClr val="3F3C53"/>
-                </a:solidFill>
-                <a:latin typeface="SF Pro Text" pitchFamily="2" charset="0"/>
-                <a:ea typeface="SF Pro Text" pitchFamily="2" charset="0"/>
-                <a:cs typeface="SF Pro Text" pitchFamily="2" charset="0"/>
-              </a:rPr>
-              <a:t>M.Sc</a:t>
-            </a:r>
-            <a:r>
-              <a:rPr lang="it-IT" sz="1600" dirty="0">
-                <a:solidFill>
-                  <a:srgbClr val="3F3C53"/>
-                </a:solidFill>
-                <a:latin typeface="SF Pro Text" pitchFamily="2" charset="0"/>
-                <a:ea typeface="SF Pro Text" pitchFamily="2" charset="0"/>
-                <a:cs typeface="SF Pro Text" pitchFamily="2" charset="0"/>
-              </a:rPr>
-              <a:t> Computer Science and Engineering</a:t>
-            </a:r>
-          </a:p>
-        </p:txBody>
-      </p:sp>
-      <p:sp>
-        <p:nvSpPr>
-          <p:cNvPr id="9" name="CasellaDiTesto 8">
-            <a:extLst>
-              <a:ext uri="{FF2B5EF4-FFF2-40B4-BE49-F238E27FC236}">
-                <a16:creationId xmlns:a16="http://schemas.microsoft.com/office/drawing/2014/main" id="{7CBEFA74-89FF-76C8-BAC7-E8BAAD0B4D8D}"/>
-              </a:ext>
-            </a:extLst>
-          </p:cNvPr>
-          <p:cNvSpPr txBox="1"/>
-          <p:nvPr/>
-        </p:nvSpPr>
-        <p:spPr>
-          <a:xfrm>
-            <a:off x="7018149" y="4122551"/>
-            <a:ext cx="3184901" cy="461665"/>
-          </a:xfrm>
-          <a:prstGeom prst="rect">
-            <a:avLst/>
-          </a:prstGeom>
-          <a:noFill/>
-        </p:spPr>
-        <p:txBody>
-          <a:bodyPr wrap="square" rtlCol="0">
-            <a:spAutoFit/>
-          </a:bodyPr>
-          <a:lstStyle/>
-          <a:p>
-            <a:r>
-              <a:rPr lang="it-IT" sz="2400" b="1" dirty="0">
-                <a:solidFill>
-                  <a:srgbClr val="3F51C3"/>
-                </a:solidFill>
-                <a:latin typeface="SF Pro Text" pitchFamily="2" charset="0"/>
-                <a:ea typeface="SF Pro Text" pitchFamily="2" charset="0"/>
-                <a:cs typeface="SF Pro Text" pitchFamily="2" charset="0"/>
-              </a:rPr>
-              <a:t>MATTEO VISOTTO</a:t>
-            </a:r>
-          </a:p>
-        </p:txBody>
-      </p:sp>
-      <p:sp>
-        <p:nvSpPr>
-          <p:cNvPr id="10" name="CasellaDiTesto 9">
-            <a:extLst>
-              <a:ext uri="{FF2B5EF4-FFF2-40B4-BE49-F238E27FC236}">
-                <a16:creationId xmlns:a16="http://schemas.microsoft.com/office/drawing/2014/main" id="{C4D8B370-CA98-9765-DE52-657F44C3F2FA}"/>
-              </a:ext>
-            </a:extLst>
-          </p:cNvPr>
-          <p:cNvSpPr txBox="1"/>
-          <p:nvPr/>
-        </p:nvSpPr>
-        <p:spPr>
-          <a:xfrm>
-            <a:off x="6511871" y="4580933"/>
-            <a:ext cx="4197456" cy="338554"/>
-          </a:xfrm>
-          <a:prstGeom prst="rect">
-            <a:avLst/>
-          </a:prstGeom>
-          <a:noFill/>
-        </p:spPr>
-        <p:txBody>
-          <a:bodyPr wrap="square" rtlCol="0">
-            <a:spAutoFit/>
-          </a:bodyPr>
-          <a:lstStyle/>
-          <a:p>
-            <a:r>
-              <a:rPr lang="it-IT" sz="1600" dirty="0" err="1">
-                <a:solidFill>
-                  <a:srgbClr val="3F3C53"/>
-                </a:solidFill>
-                <a:latin typeface="SF Pro Text" pitchFamily="2" charset="0"/>
-                <a:ea typeface="SF Pro Text" pitchFamily="2" charset="0"/>
-                <a:cs typeface="SF Pro Text" pitchFamily="2" charset="0"/>
-              </a:rPr>
-              <a:t>M.Sc</a:t>
-            </a:r>
-            <a:r>
-              <a:rPr lang="it-IT" sz="1600" dirty="0">
-                <a:solidFill>
-                  <a:srgbClr val="3F3C53"/>
-                </a:solidFill>
-                <a:latin typeface="SF Pro Text" pitchFamily="2" charset="0"/>
-                <a:ea typeface="SF Pro Text" pitchFamily="2" charset="0"/>
-                <a:cs typeface="SF Pro Text" pitchFamily="2" charset="0"/>
-              </a:rPr>
-              <a:t> Computer Science and Engineering</a:t>
-            </a:r>
-          </a:p>
-        </p:txBody>
-      </p:sp>
-      <p:pic>
-        <p:nvPicPr>
-          <p:cNvPr id="11" name="Immagine 10" descr="Immagine che contiene edificio, esterni, tuta, persona&#10;&#10;Descrizione generata automaticamente">
-            <a:extLst>
-              <a:ext uri="{FF2B5EF4-FFF2-40B4-BE49-F238E27FC236}">
-                <a16:creationId xmlns:a16="http://schemas.microsoft.com/office/drawing/2014/main" id="{7DC147EE-C3B0-E567-FB45-4C90D5EB4255}"/>
-              </a:ext>
-            </a:extLst>
-          </p:cNvPr>
-          <p:cNvPicPr>
-            <a:picLocks noChangeAspect="1"/>
-          </p:cNvPicPr>
-          <p:nvPr/>
-        </p:nvPicPr>
-        <p:blipFill rotWithShape="1">
-          <a:blip r:embed="rId2"/>
-          <a:srcRect l="13019" t="43639" r="11834"/>
-          <a:stretch/>
-        </p:blipFill>
-        <p:spPr>
-          <a:xfrm>
-            <a:off x="2355740" y="1782306"/>
-            <a:ext cx="2162014" cy="2162014"/>
-          </a:xfrm>
-          <a:prstGeom prst="ellipse">
-            <a:avLst/>
-          </a:prstGeom>
-          <a:ln w="12700">
-            <a:solidFill>
-              <a:srgbClr val="3F3C53"/>
-            </a:solidFill>
-          </a:ln>
-        </p:spPr>
-      </p:pic>
-      <p:pic>
-        <p:nvPicPr>
-          <p:cNvPr id="12" name="Immagine 11" descr="Immagine che contiene esterni, edificio, persona, uomo&#10;&#10;Descrizione generata automaticamente">
-            <a:extLst>
-              <a:ext uri="{FF2B5EF4-FFF2-40B4-BE49-F238E27FC236}">
-                <a16:creationId xmlns:a16="http://schemas.microsoft.com/office/drawing/2014/main" id="{3137D6C9-4213-C70E-6337-3397E93E02AF}"/>
-              </a:ext>
-            </a:extLst>
-          </p:cNvPr>
-          <p:cNvPicPr>
-            <a:picLocks noChangeAspect="1"/>
-          </p:cNvPicPr>
-          <p:nvPr/>
-        </p:nvPicPr>
-        <p:blipFill rotWithShape="1">
-          <a:blip r:embed="rId3"/>
-          <a:srcRect l="14921" t="44191" r="10668"/>
-          <a:stretch/>
-        </p:blipFill>
-        <p:spPr>
-          <a:xfrm>
-            <a:off x="7361694" y="1731346"/>
-            <a:ext cx="2162014" cy="2162014"/>
-          </a:xfrm>
-          <a:prstGeom prst="ellipse">
-            <a:avLst/>
-          </a:prstGeom>
-          <a:ln w="12700">
-            <a:solidFill>
-              <a:srgbClr val="3F3C53"/>
-            </a:solidFill>
-          </a:ln>
-        </p:spPr>
-      </p:pic>
     </p:spTree>
     <p:extLst>
       <p:ext uri="{BB962C8B-B14F-4D97-AF65-F5344CB8AC3E}">
@@ -2499,10 +2505,40 @@
       </p:grpSpPr>
       <p:sp>
         <p:nvSpPr>
-          <p:cNvPr id="3" name="Segnaposto numero diapositiva 2">
-            <a:extLst>
-              <a:ext uri="{FF2B5EF4-FFF2-40B4-BE49-F238E27FC236}">
-                <a16:creationId xmlns:a16="http://schemas.microsoft.com/office/drawing/2014/main" id="{1CB1CB99-22DD-0EB2-849B-C4B75DE58E30}"/>
+          <p:cNvPr id="2" name="Titolo 1">
+            <a:extLst>
+              <a:ext uri="{FF2B5EF4-FFF2-40B4-BE49-F238E27FC236}">
+                <a16:creationId xmlns:a16="http://schemas.microsoft.com/office/drawing/2014/main" id="{E557FB5C-5023-4A36-28F5-5E1AC8A087B1}"/>
+              </a:ext>
+            </a:extLst>
+          </p:cNvPr>
+          <p:cNvSpPr>
+            <a:spLocks noGrp="1"/>
+          </p:cNvSpPr>
+          <p:nvPr>
+            <p:ph type="title"/>
+          </p:nvPr>
+        </p:nvSpPr>
+        <p:spPr/>
+        <p:txBody>
+          <a:bodyPr>
+            <a:normAutofit fontScale="90000"/>
+          </a:bodyPr>
+          <a:lstStyle/>
+          <a:p>
+            <a:r>
+              <a:rPr lang="en-US" dirty="0"/>
+              <a:t>Introduction</a:t>
+            </a:r>
+          </a:p>
+        </p:txBody>
+      </p:sp>
+      <p:sp>
+        <p:nvSpPr>
+          <p:cNvPr id="4" name="Segnaposto numero diapositiva 3">
+            <a:extLst>
+              <a:ext uri="{FF2B5EF4-FFF2-40B4-BE49-F238E27FC236}">
+                <a16:creationId xmlns:a16="http://schemas.microsoft.com/office/drawing/2014/main" id="{BC783A39-08DA-C6C5-2E02-9CD18EC78DFD}"/>
               </a:ext>
             </a:extLst>
           </p:cNvPr>
@@ -2529,31 +2565,225 @@
       </p:sp>
       <p:sp>
         <p:nvSpPr>
-          <p:cNvPr id="2" name="Titolo 1">
-            <a:extLst>
-              <a:ext uri="{FF2B5EF4-FFF2-40B4-BE49-F238E27FC236}">
-                <a16:creationId xmlns:a16="http://schemas.microsoft.com/office/drawing/2014/main" id="{E557FB5C-5023-4A36-28F5-5E1AC8A087B1}"/>
-              </a:ext>
-            </a:extLst>
-          </p:cNvPr>
-          <p:cNvSpPr>
-            <a:spLocks noGrp="1"/>
-          </p:cNvSpPr>
-          <p:nvPr>
-            <p:ph type="title"/>
-          </p:nvPr>
-        </p:nvSpPr>
-        <p:spPr/>
-        <p:txBody>
-          <a:bodyPr>
-            <a:normAutofit fontScale="90000"/>
-          </a:bodyPr>
-          <a:lstStyle/>
-          <a:p>
-            <a:r>
-              <a:rPr lang="en-US" dirty="0"/>
-              <a:t>Introduction</a:t>
-            </a:r>
+          <p:cNvPr id="6" name="Rettangolo con angoli arrotondati 5">
+            <a:extLst>
+              <a:ext uri="{FF2B5EF4-FFF2-40B4-BE49-F238E27FC236}">
+                <a16:creationId xmlns:a16="http://schemas.microsoft.com/office/drawing/2014/main" id="{D07B4C60-40C8-10C3-9970-30A709CF0EA9}"/>
+              </a:ext>
+            </a:extLst>
+          </p:cNvPr>
+          <p:cNvSpPr/>
+          <p:nvPr/>
+        </p:nvSpPr>
+        <p:spPr>
+          <a:xfrm>
+            <a:off x="6277554" y="1081903"/>
+            <a:ext cx="5418314" cy="1865688"/>
+          </a:xfrm>
+          <a:prstGeom prst="roundRect">
+            <a:avLst>
+              <a:gd name="adj" fmla="val 30571"/>
+            </a:avLst>
+          </a:prstGeom>
+          <a:solidFill>
+            <a:srgbClr val="FFFFFF">
+              <a:alpha val="50196"/>
+            </a:srgbClr>
+          </a:solidFill>
+          <a:ln w="38100">
+            <a:noFill/>
+          </a:ln>
+        </p:spPr>
+        <p:style>
+          <a:lnRef idx="2">
+            <a:schemeClr val="accent1">
+              <a:shade val="50000"/>
+            </a:schemeClr>
+          </a:lnRef>
+          <a:fillRef idx="1">
+            <a:schemeClr val="accent1"/>
+          </a:fillRef>
+          <a:effectRef idx="0">
+            <a:schemeClr val="accent1"/>
+          </a:effectRef>
+          <a:fontRef idx="minor">
+            <a:schemeClr val="lt1"/>
+          </a:fontRef>
+        </p:style>
+        <p:txBody>
+          <a:bodyPr rtlCol="0" anchor="ctr"/>
+          <a:lstStyle/>
+          <a:p>
+            <a:r>
+              <a:rPr lang="en-US" sz="2000" b="1" dirty="0">
+                <a:solidFill>
+                  <a:srgbClr val="3F51C3"/>
+                </a:solidFill>
+                <a:latin typeface="SF Pro Text" pitchFamily="2" charset="0"/>
+                <a:ea typeface="SF Pro Text" pitchFamily="2" charset="0"/>
+                <a:cs typeface="SF Pro Text" pitchFamily="2" charset="0"/>
+              </a:rPr>
+              <a:t>The application</a:t>
+            </a:r>
+          </a:p>
+          <a:p>
+            <a:endParaRPr lang="en-US" sz="1000" b="1" dirty="0">
+              <a:solidFill>
+                <a:srgbClr val="3F51C3"/>
+              </a:solidFill>
+              <a:latin typeface="SF Pro Text" pitchFamily="2" charset="0"/>
+              <a:ea typeface="SF Pro Text" pitchFamily="2" charset="0"/>
+              <a:cs typeface="SF Pro Text" pitchFamily="2" charset="0"/>
+            </a:endParaRPr>
+          </a:p>
+          <a:p>
+            <a:r>
+              <a:rPr lang="en-US" dirty="0">
+                <a:solidFill>
+                  <a:srgbClr val="3F3C53"/>
+                </a:solidFill>
+                <a:latin typeface="SF Pro Text" pitchFamily="2" charset="0"/>
+                <a:ea typeface="SF Pro Text" pitchFamily="2" charset="0"/>
+                <a:cs typeface="SF Pro Text" pitchFamily="2" charset="0"/>
+              </a:rPr>
+              <a:t>Testo </a:t>
+            </a:r>
+            <a:r>
+              <a:rPr lang="en-US" dirty="0" err="1">
+                <a:solidFill>
+                  <a:srgbClr val="3F3C53"/>
+                </a:solidFill>
+                <a:latin typeface="SF Pro Text" pitchFamily="2" charset="0"/>
+                <a:ea typeface="SF Pro Text" pitchFamily="2" charset="0"/>
+                <a:cs typeface="SF Pro Text" pitchFamily="2" charset="0"/>
+              </a:rPr>
+              <a:t>dell’introduzione</a:t>
+            </a:r>
+            <a:endParaRPr lang="en-US" dirty="0">
+              <a:solidFill>
+                <a:srgbClr val="3F3C53"/>
+              </a:solidFill>
+              <a:latin typeface="SF Pro Text" pitchFamily="2" charset="0"/>
+              <a:ea typeface="SF Pro Text" pitchFamily="2" charset="0"/>
+              <a:cs typeface="SF Pro Text" pitchFamily="2" charset="0"/>
+            </a:endParaRPr>
+          </a:p>
+        </p:txBody>
+      </p:sp>
+      <p:sp>
+        <p:nvSpPr>
+          <p:cNvPr id="10" name="Rettangolo con angoli arrotondati 9">
+            <a:extLst>
+              <a:ext uri="{FF2B5EF4-FFF2-40B4-BE49-F238E27FC236}">
+                <a16:creationId xmlns:a16="http://schemas.microsoft.com/office/drawing/2014/main" id="{D267BE66-8B8A-1519-9367-02C7A698C330}"/>
+              </a:ext>
+            </a:extLst>
+          </p:cNvPr>
+          <p:cNvSpPr/>
+          <p:nvPr/>
+        </p:nvSpPr>
+        <p:spPr>
+          <a:xfrm>
+            <a:off x="766144" y="1081903"/>
+            <a:ext cx="5148305" cy="1865688"/>
+          </a:xfrm>
+          <a:prstGeom prst="roundRect">
+            <a:avLst>
+              <a:gd name="adj" fmla="val 30571"/>
+            </a:avLst>
+          </a:prstGeom>
+          <a:solidFill>
+            <a:srgbClr val="FFFFFF">
+              <a:alpha val="50196"/>
+            </a:srgbClr>
+          </a:solidFill>
+          <a:ln w="38100">
+            <a:noFill/>
+          </a:ln>
+        </p:spPr>
+        <p:style>
+          <a:lnRef idx="2">
+            <a:schemeClr val="accent1">
+              <a:shade val="50000"/>
+            </a:schemeClr>
+          </a:lnRef>
+          <a:fillRef idx="1">
+            <a:schemeClr val="accent1"/>
+          </a:fillRef>
+          <a:effectRef idx="0">
+            <a:schemeClr val="accent1"/>
+          </a:effectRef>
+          <a:fontRef idx="minor">
+            <a:schemeClr val="lt1"/>
+          </a:fontRef>
+        </p:style>
+        <p:txBody>
+          <a:bodyPr rtlCol="0" anchor="ctr"/>
+          <a:lstStyle/>
+          <a:p>
+            <a:r>
+              <a:rPr lang="en-US" sz="2000" b="1" dirty="0">
+                <a:solidFill>
+                  <a:srgbClr val="3F51C3"/>
+                </a:solidFill>
+                <a:latin typeface="SF Pro Text" pitchFamily="2" charset="0"/>
+                <a:ea typeface="SF Pro Text" pitchFamily="2" charset="0"/>
+                <a:cs typeface="SF Pro Text" pitchFamily="2" charset="0"/>
+              </a:rPr>
+              <a:t>The idea</a:t>
+            </a:r>
+          </a:p>
+          <a:p>
+            <a:endParaRPr lang="en-US" sz="1000" b="1" dirty="0">
+              <a:solidFill>
+                <a:srgbClr val="3F51C3"/>
+              </a:solidFill>
+              <a:latin typeface="SF Pro Text" pitchFamily="2" charset="0"/>
+              <a:ea typeface="SF Pro Text" pitchFamily="2" charset="0"/>
+              <a:cs typeface="SF Pro Text" pitchFamily="2" charset="0"/>
+            </a:endParaRPr>
+          </a:p>
+          <a:p>
+            <a:r>
+              <a:rPr lang="en-US" dirty="0">
+                <a:solidFill>
+                  <a:srgbClr val="3F3C53"/>
+                </a:solidFill>
+                <a:latin typeface="SF Pro Text" pitchFamily="2" charset="0"/>
+                <a:ea typeface="SF Pro Text" pitchFamily="2" charset="0"/>
+                <a:cs typeface="SF Pro Text" pitchFamily="2" charset="0"/>
+              </a:rPr>
+              <a:t>Testo </a:t>
+            </a:r>
+            <a:r>
+              <a:rPr lang="en-US" dirty="0" err="1">
+                <a:solidFill>
+                  <a:srgbClr val="3F3C53"/>
+                </a:solidFill>
+                <a:latin typeface="SF Pro Text" pitchFamily="2" charset="0"/>
+                <a:ea typeface="SF Pro Text" pitchFamily="2" charset="0"/>
+                <a:cs typeface="SF Pro Text" pitchFamily="2" charset="0"/>
+              </a:rPr>
+              <a:t>dell’introduzione</a:t>
+            </a:r>
+            <a:endParaRPr lang="en-US" dirty="0">
+              <a:solidFill>
+                <a:srgbClr val="3F3C53"/>
+              </a:solidFill>
+              <a:latin typeface="SF Pro Text" pitchFamily="2" charset="0"/>
+              <a:ea typeface="SF Pro Text" pitchFamily="2" charset="0"/>
+              <a:cs typeface="SF Pro Text" pitchFamily="2" charset="0"/>
+            </a:endParaRPr>
+          </a:p>
+          <a:p>
+            <a:endParaRPr lang="en-US" dirty="0">
+              <a:solidFill>
+                <a:srgbClr val="3F3C53"/>
+              </a:solidFill>
+              <a:latin typeface="SF Pro Text" pitchFamily="2" charset="0"/>
+              <a:ea typeface="SF Pro Text" pitchFamily="2" charset="0"/>
+              <a:cs typeface="SF Pro Text" pitchFamily="2" charset="0"/>
+            </a:endParaRPr>
           </a:p>
         </p:txBody>
       </p:sp>
@@ -2586,8 +2816,8 @@
         </p:blipFill>
         <p:spPr bwMode="auto">
           <a:xfrm>
-            <a:off x="8327283" y="1697445"/>
-            <a:ext cx="3081062" cy="306501"/>
+            <a:off x="3487119" y="1539894"/>
+            <a:ext cx="2089074" cy="207819"/>
           </a:xfrm>
           <a:prstGeom prst="rect">
             <a:avLst/>
@@ -2604,6 +2834,105 @@
           </a:extLst>
         </p:spPr>
       </p:pic>
+      <p:sp>
+        <p:nvSpPr>
+          <p:cNvPr id="11" name="Rettangolo con angoli arrotondati 10">
+            <a:extLst>
+              <a:ext uri="{FF2B5EF4-FFF2-40B4-BE49-F238E27FC236}">
+                <a16:creationId xmlns:a16="http://schemas.microsoft.com/office/drawing/2014/main" id="{5EE822F5-13E5-AD8F-C5CA-4C10AD5BA3FF}"/>
+              </a:ext>
+            </a:extLst>
+          </p:cNvPr>
+          <p:cNvSpPr/>
+          <p:nvPr/>
+        </p:nvSpPr>
+        <p:spPr>
+          <a:xfrm>
+            <a:off x="766143" y="3180032"/>
+            <a:ext cx="10929724" cy="2887553"/>
+          </a:xfrm>
+          <a:prstGeom prst="roundRect">
+            <a:avLst>
+              <a:gd name="adj" fmla="val 30571"/>
+            </a:avLst>
+          </a:prstGeom>
+          <a:solidFill>
+            <a:srgbClr val="FFFFFF">
+              <a:alpha val="50196"/>
+            </a:srgbClr>
+          </a:solidFill>
+          <a:ln w="38100">
+            <a:noFill/>
+          </a:ln>
+        </p:spPr>
+        <p:style>
+          <a:lnRef idx="2">
+            <a:schemeClr val="accent1">
+              <a:shade val="50000"/>
+            </a:schemeClr>
+          </a:lnRef>
+          <a:fillRef idx="1">
+            <a:schemeClr val="accent1"/>
+          </a:fillRef>
+          <a:effectRef idx="0">
+            <a:schemeClr val="accent1"/>
+          </a:effectRef>
+          <a:fontRef idx="minor">
+            <a:schemeClr val="lt1"/>
+          </a:fontRef>
+        </p:style>
+        <p:txBody>
+          <a:bodyPr rtlCol="0" anchor="ctr"/>
+          <a:lstStyle/>
+          <a:p>
+            <a:r>
+              <a:rPr lang="en-US" sz="2000" b="1" dirty="0">
+                <a:solidFill>
+                  <a:srgbClr val="3F51C3"/>
+                </a:solidFill>
+                <a:latin typeface="SF Pro Text" pitchFamily="2" charset="0"/>
+                <a:ea typeface="SF Pro Text" pitchFamily="2" charset="0"/>
+                <a:cs typeface="SF Pro Text" pitchFamily="2" charset="0"/>
+              </a:rPr>
+              <a:t>Our choice</a:t>
+            </a:r>
+          </a:p>
+          <a:p>
+            <a:endParaRPr lang="en-US" sz="1000" b="1" dirty="0">
+              <a:solidFill>
+                <a:srgbClr val="3F51C3"/>
+              </a:solidFill>
+              <a:latin typeface="SF Pro Text" pitchFamily="2" charset="0"/>
+              <a:ea typeface="SF Pro Text" pitchFamily="2" charset="0"/>
+              <a:cs typeface="SF Pro Text" pitchFamily="2" charset="0"/>
+            </a:endParaRPr>
+          </a:p>
+          <a:p>
+            <a:r>
+              <a:rPr lang="en-US" dirty="0" err="1">
+                <a:solidFill>
+                  <a:srgbClr val="3F3C53"/>
+                </a:solidFill>
+                <a:latin typeface="SF Pro Text" pitchFamily="2" charset="0"/>
+                <a:ea typeface="SF Pro Text" pitchFamily="2" charset="0"/>
+                <a:cs typeface="SF Pro Text" pitchFamily="2" charset="0"/>
+              </a:rPr>
+              <a:t>Obbligo</a:t>
+            </a:r>
+            <a:r>
+              <a:rPr lang="en-US" dirty="0">
+                <a:solidFill>
+                  <a:srgbClr val="3F3C53"/>
+                </a:solidFill>
+                <a:latin typeface="SF Pro Text" pitchFamily="2" charset="0"/>
+                <a:ea typeface="SF Pro Text" pitchFamily="2" charset="0"/>
+                <a:cs typeface="SF Pro Text" pitchFamily="2" charset="0"/>
+              </a:rPr>
+              <a:t> login x tracking</a:t>
+            </a:r>
+          </a:p>
+        </p:txBody>
+      </p:sp>
     </p:spTree>
     <p:extLst>
       <p:ext uri="{BB962C8B-B14F-4D97-AF65-F5344CB8AC3E}">
@@ -2666,36 +2995,6 @@
               <a:rPr lang="it-IT" dirty="0"/>
               <a:t>Technologies</a:t>
             </a:r>
-          </a:p>
-        </p:txBody>
-      </p:sp>
-      <p:sp>
-        <p:nvSpPr>
-          <p:cNvPr id="3" name="Segnaposto numero diapositiva 2">
-            <a:extLst>
-              <a:ext uri="{FF2B5EF4-FFF2-40B4-BE49-F238E27FC236}">
-                <a16:creationId xmlns:a16="http://schemas.microsoft.com/office/drawing/2014/main" id="{EDD19735-121D-46B6-C54A-48DF99115B8E}"/>
-              </a:ext>
-            </a:extLst>
-          </p:cNvPr>
-          <p:cNvSpPr>
-            <a:spLocks noGrp="1"/>
-          </p:cNvSpPr>
-          <p:nvPr>
-            <p:ph type="sldNum" sz="quarter" idx="12"/>
-          </p:nvPr>
-        </p:nvSpPr>
-        <p:spPr/>
-        <p:txBody>
-          <a:bodyPr/>
-          <a:lstStyle/>
-          <a:p>
-            <a:fld id="{925FCEA2-F0DA-AB4C-B1CA-0E33C745EDE1}" type="slidenum">
-              <a:rPr lang="it-IT" smtClean="0"/>
-              <a:pPr/>
-              <a:t>3</a:t>
-            </a:fld>
-            <a:endParaRPr lang="it-IT" dirty="0"/>
           </a:p>
         </p:txBody>
       </p:sp>
@@ -3923,6 +4222,36 @@
           </a:p>
         </p:txBody>
       </p:sp>
+      <p:sp>
+        <p:nvSpPr>
+          <p:cNvPr id="5" name="Segnaposto numero diapositiva 4">
+            <a:extLst>
+              <a:ext uri="{FF2B5EF4-FFF2-40B4-BE49-F238E27FC236}">
+                <a16:creationId xmlns:a16="http://schemas.microsoft.com/office/drawing/2014/main" id="{2DA910AA-2661-2C01-DDA1-C32ED12FA65F}"/>
+              </a:ext>
+            </a:extLst>
+          </p:cNvPr>
+          <p:cNvSpPr>
+            <a:spLocks noGrp="1"/>
+          </p:cNvSpPr>
+          <p:nvPr>
+            <p:ph type="sldNum" sz="quarter" idx="12"/>
+          </p:nvPr>
+        </p:nvSpPr>
+        <p:spPr/>
+        <p:txBody>
+          <a:bodyPr/>
+          <a:lstStyle/>
+          <a:p>
+            <a:fld id="{925FCEA2-F0DA-AB4C-B1CA-0E33C745EDE1}" type="slidenum">
+              <a:rPr lang="it-IT" smtClean="0"/>
+              <a:pPr/>
+              <a:t>3</a:t>
+            </a:fld>
+            <a:endParaRPr lang="it-IT" dirty="0"/>
+          </a:p>
+        </p:txBody>
+      </p:sp>
     </p:spTree>
     <p:extLst>
       <p:ext uri="{BB962C8B-B14F-4D97-AF65-F5344CB8AC3E}">
@@ -3955,10 +4284,38 @@
       </p:grpSpPr>
       <p:sp>
         <p:nvSpPr>
-          <p:cNvPr id="33" name="Rettangolo con angoli arrotondati 32">
-            <a:extLst>
-              <a:ext uri="{FF2B5EF4-FFF2-40B4-BE49-F238E27FC236}">
-                <a16:creationId xmlns:a16="http://schemas.microsoft.com/office/drawing/2014/main" id="{33F62617-49A1-AD24-532B-FC4F4546E4B7}"/>
+          <p:cNvPr id="4" name="Titolo 3">
+            <a:extLst>
+              <a:ext uri="{FF2B5EF4-FFF2-40B4-BE49-F238E27FC236}">
+                <a16:creationId xmlns:a16="http://schemas.microsoft.com/office/drawing/2014/main" id="{37AB6371-3E6C-2AD4-2688-BDF6726A9F33}"/>
+              </a:ext>
+            </a:extLst>
+          </p:cNvPr>
+          <p:cNvSpPr>
+            <a:spLocks noGrp="1"/>
+          </p:cNvSpPr>
+          <p:nvPr>
+            <p:ph type="title"/>
+          </p:nvPr>
+        </p:nvSpPr>
+        <p:spPr/>
+        <p:txBody>
+          <a:bodyPr/>
+          <a:lstStyle/>
+          <a:p>
+            <a:r>
+              <a:rPr lang="it-IT" dirty="0"/>
+              <a:t>Device and capabilities</a:t>
+            </a:r>
+          </a:p>
+        </p:txBody>
+      </p:sp>
+      <p:sp>
+        <p:nvSpPr>
+          <p:cNvPr id="6" name="Rettangolo con angoli arrotondati 5">
+            <a:extLst>
+              <a:ext uri="{FF2B5EF4-FFF2-40B4-BE49-F238E27FC236}">
+                <a16:creationId xmlns:a16="http://schemas.microsoft.com/office/drawing/2014/main" id="{B2EF8B3E-436E-D98A-79BC-561F3E300933}"/>
               </a:ext>
             </a:extLst>
           </p:cNvPr>
@@ -3967,8 +4324,8 @@
         </p:nvSpPr>
         <p:spPr>
           <a:xfrm>
-            <a:off x="1150019" y="1349085"/>
-            <a:ext cx="1659680" cy="4631042"/>
+            <a:off x="2135186" y="1222528"/>
+            <a:ext cx="2532635" cy="1359148"/>
           </a:xfrm>
           <a:prstGeom prst="roundRect">
             <a:avLst>
@@ -4005,16 +4362,48 @@
           <a:lstStyle/>
           <a:p>
             <a:pPr algn="ctr"/>
-            <a:endParaRPr lang="it-IT"/>
-          </a:p>
-        </p:txBody>
-      </p:sp>
-      <p:sp>
-        <p:nvSpPr>
-          <p:cNvPr id="12" name="Rettangolo con angoli arrotondati 11">
-            <a:extLst>
-              <a:ext uri="{FF2B5EF4-FFF2-40B4-BE49-F238E27FC236}">
-                <a16:creationId xmlns:a16="http://schemas.microsoft.com/office/drawing/2014/main" id="{BA180BE6-40E0-6C1A-6DC1-DB6C78CD2433}"/>
+            <a:r>
+              <a:rPr lang="en-US" b="1" dirty="0">
+                <a:solidFill>
+                  <a:srgbClr val="3F3C53"/>
+                </a:solidFill>
+                <a:latin typeface="SF Pro Text" pitchFamily="2" charset="0"/>
+                <a:ea typeface="SF Pro Text" pitchFamily="2" charset="0"/>
+                <a:cs typeface="SF Pro Text" pitchFamily="2" charset="0"/>
+              </a:rPr>
+              <a:t>Support iOS/</a:t>
+            </a:r>
+            <a:r>
+              <a:rPr lang="en-US" b="1" dirty="0" err="1">
+                <a:solidFill>
+                  <a:srgbClr val="3F3C53"/>
+                </a:solidFill>
+                <a:latin typeface="SF Pro Text" pitchFamily="2" charset="0"/>
+                <a:ea typeface="SF Pro Text" pitchFamily="2" charset="0"/>
+                <a:cs typeface="SF Pro Text" pitchFamily="2" charset="0"/>
+              </a:rPr>
+              <a:t>iPadOS</a:t>
+            </a:r>
+            <a:r>
+              <a:rPr lang="en-US" b="1" dirty="0">
+                <a:solidFill>
+                  <a:srgbClr val="3F3C53"/>
+                </a:solidFill>
+                <a:latin typeface="SF Pro Text" pitchFamily="2" charset="0"/>
+                <a:ea typeface="SF Pro Text" pitchFamily="2" charset="0"/>
+                <a:cs typeface="SF Pro Text" pitchFamily="2" charset="0"/>
+              </a:rPr>
+              <a:t> 14 and later version</a:t>
+            </a:r>
+          </a:p>
+        </p:txBody>
+      </p:sp>
+      <p:sp>
+        <p:nvSpPr>
+          <p:cNvPr id="7" name="Rettangolo con angoli arrotondati 6">
+            <a:extLst>
+              <a:ext uri="{FF2B5EF4-FFF2-40B4-BE49-F238E27FC236}">
+                <a16:creationId xmlns:a16="http://schemas.microsoft.com/office/drawing/2014/main" id="{3A908ADC-BF45-9137-0F6C-8E58F806D137}"/>
               </a:ext>
             </a:extLst>
           </p:cNvPr>
@@ -4023,8 +4412,8 @@
         </p:nvSpPr>
         <p:spPr>
           <a:xfrm>
-            <a:off x="1007293" y="1191885"/>
-            <a:ext cx="1945133" cy="4945443"/>
+            <a:off x="2017610" y="1124836"/>
+            <a:ext cx="2751709" cy="1556018"/>
           </a:xfrm>
           <a:prstGeom prst="roundRect">
             <a:avLst>
@@ -4059,16 +4448,16 @@
           <a:lstStyle/>
           <a:p>
             <a:pPr algn="ctr"/>
-            <a:endParaRPr lang="it-IT"/>
-          </a:p>
-        </p:txBody>
-      </p:sp>
-      <p:sp>
-        <p:nvSpPr>
-          <p:cNvPr id="27" name="Ovale 26">
-            <a:extLst>
-              <a:ext uri="{FF2B5EF4-FFF2-40B4-BE49-F238E27FC236}">
-                <a16:creationId xmlns:a16="http://schemas.microsoft.com/office/drawing/2014/main" id="{FE89D3D4-9CA0-ED98-CF8B-8A767160C60D}"/>
+            <a:endParaRPr lang="en-US"/>
+          </a:p>
+        </p:txBody>
+      </p:sp>
+      <p:sp>
+        <p:nvSpPr>
+          <p:cNvPr id="8" name="Ovale 7">
+            <a:extLst>
+              <a:ext uri="{FF2B5EF4-FFF2-40B4-BE49-F238E27FC236}">
+                <a16:creationId xmlns:a16="http://schemas.microsoft.com/office/drawing/2014/main" id="{AC6D2013-7DE4-9B35-26AF-F84D02282B87}"/>
               </a:ext>
             </a:extLst>
           </p:cNvPr>
@@ -4077,7 +4466,7 @@
         </p:nvSpPr>
         <p:spPr>
           <a:xfrm>
-            <a:off x="2549470" y="1655662"/>
+            <a:off x="4835975" y="2434440"/>
             <a:ext cx="805912" cy="805912"/>
           </a:xfrm>
           <a:prstGeom prst="ellipse">
@@ -4110,17 +4499,23 @@
           <a:bodyPr rtlCol="0" anchor="ctr"/>
           <a:lstStyle/>
           <a:p>
-            <a:pPr algn="ctr"/>
-            <a:endParaRPr lang="it-IT"/>
-          </a:p>
-        </p:txBody>
-      </p:sp>
-      <p:sp>
-        <p:nvSpPr>
-          <p:cNvPr id="28" name="Ovale 27">
-            <a:extLst>
-              <a:ext uri="{FF2B5EF4-FFF2-40B4-BE49-F238E27FC236}">
-                <a16:creationId xmlns:a16="http://schemas.microsoft.com/office/drawing/2014/main" id="{9D902341-8272-F68D-9301-30488CD18310}"/>
+            <a:endParaRPr lang="en-US" sz="2000" b="1" dirty="0">
+              <a:solidFill>
+                <a:srgbClr val="FFFFFF"/>
+              </a:solidFill>
+              <a:latin typeface="SF Pro Text" pitchFamily="2" charset="0"/>
+              <a:ea typeface="SF Pro Text" pitchFamily="2" charset="0"/>
+              <a:cs typeface="SF Pro Text" pitchFamily="2" charset="0"/>
+            </a:endParaRPr>
+          </a:p>
+        </p:txBody>
+      </p:sp>
+      <p:sp>
+        <p:nvSpPr>
+          <p:cNvPr id="9" name="Ovale 8">
+            <a:extLst>
+              <a:ext uri="{FF2B5EF4-FFF2-40B4-BE49-F238E27FC236}">
+                <a16:creationId xmlns:a16="http://schemas.microsoft.com/office/drawing/2014/main" id="{5136F787-97D5-8AD9-497F-90598A855BAA}"/>
               </a:ext>
             </a:extLst>
           </p:cNvPr>
@@ -4129,7 +4524,7 @@
         </p:nvSpPr>
         <p:spPr>
           <a:xfrm>
-            <a:off x="2549470" y="2727409"/>
+            <a:off x="6471567" y="2434440"/>
             <a:ext cx="805912" cy="805912"/>
           </a:xfrm>
           <a:prstGeom prst="ellipse">
@@ -4163,16 +4558,16 @@
           <a:lstStyle/>
           <a:p>
             <a:pPr algn="ctr"/>
-            <a:endParaRPr lang="it-IT"/>
-          </a:p>
-        </p:txBody>
-      </p:sp>
-      <p:sp>
-        <p:nvSpPr>
-          <p:cNvPr id="29" name="Ovale 28">
-            <a:extLst>
-              <a:ext uri="{FF2B5EF4-FFF2-40B4-BE49-F238E27FC236}">
-                <a16:creationId xmlns:a16="http://schemas.microsoft.com/office/drawing/2014/main" id="{E041F5E8-5699-5D70-99DB-33E96CAD4280}"/>
+            <a:endParaRPr lang="en-US"/>
+          </a:p>
+        </p:txBody>
+      </p:sp>
+      <p:sp>
+        <p:nvSpPr>
+          <p:cNvPr id="10" name="Ovale 9">
+            <a:extLst>
+              <a:ext uri="{FF2B5EF4-FFF2-40B4-BE49-F238E27FC236}">
+                <a16:creationId xmlns:a16="http://schemas.microsoft.com/office/drawing/2014/main" id="{BD036F20-06D7-AFC3-EBED-3F4648758321}"/>
               </a:ext>
             </a:extLst>
           </p:cNvPr>
@@ -4181,7 +4576,7 @@
         </p:nvSpPr>
         <p:spPr>
           <a:xfrm>
-            <a:off x="2549470" y="3799156"/>
+            <a:off x="6471567" y="3664145"/>
             <a:ext cx="805912" cy="805912"/>
           </a:xfrm>
           <a:prstGeom prst="ellipse">
@@ -4215,16 +4610,16 @@
           <a:lstStyle/>
           <a:p>
             <a:pPr algn="ctr"/>
-            <a:endParaRPr lang="it-IT"/>
-          </a:p>
-        </p:txBody>
-      </p:sp>
-      <p:sp>
-        <p:nvSpPr>
-          <p:cNvPr id="30" name="Ovale 29">
-            <a:extLst>
-              <a:ext uri="{FF2B5EF4-FFF2-40B4-BE49-F238E27FC236}">
-                <a16:creationId xmlns:a16="http://schemas.microsoft.com/office/drawing/2014/main" id="{7461AF3F-393F-619C-F79F-A7E671DE7D2E}"/>
+            <a:endParaRPr lang="en-US"/>
+          </a:p>
+        </p:txBody>
+      </p:sp>
+      <p:sp>
+        <p:nvSpPr>
+          <p:cNvPr id="11" name="Ovale 10">
+            <a:extLst>
+              <a:ext uri="{FF2B5EF4-FFF2-40B4-BE49-F238E27FC236}">
+                <a16:creationId xmlns:a16="http://schemas.microsoft.com/office/drawing/2014/main" id="{F4A863FD-3E60-7AAD-946E-4125E11622FD}"/>
               </a:ext>
             </a:extLst>
           </p:cNvPr>
@@ -4233,7 +4628,7 @@
         </p:nvSpPr>
         <p:spPr>
           <a:xfrm>
-            <a:off x="2549470" y="4870903"/>
+            <a:off x="4835975" y="3664145"/>
             <a:ext cx="805912" cy="805912"/>
           </a:xfrm>
           <a:prstGeom prst="ellipse">
@@ -4267,16 +4662,499 @@
           <a:lstStyle/>
           <a:p>
             <a:pPr algn="ctr"/>
-            <a:endParaRPr lang="it-IT"/>
-          </a:p>
-        </p:txBody>
-      </p:sp>
-      <p:sp>
-        <p:nvSpPr>
-          <p:cNvPr id="2" name="Segnaposto numero diapositiva 1">
-            <a:extLst>
-              <a:ext uri="{FF2B5EF4-FFF2-40B4-BE49-F238E27FC236}">
-                <a16:creationId xmlns:a16="http://schemas.microsoft.com/office/drawing/2014/main" id="{69067B06-9255-DECE-F263-9B1B0135452D}"/>
+            <a:endParaRPr lang="en-US"/>
+          </a:p>
+        </p:txBody>
+      </p:sp>
+      <p:sp>
+        <p:nvSpPr>
+          <p:cNvPr id="18" name="Rettangolo con angoli arrotondati 17">
+            <a:extLst>
+              <a:ext uri="{FF2B5EF4-FFF2-40B4-BE49-F238E27FC236}">
+                <a16:creationId xmlns:a16="http://schemas.microsoft.com/office/drawing/2014/main" id="{DB4F5D92-B50B-BF45-2ED4-93C52B5FDE08}"/>
+              </a:ext>
+            </a:extLst>
+          </p:cNvPr>
+          <p:cNvSpPr/>
+          <p:nvPr/>
+        </p:nvSpPr>
+        <p:spPr>
+          <a:xfrm>
+            <a:off x="2168025" y="4321334"/>
+            <a:ext cx="2532635" cy="1359148"/>
+          </a:xfrm>
+          <a:prstGeom prst="roundRect">
+            <a:avLst>
+              <a:gd name="adj" fmla="val 30571"/>
+            </a:avLst>
+          </a:prstGeom>
+          <a:solidFill>
+            <a:srgbClr val="FFFFFF">
+              <a:alpha val="50196"/>
+            </a:srgbClr>
+          </a:solidFill>
+          <a:ln w="38100">
+            <a:noFill/>
+          </a:ln>
+        </p:spPr>
+        <p:style>
+          <a:lnRef idx="2">
+            <a:schemeClr val="accent1">
+              <a:shade val="50000"/>
+            </a:schemeClr>
+          </a:lnRef>
+          <a:fillRef idx="1">
+            <a:schemeClr val="accent1"/>
+          </a:fillRef>
+          <a:effectRef idx="0">
+            <a:schemeClr val="accent1"/>
+          </a:effectRef>
+          <a:fontRef idx="minor">
+            <a:schemeClr val="lt1"/>
+          </a:fontRef>
+        </p:style>
+        <p:txBody>
+          <a:bodyPr rtlCol="0" anchor="ctr"/>
+          <a:lstStyle/>
+          <a:p>
+            <a:pPr algn="ctr"/>
+            <a:r>
+              <a:rPr lang="en-US" b="1">
+                <a:solidFill>
+                  <a:srgbClr val="3F3C53"/>
+                </a:solidFill>
+                <a:latin typeface="SF Pro Text" pitchFamily="2" charset="0"/>
+                <a:ea typeface="SF Pro Text" pitchFamily="2" charset="0"/>
+                <a:cs typeface="SF Pro Text" pitchFamily="2" charset="0"/>
+              </a:rPr>
+              <a:t>Widgets both for iPhone and iPad</a:t>
+            </a:r>
+          </a:p>
+        </p:txBody>
+      </p:sp>
+      <p:sp>
+        <p:nvSpPr>
+          <p:cNvPr id="19" name="Rettangolo con angoli arrotondati 18">
+            <a:extLst>
+              <a:ext uri="{FF2B5EF4-FFF2-40B4-BE49-F238E27FC236}">
+                <a16:creationId xmlns:a16="http://schemas.microsoft.com/office/drawing/2014/main" id="{4EE72864-7779-A97D-DD40-E05A31DE55B0}"/>
+              </a:ext>
+            </a:extLst>
+          </p:cNvPr>
+          <p:cNvSpPr/>
+          <p:nvPr/>
+        </p:nvSpPr>
+        <p:spPr>
+          <a:xfrm>
+            <a:off x="2050449" y="4223642"/>
+            <a:ext cx="2751709" cy="1556018"/>
+          </a:xfrm>
+          <a:prstGeom prst="roundRect">
+            <a:avLst>
+              <a:gd name="adj" fmla="val 30571"/>
+            </a:avLst>
+          </a:prstGeom>
+          <a:noFill/>
+          <a:ln w="38100">
+            <a:solidFill>
+              <a:srgbClr val="3F3C53"/>
+            </a:solidFill>
+          </a:ln>
+        </p:spPr>
+        <p:style>
+          <a:lnRef idx="2">
+            <a:schemeClr val="accent1">
+              <a:shade val="50000"/>
+            </a:schemeClr>
+          </a:lnRef>
+          <a:fillRef idx="1">
+            <a:schemeClr val="accent1"/>
+          </a:fillRef>
+          <a:effectRef idx="0">
+            <a:schemeClr val="accent1"/>
+          </a:effectRef>
+          <a:fontRef idx="minor">
+            <a:schemeClr val="lt1"/>
+          </a:fontRef>
+        </p:style>
+        <p:txBody>
+          <a:bodyPr rtlCol="0" anchor="ctr"/>
+          <a:lstStyle/>
+          <a:p>
+            <a:pPr algn="ctr"/>
+            <a:endParaRPr lang="en-US"/>
+          </a:p>
+        </p:txBody>
+      </p:sp>
+      <p:sp>
+        <p:nvSpPr>
+          <p:cNvPr id="20" name="Rettangolo con angoli arrotondati 19">
+            <a:extLst>
+              <a:ext uri="{FF2B5EF4-FFF2-40B4-BE49-F238E27FC236}">
+                <a16:creationId xmlns:a16="http://schemas.microsoft.com/office/drawing/2014/main" id="{A25EBEAB-ACC8-235F-D5BC-D292D2415646}"/>
+              </a:ext>
+            </a:extLst>
+          </p:cNvPr>
+          <p:cNvSpPr/>
+          <p:nvPr/>
+        </p:nvSpPr>
+        <p:spPr>
+          <a:xfrm>
+            <a:off x="7510515" y="1222528"/>
+            <a:ext cx="2532635" cy="1359148"/>
+          </a:xfrm>
+          <a:prstGeom prst="roundRect">
+            <a:avLst>
+              <a:gd name="adj" fmla="val 30571"/>
+            </a:avLst>
+          </a:prstGeom>
+          <a:solidFill>
+            <a:srgbClr val="FFFFFF">
+              <a:alpha val="50196"/>
+            </a:srgbClr>
+          </a:solidFill>
+          <a:ln w="38100">
+            <a:noFill/>
+          </a:ln>
+        </p:spPr>
+        <p:style>
+          <a:lnRef idx="2">
+            <a:schemeClr val="accent1">
+              <a:shade val="50000"/>
+            </a:schemeClr>
+          </a:lnRef>
+          <a:fillRef idx="1">
+            <a:schemeClr val="accent1"/>
+          </a:fillRef>
+          <a:effectRef idx="0">
+            <a:schemeClr val="accent1"/>
+          </a:effectRef>
+          <a:fontRef idx="minor">
+            <a:schemeClr val="lt1"/>
+          </a:fontRef>
+        </p:style>
+        <p:txBody>
+          <a:bodyPr rtlCol="0" anchor="ctr"/>
+          <a:lstStyle/>
+          <a:p>
+            <a:pPr algn="ctr"/>
+            <a:r>
+              <a:rPr lang="en-US" b="1">
+                <a:solidFill>
+                  <a:srgbClr val="3F3C53"/>
+                </a:solidFill>
+                <a:latin typeface="SF Pro Text" pitchFamily="2" charset="0"/>
+                <a:ea typeface="SF Pro Text" pitchFamily="2" charset="0"/>
+                <a:cs typeface="SF Pro Text" pitchFamily="2" charset="0"/>
+              </a:rPr>
+              <a:t>iPhone portrait</a:t>
+            </a:r>
+          </a:p>
+          <a:p>
+            <a:pPr algn="ctr"/>
+            <a:r>
+              <a:rPr lang="en-US" b="1">
+                <a:solidFill>
+                  <a:srgbClr val="3F3C53"/>
+                </a:solidFill>
+                <a:latin typeface="SF Pro Text" pitchFamily="2" charset="0"/>
+                <a:ea typeface="SF Pro Text" pitchFamily="2" charset="0"/>
+                <a:cs typeface="SF Pro Text" pitchFamily="2" charset="0"/>
+              </a:rPr>
+              <a:t>iPad portrait and landscape</a:t>
+            </a:r>
+          </a:p>
+        </p:txBody>
+      </p:sp>
+      <p:sp>
+        <p:nvSpPr>
+          <p:cNvPr id="21" name="Rettangolo con angoli arrotondati 20">
+            <a:extLst>
+              <a:ext uri="{FF2B5EF4-FFF2-40B4-BE49-F238E27FC236}">
+                <a16:creationId xmlns:a16="http://schemas.microsoft.com/office/drawing/2014/main" id="{B8464795-1CC2-AAA8-BD7F-B13F20380D88}"/>
+              </a:ext>
+            </a:extLst>
+          </p:cNvPr>
+          <p:cNvSpPr/>
+          <p:nvPr/>
+        </p:nvSpPr>
+        <p:spPr>
+          <a:xfrm>
+            <a:off x="7392939" y="1124836"/>
+            <a:ext cx="2751709" cy="1556018"/>
+          </a:xfrm>
+          <a:prstGeom prst="roundRect">
+            <a:avLst>
+              <a:gd name="adj" fmla="val 30571"/>
+            </a:avLst>
+          </a:prstGeom>
+          <a:noFill/>
+          <a:ln w="38100">
+            <a:solidFill>
+              <a:srgbClr val="3F3C53"/>
+            </a:solidFill>
+          </a:ln>
+        </p:spPr>
+        <p:style>
+          <a:lnRef idx="2">
+            <a:schemeClr val="accent1">
+              <a:shade val="50000"/>
+            </a:schemeClr>
+          </a:lnRef>
+          <a:fillRef idx="1">
+            <a:schemeClr val="accent1"/>
+          </a:fillRef>
+          <a:effectRef idx="0">
+            <a:schemeClr val="accent1"/>
+          </a:effectRef>
+          <a:fontRef idx="minor">
+            <a:schemeClr val="lt1"/>
+          </a:fontRef>
+        </p:style>
+        <p:txBody>
+          <a:bodyPr rtlCol="0" anchor="ctr"/>
+          <a:lstStyle/>
+          <a:p>
+            <a:pPr algn="ctr"/>
+            <a:endParaRPr lang="en-US"/>
+          </a:p>
+        </p:txBody>
+      </p:sp>
+      <p:sp>
+        <p:nvSpPr>
+          <p:cNvPr id="22" name="Rettangolo con angoli arrotondati 21">
+            <a:extLst>
+              <a:ext uri="{FF2B5EF4-FFF2-40B4-BE49-F238E27FC236}">
+                <a16:creationId xmlns:a16="http://schemas.microsoft.com/office/drawing/2014/main" id="{72F3EEEC-CF96-3B78-C557-FA711E90AEB8}"/>
+              </a:ext>
+            </a:extLst>
+          </p:cNvPr>
+          <p:cNvSpPr/>
+          <p:nvPr/>
+        </p:nvSpPr>
+        <p:spPr>
+          <a:xfrm>
+            <a:off x="7543354" y="4321334"/>
+            <a:ext cx="2532635" cy="1359148"/>
+          </a:xfrm>
+          <a:prstGeom prst="roundRect">
+            <a:avLst>
+              <a:gd name="adj" fmla="val 30571"/>
+            </a:avLst>
+          </a:prstGeom>
+          <a:solidFill>
+            <a:srgbClr val="FFFFFF">
+              <a:alpha val="50196"/>
+            </a:srgbClr>
+          </a:solidFill>
+          <a:ln w="38100">
+            <a:noFill/>
+          </a:ln>
+        </p:spPr>
+        <p:style>
+          <a:lnRef idx="2">
+            <a:schemeClr val="accent1">
+              <a:shade val="50000"/>
+            </a:schemeClr>
+          </a:lnRef>
+          <a:fillRef idx="1">
+            <a:schemeClr val="accent1"/>
+          </a:fillRef>
+          <a:effectRef idx="0">
+            <a:schemeClr val="accent1"/>
+          </a:effectRef>
+          <a:fontRef idx="minor">
+            <a:schemeClr val="lt1"/>
+          </a:fontRef>
+        </p:style>
+        <p:txBody>
+          <a:bodyPr rtlCol="0" anchor="ctr"/>
+          <a:lstStyle/>
+          <a:p>
+            <a:pPr algn="ctr"/>
+            <a:r>
+              <a:rPr lang="en-US" b="1" dirty="0">
+                <a:solidFill>
+                  <a:srgbClr val="3F3C53"/>
+                </a:solidFill>
+                <a:latin typeface="SF Pro Text" pitchFamily="2" charset="0"/>
+                <a:ea typeface="SF Pro Text" pitchFamily="2" charset="0"/>
+                <a:cs typeface="SF Pro Text" pitchFamily="2" charset="0"/>
+              </a:rPr>
+              <a:t>Translation in English and Italian</a:t>
+            </a:r>
+            <a:endParaRPr lang="en-US" dirty="0"/>
+          </a:p>
+        </p:txBody>
+      </p:sp>
+      <p:sp>
+        <p:nvSpPr>
+          <p:cNvPr id="23" name="Rettangolo con angoli arrotondati 22">
+            <a:extLst>
+              <a:ext uri="{FF2B5EF4-FFF2-40B4-BE49-F238E27FC236}">
+                <a16:creationId xmlns:a16="http://schemas.microsoft.com/office/drawing/2014/main" id="{F4AADA01-E759-A7A8-4619-B89409ED4EA7}"/>
+              </a:ext>
+            </a:extLst>
+          </p:cNvPr>
+          <p:cNvSpPr/>
+          <p:nvPr/>
+        </p:nvSpPr>
+        <p:spPr>
+          <a:xfrm>
+            <a:off x="7425778" y="4223642"/>
+            <a:ext cx="2751709" cy="1556018"/>
+          </a:xfrm>
+          <a:prstGeom prst="roundRect">
+            <a:avLst>
+              <a:gd name="adj" fmla="val 30571"/>
+            </a:avLst>
+          </a:prstGeom>
+          <a:noFill/>
+          <a:ln w="38100">
+            <a:solidFill>
+              <a:srgbClr val="3F3C53"/>
+            </a:solidFill>
+          </a:ln>
+        </p:spPr>
+        <p:style>
+          <a:lnRef idx="2">
+            <a:schemeClr val="accent1">
+              <a:shade val="50000"/>
+            </a:schemeClr>
+          </a:lnRef>
+          <a:fillRef idx="1">
+            <a:schemeClr val="accent1"/>
+          </a:fillRef>
+          <a:effectRef idx="0">
+            <a:schemeClr val="accent1"/>
+          </a:effectRef>
+          <a:fontRef idx="minor">
+            <a:schemeClr val="lt1"/>
+          </a:fontRef>
+        </p:style>
+        <p:txBody>
+          <a:bodyPr rtlCol="0" anchor="ctr"/>
+          <a:lstStyle/>
+          <a:p>
+            <a:pPr algn="ctr"/>
+            <a:endParaRPr lang="en-US"/>
+          </a:p>
+        </p:txBody>
+      </p:sp>
+      <p:pic>
+        <p:nvPicPr>
+          <p:cNvPr id="3" name="Elemento grafico 2">
+            <a:extLst>
+              <a:ext uri="{FF2B5EF4-FFF2-40B4-BE49-F238E27FC236}">
+                <a16:creationId xmlns:a16="http://schemas.microsoft.com/office/drawing/2014/main" id="{BF3F3DEE-1B5C-2A6E-4FC1-DAD5A4E9FC6B}"/>
+              </a:ext>
+            </a:extLst>
+          </p:cNvPr>
+          <p:cNvPicPr>
+            <a:picLocks noChangeAspect="1"/>
+          </p:cNvPicPr>
+          <p:nvPr/>
+        </p:nvPicPr>
+        <p:blipFill>
+          <a:blip r:embed="rId2">
+            <a:extLst>
+              <a:ext uri="{96DAC541-7B7A-43D3-8B79-37D633B846F1}">
+                <asvg:svgBlip xmlns:asvg="http://schemas.microsoft.com/office/drawing/2016/SVG/main" r:embed="rId3"/>
+              </a:ext>
+            </a:extLst>
+          </a:blip>
+          <a:stretch>
+            <a:fillRect/>
+          </a:stretch>
+        </p:blipFill>
+        <p:spPr>
+          <a:xfrm>
+            <a:off x="5028466" y="3856636"/>
+            <a:ext cx="420930" cy="420930"/>
+          </a:xfrm>
+          <a:prstGeom prst="rect">
+            <a:avLst/>
+          </a:prstGeom>
+        </p:spPr>
+      </p:pic>
+      <p:pic>
+        <p:nvPicPr>
+          <p:cNvPr id="25" name="Elemento grafico 24">
+            <a:extLst>
+              <a:ext uri="{FF2B5EF4-FFF2-40B4-BE49-F238E27FC236}">
+                <a16:creationId xmlns:a16="http://schemas.microsoft.com/office/drawing/2014/main" id="{F085CA6E-3080-B0BA-F133-476F30469F04}"/>
+              </a:ext>
+            </a:extLst>
+          </p:cNvPr>
+          <p:cNvPicPr>
+            <a:picLocks noChangeAspect="1"/>
+          </p:cNvPicPr>
+          <p:nvPr/>
+        </p:nvPicPr>
+        <p:blipFill>
+          <a:blip r:embed="rId4">
+            <a:extLst>
+              <a:ext uri="{96DAC541-7B7A-43D3-8B79-37D633B846F1}">
+                <asvg:svgBlip xmlns:asvg="http://schemas.microsoft.com/office/drawing/2016/SVG/main" r:embed="rId5"/>
+              </a:ext>
+            </a:extLst>
+          </a:blip>
+          <a:stretch>
+            <a:fillRect/>
+          </a:stretch>
+        </p:blipFill>
+        <p:spPr>
+          <a:xfrm>
+            <a:off x="6635711" y="2624455"/>
+            <a:ext cx="425881" cy="425881"/>
+          </a:xfrm>
+          <a:prstGeom prst="rect">
+            <a:avLst/>
+          </a:prstGeom>
+        </p:spPr>
+      </p:pic>
+      <p:pic>
+        <p:nvPicPr>
+          <p:cNvPr id="27" name="Elemento grafico 26">
+            <a:extLst>
+              <a:ext uri="{FF2B5EF4-FFF2-40B4-BE49-F238E27FC236}">
+                <a16:creationId xmlns:a16="http://schemas.microsoft.com/office/drawing/2014/main" id="{7716EDEC-FFA2-FB4F-F893-3BBB8089BE46}"/>
+              </a:ext>
+            </a:extLst>
+          </p:cNvPr>
+          <p:cNvPicPr>
+            <a:picLocks noChangeAspect="1"/>
+          </p:cNvPicPr>
+          <p:nvPr/>
+        </p:nvPicPr>
+        <p:blipFill>
+          <a:blip r:embed="rId6">
+            <a:extLst>
+              <a:ext uri="{96DAC541-7B7A-43D3-8B79-37D633B846F1}">
+                <asvg:svgBlip xmlns:asvg="http://schemas.microsoft.com/office/drawing/2016/SVG/main" r:embed="rId7"/>
+              </a:ext>
+            </a:extLst>
+          </a:blip>
+          <a:stretch>
+            <a:fillRect/>
+          </a:stretch>
+        </p:blipFill>
+        <p:spPr>
+          <a:xfrm>
+            <a:off x="6664004" y="3856636"/>
+            <a:ext cx="421037" cy="421037"/>
+          </a:xfrm>
+          <a:prstGeom prst="rect">
+            <a:avLst/>
+          </a:prstGeom>
+        </p:spPr>
+      </p:pic>
+      <p:sp>
+        <p:nvSpPr>
+          <p:cNvPr id="28" name="Segnaposto numero diapositiva 27">
+            <a:extLst>
+              <a:ext uri="{FF2B5EF4-FFF2-40B4-BE49-F238E27FC236}">
+                <a16:creationId xmlns:a16="http://schemas.microsoft.com/office/drawing/2014/main" id="{C044CDA8-CF54-9C2C-09D9-FDC36BAB40FB}"/>
               </a:ext>
             </a:extLst>
           </p:cNvPr>
@@ -4301,151 +5179,12 @@
           </a:p>
         </p:txBody>
       </p:sp>
-      <p:sp>
-        <p:nvSpPr>
-          <p:cNvPr id="3" name="Titolo 2">
-            <a:extLst>
-              <a:ext uri="{FF2B5EF4-FFF2-40B4-BE49-F238E27FC236}">
-                <a16:creationId xmlns:a16="http://schemas.microsoft.com/office/drawing/2014/main" id="{C2A02218-6C6F-112E-F8EF-B3D5F7CC4210}"/>
-              </a:ext>
-            </a:extLst>
-          </p:cNvPr>
-          <p:cNvSpPr>
-            <a:spLocks noGrp="1"/>
-          </p:cNvSpPr>
-          <p:nvPr>
-            <p:ph type="title"/>
-          </p:nvPr>
-        </p:nvSpPr>
-        <p:spPr/>
-        <p:txBody>
-          <a:bodyPr/>
-          <a:lstStyle/>
-          <a:p>
-            <a:r>
-              <a:rPr lang="it-IT" dirty="0" err="1"/>
-              <a:t>Functionalities</a:t>
-            </a:r>
-            <a:endParaRPr lang="it-IT" dirty="0"/>
-          </a:p>
-        </p:txBody>
-      </p:sp>
-      <p:sp>
-        <p:nvSpPr>
-          <p:cNvPr id="4" name="CasellaDiTesto 3">
-            <a:extLst>
-              <a:ext uri="{FF2B5EF4-FFF2-40B4-BE49-F238E27FC236}">
-                <a16:creationId xmlns:a16="http://schemas.microsoft.com/office/drawing/2014/main" id="{94D7553B-667D-7C74-3C16-445CE007B55E}"/>
-              </a:ext>
-            </a:extLst>
-          </p:cNvPr>
-          <p:cNvSpPr txBox="1"/>
-          <p:nvPr/>
-        </p:nvSpPr>
-        <p:spPr>
-          <a:xfrm>
-            <a:off x="3516035" y="1655662"/>
-            <a:ext cx="7245458" cy="615553"/>
-          </a:xfrm>
-          <a:prstGeom prst="rect">
-            <a:avLst/>
-          </a:prstGeom>
-          <a:noFill/>
-        </p:spPr>
-        <p:txBody>
-          <a:bodyPr wrap="square" rtlCol="0">
-            <a:spAutoFit/>
-          </a:bodyPr>
-          <a:lstStyle/>
-          <a:p>
-            <a:r>
-              <a:rPr lang="it-IT" sz="2000" b="1" dirty="0">
-                <a:solidFill>
-                  <a:srgbClr val="3F51C3"/>
-                </a:solidFill>
-                <a:latin typeface="SF Pro Text" pitchFamily="2" charset="0"/>
-                <a:ea typeface="SF Pro Text" pitchFamily="2" charset="0"/>
-                <a:cs typeface="SF Pro Text" pitchFamily="2" charset="0"/>
-              </a:rPr>
-              <a:t>Track product price</a:t>
-            </a:r>
-          </a:p>
-          <a:p>
-            <a:r>
-              <a:rPr lang="it-IT" sz="1400" dirty="0" err="1">
-                <a:solidFill>
-                  <a:srgbClr val="3F3C53"/>
-                </a:solidFill>
-                <a:latin typeface="SF Pro Text" pitchFamily="2" charset="0"/>
-                <a:ea typeface="SF Pro Text" pitchFamily="2" charset="0"/>
-                <a:cs typeface="SF Pro Text" pitchFamily="2" charset="0"/>
-              </a:rPr>
-              <a:t>Keep</a:t>
-            </a:r>
-            <a:r>
-              <a:rPr lang="it-IT" sz="1400" dirty="0">
-                <a:solidFill>
-                  <a:srgbClr val="3F3C53"/>
-                </a:solidFill>
-                <a:latin typeface="SF Pro Text" pitchFamily="2" charset="0"/>
-                <a:ea typeface="SF Pro Text" pitchFamily="2" charset="0"/>
-                <a:cs typeface="SF Pro Text" pitchFamily="2" charset="0"/>
-              </a:rPr>
-              <a:t> track of the price of </a:t>
-            </a:r>
-            <a:r>
-              <a:rPr lang="it-IT" sz="1400" dirty="0" err="1">
-                <a:solidFill>
-                  <a:srgbClr val="3F3C53"/>
-                </a:solidFill>
-                <a:latin typeface="SF Pro Text" pitchFamily="2" charset="0"/>
-                <a:ea typeface="SF Pro Text" pitchFamily="2" charset="0"/>
-                <a:cs typeface="SF Pro Text" pitchFamily="2" charset="0"/>
-              </a:rPr>
-              <a:t>your</a:t>
-            </a:r>
-            <a:r>
-              <a:rPr lang="it-IT" sz="1400" dirty="0">
-                <a:solidFill>
-                  <a:srgbClr val="3F3C53"/>
-                </a:solidFill>
-                <a:latin typeface="SF Pro Text" pitchFamily="2" charset="0"/>
-                <a:ea typeface="SF Pro Text" pitchFamily="2" charset="0"/>
-                <a:cs typeface="SF Pro Text" pitchFamily="2" charset="0"/>
-              </a:rPr>
-              <a:t> </a:t>
-            </a:r>
-            <a:r>
-              <a:rPr lang="it-IT" sz="1400" dirty="0" err="1">
-                <a:solidFill>
-                  <a:srgbClr val="3F3C53"/>
-                </a:solidFill>
-                <a:latin typeface="SF Pro Text" pitchFamily="2" charset="0"/>
-                <a:ea typeface="SF Pro Text" pitchFamily="2" charset="0"/>
-                <a:cs typeface="SF Pro Text" pitchFamily="2" charset="0"/>
-              </a:rPr>
-              <a:t>favourite</a:t>
-            </a:r>
-            <a:r>
-              <a:rPr lang="it-IT" sz="1400" dirty="0">
-                <a:solidFill>
-                  <a:srgbClr val="3F3C53"/>
-                </a:solidFill>
-                <a:latin typeface="SF Pro Text" pitchFamily="2" charset="0"/>
-                <a:ea typeface="SF Pro Text" pitchFamily="2" charset="0"/>
-                <a:cs typeface="SF Pro Text" pitchFamily="2" charset="0"/>
-              </a:rPr>
-              <a:t> products</a:t>
-            </a:r>
-          </a:p>
-        </p:txBody>
-      </p:sp>
       <p:pic>
         <p:nvPicPr>
-          <p:cNvPr id="9" name="Elemento grafico 8">
-            <a:extLst>
-              <a:ext uri="{FF2B5EF4-FFF2-40B4-BE49-F238E27FC236}">
-                <a16:creationId xmlns:a16="http://schemas.microsoft.com/office/drawing/2014/main" id="{85253182-9526-7780-6538-CF4A5F804064}"/>
+          <p:cNvPr id="30" name="Elemento grafico 29">
+            <a:extLst>
+              <a:ext uri="{FF2B5EF4-FFF2-40B4-BE49-F238E27FC236}">
+                <a16:creationId xmlns:a16="http://schemas.microsoft.com/office/drawing/2014/main" id="{466B2DE3-D29F-C3CC-C3DF-17EF942FC479}"/>
               </a:ext>
             </a:extLst>
           </p:cNvPr>
@@ -4455,10 +5194,10 @@
           <p:nvPr/>
         </p:nvPicPr>
         <p:blipFill>
-          <a:blip r:embed="rId3">
+          <a:blip r:embed="rId8">
             <a:extLst>
               <a:ext uri="{96DAC541-7B7A-43D3-8B79-37D633B846F1}">
-                <asvg:svgBlip xmlns:asvg="http://schemas.microsoft.com/office/drawing/2016/SVG/main" r:embed="rId4"/>
+                <asvg:svgBlip xmlns:asvg="http://schemas.microsoft.com/office/drawing/2016/SVG/main" r:embed="rId9"/>
               </a:ext>
             </a:extLst>
           </a:blip>
@@ -4468,637 +5207,18 @@
         </p:blipFill>
         <p:spPr>
           <a:xfrm>
-            <a:off x="2710123" y="1817430"/>
-            <a:ext cx="484606" cy="484606"/>
+            <a:off x="5027605" y="2624455"/>
+            <a:ext cx="421791" cy="421791"/>
           </a:xfrm>
           <a:prstGeom prst="rect">
             <a:avLst/>
           </a:prstGeom>
         </p:spPr>
       </p:pic>
-      <p:pic>
-        <p:nvPicPr>
-          <p:cNvPr id="32" name="Elemento grafico 31">
-            <a:extLst>
-              <a:ext uri="{FF2B5EF4-FFF2-40B4-BE49-F238E27FC236}">
-                <a16:creationId xmlns:a16="http://schemas.microsoft.com/office/drawing/2014/main" id="{BCCD7A27-0D10-3E03-F761-3B6B23DBDA01}"/>
-              </a:ext>
-            </a:extLst>
-          </p:cNvPr>
-          <p:cNvPicPr>
-            <a:picLocks noChangeAspect="1"/>
-          </p:cNvPicPr>
-          <p:nvPr/>
-        </p:nvPicPr>
-        <p:blipFill>
-          <a:blip r:embed="rId5">
-            <a:extLst>
-              <a:ext uri="{96DAC541-7B7A-43D3-8B79-37D633B846F1}">
-                <asvg:svgBlip xmlns:asvg="http://schemas.microsoft.com/office/drawing/2016/SVG/main" r:embed="rId6"/>
-              </a:ext>
-            </a:extLst>
-          </a:blip>
-          <a:stretch>
-            <a:fillRect/>
-          </a:stretch>
-        </p:blipFill>
-        <p:spPr>
-          <a:xfrm rot="5400000">
-            <a:off x="1108215" y="2771836"/>
-            <a:ext cx="1638554" cy="1638554"/>
-          </a:xfrm>
-          <a:prstGeom prst="rect">
-            <a:avLst/>
-          </a:prstGeom>
-        </p:spPr>
-      </p:pic>
-      <p:sp>
-        <p:nvSpPr>
-          <p:cNvPr id="36" name="CasellaDiTesto 35">
-            <a:extLst>
-              <a:ext uri="{FF2B5EF4-FFF2-40B4-BE49-F238E27FC236}">
-                <a16:creationId xmlns:a16="http://schemas.microsoft.com/office/drawing/2014/main" id="{5598B97E-5AB2-B126-80E5-E51543C08C86}"/>
-              </a:ext>
-            </a:extLst>
-          </p:cNvPr>
-          <p:cNvSpPr txBox="1"/>
-          <p:nvPr/>
-        </p:nvSpPr>
-        <p:spPr>
-          <a:xfrm>
-            <a:off x="3516035" y="3894335"/>
-            <a:ext cx="7245458" cy="615553"/>
-          </a:xfrm>
-          <a:prstGeom prst="rect">
-            <a:avLst/>
-          </a:prstGeom>
-          <a:noFill/>
-        </p:spPr>
-        <p:txBody>
-          <a:bodyPr wrap="square" rtlCol="0">
-            <a:spAutoFit/>
-          </a:bodyPr>
-          <a:lstStyle/>
-          <a:p>
-            <a:r>
-              <a:rPr lang="it-IT" sz="2000" b="1" dirty="0">
-                <a:solidFill>
-                  <a:srgbClr val="3F51C3"/>
-                </a:solidFill>
-                <a:latin typeface="SF Pro Text" pitchFamily="2" charset="0"/>
-                <a:ea typeface="SF Pro Text" pitchFamily="2" charset="0"/>
-                <a:cs typeface="SF Pro Text" pitchFamily="2" charset="0"/>
-              </a:rPr>
-              <a:t>Notification</a:t>
-            </a:r>
-          </a:p>
-          <a:p>
-            <a:r>
-              <a:rPr lang="it-IT" sz="1400" dirty="0" err="1">
-                <a:solidFill>
-                  <a:srgbClr val="3F3C53"/>
-                </a:solidFill>
-                <a:latin typeface="SF Pro Text" pitchFamily="2" charset="0"/>
-                <a:ea typeface="SF Pro Text" pitchFamily="2" charset="0"/>
-                <a:cs typeface="SF Pro Text" pitchFamily="2" charset="0"/>
-              </a:rPr>
-              <a:t>Get</a:t>
-            </a:r>
-            <a:r>
-              <a:rPr lang="it-IT" sz="1400" dirty="0">
-                <a:solidFill>
-                  <a:srgbClr val="3F3C53"/>
-                </a:solidFill>
-                <a:latin typeface="SF Pro Text" pitchFamily="2" charset="0"/>
-                <a:ea typeface="SF Pro Text" pitchFamily="2" charset="0"/>
-                <a:cs typeface="SF Pro Text" pitchFamily="2" charset="0"/>
-              </a:rPr>
-              <a:t> </a:t>
-            </a:r>
-            <a:r>
-              <a:rPr lang="it-IT" sz="1400" dirty="0" err="1">
-                <a:solidFill>
-                  <a:srgbClr val="3F3C53"/>
-                </a:solidFill>
-                <a:latin typeface="SF Pro Text" pitchFamily="2" charset="0"/>
-                <a:ea typeface="SF Pro Text" pitchFamily="2" charset="0"/>
-                <a:cs typeface="SF Pro Text" pitchFamily="2" charset="0"/>
-              </a:rPr>
-              <a:t>notified</a:t>
-            </a:r>
-            <a:r>
-              <a:rPr lang="it-IT" sz="1400" dirty="0">
-                <a:solidFill>
-                  <a:srgbClr val="3F3C53"/>
-                </a:solidFill>
-                <a:latin typeface="SF Pro Text" pitchFamily="2" charset="0"/>
-                <a:ea typeface="SF Pro Text" pitchFamily="2" charset="0"/>
-                <a:cs typeface="SF Pro Text" pitchFamily="2" charset="0"/>
-              </a:rPr>
-              <a:t> </a:t>
-            </a:r>
-            <a:r>
-              <a:rPr lang="it-IT" sz="1400" dirty="0" err="1">
-                <a:solidFill>
-                  <a:srgbClr val="3F3C53"/>
-                </a:solidFill>
-                <a:latin typeface="SF Pro Text" pitchFamily="2" charset="0"/>
-                <a:ea typeface="SF Pro Text" pitchFamily="2" charset="0"/>
-                <a:cs typeface="SF Pro Text" pitchFamily="2" charset="0"/>
-              </a:rPr>
-              <a:t>when</a:t>
-            </a:r>
-            <a:r>
-              <a:rPr lang="it-IT" sz="1400" dirty="0">
-                <a:solidFill>
-                  <a:srgbClr val="3F3C53"/>
-                </a:solidFill>
-                <a:latin typeface="SF Pro Text" pitchFamily="2" charset="0"/>
-                <a:ea typeface="SF Pro Text" pitchFamily="2" charset="0"/>
-                <a:cs typeface="SF Pro Text" pitchFamily="2" charset="0"/>
-              </a:rPr>
-              <a:t> a </a:t>
-            </a:r>
-            <a:r>
-              <a:rPr lang="it-IT" sz="1400" dirty="0" err="1">
-                <a:solidFill>
-                  <a:srgbClr val="3F3C53"/>
-                </a:solidFill>
-                <a:latin typeface="SF Pro Text" pitchFamily="2" charset="0"/>
-                <a:ea typeface="SF Pro Text" pitchFamily="2" charset="0"/>
-                <a:cs typeface="SF Pro Text" pitchFamily="2" charset="0"/>
-              </a:rPr>
-              <a:t>tracked</a:t>
-            </a:r>
-            <a:r>
-              <a:rPr lang="it-IT" sz="1400" dirty="0">
-                <a:solidFill>
-                  <a:srgbClr val="3F3C53"/>
-                </a:solidFill>
-                <a:latin typeface="SF Pro Text" pitchFamily="2" charset="0"/>
-                <a:ea typeface="SF Pro Text" pitchFamily="2" charset="0"/>
-                <a:cs typeface="SF Pro Text" pitchFamily="2" charset="0"/>
-              </a:rPr>
-              <a:t> product price </a:t>
-            </a:r>
-            <a:r>
-              <a:rPr lang="it-IT" sz="1400" dirty="0" err="1">
-                <a:solidFill>
-                  <a:srgbClr val="3F3C53"/>
-                </a:solidFill>
-                <a:latin typeface="SF Pro Text" pitchFamily="2" charset="0"/>
-                <a:ea typeface="SF Pro Text" pitchFamily="2" charset="0"/>
-                <a:cs typeface="SF Pro Text" pitchFamily="2" charset="0"/>
-              </a:rPr>
-              <a:t>falls</a:t>
-            </a:r>
-            <a:r>
-              <a:rPr lang="it-IT" sz="1400" dirty="0">
-                <a:solidFill>
-                  <a:srgbClr val="3F3C53"/>
-                </a:solidFill>
-                <a:latin typeface="SF Pro Text" pitchFamily="2" charset="0"/>
-                <a:ea typeface="SF Pro Text" pitchFamily="2" charset="0"/>
-                <a:cs typeface="SF Pro Text" pitchFamily="2" charset="0"/>
-              </a:rPr>
-              <a:t> down</a:t>
-            </a:r>
-          </a:p>
-        </p:txBody>
-      </p:sp>
-      <p:pic>
-        <p:nvPicPr>
-          <p:cNvPr id="37" name="Elemento grafico 36">
-            <a:extLst>
-              <a:ext uri="{FF2B5EF4-FFF2-40B4-BE49-F238E27FC236}">
-                <a16:creationId xmlns:a16="http://schemas.microsoft.com/office/drawing/2014/main" id="{FD48E28F-3662-45A7-AF8B-9E8ABE6D90BE}"/>
-              </a:ext>
-            </a:extLst>
-          </p:cNvPr>
-          <p:cNvPicPr>
-            <a:picLocks noChangeAspect="1"/>
-          </p:cNvPicPr>
-          <p:nvPr/>
-        </p:nvPicPr>
-        <p:blipFill>
-          <a:blip r:embed="rId7">
-            <a:extLst>
-              <a:ext uri="{96DAC541-7B7A-43D3-8B79-37D633B846F1}">
-                <asvg:svgBlip xmlns:asvg="http://schemas.microsoft.com/office/drawing/2016/SVG/main" r:embed="rId8"/>
-              </a:ext>
-            </a:extLst>
-          </a:blip>
-          <a:stretch>
-            <a:fillRect/>
-          </a:stretch>
-        </p:blipFill>
-        <p:spPr>
-          <a:xfrm>
-            <a:off x="2738982" y="3974974"/>
-            <a:ext cx="454274" cy="454274"/>
-          </a:xfrm>
-          <a:prstGeom prst="rect">
-            <a:avLst/>
-          </a:prstGeom>
-        </p:spPr>
-      </p:pic>
-      <p:sp>
-        <p:nvSpPr>
-          <p:cNvPr id="38" name="CasellaDiTesto 37">
-            <a:extLst>
-              <a:ext uri="{FF2B5EF4-FFF2-40B4-BE49-F238E27FC236}">
-                <a16:creationId xmlns:a16="http://schemas.microsoft.com/office/drawing/2014/main" id="{45E3C27E-F785-6F26-E7EA-46BCF4D46EDE}"/>
-              </a:ext>
-            </a:extLst>
-          </p:cNvPr>
-          <p:cNvSpPr txBox="1"/>
-          <p:nvPr/>
-        </p:nvSpPr>
-        <p:spPr>
-          <a:xfrm>
-            <a:off x="3516035" y="2803729"/>
-            <a:ext cx="7245458" cy="615553"/>
-          </a:xfrm>
-          <a:prstGeom prst="rect">
-            <a:avLst/>
-          </a:prstGeom>
-          <a:noFill/>
-        </p:spPr>
-        <p:txBody>
-          <a:bodyPr wrap="square" rtlCol="0">
-            <a:spAutoFit/>
-          </a:bodyPr>
-          <a:lstStyle/>
-          <a:p>
-            <a:r>
-              <a:rPr lang="it-IT" sz="2000" b="1" dirty="0" err="1">
-                <a:solidFill>
-                  <a:srgbClr val="3F51C3"/>
-                </a:solidFill>
-                <a:latin typeface="SF Pro Text" pitchFamily="2" charset="0"/>
-                <a:ea typeface="SF Pro Text" pitchFamily="2" charset="0"/>
-                <a:cs typeface="SF Pro Text" pitchFamily="2" charset="0"/>
-              </a:rPr>
-              <a:t>Explore</a:t>
-            </a:r>
-            <a:endParaRPr lang="it-IT" sz="2000" b="1" dirty="0">
-              <a:solidFill>
-                <a:srgbClr val="3F51C3"/>
-              </a:solidFill>
-              <a:latin typeface="SF Pro Text" pitchFamily="2" charset="0"/>
-              <a:ea typeface="SF Pro Text" pitchFamily="2" charset="0"/>
-              <a:cs typeface="SF Pro Text" pitchFamily="2" charset="0"/>
-            </a:endParaRPr>
-          </a:p>
-          <a:p>
-            <a:r>
-              <a:rPr lang="it-IT" sz="1400" dirty="0" err="1">
-                <a:solidFill>
-                  <a:srgbClr val="3F3C53"/>
-                </a:solidFill>
-                <a:latin typeface="SF Pro Text" pitchFamily="2" charset="0"/>
-                <a:ea typeface="SF Pro Text" pitchFamily="2" charset="0"/>
-                <a:cs typeface="SF Pro Text" pitchFamily="2" charset="0"/>
-              </a:rPr>
-              <a:t>Explore</a:t>
-            </a:r>
-            <a:r>
-              <a:rPr lang="it-IT" sz="1400" dirty="0">
-                <a:solidFill>
-                  <a:srgbClr val="3F3C53"/>
-                </a:solidFill>
-                <a:latin typeface="SF Pro Text" pitchFamily="2" charset="0"/>
-                <a:ea typeface="SF Pro Text" pitchFamily="2" charset="0"/>
-                <a:cs typeface="SF Pro Text" pitchFamily="2" charset="0"/>
-              </a:rPr>
-              <a:t> products </a:t>
-            </a:r>
-            <a:r>
-              <a:rPr lang="it-IT" sz="1400" dirty="0" err="1">
-                <a:solidFill>
-                  <a:srgbClr val="3F3C53"/>
-                </a:solidFill>
-                <a:latin typeface="SF Pro Text" pitchFamily="2" charset="0"/>
-                <a:ea typeface="SF Pro Text" pitchFamily="2" charset="0"/>
-                <a:cs typeface="SF Pro Text" pitchFamily="2" charset="0"/>
-              </a:rPr>
-              <a:t>added</a:t>
-            </a:r>
-            <a:r>
-              <a:rPr lang="it-IT" sz="1400" dirty="0">
-                <a:solidFill>
-                  <a:srgbClr val="3F3C53"/>
-                </a:solidFill>
-                <a:latin typeface="SF Pro Text" pitchFamily="2" charset="0"/>
-                <a:ea typeface="SF Pro Text" pitchFamily="2" charset="0"/>
-                <a:cs typeface="SF Pro Text" pitchFamily="2" charset="0"/>
-              </a:rPr>
-              <a:t> by </a:t>
-            </a:r>
-            <a:r>
-              <a:rPr lang="it-IT" sz="1400" dirty="0" err="1">
-                <a:solidFill>
-                  <a:srgbClr val="3F3C53"/>
-                </a:solidFill>
-                <a:latin typeface="SF Pro Text" pitchFamily="2" charset="0"/>
-                <a:ea typeface="SF Pro Text" pitchFamily="2" charset="0"/>
-                <a:cs typeface="SF Pro Text" pitchFamily="2" charset="0"/>
-              </a:rPr>
-              <a:t>other</a:t>
-            </a:r>
-            <a:r>
-              <a:rPr lang="it-IT" sz="1400" dirty="0">
-                <a:solidFill>
-                  <a:srgbClr val="3F3C53"/>
-                </a:solidFill>
-                <a:latin typeface="SF Pro Text" pitchFamily="2" charset="0"/>
-                <a:ea typeface="SF Pro Text" pitchFamily="2" charset="0"/>
-                <a:cs typeface="SF Pro Text" pitchFamily="2" charset="0"/>
-              </a:rPr>
-              <a:t> users by </a:t>
-            </a:r>
-            <a:r>
-              <a:rPr lang="it-IT" sz="1400" dirty="0" err="1">
-                <a:solidFill>
-                  <a:srgbClr val="3F3C53"/>
-                </a:solidFill>
-                <a:latin typeface="SF Pro Text" pitchFamily="2" charset="0"/>
-                <a:ea typeface="SF Pro Text" pitchFamily="2" charset="0"/>
-                <a:cs typeface="SF Pro Text" pitchFamily="2" charset="0"/>
-              </a:rPr>
-              <a:t>different</a:t>
-            </a:r>
-            <a:r>
-              <a:rPr lang="it-IT" sz="1400" dirty="0">
-                <a:solidFill>
-                  <a:srgbClr val="3F3C53"/>
-                </a:solidFill>
-                <a:latin typeface="SF Pro Text" pitchFamily="2" charset="0"/>
-                <a:ea typeface="SF Pro Text" pitchFamily="2" charset="0"/>
-                <a:cs typeface="SF Pro Text" pitchFamily="2" charset="0"/>
-              </a:rPr>
-              <a:t> </a:t>
-            </a:r>
-            <a:r>
-              <a:rPr lang="it-IT" sz="1400" dirty="0" err="1">
-                <a:solidFill>
-                  <a:srgbClr val="3F3C53"/>
-                </a:solidFill>
-                <a:latin typeface="SF Pro Text" pitchFamily="2" charset="0"/>
-                <a:ea typeface="SF Pro Text" pitchFamily="2" charset="0"/>
-                <a:cs typeface="SF Pro Text" pitchFamily="2" charset="0"/>
-              </a:rPr>
-              <a:t>criteria</a:t>
-            </a:r>
-            <a:endParaRPr lang="it-IT" sz="1400" dirty="0">
-              <a:solidFill>
-                <a:srgbClr val="3F3C53"/>
-              </a:solidFill>
-              <a:latin typeface="SF Pro Text" pitchFamily="2" charset="0"/>
-              <a:ea typeface="SF Pro Text" pitchFamily="2" charset="0"/>
-              <a:cs typeface="SF Pro Text" pitchFamily="2" charset="0"/>
-            </a:endParaRPr>
-          </a:p>
-        </p:txBody>
-      </p:sp>
-      <p:pic>
-        <p:nvPicPr>
-          <p:cNvPr id="43" name="Elemento grafico 42">
-            <a:extLst>
-              <a:ext uri="{FF2B5EF4-FFF2-40B4-BE49-F238E27FC236}">
-                <a16:creationId xmlns:a16="http://schemas.microsoft.com/office/drawing/2014/main" id="{A23E1DEC-4ED2-6CC1-F038-D0471DA06671}"/>
-              </a:ext>
-            </a:extLst>
-          </p:cNvPr>
-          <p:cNvPicPr>
-            <a:picLocks noChangeAspect="1"/>
-          </p:cNvPicPr>
-          <p:nvPr/>
-        </p:nvPicPr>
-        <p:blipFill>
-          <a:blip r:embed="rId9">
-            <a:extLst>
-              <a:ext uri="{96DAC541-7B7A-43D3-8B79-37D633B846F1}">
-                <asvg:svgBlip xmlns:asvg="http://schemas.microsoft.com/office/drawing/2016/SVG/main" r:embed="rId10"/>
-              </a:ext>
-            </a:extLst>
-          </a:blip>
-          <a:stretch>
-            <a:fillRect/>
-          </a:stretch>
-        </p:blipFill>
-        <p:spPr>
-          <a:xfrm>
-            <a:off x="2718123" y="2887277"/>
-            <a:ext cx="468604" cy="468604"/>
-          </a:xfrm>
-          <a:prstGeom prst="rect">
-            <a:avLst/>
-          </a:prstGeom>
-        </p:spPr>
-      </p:pic>
-      <p:pic>
-        <p:nvPicPr>
-          <p:cNvPr id="45" name="Elemento grafico 44">
-            <a:extLst>
-              <a:ext uri="{FF2B5EF4-FFF2-40B4-BE49-F238E27FC236}">
-                <a16:creationId xmlns:a16="http://schemas.microsoft.com/office/drawing/2014/main" id="{92CB6EDF-2E74-B9B7-76C2-57222E133222}"/>
-              </a:ext>
-            </a:extLst>
-          </p:cNvPr>
-          <p:cNvPicPr>
-            <a:picLocks noChangeAspect="1"/>
-          </p:cNvPicPr>
-          <p:nvPr/>
-        </p:nvPicPr>
-        <p:blipFill>
-          <a:blip r:embed="rId11">
-            <a:extLst>
-              <a:ext uri="{96DAC541-7B7A-43D3-8B79-37D633B846F1}">
-                <asvg:svgBlip xmlns:asvg="http://schemas.microsoft.com/office/drawing/2016/SVG/main" r:embed="rId12"/>
-              </a:ext>
-            </a:extLst>
-          </a:blip>
-          <a:stretch>
-            <a:fillRect/>
-          </a:stretch>
-        </p:blipFill>
-        <p:spPr>
-          <a:xfrm>
-            <a:off x="2676003" y="4987068"/>
-            <a:ext cx="552843" cy="552843"/>
-          </a:xfrm>
-          <a:prstGeom prst="rect">
-            <a:avLst/>
-          </a:prstGeom>
-        </p:spPr>
-      </p:pic>
-      <p:sp>
-        <p:nvSpPr>
-          <p:cNvPr id="46" name="CasellaDiTesto 45">
-            <a:extLst>
-              <a:ext uri="{FF2B5EF4-FFF2-40B4-BE49-F238E27FC236}">
-                <a16:creationId xmlns:a16="http://schemas.microsoft.com/office/drawing/2014/main" id="{32F48D70-52DA-C5B9-A49C-249F65FFE077}"/>
-              </a:ext>
-            </a:extLst>
-          </p:cNvPr>
-          <p:cNvSpPr txBox="1"/>
-          <p:nvPr/>
-        </p:nvSpPr>
-        <p:spPr>
-          <a:xfrm>
-            <a:off x="3481915" y="4984941"/>
-            <a:ext cx="7245458" cy="615553"/>
-          </a:xfrm>
-          <a:prstGeom prst="rect">
-            <a:avLst/>
-          </a:prstGeom>
-          <a:noFill/>
-        </p:spPr>
-        <p:txBody>
-          <a:bodyPr wrap="square" rtlCol="0">
-            <a:spAutoFit/>
-          </a:bodyPr>
-          <a:lstStyle/>
-          <a:p>
-            <a:r>
-              <a:rPr lang="it-IT" sz="2000" b="1" dirty="0" err="1">
-                <a:solidFill>
-                  <a:srgbClr val="3F51C3"/>
-                </a:solidFill>
-                <a:latin typeface="SF Pro Text" pitchFamily="2" charset="0"/>
-                <a:ea typeface="SF Pro Text" pitchFamily="2" charset="0"/>
-                <a:cs typeface="SF Pro Text" pitchFamily="2" charset="0"/>
-              </a:rPr>
-              <a:t>Synchronization</a:t>
-            </a:r>
-            <a:endParaRPr lang="it-IT" sz="2000" b="1" dirty="0">
-              <a:solidFill>
-                <a:srgbClr val="3F51C3"/>
-              </a:solidFill>
-              <a:latin typeface="SF Pro Text" pitchFamily="2" charset="0"/>
-              <a:ea typeface="SF Pro Text" pitchFamily="2" charset="0"/>
-              <a:cs typeface="SF Pro Text" pitchFamily="2" charset="0"/>
-            </a:endParaRPr>
-          </a:p>
-          <a:p>
-            <a:r>
-              <a:rPr lang="it-IT" sz="1400" dirty="0" err="1">
-                <a:solidFill>
-                  <a:srgbClr val="3F3C53"/>
-                </a:solidFill>
-                <a:latin typeface="SF Pro Text" pitchFamily="2" charset="0"/>
-                <a:ea typeface="SF Pro Text" pitchFamily="2" charset="0"/>
-                <a:cs typeface="SF Pro Text" pitchFamily="2" charset="0"/>
-              </a:rPr>
-              <a:t>Keep</a:t>
-            </a:r>
-            <a:r>
-              <a:rPr lang="it-IT" sz="1400" dirty="0">
-                <a:solidFill>
-                  <a:srgbClr val="3F3C53"/>
-                </a:solidFill>
-                <a:latin typeface="SF Pro Text" pitchFamily="2" charset="0"/>
-                <a:ea typeface="SF Pro Text" pitchFamily="2" charset="0"/>
-                <a:cs typeface="SF Pro Text" pitchFamily="2" charset="0"/>
-              </a:rPr>
-              <a:t> </a:t>
-            </a:r>
-            <a:r>
-              <a:rPr lang="it-IT" sz="1400" dirty="0" err="1">
-                <a:solidFill>
-                  <a:srgbClr val="3F3C53"/>
-                </a:solidFill>
-                <a:latin typeface="SF Pro Text" pitchFamily="2" charset="0"/>
-                <a:ea typeface="SF Pro Text" pitchFamily="2" charset="0"/>
-                <a:cs typeface="SF Pro Text" pitchFamily="2" charset="0"/>
-              </a:rPr>
-              <a:t>your</a:t>
-            </a:r>
-            <a:r>
-              <a:rPr lang="it-IT" sz="1400" dirty="0">
-                <a:solidFill>
-                  <a:srgbClr val="3F3C53"/>
-                </a:solidFill>
-                <a:latin typeface="SF Pro Text" pitchFamily="2" charset="0"/>
-                <a:ea typeface="SF Pro Text" pitchFamily="2" charset="0"/>
-                <a:cs typeface="SF Pro Text" pitchFamily="2" charset="0"/>
-              </a:rPr>
-              <a:t> data and </a:t>
-            </a:r>
-            <a:r>
-              <a:rPr lang="it-IT" sz="1400" dirty="0" err="1">
-                <a:solidFill>
-                  <a:srgbClr val="3F3C53"/>
-                </a:solidFill>
-                <a:latin typeface="SF Pro Text" pitchFamily="2" charset="0"/>
-                <a:ea typeface="SF Pro Text" pitchFamily="2" charset="0"/>
-                <a:cs typeface="SF Pro Text" pitchFamily="2" charset="0"/>
-              </a:rPr>
-              <a:t>preferences</a:t>
-            </a:r>
-            <a:r>
-              <a:rPr lang="it-IT" sz="1400" dirty="0">
-                <a:solidFill>
-                  <a:srgbClr val="3F3C53"/>
-                </a:solidFill>
-                <a:latin typeface="SF Pro Text" pitchFamily="2" charset="0"/>
-                <a:ea typeface="SF Pro Text" pitchFamily="2" charset="0"/>
-                <a:cs typeface="SF Pro Text" pitchFamily="2" charset="0"/>
-              </a:rPr>
-              <a:t> </a:t>
-            </a:r>
-            <a:r>
-              <a:rPr lang="it-IT" sz="1400" dirty="0" err="1">
-                <a:solidFill>
-                  <a:srgbClr val="3F3C53"/>
-                </a:solidFill>
-                <a:latin typeface="SF Pro Text" pitchFamily="2" charset="0"/>
-                <a:ea typeface="SF Pro Text" pitchFamily="2" charset="0"/>
-                <a:cs typeface="SF Pro Text" pitchFamily="2" charset="0"/>
-              </a:rPr>
-              <a:t>synced</a:t>
-            </a:r>
-            <a:r>
-              <a:rPr lang="it-IT" sz="1400" dirty="0">
-                <a:solidFill>
-                  <a:srgbClr val="3F3C53"/>
-                </a:solidFill>
-                <a:latin typeface="SF Pro Text" pitchFamily="2" charset="0"/>
-                <a:ea typeface="SF Pro Text" pitchFamily="2" charset="0"/>
-                <a:cs typeface="SF Pro Text" pitchFamily="2" charset="0"/>
-              </a:rPr>
-              <a:t> with </a:t>
-            </a:r>
-            <a:r>
-              <a:rPr lang="it-IT" sz="1400" dirty="0" err="1">
-                <a:solidFill>
-                  <a:srgbClr val="3F3C53"/>
-                </a:solidFill>
-                <a:latin typeface="SF Pro Text" pitchFamily="2" charset="0"/>
-                <a:ea typeface="SF Pro Text" pitchFamily="2" charset="0"/>
-                <a:cs typeface="SF Pro Text" pitchFamily="2" charset="0"/>
-              </a:rPr>
-              <a:t>your</a:t>
-            </a:r>
-            <a:r>
-              <a:rPr lang="it-IT" sz="1400" dirty="0">
-                <a:solidFill>
-                  <a:srgbClr val="3F3C53"/>
-                </a:solidFill>
-                <a:latin typeface="SF Pro Text" pitchFamily="2" charset="0"/>
-                <a:ea typeface="SF Pro Text" pitchFamily="2" charset="0"/>
-                <a:cs typeface="SF Pro Text" pitchFamily="2" charset="0"/>
-              </a:rPr>
-              <a:t> devices</a:t>
-            </a:r>
-          </a:p>
-        </p:txBody>
-      </p:sp>
     </p:spTree>
     <p:extLst>
       <p:ext uri="{BB962C8B-B14F-4D97-AF65-F5344CB8AC3E}">
-        <p14:creationId xmlns:p14="http://schemas.microsoft.com/office/powerpoint/2010/main" val="2374531488"/>
+        <p14:creationId xmlns:p14="http://schemas.microsoft.com/office/powerpoint/2010/main" val="993587225"/>
       </p:ext>
     </p:extLst>
   </p:cSld>
@@ -5127,42 +5247,10 @@
       </p:grpSpPr>
       <p:sp>
         <p:nvSpPr>
-          <p:cNvPr id="4" name="Titolo 3">
-            <a:extLst>
-              <a:ext uri="{FF2B5EF4-FFF2-40B4-BE49-F238E27FC236}">
-                <a16:creationId xmlns:a16="http://schemas.microsoft.com/office/drawing/2014/main" id="{37AB6371-3E6C-2AD4-2688-BDF6726A9F33}"/>
-              </a:ext>
-            </a:extLst>
-          </p:cNvPr>
-          <p:cNvSpPr>
-            <a:spLocks noGrp="1"/>
-          </p:cNvSpPr>
-          <p:nvPr>
-            <p:ph type="title"/>
-          </p:nvPr>
-        </p:nvSpPr>
-        <p:spPr/>
-        <p:txBody>
-          <a:bodyPr/>
-          <a:lstStyle/>
-          <a:p>
-            <a:r>
-              <a:rPr lang="it-IT" dirty="0" err="1"/>
-              <a:t>Supported</a:t>
-            </a:r>
-            <a:r>
-              <a:rPr lang="it-IT" dirty="0"/>
-              <a:t> devices</a:t>
-            </a:r>
-          </a:p>
-        </p:txBody>
-      </p:sp>
-      <p:sp>
-        <p:nvSpPr>
-          <p:cNvPr id="5" name="Rettangolo 4">
-            <a:extLst>
-              <a:ext uri="{FF2B5EF4-FFF2-40B4-BE49-F238E27FC236}">
-                <a16:creationId xmlns:a16="http://schemas.microsoft.com/office/drawing/2014/main" id="{9EEA5409-A3FF-B5F4-4228-C7631E717679}"/>
+          <p:cNvPr id="33" name="Rettangolo con angoli arrotondati 32">
+            <a:extLst>
+              <a:ext uri="{FF2B5EF4-FFF2-40B4-BE49-F238E27FC236}">
+                <a16:creationId xmlns:a16="http://schemas.microsoft.com/office/drawing/2014/main" id="{33F62617-49A1-AD24-532B-FC4F4546E4B7}"/>
               </a:ext>
             </a:extLst>
           </p:cNvPr>
@@ -5171,182 +5259,8 @@
         </p:nvSpPr>
         <p:spPr>
           <a:xfrm>
-            <a:off x="8645935" y="663481"/>
-            <a:ext cx="2912977" cy="1200329"/>
-          </a:xfrm>
-          <a:prstGeom prst="rect">
-            <a:avLst/>
-          </a:prstGeom>
-        </p:spPr>
-        <p:txBody>
-          <a:bodyPr wrap="none">
-            <a:spAutoFit/>
-          </a:bodyPr>
-          <a:lstStyle/>
-          <a:p>
-            <a:r>
-              <a:rPr lang="it-IT" dirty="0">
-                <a:solidFill>
-                  <a:srgbClr val="3F3C53"/>
-                </a:solidFill>
-                <a:latin typeface="SF Pro Text" pitchFamily="2" charset="0"/>
-                <a:ea typeface="SF Pro Text" pitchFamily="2" charset="0"/>
-                <a:cs typeface="SF Pro Text" pitchFamily="2" charset="0"/>
-              </a:rPr>
-              <a:t>iOS 14 +</a:t>
-            </a:r>
-          </a:p>
-          <a:p>
-            <a:r>
-              <a:rPr lang="it-IT" dirty="0">
-                <a:solidFill>
-                  <a:srgbClr val="3F3C53"/>
-                </a:solidFill>
-                <a:latin typeface="SF Pro Text" pitchFamily="2" charset="0"/>
-                <a:ea typeface="SF Pro Text" pitchFamily="2" charset="0"/>
-                <a:cs typeface="SF Pro Text" pitchFamily="2" charset="0"/>
-              </a:rPr>
-              <a:t>iPhone </a:t>
-            </a:r>
-            <a:r>
-              <a:rPr lang="it-IT" dirty="0" err="1">
-                <a:solidFill>
-                  <a:srgbClr val="3F3C53"/>
-                </a:solidFill>
-                <a:latin typeface="SF Pro Text" pitchFamily="2" charset="0"/>
-                <a:ea typeface="SF Pro Text" pitchFamily="2" charset="0"/>
-                <a:cs typeface="SF Pro Text" pitchFamily="2" charset="0"/>
-              </a:rPr>
-              <a:t>portrait</a:t>
-            </a:r>
-            <a:endParaRPr lang="it-IT" dirty="0">
-              <a:solidFill>
-                <a:srgbClr val="3F3C53"/>
-              </a:solidFill>
-              <a:latin typeface="SF Pro Text" pitchFamily="2" charset="0"/>
-              <a:ea typeface="SF Pro Text" pitchFamily="2" charset="0"/>
-              <a:cs typeface="SF Pro Text" pitchFamily="2" charset="0"/>
-            </a:endParaRPr>
-          </a:p>
-          <a:p>
-            <a:r>
-              <a:rPr lang="it-IT" dirty="0">
-                <a:solidFill>
-                  <a:srgbClr val="3F3C53"/>
-                </a:solidFill>
-                <a:latin typeface="SF Pro Text" pitchFamily="2" charset="0"/>
-                <a:ea typeface="SF Pro Text" pitchFamily="2" charset="0"/>
-                <a:cs typeface="SF Pro Text" pitchFamily="2" charset="0"/>
-              </a:rPr>
-              <a:t>iPad </a:t>
-            </a:r>
-            <a:r>
-              <a:rPr lang="it-IT" dirty="0" err="1">
-                <a:solidFill>
-                  <a:srgbClr val="3F3C53"/>
-                </a:solidFill>
-                <a:latin typeface="SF Pro Text" pitchFamily="2" charset="0"/>
-                <a:ea typeface="SF Pro Text" pitchFamily="2" charset="0"/>
-                <a:cs typeface="SF Pro Text" pitchFamily="2" charset="0"/>
-              </a:rPr>
-              <a:t>portrait</a:t>
-            </a:r>
-            <a:r>
-              <a:rPr lang="it-IT" dirty="0">
-                <a:solidFill>
-                  <a:srgbClr val="3F3C53"/>
-                </a:solidFill>
-                <a:latin typeface="SF Pro Text" pitchFamily="2" charset="0"/>
-                <a:ea typeface="SF Pro Text" pitchFamily="2" charset="0"/>
-                <a:cs typeface="SF Pro Text" pitchFamily="2" charset="0"/>
-              </a:rPr>
-              <a:t> + </a:t>
-            </a:r>
-            <a:r>
-              <a:rPr lang="it-IT" dirty="0" err="1">
-                <a:solidFill>
-                  <a:srgbClr val="3F3C53"/>
-                </a:solidFill>
-                <a:latin typeface="SF Pro Text" pitchFamily="2" charset="0"/>
-                <a:ea typeface="SF Pro Text" pitchFamily="2" charset="0"/>
-                <a:cs typeface="SF Pro Text" pitchFamily="2" charset="0"/>
-              </a:rPr>
-              <a:t>landscape</a:t>
-            </a:r>
-            <a:endParaRPr lang="it-IT" dirty="0">
-              <a:solidFill>
-                <a:srgbClr val="3F3C53"/>
-              </a:solidFill>
-              <a:latin typeface="SF Pro Text" pitchFamily="2" charset="0"/>
-              <a:ea typeface="SF Pro Text" pitchFamily="2" charset="0"/>
-              <a:cs typeface="SF Pro Text" pitchFamily="2" charset="0"/>
-            </a:endParaRPr>
-          </a:p>
-          <a:p>
-            <a:r>
-              <a:rPr lang="it-IT" dirty="0">
-                <a:solidFill>
-                  <a:srgbClr val="3F3C53"/>
-                </a:solidFill>
-                <a:latin typeface="SF Pro Text" pitchFamily="2" charset="0"/>
-                <a:ea typeface="SF Pro Text" pitchFamily="2" charset="0"/>
-                <a:cs typeface="SF Pro Text" pitchFamily="2" charset="0"/>
-              </a:rPr>
-              <a:t>Widgets </a:t>
-            </a:r>
-            <a:r>
-              <a:rPr lang="it-IT" dirty="0" err="1">
-                <a:solidFill>
-                  <a:srgbClr val="3F3C53"/>
-                </a:solidFill>
-                <a:latin typeface="SF Pro Text" pitchFamily="2" charset="0"/>
-                <a:ea typeface="SF Pro Text" pitchFamily="2" charset="0"/>
-                <a:cs typeface="SF Pro Text" pitchFamily="2" charset="0"/>
-              </a:rPr>
-              <a:t>iphone</a:t>
-            </a:r>
-            <a:r>
-              <a:rPr lang="it-IT" dirty="0">
-                <a:solidFill>
-                  <a:srgbClr val="3F3C53"/>
-                </a:solidFill>
-                <a:latin typeface="SF Pro Text" pitchFamily="2" charset="0"/>
-                <a:ea typeface="SF Pro Text" pitchFamily="2" charset="0"/>
-                <a:cs typeface="SF Pro Text" pitchFamily="2" charset="0"/>
-              </a:rPr>
-              <a:t> + </a:t>
-            </a:r>
-            <a:r>
-              <a:rPr lang="it-IT" dirty="0" err="1">
-                <a:solidFill>
-                  <a:srgbClr val="3F3C53"/>
-                </a:solidFill>
-                <a:latin typeface="SF Pro Text" pitchFamily="2" charset="0"/>
-                <a:ea typeface="SF Pro Text" pitchFamily="2" charset="0"/>
-                <a:cs typeface="SF Pro Text" pitchFamily="2" charset="0"/>
-              </a:rPr>
-              <a:t>ipad</a:t>
-            </a:r>
-            <a:endParaRPr lang="it-IT" dirty="0"/>
-          </a:p>
-        </p:txBody>
-      </p:sp>
-      <p:sp>
-        <p:nvSpPr>
-          <p:cNvPr id="6" name="Rettangolo con angoli arrotondati 5">
-            <a:extLst>
-              <a:ext uri="{FF2B5EF4-FFF2-40B4-BE49-F238E27FC236}">
-                <a16:creationId xmlns:a16="http://schemas.microsoft.com/office/drawing/2014/main" id="{B2EF8B3E-436E-D98A-79BC-561F3E300933}"/>
-              </a:ext>
-            </a:extLst>
-          </p:cNvPr>
-          <p:cNvSpPr/>
-          <p:nvPr/>
-        </p:nvSpPr>
-        <p:spPr>
-          <a:xfrm>
-            <a:off x="2974384" y="1977280"/>
-            <a:ext cx="1759325" cy="1231383"/>
+            <a:off x="1150019" y="1349085"/>
+            <a:ext cx="1659680" cy="4631042"/>
           </a:xfrm>
           <a:prstGeom prst="roundRect">
             <a:avLst>
@@ -5383,16 +5297,16 @@
           <a:lstStyle/>
           <a:p>
             <a:pPr algn="ctr"/>
-            <a:endParaRPr lang="it-IT"/>
-          </a:p>
-        </p:txBody>
-      </p:sp>
-      <p:sp>
-        <p:nvSpPr>
-          <p:cNvPr id="7" name="Rettangolo con angoli arrotondati 6">
-            <a:extLst>
-              <a:ext uri="{FF2B5EF4-FFF2-40B4-BE49-F238E27FC236}">
-                <a16:creationId xmlns:a16="http://schemas.microsoft.com/office/drawing/2014/main" id="{3A908ADC-BF45-9137-0F6C-8E58F806D137}"/>
+            <a:endParaRPr lang="en-US"/>
+          </a:p>
+        </p:txBody>
+      </p:sp>
+      <p:sp>
+        <p:nvSpPr>
+          <p:cNvPr id="12" name="Rettangolo con angoli arrotondati 11">
+            <a:extLst>
+              <a:ext uri="{FF2B5EF4-FFF2-40B4-BE49-F238E27FC236}">
+                <a16:creationId xmlns:a16="http://schemas.microsoft.com/office/drawing/2014/main" id="{BA180BE6-40E0-6C1A-6DC1-DB6C78CD2433}"/>
               </a:ext>
             </a:extLst>
           </p:cNvPr>
@@ -5401,8 +5315,8 @@
         </p:nvSpPr>
         <p:spPr>
           <a:xfrm>
-            <a:off x="2881481" y="1863810"/>
-            <a:ext cx="1945133" cy="1458325"/>
+            <a:off x="1007293" y="1191885"/>
+            <a:ext cx="1945133" cy="4945443"/>
           </a:xfrm>
           <a:prstGeom prst="roundRect">
             <a:avLst>
@@ -5437,16 +5351,16 @@
           <a:lstStyle/>
           <a:p>
             <a:pPr algn="ctr"/>
-            <a:endParaRPr lang="it-IT"/>
-          </a:p>
-        </p:txBody>
-      </p:sp>
-      <p:sp>
-        <p:nvSpPr>
-          <p:cNvPr id="8" name="Ovale 7">
-            <a:extLst>
-              <a:ext uri="{FF2B5EF4-FFF2-40B4-BE49-F238E27FC236}">
-                <a16:creationId xmlns:a16="http://schemas.microsoft.com/office/drawing/2014/main" id="{AC6D2013-7DE4-9B35-26AF-F84D02282B87}"/>
+            <a:endParaRPr lang="en-US"/>
+          </a:p>
+        </p:txBody>
+      </p:sp>
+      <p:sp>
+        <p:nvSpPr>
+          <p:cNvPr id="27" name="Ovale 26">
+            <a:extLst>
+              <a:ext uri="{FF2B5EF4-FFF2-40B4-BE49-F238E27FC236}">
+                <a16:creationId xmlns:a16="http://schemas.microsoft.com/office/drawing/2014/main" id="{FE89D3D4-9CA0-ED98-CF8B-8A767160C60D}"/>
               </a:ext>
             </a:extLst>
           </p:cNvPr>
@@ -5455,7 +5369,7 @@
         </p:nvSpPr>
         <p:spPr>
           <a:xfrm>
-            <a:off x="5212598" y="2545598"/>
+            <a:off x="2549470" y="1655662"/>
             <a:ext cx="805912" cy="805912"/>
           </a:xfrm>
           <a:prstGeom prst="ellipse">
@@ -5489,16 +5403,16 @@
           <a:lstStyle/>
           <a:p>
             <a:pPr algn="ctr"/>
-            <a:endParaRPr lang="it-IT"/>
-          </a:p>
-        </p:txBody>
-      </p:sp>
-      <p:sp>
-        <p:nvSpPr>
-          <p:cNvPr id="9" name="Ovale 8">
-            <a:extLst>
-              <a:ext uri="{FF2B5EF4-FFF2-40B4-BE49-F238E27FC236}">
-                <a16:creationId xmlns:a16="http://schemas.microsoft.com/office/drawing/2014/main" id="{5136F787-97D5-8AD9-497F-90598A855BAA}"/>
+            <a:endParaRPr lang="en-US"/>
+          </a:p>
+        </p:txBody>
+      </p:sp>
+      <p:sp>
+        <p:nvSpPr>
+          <p:cNvPr id="28" name="Ovale 27">
+            <a:extLst>
+              <a:ext uri="{FF2B5EF4-FFF2-40B4-BE49-F238E27FC236}">
+                <a16:creationId xmlns:a16="http://schemas.microsoft.com/office/drawing/2014/main" id="{9D902341-8272-F68D-9301-30488CD18310}"/>
               </a:ext>
             </a:extLst>
           </p:cNvPr>
@@ -5507,7 +5421,7 @@
         </p:nvSpPr>
         <p:spPr>
           <a:xfrm>
-            <a:off x="6157992" y="2561096"/>
+            <a:off x="2549470" y="2727409"/>
             <a:ext cx="805912" cy="805912"/>
           </a:xfrm>
           <a:prstGeom prst="ellipse">
@@ -5541,16 +5455,16 @@
           <a:lstStyle/>
           <a:p>
             <a:pPr algn="ctr"/>
-            <a:endParaRPr lang="it-IT"/>
-          </a:p>
-        </p:txBody>
-      </p:sp>
-      <p:sp>
-        <p:nvSpPr>
-          <p:cNvPr id="10" name="Ovale 9">
-            <a:extLst>
-              <a:ext uri="{FF2B5EF4-FFF2-40B4-BE49-F238E27FC236}">
-                <a16:creationId xmlns:a16="http://schemas.microsoft.com/office/drawing/2014/main" id="{BD036F20-06D7-AFC3-EBED-3F4648758321}"/>
+            <a:endParaRPr lang="en-US"/>
+          </a:p>
+        </p:txBody>
+      </p:sp>
+      <p:sp>
+        <p:nvSpPr>
+          <p:cNvPr id="29" name="Ovale 28">
+            <a:extLst>
+              <a:ext uri="{FF2B5EF4-FFF2-40B4-BE49-F238E27FC236}">
+                <a16:creationId xmlns:a16="http://schemas.microsoft.com/office/drawing/2014/main" id="{E041F5E8-5699-5D70-99DB-33E96CAD4280}"/>
               </a:ext>
             </a:extLst>
           </p:cNvPr>
@@ -5559,7 +5473,7 @@
         </p:nvSpPr>
         <p:spPr>
           <a:xfrm>
-            <a:off x="6157992" y="3506490"/>
+            <a:off x="2549470" y="3799156"/>
             <a:ext cx="805912" cy="805912"/>
           </a:xfrm>
           <a:prstGeom prst="ellipse">
@@ -5593,16 +5507,16 @@
           <a:lstStyle/>
           <a:p>
             <a:pPr algn="ctr"/>
-            <a:endParaRPr lang="it-IT"/>
-          </a:p>
-        </p:txBody>
-      </p:sp>
-      <p:sp>
-        <p:nvSpPr>
-          <p:cNvPr id="11" name="Ovale 10">
-            <a:extLst>
-              <a:ext uri="{FF2B5EF4-FFF2-40B4-BE49-F238E27FC236}">
-                <a16:creationId xmlns:a16="http://schemas.microsoft.com/office/drawing/2014/main" id="{F4A863FD-3E60-7AAD-946E-4125E11622FD}"/>
+            <a:endParaRPr lang="en-US"/>
+          </a:p>
+        </p:txBody>
+      </p:sp>
+      <p:sp>
+        <p:nvSpPr>
+          <p:cNvPr id="30" name="Ovale 29">
+            <a:extLst>
+              <a:ext uri="{FF2B5EF4-FFF2-40B4-BE49-F238E27FC236}">
+                <a16:creationId xmlns:a16="http://schemas.microsoft.com/office/drawing/2014/main" id="{7461AF3F-393F-619C-F79F-A7E671DE7D2E}"/>
               </a:ext>
             </a:extLst>
           </p:cNvPr>
@@ -5611,7 +5525,7 @@
         </p:nvSpPr>
         <p:spPr>
           <a:xfrm>
-            <a:off x="5212598" y="3506490"/>
+            <a:off x="2549470" y="4870903"/>
             <a:ext cx="805912" cy="805912"/>
           </a:xfrm>
           <a:prstGeom prst="ellipse">
@@ -5645,7 +5559,667 @@
           <a:lstStyle/>
           <a:p>
             <a:pPr algn="ctr"/>
-            <a:endParaRPr lang="it-IT"/>
+            <a:endParaRPr lang="en-US"/>
+          </a:p>
+        </p:txBody>
+      </p:sp>
+      <p:sp>
+        <p:nvSpPr>
+          <p:cNvPr id="3" name="Titolo 2">
+            <a:extLst>
+              <a:ext uri="{FF2B5EF4-FFF2-40B4-BE49-F238E27FC236}">
+                <a16:creationId xmlns:a16="http://schemas.microsoft.com/office/drawing/2014/main" id="{C2A02218-6C6F-112E-F8EF-B3D5F7CC4210}"/>
+              </a:ext>
+            </a:extLst>
+          </p:cNvPr>
+          <p:cNvSpPr>
+            <a:spLocks noGrp="1"/>
+          </p:cNvSpPr>
+          <p:nvPr>
+            <p:ph type="title"/>
+          </p:nvPr>
+        </p:nvSpPr>
+        <p:spPr/>
+        <p:txBody>
+          <a:bodyPr/>
+          <a:lstStyle/>
+          <a:p>
+            <a:r>
+              <a:rPr lang="en-US" dirty="0"/>
+              <a:t>Functionalities</a:t>
+            </a:r>
+          </a:p>
+        </p:txBody>
+      </p:sp>
+      <p:sp>
+        <p:nvSpPr>
+          <p:cNvPr id="4" name="CasellaDiTesto 3">
+            <a:extLst>
+              <a:ext uri="{FF2B5EF4-FFF2-40B4-BE49-F238E27FC236}">
+                <a16:creationId xmlns:a16="http://schemas.microsoft.com/office/drawing/2014/main" id="{94D7553B-667D-7C74-3C16-445CE007B55E}"/>
+              </a:ext>
+            </a:extLst>
+          </p:cNvPr>
+          <p:cNvSpPr txBox="1"/>
+          <p:nvPr/>
+        </p:nvSpPr>
+        <p:spPr>
+          <a:xfrm>
+            <a:off x="3516035" y="1655662"/>
+            <a:ext cx="7245458" cy="615553"/>
+          </a:xfrm>
+          <a:prstGeom prst="rect">
+            <a:avLst/>
+          </a:prstGeom>
+          <a:noFill/>
+        </p:spPr>
+        <p:txBody>
+          <a:bodyPr wrap="square" rtlCol="0">
+            <a:spAutoFit/>
+          </a:bodyPr>
+          <a:lstStyle/>
+          <a:p>
+            <a:r>
+              <a:rPr lang="en-US" sz="2000" b="1">
+                <a:solidFill>
+                  <a:srgbClr val="3F51C3"/>
+                </a:solidFill>
+                <a:latin typeface="SF Pro Text" pitchFamily="2" charset="0"/>
+                <a:ea typeface="SF Pro Text" pitchFamily="2" charset="0"/>
+                <a:cs typeface="SF Pro Text" pitchFamily="2" charset="0"/>
+              </a:rPr>
+              <a:t>Track product price</a:t>
+            </a:r>
+          </a:p>
+          <a:p>
+            <a:r>
+              <a:rPr lang="en-US" sz="1400">
+                <a:solidFill>
+                  <a:srgbClr val="3F3C53"/>
+                </a:solidFill>
+                <a:latin typeface="SF Pro Text" pitchFamily="2" charset="0"/>
+                <a:ea typeface="SF Pro Text" pitchFamily="2" charset="0"/>
+                <a:cs typeface="SF Pro Text" pitchFamily="2" charset="0"/>
+              </a:rPr>
+              <a:t>Keep track of the price of your favourite products</a:t>
+            </a:r>
+          </a:p>
+        </p:txBody>
+      </p:sp>
+      <p:pic>
+        <p:nvPicPr>
+          <p:cNvPr id="9" name="Elemento grafico 8">
+            <a:extLst>
+              <a:ext uri="{FF2B5EF4-FFF2-40B4-BE49-F238E27FC236}">
+                <a16:creationId xmlns:a16="http://schemas.microsoft.com/office/drawing/2014/main" id="{85253182-9526-7780-6538-CF4A5F804064}"/>
+              </a:ext>
+            </a:extLst>
+          </p:cNvPr>
+          <p:cNvPicPr>
+            <a:picLocks noChangeAspect="1"/>
+          </p:cNvPicPr>
+          <p:nvPr/>
+        </p:nvPicPr>
+        <p:blipFill>
+          <a:blip r:embed="rId3">
+            <a:extLst>
+              <a:ext uri="{96DAC541-7B7A-43D3-8B79-37D633B846F1}">
+                <asvg:svgBlip xmlns:asvg="http://schemas.microsoft.com/office/drawing/2016/SVG/main" r:embed="rId4"/>
+              </a:ext>
+            </a:extLst>
+          </a:blip>
+          <a:stretch>
+            <a:fillRect/>
+          </a:stretch>
+        </p:blipFill>
+        <p:spPr>
+          <a:xfrm>
+            <a:off x="2710123" y="1817430"/>
+            <a:ext cx="484606" cy="484606"/>
+          </a:xfrm>
+          <a:prstGeom prst="rect">
+            <a:avLst/>
+          </a:prstGeom>
+        </p:spPr>
+      </p:pic>
+      <p:pic>
+        <p:nvPicPr>
+          <p:cNvPr id="32" name="Elemento grafico 31">
+            <a:extLst>
+              <a:ext uri="{FF2B5EF4-FFF2-40B4-BE49-F238E27FC236}">
+                <a16:creationId xmlns:a16="http://schemas.microsoft.com/office/drawing/2014/main" id="{BCCD7A27-0D10-3E03-F761-3B6B23DBDA01}"/>
+              </a:ext>
+            </a:extLst>
+          </p:cNvPr>
+          <p:cNvPicPr>
+            <a:picLocks noChangeAspect="1"/>
+          </p:cNvPicPr>
+          <p:nvPr/>
+        </p:nvPicPr>
+        <p:blipFill>
+          <a:blip r:embed="rId5">
+            <a:extLst>
+              <a:ext uri="{96DAC541-7B7A-43D3-8B79-37D633B846F1}">
+                <asvg:svgBlip xmlns:asvg="http://schemas.microsoft.com/office/drawing/2016/SVG/main" r:embed="rId6"/>
+              </a:ext>
+            </a:extLst>
+          </a:blip>
+          <a:stretch>
+            <a:fillRect/>
+          </a:stretch>
+        </p:blipFill>
+        <p:spPr>
+          <a:xfrm rot="5400000">
+            <a:off x="1108215" y="2771836"/>
+            <a:ext cx="1638554" cy="1638554"/>
+          </a:xfrm>
+          <a:prstGeom prst="rect">
+            <a:avLst/>
+          </a:prstGeom>
+        </p:spPr>
+      </p:pic>
+      <p:sp>
+        <p:nvSpPr>
+          <p:cNvPr id="36" name="CasellaDiTesto 35">
+            <a:extLst>
+              <a:ext uri="{FF2B5EF4-FFF2-40B4-BE49-F238E27FC236}">
+                <a16:creationId xmlns:a16="http://schemas.microsoft.com/office/drawing/2014/main" id="{5598B97E-5AB2-B126-80E5-E51543C08C86}"/>
+              </a:ext>
+            </a:extLst>
+          </p:cNvPr>
+          <p:cNvSpPr txBox="1"/>
+          <p:nvPr/>
+        </p:nvSpPr>
+        <p:spPr>
+          <a:xfrm>
+            <a:off x="3516035" y="3894335"/>
+            <a:ext cx="7245458" cy="615553"/>
+          </a:xfrm>
+          <a:prstGeom prst="rect">
+            <a:avLst/>
+          </a:prstGeom>
+          <a:noFill/>
+        </p:spPr>
+        <p:txBody>
+          <a:bodyPr wrap="square" rtlCol="0">
+            <a:spAutoFit/>
+          </a:bodyPr>
+          <a:lstStyle/>
+          <a:p>
+            <a:r>
+              <a:rPr lang="en-US" sz="2000" b="1" dirty="0">
+                <a:solidFill>
+                  <a:srgbClr val="3F51C3"/>
+                </a:solidFill>
+                <a:latin typeface="SF Pro Text" pitchFamily="2" charset="0"/>
+                <a:ea typeface="SF Pro Text" pitchFamily="2" charset="0"/>
+                <a:cs typeface="SF Pro Text" pitchFamily="2" charset="0"/>
+              </a:rPr>
+              <a:t>Notification</a:t>
+            </a:r>
+          </a:p>
+          <a:p>
+            <a:r>
+              <a:rPr lang="en-US" sz="1400" dirty="0">
+                <a:solidFill>
+                  <a:srgbClr val="3F3C53"/>
+                </a:solidFill>
+                <a:latin typeface="SF Pro Text" pitchFamily="2" charset="0"/>
+                <a:ea typeface="SF Pro Text" pitchFamily="2" charset="0"/>
+                <a:cs typeface="SF Pro Text" pitchFamily="2" charset="0"/>
+              </a:rPr>
+              <a:t>Get notified when a tracked product price falls</a:t>
+            </a:r>
+          </a:p>
+        </p:txBody>
+      </p:sp>
+      <p:pic>
+        <p:nvPicPr>
+          <p:cNvPr id="37" name="Elemento grafico 36">
+            <a:extLst>
+              <a:ext uri="{FF2B5EF4-FFF2-40B4-BE49-F238E27FC236}">
+                <a16:creationId xmlns:a16="http://schemas.microsoft.com/office/drawing/2014/main" id="{FD48E28F-3662-45A7-AF8B-9E8ABE6D90BE}"/>
+              </a:ext>
+            </a:extLst>
+          </p:cNvPr>
+          <p:cNvPicPr>
+            <a:picLocks noChangeAspect="1"/>
+          </p:cNvPicPr>
+          <p:nvPr/>
+        </p:nvPicPr>
+        <p:blipFill>
+          <a:blip r:embed="rId7">
+            <a:extLst>
+              <a:ext uri="{96DAC541-7B7A-43D3-8B79-37D633B846F1}">
+                <asvg:svgBlip xmlns:asvg="http://schemas.microsoft.com/office/drawing/2016/SVG/main" r:embed="rId8"/>
+              </a:ext>
+            </a:extLst>
+          </a:blip>
+          <a:stretch>
+            <a:fillRect/>
+          </a:stretch>
+        </p:blipFill>
+        <p:spPr>
+          <a:xfrm>
+            <a:off x="2738982" y="3974974"/>
+            <a:ext cx="454274" cy="454274"/>
+          </a:xfrm>
+          <a:prstGeom prst="rect">
+            <a:avLst/>
+          </a:prstGeom>
+        </p:spPr>
+      </p:pic>
+      <p:sp>
+        <p:nvSpPr>
+          <p:cNvPr id="38" name="CasellaDiTesto 37">
+            <a:extLst>
+              <a:ext uri="{FF2B5EF4-FFF2-40B4-BE49-F238E27FC236}">
+                <a16:creationId xmlns:a16="http://schemas.microsoft.com/office/drawing/2014/main" id="{45E3C27E-F785-6F26-E7EA-46BCF4D46EDE}"/>
+              </a:ext>
+            </a:extLst>
+          </p:cNvPr>
+          <p:cNvSpPr txBox="1"/>
+          <p:nvPr/>
+        </p:nvSpPr>
+        <p:spPr>
+          <a:xfrm>
+            <a:off x="3516035" y="2803729"/>
+            <a:ext cx="7245458" cy="615553"/>
+          </a:xfrm>
+          <a:prstGeom prst="rect">
+            <a:avLst/>
+          </a:prstGeom>
+          <a:noFill/>
+        </p:spPr>
+        <p:txBody>
+          <a:bodyPr wrap="square" rtlCol="0">
+            <a:spAutoFit/>
+          </a:bodyPr>
+          <a:lstStyle/>
+          <a:p>
+            <a:r>
+              <a:rPr lang="en-US" sz="2000" b="1">
+                <a:solidFill>
+                  <a:srgbClr val="3F51C3"/>
+                </a:solidFill>
+                <a:latin typeface="SF Pro Text" pitchFamily="2" charset="0"/>
+                <a:ea typeface="SF Pro Text" pitchFamily="2" charset="0"/>
+                <a:cs typeface="SF Pro Text" pitchFamily="2" charset="0"/>
+              </a:rPr>
+              <a:t>Explore</a:t>
+            </a:r>
+          </a:p>
+          <a:p>
+            <a:r>
+              <a:rPr lang="en-US" sz="1400">
+                <a:solidFill>
+                  <a:srgbClr val="3F3C53"/>
+                </a:solidFill>
+                <a:latin typeface="SF Pro Text" pitchFamily="2" charset="0"/>
+                <a:ea typeface="SF Pro Text" pitchFamily="2" charset="0"/>
+                <a:cs typeface="SF Pro Text" pitchFamily="2" charset="0"/>
+              </a:rPr>
+              <a:t>Explore products added by other users by different criteria</a:t>
+            </a:r>
+          </a:p>
+        </p:txBody>
+      </p:sp>
+      <p:pic>
+        <p:nvPicPr>
+          <p:cNvPr id="43" name="Elemento grafico 42">
+            <a:extLst>
+              <a:ext uri="{FF2B5EF4-FFF2-40B4-BE49-F238E27FC236}">
+                <a16:creationId xmlns:a16="http://schemas.microsoft.com/office/drawing/2014/main" id="{A23E1DEC-4ED2-6CC1-F038-D0471DA06671}"/>
+              </a:ext>
+            </a:extLst>
+          </p:cNvPr>
+          <p:cNvPicPr>
+            <a:picLocks noChangeAspect="1"/>
+          </p:cNvPicPr>
+          <p:nvPr/>
+        </p:nvPicPr>
+        <p:blipFill>
+          <a:blip r:embed="rId9">
+            <a:extLst>
+              <a:ext uri="{96DAC541-7B7A-43D3-8B79-37D633B846F1}">
+                <asvg:svgBlip xmlns:asvg="http://schemas.microsoft.com/office/drawing/2016/SVG/main" r:embed="rId10"/>
+              </a:ext>
+            </a:extLst>
+          </a:blip>
+          <a:stretch>
+            <a:fillRect/>
+          </a:stretch>
+        </p:blipFill>
+        <p:spPr>
+          <a:xfrm>
+            <a:off x="2718123" y="2887277"/>
+            <a:ext cx="468604" cy="468604"/>
+          </a:xfrm>
+          <a:prstGeom prst="rect">
+            <a:avLst/>
+          </a:prstGeom>
+        </p:spPr>
+      </p:pic>
+      <p:pic>
+        <p:nvPicPr>
+          <p:cNvPr id="45" name="Elemento grafico 44">
+            <a:extLst>
+              <a:ext uri="{FF2B5EF4-FFF2-40B4-BE49-F238E27FC236}">
+                <a16:creationId xmlns:a16="http://schemas.microsoft.com/office/drawing/2014/main" id="{92CB6EDF-2E74-B9B7-76C2-57222E133222}"/>
+              </a:ext>
+            </a:extLst>
+          </p:cNvPr>
+          <p:cNvPicPr>
+            <a:picLocks noChangeAspect="1"/>
+          </p:cNvPicPr>
+          <p:nvPr/>
+        </p:nvPicPr>
+        <p:blipFill>
+          <a:blip r:embed="rId11">
+            <a:extLst>
+              <a:ext uri="{96DAC541-7B7A-43D3-8B79-37D633B846F1}">
+                <asvg:svgBlip xmlns:asvg="http://schemas.microsoft.com/office/drawing/2016/SVG/main" r:embed="rId12"/>
+              </a:ext>
+            </a:extLst>
+          </a:blip>
+          <a:stretch>
+            <a:fillRect/>
+          </a:stretch>
+        </p:blipFill>
+        <p:spPr>
+          <a:xfrm>
+            <a:off x="2676003" y="4987068"/>
+            <a:ext cx="552843" cy="552843"/>
+          </a:xfrm>
+          <a:prstGeom prst="rect">
+            <a:avLst/>
+          </a:prstGeom>
+        </p:spPr>
+      </p:pic>
+      <p:sp>
+        <p:nvSpPr>
+          <p:cNvPr id="46" name="CasellaDiTesto 45">
+            <a:extLst>
+              <a:ext uri="{FF2B5EF4-FFF2-40B4-BE49-F238E27FC236}">
+                <a16:creationId xmlns:a16="http://schemas.microsoft.com/office/drawing/2014/main" id="{32F48D70-52DA-C5B9-A49C-249F65FFE077}"/>
+              </a:ext>
+            </a:extLst>
+          </p:cNvPr>
+          <p:cNvSpPr txBox="1"/>
+          <p:nvPr/>
+        </p:nvSpPr>
+        <p:spPr>
+          <a:xfrm>
+            <a:off x="3481915" y="4984941"/>
+            <a:ext cx="7245458" cy="615553"/>
+          </a:xfrm>
+          <a:prstGeom prst="rect">
+            <a:avLst/>
+          </a:prstGeom>
+          <a:noFill/>
+        </p:spPr>
+        <p:txBody>
+          <a:bodyPr wrap="square" rtlCol="0">
+            <a:spAutoFit/>
+          </a:bodyPr>
+          <a:lstStyle/>
+          <a:p>
+            <a:r>
+              <a:rPr lang="en-US" sz="2000" b="1">
+                <a:solidFill>
+                  <a:srgbClr val="3F51C3"/>
+                </a:solidFill>
+                <a:latin typeface="SF Pro Text" pitchFamily="2" charset="0"/>
+                <a:ea typeface="SF Pro Text" pitchFamily="2" charset="0"/>
+                <a:cs typeface="SF Pro Text" pitchFamily="2" charset="0"/>
+              </a:rPr>
+              <a:t>Synchronization</a:t>
+            </a:r>
+          </a:p>
+          <a:p>
+            <a:r>
+              <a:rPr lang="en-US" sz="1400">
+                <a:solidFill>
+                  <a:srgbClr val="3F3C53"/>
+                </a:solidFill>
+                <a:latin typeface="SF Pro Text" pitchFamily="2" charset="0"/>
+                <a:ea typeface="SF Pro Text" pitchFamily="2" charset="0"/>
+                <a:cs typeface="SF Pro Text" pitchFamily="2" charset="0"/>
+              </a:rPr>
+              <a:t>Keep your data and preferences synced with your devices</a:t>
+            </a:r>
+          </a:p>
+        </p:txBody>
+      </p:sp>
+      <p:sp>
+        <p:nvSpPr>
+          <p:cNvPr id="5" name="Segnaposto numero diapositiva 4">
+            <a:extLst>
+              <a:ext uri="{FF2B5EF4-FFF2-40B4-BE49-F238E27FC236}">
+                <a16:creationId xmlns:a16="http://schemas.microsoft.com/office/drawing/2014/main" id="{5FE896AD-EE4B-D4C3-81C5-311F5DB29197}"/>
+              </a:ext>
+            </a:extLst>
+          </p:cNvPr>
+          <p:cNvSpPr>
+            <a:spLocks noGrp="1"/>
+          </p:cNvSpPr>
+          <p:nvPr>
+            <p:ph type="sldNum" sz="quarter" idx="12"/>
+          </p:nvPr>
+        </p:nvSpPr>
+        <p:spPr/>
+        <p:txBody>
+          <a:bodyPr/>
+          <a:lstStyle/>
+          <a:p>
+            <a:fld id="{925FCEA2-F0DA-AB4C-B1CA-0E33C745EDE1}" type="slidenum">
+              <a:rPr lang="it-IT" smtClean="0"/>
+              <a:pPr/>
+              <a:t>5</a:t>
+            </a:fld>
+            <a:endParaRPr lang="it-IT" dirty="0"/>
+          </a:p>
+        </p:txBody>
+      </p:sp>
+    </p:spTree>
+    <p:extLst>
+      <p:ext uri="{BB962C8B-B14F-4D97-AF65-F5344CB8AC3E}">
+        <p14:creationId xmlns:p14="http://schemas.microsoft.com/office/powerpoint/2010/main" val="2374531488"/>
+      </p:ext>
+    </p:extLst>
+  </p:cSld>
+  <p:clrMapOvr>
+    <a:masterClrMapping/>
+  </p:clrMapOvr>
+</p:sld>
+</file>
+
+<file path=ppt/slides/slide7.xml><?xml version="1.0" encoding="utf-8"?>
+<p:sld xmlns:a="http://schemas.openxmlformats.org/drawingml/2006/main" xmlns:r="http://schemas.openxmlformats.org/officeDocument/2006/relationships" xmlns:p="http://schemas.openxmlformats.org/presentationml/2006/main">
+  <p:cSld>
+    <p:spTree>
+      <p:nvGrpSpPr>
+        <p:cNvPr id="1" name=""/>
+        <p:cNvGrpSpPr/>
+        <p:nvPr/>
+      </p:nvGrpSpPr>
+      <p:grpSpPr>
+        <a:xfrm>
+          <a:off x="0" y="0"/>
+          <a:ext cx="0" cy="0"/>
+          <a:chOff x="0" y="0"/>
+          <a:chExt cx="0" cy="0"/>
+        </a:xfrm>
+      </p:grpSpPr>
+      <p:sp>
+        <p:nvSpPr>
+          <p:cNvPr id="2" name="Segnaposto numero diapositiva 1">
+            <a:extLst>
+              <a:ext uri="{FF2B5EF4-FFF2-40B4-BE49-F238E27FC236}">
+                <a16:creationId xmlns:a16="http://schemas.microsoft.com/office/drawing/2014/main" id="{963A9284-0C08-8CBB-F377-3F8CC6013BDC}"/>
+              </a:ext>
+            </a:extLst>
+          </p:cNvPr>
+          <p:cNvSpPr>
+            <a:spLocks noGrp="1"/>
+          </p:cNvSpPr>
+          <p:nvPr>
+            <p:ph type="sldNum" sz="quarter" idx="12"/>
+          </p:nvPr>
+        </p:nvSpPr>
+        <p:spPr/>
+        <p:txBody>
+          <a:bodyPr/>
+          <a:lstStyle/>
+          <a:p>
+            <a:fld id="{925FCEA2-F0DA-AB4C-B1CA-0E33C745EDE1}" type="slidenum">
+              <a:rPr lang="it-IT" smtClean="0"/>
+              <a:pPr/>
+              <a:t>6</a:t>
+            </a:fld>
+            <a:endParaRPr lang="it-IT" dirty="0"/>
+          </a:p>
+        </p:txBody>
+      </p:sp>
+      <p:sp>
+        <p:nvSpPr>
+          <p:cNvPr id="3" name="Titolo 2">
+            <a:extLst>
+              <a:ext uri="{FF2B5EF4-FFF2-40B4-BE49-F238E27FC236}">
+                <a16:creationId xmlns:a16="http://schemas.microsoft.com/office/drawing/2014/main" id="{CB05F6BE-4F57-C91D-4C5D-9C94307734D7}"/>
+              </a:ext>
+            </a:extLst>
+          </p:cNvPr>
+          <p:cNvSpPr>
+            <a:spLocks noGrp="1"/>
+          </p:cNvSpPr>
+          <p:nvPr>
+            <p:ph type="title"/>
+          </p:nvPr>
+        </p:nvSpPr>
+        <p:spPr/>
+        <p:txBody>
+          <a:bodyPr/>
+          <a:lstStyle/>
+          <a:p>
+            <a:r>
+              <a:rPr lang="en-US"/>
+              <a:t>Further implementation</a:t>
+            </a:r>
+          </a:p>
+        </p:txBody>
+      </p:sp>
+      <p:cxnSp>
+        <p:nvCxnSpPr>
+          <p:cNvPr id="6" name="Connettore 2 5">
+            <a:extLst>
+              <a:ext uri="{FF2B5EF4-FFF2-40B4-BE49-F238E27FC236}">
+                <a16:creationId xmlns:a16="http://schemas.microsoft.com/office/drawing/2014/main" id="{1B131AE8-FA89-5300-93C1-D8D8099FE80E}"/>
+              </a:ext>
+            </a:extLst>
+          </p:cNvPr>
+          <p:cNvCxnSpPr>
+            <a:cxnSpLocks/>
+          </p:cNvCxnSpPr>
+          <p:nvPr/>
+        </p:nvCxnSpPr>
+        <p:spPr>
+          <a:xfrm>
+            <a:off x="790414" y="3429000"/>
+            <a:ext cx="11183872" cy="0"/>
+          </a:xfrm>
+          <a:prstGeom prst="straightConnector1">
+            <a:avLst/>
+          </a:prstGeom>
+          <a:ln w="57150" cap="rnd">
+            <a:solidFill>
+              <a:srgbClr val="3F3C53"/>
+            </a:solidFill>
+            <a:tailEnd type="arrow"/>
+          </a:ln>
+        </p:spPr>
+        <p:style>
+          <a:lnRef idx="1">
+            <a:schemeClr val="accent1"/>
+          </a:lnRef>
+          <a:fillRef idx="0">
+            <a:schemeClr val="accent1"/>
+          </a:fillRef>
+          <a:effectRef idx="0">
+            <a:schemeClr val="accent1"/>
+          </a:effectRef>
+          <a:fontRef idx="minor">
+            <a:schemeClr val="tx1"/>
+          </a:fontRef>
+        </p:style>
+      </p:cxnSp>
+      <p:sp>
+        <p:nvSpPr>
+          <p:cNvPr id="8" name="Ovale 7">
+            <a:extLst>
+              <a:ext uri="{FF2B5EF4-FFF2-40B4-BE49-F238E27FC236}">
+                <a16:creationId xmlns:a16="http://schemas.microsoft.com/office/drawing/2014/main" id="{94681E17-8E35-71D6-01DB-EE2786BA7FDF}"/>
+              </a:ext>
+            </a:extLst>
+          </p:cNvPr>
+          <p:cNvSpPr/>
+          <p:nvPr/>
+        </p:nvSpPr>
+        <p:spPr>
+          <a:xfrm>
+            <a:off x="2491352" y="3105473"/>
+            <a:ext cx="647053" cy="647053"/>
+          </a:xfrm>
+          <a:prstGeom prst="ellipse">
+            <a:avLst/>
+          </a:prstGeom>
+          <a:solidFill>
+            <a:srgbClr val="3F51C3"/>
+          </a:solidFill>
+          <a:ln>
+            <a:noFill/>
+          </a:ln>
+        </p:spPr>
+        <p:style>
+          <a:lnRef idx="2">
+            <a:schemeClr val="accent1">
+              <a:shade val="50000"/>
+            </a:schemeClr>
+          </a:lnRef>
+          <a:fillRef idx="1">
+            <a:schemeClr val="accent1"/>
+          </a:fillRef>
+          <a:effectRef idx="0">
+            <a:schemeClr val="accent1"/>
+          </a:effectRef>
+          <a:fontRef idx="minor">
+            <a:schemeClr val="lt1"/>
+          </a:fontRef>
+        </p:style>
+        <p:txBody>
+          <a:bodyPr rtlCol="0" anchor="ctr"/>
+          <a:lstStyle/>
+          <a:p>
+            <a:pPr algn="ctr"/>
+            <a:r>
+              <a:rPr lang="en-US" sz="2000" b="1" dirty="0">
+                <a:solidFill>
+                  <a:srgbClr val="FFFFFF"/>
+                </a:solidFill>
+                <a:latin typeface="SF Pro Text" pitchFamily="2" charset="0"/>
+                <a:ea typeface="SF Pro Text" pitchFamily="2" charset="0"/>
+                <a:cs typeface="SF Pro Text" pitchFamily="2" charset="0"/>
+              </a:rPr>
+              <a:t>1</a:t>
+            </a:r>
+            <a:endParaRPr lang="en-US" b="1" dirty="0">
+              <a:solidFill>
+                <a:srgbClr val="FFFFFF"/>
+              </a:solidFill>
+              <a:latin typeface="SF Pro Text" pitchFamily="2" charset="0"/>
+              <a:ea typeface="SF Pro Text" pitchFamily="2" charset="0"/>
+              <a:cs typeface="SF Pro Text" pitchFamily="2" charset="0"/>
+            </a:endParaRPr>
           </a:p>
         </p:txBody>
       </p:sp>
@@ -5654,7 +6228,7 @@
           <p:cNvPr id="12" name="Rettangolo con angoli arrotondati 11">
             <a:extLst>
               <a:ext uri="{FF2B5EF4-FFF2-40B4-BE49-F238E27FC236}">
-                <a16:creationId xmlns:a16="http://schemas.microsoft.com/office/drawing/2014/main" id="{A976E2C9-98E9-407B-54AE-198736A6DE4C}"/>
+                <a16:creationId xmlns:a16="http://schemas.microsoft.com/office/drawing/2014/main" id="{D06D9D78-60D1-D9B2-BD1D-5C5D2F26E6E6}"/>
               </a:ext>
             </a:extLst>
           </p:cNvPr>
@@ -5663,8 +6237,8 @@
         </p:nvSpPr>
         <p:spPr>
           <a:xfrm>
-            <a:off x="2973273" y="3649336"/>
-            <a:ext cx="1759325" cy="1231383"/>
+            <a:off x="1556599" y="1426589"/>
+            <a:ext cx="2532635" cy="1359148"/>
           </a:xfrm>
           <a:prstGeom prst="roundRect">
             <a:avLst>
@@ -5701,7 +6275,17 @@
           <a:lstStyle/>
           <a:p>
             <a:pPr algn="ctr"/>
-            <a:endParaRPr lang="it-IT"/>
+            <a:r>
+              <a:rPr lang="en-US" dirty="0">
+                <a:solidFill>
+                  <a:srgbClr val="3F3C53"/>
+                </a:solidFill>
+                <a:latin typeface="SF Pro Text" pitchFamily="2" charset="0"/>
+                <a:ea typeface="SF Pro Text" pitchFamily="2" charset="0"/>
+                <a:cs typeface="SF Pro Text" pitchFamily="2" charset="0"/>
+              </a:rPr>
+              <a:t>Internationalization of Amazon website</a:t>
+            </a:r>
           </a:p>
         </p:txBody>
       </p:sp>
@@ -5710,7 +6294,7 @@
           <p:cNvPr id="13" name="Rettangolo con angoli arrotondati 12">
             <a:extLst>
               <a:ext uri="{FF2B5EF4-FFF2-40B4-BE49-F238E27FC236}">
-                <a16:creationId xmlns:a16="http://schemas.microsoft.com/office/drawing/2014/main" id="{5CC632D6-3DC0-B161-EAF7-45165ECD11BA}"/>
+                <a16:creationId xmlns:a16="http://schemas.microsoft.com/office/drawing/2014/main" id="{26E445A3-A4AA-2C1C-D4E1-FED4377D037C}"/>
               </a:ext>
             </a:extLst>
           </p:cNvPr>
@@ -5719,8 +6303,8 @@
         </p:nvSpPr>
         <p:spPr>
           <a:xfrm>
-            <a:off x="2880370" y="3535866"/>
-            <a:ext cx="1945133" cy="1458325"/>
+            <a:off x="1439023" y="1328897"/>
+            <a:ext cx="2751709" cy="1556018"/>
           </a:xfrm>
           <a:prstGeom prst="roundRect">
             <a:avLst>
@@ -5755,7 +6339,7 @@
           <a:lstStyle/>
           <a:p>
             <a:pPr algn="ctr"/>
-            <a:endParaRPr lang="it-IT"/>
+            <a:endParaRPr lang="en-US"/>
           </a:p>
         </p:txBody>
       </p:sp>
@@ -5764,7 +6348,7 @@
           <p:cNvPr id="14" name="Rettangolo con angoli arrotondati 13">
             <a:extLst>
               <a:ext uri="{FF2B5EF4-FFF2-40B4-BE49-F238E27FC236}">
-                <a16:creationId xmlns:a16="http://schemas.microsoft.com/office/drawing/2014/main" id="{87B4568C-50CA-0DC9-8AFA-8A0C2F12376D}"/>
+                <a16:creationId xmlns:a16="http://schemas.microsoft.com/office/drawing/2014/main" id="{E512831A-66C0-72ED-4DEF-4B7A2703F2C3}"/>
               </a:ext>
             </a:extLst>
           </p:cNvPr>
@@ -5773,8 +6357,8 @@
         </p:nvSpPr>
         <p:spPr>
           <a:xfrm>
-            <a:off x="7364275" y="1977280"/>
-            <a:ext cx="1759325" cy="1231383"/>
+            <a:off x="4760231" y="4082561"/>
+            <a:ext cx="2532635" cy="1359148"/>
           </a:xfrm>
           <a:prstGeom prst="roundRect">
             <a:avLst>
@@ -5811,7 +6395,17 @@
           <a:lstStyle/>
           <a:p>
             <a:pPr algn="ctr"/>
-            <a:endParaRPr lang="it-IT"/>
+            <a:r>
+              <a:rPr lang="en-US" dirty="0">
+                <a:solidFill>
+                  <a:srgbClr val="3F3C53"/>
+                </a:solidFill>
+                <a:latin typeface="SF Pro Text" pitchFamily="2" charset="0"/>
+                <a:ea typeface="SF Pro Text" pitchFamily="2" charset="0"/>
+                <a:cs typeface="SF Pro Text" pitchFamily="2" charset="0"/>
+              </a:rPr>
+              <a:t>Currencies internationalization back-end side</a:t>
+            </a:r>
           </a:p>
         </p:txBody>
       </p:sp>
@@ -5820,7 +6414,7 @@
           <p:cNvPr id="15" name="Rettangolo con angoli arrotondati 14">
             <a:extLst>
               <a:ext uri="{FF2B5EF4-FFF2-40B4-BE49-F238E27FC236}">
-                <a16:creationId xmlns:a16="http://schemas.microsoft.com/office/drawing/2014/main" id="{70382ED0-8C79-A89F-0E8A-4EEFF6595F14}"/>
+                <a16:creationId xmlns:a16="http://schemas.microsoft.com/office/drawing/2014/main" id="{5C3C917A-408F-7D7D-A14D-26FD40BB3443}"/>
               </a:ext>
             </a:extLst>
           </p:cNvPr>
@@ -5829,8 +6423,8 @@
         </p:nvSpPr>
         <p:spPr>
           <a:xfrm>
-            <a:off x="7271372" y="1863810"/>
-            <a:ext cx="1945133" cy="1458325"/>
+            <a:off x="4642655" y="3984869"/>
+            <a:ext cx="2751709" cy="1556018"/>
           </a:xfrm>
           <a:prstGeom prst="roundRect">
             <a:avLst>
@@ -5865,7 +6459,7 @@
           <a:lstStyle/>
           <a:p>
             <a:pPr algn="ctr"/>
-            <a:endParaRPr lang="it-IT"/>
+            <a:endParaRPr lang="en-US"/>
           </a:p>
         </p:txBody>
       </p:sp>
@@ -5874,7 +6468,7 @@
           <p:cNvPr id="16" name="Rettangolo con angoli arrotondati 15">
             <a:extLst>
               <a:ext uri="{FF2B5EF4-FFF2-40B4-BE49-F238E27FC236}">
-                <a16:creationId xmlns:a16="http://schemas.microsoft.com/office/drawing/2014/main" id="{A9D835DC-75BC-9952-B494-E29C9A00D48C}"/>
+                <a16:creationId xmlns:a16="http://schemas.microsoft.com/office/drawing/2014/main" id="{8FDBD43B-55BA-40C6-6D10-819162606FD8}"/>
               </a:ext>
             </a:extLst>
           </p:cNvPr>
@@ -5883,8 +6477,8 @@
         </p:nvSpPr>
         <p:spPr>
           <a:xfrm>
-            <a:off x="7364275" y="3649336"/>
-            <a:ext cx="1759325" cy="1231383"/>
+            <a:off x="8117531" y="1427332"/>
+            <a:ext cx="2532635" cy="1359148"/>
           </a:xfrm>
           <a:prstGeom prst="roundRect">
             <a:avLst>
@@ -5921,7 +6515,42 @@
           <a:lstStyle/>
           <a:p>
             <a:pPr algn="ctr"/>
-            <a:endParaRPr lang="it-IT"/>
+            <a:r>
+              <a:rPr lang="en-US" dirty="0">
+                <a:solidFill>
+                  <a:srgbClr val="3F3C53"/>
+                </a:solidFill>
+                <a:latin typeface="SF Pro Text" pitchFamily="2" charset="0"/>
+                <a:ea typeface="SF Pro Text" pitchFamily="2" charset="0"/>
+                <a:cs typeface="SF Pro Text" pitchFamily="2" charset="0"/>
+              </a:rPr>
+              <a:t>Improve user suggestion</a:t>
+            </a:r>
+          </a:p>
+          <a:p>
+            <a:pPr algn="ctr"/>
+            <a:endParaRPr lang="en-US" sz="1000" dirty="0">
+              <a:solidFill>
+                <a:srgbClr val="3F3C53"/>
+              </a:solidFill>
+              <a:latin typeface="SF Pro Text" pitchFamily="2" charset="0"/>
+              <a:ea typeface="SF Pro Text" pitchFamily="2" charset="0"/>
+              <a:cs typeface="SF Pro Text" pitchFamily="2" charset="0"/>
+            </a:endParaRPr>
+          </a:p>
+          <a:p>
+            <a:pPr algn="ctr"/>
+            <a:r>
+              <a:rPr lang="en-US" sz="1600" dirty="0">
+                <a:solidFill>
+                  <a:srgbClr val="3F3C53"/>
+                </a:solidFill>
+                <a:latin typeface="SF Pro Text" pitchFamily="2" charset="0"/>
+                <a:ea typeface="SF Pro Text" pitchFamily="2" charset="0"/>
+                <a:cs typeface="SF Pro Text" pitchFamily="2" charset="0"/>
+              </a:rPr>
+              <a:t>(ML backend engine)</a:t>
+            </a:r>
           </a:p>
         </p:txBody>
       </p:sp>
@@ -5930,7 +6559,7 @@
           <p:cNvPr id="17" name="Rettangolo con angoli arrotondati 16">
             <a:extLst>
               <a:ext uri="{FF2B5EF4-FFF2-40B4-BE49-F238E27FC236}">
-                <a16:creationId xmlns:a16="http://schemas.microsoft.com/office/drawing/2014/main" id="{0DE31E09-A0C2-07C7-C78A-FEF94B9D4D12}"/>
+                <a16:creationId xmlns:a16="http://schemas.microsoft.com/office/drawing/2014/main" id="{33661704-9700-E61D-CFB0-7A8C1A55A0B1}"/>
               </a:ext>
             </a:extLst>
           </p:cNvPr>
@@ -5939,8 +6568,8 @@
         </p:nvSpPr>
         <p:spPr>
           <a:xfrm>
-            <a:off x="7271372" y="3535866"/>
-            <a:ext cx="1945133" cy="1458325"/>
+            <a:off x="7999955" y="1329640"/>
+            <a:ext cx="2751709" cy="1556018"/>
           </a:xfrm>
           <a:prstGeom prst="roundRect">
             <a:avLst>
@@ -5975,14 +6604,428 @@
           <a:lstStyle/>
           <a:p>
             <a:pPr algn="ctr"/>
-            <a:endParaRPr lang="it-IT"/>
+            <a:endParaRPr lang="en-US"/>
+          </a:p>
+        </p:txBody>
+      </p:sp>
+      <p:sp>
+        <p:nvSpPr>
+          <p:cNvPr id="18" name="Ovale 17">
+            <a:extLst>
+              <a:ext uri="{FF2B5EF4-FFF2-40B4-BE49-F238E27FC236}">
+                <a16:creationId xmlns:a16="http://schemas.microsoft.com/office/drawing/2014/main" id="{D253C6C2-6D58-E737-42CD-968336DFC126}"/>
+              </a:ext>
+            </a:extLst>
+          </p:cNvPr>
+          <p:cNvSpPr/>
+          <p:nvPr/>
+        </p:nvSpPr>
+        <p:spPr>
+          <a:xfrm>
+            <a:off x="5699234" y="3105472"/>
+            <a:ext cx="647053" cy="647053"/>
+          </a:xfrm>
+          <a:prstGeom prst="ellipse">
+            <a:avLst/>
+          </a:prstGeom>
+          <a:solidFill>
+            <a:srgbClr val="3F51C3"/>
+          </a:solidFill>
+          <a:ln>
+            <a:noFill/>
+          </a:ln>
+        </p:spPr>
+        <p:style>
+          <a:lnRef idx="2">
+            <a:schemeClr val="accent1">
+              <a:shade val="50000"/>
+            </a:schemeClr>
+          </a:lnRef>
+          <a:fillRef idx="1">
+            <a:schemeClr val="accent1"/>
+          </a:fillRef>
+          <a:effectRef idx="0">
+            <a:schemeClr val="accent1"/>
+          </a:effectRef>
+          <a:fontRef idx="minor">
+            <a:schemeClr val="lt1"/>
+          </a:fontRef>
+        </p:style>
+        <p:txBody>
+          <a:bodyPr rtlCol="0" anchor="ctr"/>
+          <a:lstStyle/>
+          <a:p>
+            <a:pPr algn="ctr"/>
+            <a:r>
+              <a:rPr lang="en-US" sz="2000" b="1" dirty="0">
+                <a:solidFill>
+                  <a:srgbClr val="FFFFFF"/>
+                </a:solidFill>
+                <a:latin typeface="SF Pro Text" pitchFamily="2" charset="0"/>
+                <a:ea typeface="SF Pro Text" pitchFamily="2" charset="0"/>
+                <a:cs typeface="SF Pro Text" pitchFamily="2" charset="0"/>
+              </a:rPr>
+              <a:t>2</a:t>
+            </a:r>
+            <a:endParaRPr lang="en-US" b="1" dirty="0">
+              <a:solidFill>
+                <a:srgbClr val="FFFFFF"/>
+              </a:solidFill>
+              <a:latin typeface="SF Pro Text" pitchFamily="2" charset="0"/>
+              <a:ea typeface="SF Pro Text" pitchFamily="2" charset="0"/>
+              <a:cs typeface="SF Pro Text" pitchFamily="2" charset="0"/>
+            </a:endParaRPr>
+          </a:p>
+        </p:txBody>
+      </p:sp>
+      <p:sp>
+        <p:nvSpPr>
+          <p:cNvPr id="19" name="Ovale 18">
+            <a:extLst>
+              <a:ext uri="{FF2B5EF4-FFF2-40B4-BE49-F238E27FC236}">
+                <a16:creationId xmlns:a16="http://schemas.microsoft.com/office/drawing/2014/main" id="{F49C282F-CA2B-4881-308D-A21714AFD686}"/>
+              </a:ext>
+            </a:extLst>
+          </p:cNvPr>
+          <p:cNvSpPr/>
+          <p:nvPr/>
+        </p:nvSpPr>
+        <p:spPr>
+          <a:xfrm>
+            <a:off x="9060321" y="3105471"/>
+            <a:ext cx="647053" cy="647053"/>
+          </a:xfrm>
+          <a:prstGeom prst="ellipse">
+            <a:avLst/>
+          </a:prstGeom>
+          <a:solidFill>
+            <a:srgbClr val="3F51C3"/>
+          </a:solidFill>
+          <a:ln>
+            <a:noFill/>
+          </a:ln>
+        </p:spPr>
+        <p:style>
+          <a:lnRef idx="2">
+            <a:schemeClr val="accent1">
+              <a:shade val="50000"/>
+            </a:schemeClr>
+          </a:lnRef>
+          <a:fillRef idx="1">
+            <a:schemeClr val="accent1"/>
+          </a:fillRef>
+          <a:effectRef idx="0">
+            <a:schemeClr val="accent1"/>
+          </a:effectRef>
+          <a:fontRef idx="minor">
+            <a:schemeClr val="lt1"/>
+          </a:fontRef>
+        </p:style>
+        <p:txBody>
+          <a:bodyPr rtlCol="0" anchor="ctr"/>
+          <a:lstStyle/>
+          <a:p>
+            <a:pPr algn="ctr"/>
+            <a:r>
+              <a:rPr lang="en-US" sz="2000" b="1" dirty="0">
+                <a:solidFill>
+                  <a:srgbClr val="FFFFFF"/>
+                </a:solidFill>
+                <a:latin typeface="SF Pro Text" pitchFamily="2" charset="0"/>
+                <a:ea typeface="SF Pro Text" pitchFamily="2" charset="0"/>
+                <a:cs typeface="SF Pro Text" pitchFamily="2" charset="0"/>
+              </a:rPr>
+              <a:t>3</a:t>
+            </a:r>
+            <a:endParaRPr lang="en-US" b="1" dirty="0">
+              <a:solidFill>
+                <a:srgbClr val="FFFFFF"/>
+              </a:solidFill>
+              <a:latin typeface="SF Pro Text" pitchFamily="2" charset="0"/>
+              <a:ea typeface="SF Pro Text" pitchFamily="2" charset="0"/>
+              <a:cs typeface="SF Pro Text" pitchFamily="2" charset="0"/>
+            </a:endParaRPr>
           </a:p>
         </p:txBody>
       </p:sp>
     </p:spTree>
     <p:extLst>
       <p:ext uri="{BB962C8B-B14F-4D97-AF65-F5344CB8AC3E}">
-        <p14:creationId xmlns:p14="http://schemas.microsoft.com/office/powerpoint/2010/main" val="993587225"/>
+        <p14:creationId xmlns:p14="http://schemas.microsoft.com/office/powerpoint/2010/main" val="2856823994"/>
+      </p:ext>
+    </p:extLst>
+  </p:cSld>
+  <p:clrMapOvr>
+    <a:masterClrMapping/>
+  </p:clrMapOvr>
+</p:sld>
+</file>
+
+<file path=ppt/slides/slide8.xml><?xml version="1.0" encoding="utf-8"?>
+<p:sld xmlns:a="http://schemas.openxmlformats.org/drawingml/2006/main" xmlns:r="http://schemas.openxmlformats.org/officeDocument/2006/relationships" xmlns:p="http://schemas.openxmlformats.org/presentationml/2006/main">
+  <p:cSld>
+    <p:spTree>
+      <p:nvGrpSpPr>
+        <p:cNvPr id="1" name=""/>
+        <p:cNvGrpSpPr/>
+        <p:nvPr/>
+      </p:nvGrpSpPr>
+      <p:grpSpPr>
+        <a:xfrm>
+          <a:off x="0" y="0"/>
+          <a:ext cx="0" cy="0"/>
+          <a:chOff x="0" y="0"/>
+          <a:chExt cx="0" cy="0"/>
+        </a:xfrm>
+      </p:grpSpPr>
+      <p:sp>
+        <p:nvSpPr>
+          <p:cNvPr id="2" name="Segnaposto numero diapositiva 1">
+            <a:extLst>
+              <a:ext uri="{FF2B5EF4-FFF2-40B4-BE49-F238E27FC236}">
+                <a16:creationId xmlns:a16="http://schemas.microsoft.com/office/drawing/2014/main" id="{FC44AB29-1B85-EE06-C4B6-782D7B07750A}"/>
+              </a:ext>
+            </a:extLst>
+          </p:cNvPr>
+          <p:cNvSpPr>
+            <a:spLocks noGrp="1"/>
+          </p:cNvSpPr>
+          <p:nvPr>
+            <p:ph type="sldNum" sz="quarter" idx="12"/>
+          </p:nvPr>
+        </p:nvSpPr>
+        <p:spPr/>
+        <p:txBody>
+          <a:bodyPr/>
+          <a:lstStyle/>
+          <a:p>
+            <a:fld id="{925FCEA2-F0DA-AB4C-B1CA-0E33C745EDE1}" type="slidenum">
+              <a:rPr lang="it-IT" smtClean="0"/>
+              <a:pPr/>
+              <a:t>7</a:t>
+            </a:fld>
+            <a:endParaRPr lang="it-IT" dirty="0"/>
+          </a:p>
+        </p:txBody>
+      </p:sp>
+      <p:sp>
+        <p:nvSpPr>
+          <p:cNvPr id="5" name="Ovale 4">
+            <a:extLst>
+              <a:ext uri="{FF2B5EF4-FFF2-40B4-BE49-F238E27FC236}">
+                <a16:creationId xmlns:a16="http://schemas.microsoft.com/office/drawing/2014/main" id="{0FFF5EFA-8A11-2573-E9C1-400C65263EFD}"/>
+              </a:ext>
+            </a:extLst>
+          </p:cNvPr>
+          <p:cNvSpPr/>
+          <p:nvPr/>
+        </p:nvSpPr>
+        <p:spPr>
+          <a:xfrm>
+            <a:off x="829279" y="3587858"/>
+            <a:ext cx="2293630" cy="2293630"/>
+          </a:xfrm>
+          <a:prstGeom prst="ellipse">
+            <a:avLst/>
+          </a:prstGeom>
+          <a:solidFill>
+            <a:srgbClr val="3F51C3"/>
+          </a:solidFill>
+          <a:ln>
+            <a:noFill/>
+          </a:ln>
+        </p:spPr>
+        <p:style>
+          <a:lnRef idx="2">
+            <a:schemeClr val="accent1">
+              <a:shade val="50000"/>
+            </a:schemeClr>
+          </a:lnRef>
+          <a:fillRef idx="1">
+            <a:schemeClr val="accent1"/>
+          </a:fillRef>
+          <a:effectRef idx="0">
+            <a:schemeClr val="accent1"/>
+          </a:effectRef>
+          <a:fontRef idx="minor">
+            <a:schemeClr val="lt1"/>
+          </a:fontRef>
+        </p:style>
+        <p:txBody>
+          <a:bodyPr rtlCol="0" anchor="ctr"/>
+          <a:lstStyle/>
+          <a:p>
+            <a:endParaRPr lang="en-US" sz="2000" b="1" dirty="0">
+              <a:solidFill>
+                <a:srgbClr val="FFFFFF"/>
+              </a:solidFill>
+              <a:latin typeface="SF Pro Text" pitchFamily="2" charset="0"/>
+              <a:ea typeface="SF Pro Text" pitchFamily="2" charset="0"/>
+              <a:cs typeface="SF Pro Text" pitchFamily="2" charset="0"/>
+            </a:endParaRPr>
+          </a:p>
+        </p:txBody>
+      </p:sp>
+      <p:pic>
+        <p:nvPicPr>
+          <p:cNvPr id="7" name="Elemento grafico 6">
+            <a:extLst>
+              <a:ext uri="{FF2B5EF4-FFF2-40B4-BE49-F238E27FC236}">
+                <a16:creationId xmlns:a16="http://schemas.microsoft.com/office/drawing/2014/main" id="{7B83F0FC-3087-73BF-9D2A-1FFD847B90AC}"/>
+              </a:ext>
+            </a:extLst>
+          </p:cNvPr>
+          <p:cNvPicPr>
+            <a:picLocks noChangeAspect="1"/>
+          </p:cNvPicPr>
+          <p:nvPr/>
+        </p:nvPicPr>
+        <p:blipFill>
+          <a:blip r:embed="rId2">
+            <a:extLst>
+              <a:ext uri="{96DAC541-7B7A-43D3-8B79-37D633B846F1}">
+                <asvg:svgBlip xmlns:asvg="http://schemas.microsoft.com/office/drawing/2016/SVG/main" r:embed="rId3"/>
+              </a:ext>
+            </a:extLst>
+          </a:blip>
+          <a:stretch>
+            <a:fillRect/>
+          </a:stretch>
+        </p:blipFill>
+        <p:spPr>
+          <a:xfrm>
+            <a:off x="1228732" y="3981739"/>
+            <a:ext cx="1503766" cy="1503766"/>
+          </a:xfrm>
+          <a:prstGeom prst="rect">
+            <a:avLst/>
+          </a:prstGeom>
+        </p:spPr>
+      </p:pic>
+      <p:sp>
+        <p:nvSpPr>
+          <p:cNvPr id="8" name="Rettangolo con angoli arrotondati 7">
+            <a:extLst>
+              <a:ext uri="{FF2B5EF4-FFF2-40B4-BE49-F238E27FC236}">
+                <a16:creationId xmlns:a16="http://schemas.microsoft.com/office/drawing/2014/main" id="{8FD62E58-230D-6BD8-2C99-BEEB24736136}"/>
+              </a:ext>
+            </a:extLst>
+          </p:cNvPr>
+          <p:cNvSpPr/>
+          <p:nvPr/>
+        </p:nvSpPr>
+        <p:spPr>
+          <a:xfrm>
+            <a:off x="3122909" y="1270861"/>
+            <a:ext cx="8477572" cy="2316997"/>
+          </a:xfrm>
+          <a:prstGeom prst="roundRect">
+            <a:avLst>
+              <a:gd name="adj" fmla="val 30571"/>
+            </a:avLst>
+          </a:prstGeom>
+          <a:solidFill>
+            <a:srgbClr val="FFFFFF">
+              <a:alpha val="50196"/>
+            </a:srgbClr>
+          </a:solidFill>
+          <a:ln w="38100">
+            <a:noFill/>
+          </a:ln>
+        </p:spPr>
+        <p:style>
+          <a:lnRef idx="2">
+            <a:schemeClr val="accent1">
+              <a:shade val="50000"/>
+            </a:schemeClr>
+          </a:lnRef>
+          <a:fillRef idx="1">
+            <a:schemeClr val="accent1"/>
+          </a:fillRef>
+          <a:effectRef idx="0">
+            <a:schemeClr val="accent1"/>
+          </a:effectRef>
+          <a:fontRef idx="minor">
+            <a:schemeClr val="lt1"/>
+          </a:fontRef>
+        </p:style>
+        <p:txBody>
+          <a:bodyPr rtlCol="0" anchor="ctr"/>
+          <a:lstStyle/>
+          <a:p>
+            <a:pPr algn="ctr"/>
+            <a:r>
+              <a:rPr lang="en-US" sz="8000" b="1" dirty="0">
+                <a:solidFill>
+                  <a:srgbClr val="3F3C53"/>
+                </a:solidFill>
+                <a:latin typeface="SF Pro Text" pitchFamily="2" charset="0"/>
+                <a:ea typeface="SF Pro Text" pitchFamily="2" charset="0"/>
+                <a:cs typeface="SF Pro Text" pitchFamily="2" charset="0"/>
+              </a:rPr>
+              <a:t>DEMO TIME</a:t>
+            </a:r>
+          </a:p>
+        </p:txBody>
+      </p:sp>
+      <p:sp>
+        <p:nvSpPr>
+          <p:cNvPr id="9" name="Rettangolo con angoli arrotondati 8">
+            <a:extLst>
+              <a:ext uri="{FF2B5EF4-FFF2-40B4-BE49-F238E27FC236}">
+                <a16:creationId xmlns:a16="http://schemas.microsoft.com/office/drawing/2014/main" id="{A32630C0-F7A9-4F4C-CA0E-38783665105A}"/>
+              </a:ext>
+            </a:extLst>
+          </p:cNvPr>
+          <p:cNvSpPr/>
+          <p:nvPr/>
+        </p:nvSpPr>
+        <p:spPr>
+          <a:xfrm>
+            <a:off x="2949858" y="1124835"/>
+            <a:ext cx="8790107" cy="2618005"/>
+          </a:xfrm>
+          <a:prstGeom prst="roundRect">
+            <a:avLst>
+              <a:gd name="adj" fmla="val 30571"/>
+            </a:avLst>
+          </a:prstGeom>
+          <a:noFill/>
+          <a:ln w="38100">
+            <a:solidFill>
+              <a:srgbClr val="3F3C53"/>
+            </a:solidFill>
+          </a:ln>
+        </p:spPr>
+        <p:style>
+          <a:lnRef idx="2">
+            <a:schemeClr val="accent1">
+              <a:shade val="50000"/>
+            </a:schemeClr>
+          </a:lnRef>
+          <a:fillRef idx="1">
+            <a:schemeClr val="accent1"/>
+          </a:fillRef>
+          <a:effectRef idx="0">
+            <a:schemeClr val="accent1"/>
+          </a:effectRef>
+          <a:fontRef idx="minor">
+            <a:schemeClr val="lt1"/>
+          </a:fontRef>
+        </p:style>
+        <p:txBody>
+          <a:bodyPr rtlCol="0" anchor="ctr"/>
+          <a:lstStyle/>
+          <a:p>
+            <a:pPr algn="ctr"/>
+            <a:endParaRPr lang="en-US"/>
+          </a:p>
+        </p:txBody>
+      </p:sp>
+    </p:spTree>
+    <p:extLst>
+      <p:ext uri="{BB962C8B-B14F-4D97-AF65-F5344CB8AC3E}">
+        <p14:creationId xmlns:p14="http://schemas.microsoft.com/office/powerpoint/2010/main" val="957574169"/>
       </p:ext>
     </p:extLst>
   </p:cSld>

--- a/Presentation/DIMA_myAPTracker_Presentation.pptx
+++ b/Presentation/DIMA_myAPTracker_Presentation.pptx
@@ -204,7 +204,7 @@
           <a:p>
             <a:fld id="{04871163-4F93-9544-967C-41CE9E9A3E47}" type="datetimeFigureOut">
               <a:rPr lang="it-IT" smtClean="0"/>
-              <a:t>15/06/22</a:t>
+              <a:t>16/06/22</a:t>
             </a:fld>
             <a:endParaRPr lang="it-IT"/>
           </a:p>
@@ -2614,8 +2614,9 @@
           <a:bodyPr rtlCol="0" anchor="ctr"/>
           <a:lstStyle/>
           <a:p>
-            <a:r>
-              <a:rPr lang="en-US" sz="2000" b="1" dirty="0">
+            <a:pPr algn="ctr"/>
+            <a:r>
+              <a:rPr lang="en-US" sz="2800" b="1" dirty="0">
                 <a:solidFill>
                   <a:srgbClr val="3F51C3"/>
                 </a:solidFill>
@@ -2646,19 +2647,299 @@
                 <a:ea typeface="SF Pro Text" pitchFamily="2" charset="0"/>
                 <a:cs typeface="SF Pro Text" pitchFamily="2" charset="0"/>
               </a:rPr>
-              <a:t>Testo </a:t>
-            </a:r>
-            <a:r>
-              <a:rPr lang="en-US" dirty="0" err="1">
-                <a:solidFill>
-                  <a:srgbClr val="3F3C53"/>
+              <a:t>Keep track of product prices, get notification and explore other user preferences.</a:t>
+            </a:r>
+          </a:p>
+        </p:txBody>
+      </p:sp>
+      <p:sp>
+        <p:nvSpPr>
+          <p:cNvPr id="10" name="Rettangolo con angoli arrotondati 9">
+            <a:extLst>
+              <a:ext uri="{FF2B5EF4-FFF2-40B4-BE49-F238E27FC236}">
+                <a16:creationId xmlns:a16="http://schemas.microsoft.com/office/drawing/2014/main" id="{D267BE66-8B8A-1519-9367-02C7A698C330}"/>
+              </a:ext>
+            </a:extLst>
+          </p:cNvPr>
+          <p:cNvSpPr/>
+          <p:nvPr/>
+        </p:nvSpPr>
+        <p:spPr>
+          <a:xfrm>
+            <a:off x="766144" y="1081903"/>
+            <a:ext cx="5148305" cy="1865688"/>
+          </a:xfrm>
+          <a:prstGeom prst="roundRect">
+            <a:avLst>
+              <a:gd name="adj" fmla="val 30571"/>
+            </a:avLst>
+          </a:prstGeom>
+          <a:solidFill>
+            <a:srgbClr val="FFFFFF">
+              <a:alpha val="50196"/>
+            </a:srgbClr>
+          </a:solidFill>
+          <a:ln w="38100">
+            <a:noFill/>
+          </a:ln>
+        </p:spPr>
+        <p:style>
+          <a:lnRef idx="2">
+            <a:schemeClr val="accent1">
+              <a:shade val="50000"/>
+            </a:schemeClr>
+          </a:lnRef>
+          <a:fillRef idx="1">
+            <a:schemeClr val="accent1"/>
+          </a:fillRef>
+          <a:effectRef idx="0">
+            <a:schemeClr val="accent1"/>
+          </a:effectRef>
+          <a:fontRef idx="minor">
+            <a:schemeClr val="lt1"/>
+          </a:fontRef>
+        </p:style>
+        <p:txBody>
+          <a:bodyPr rtlCol="0" anchor="ctr"/>
+          <a:lstStyle/>
+          <a:p>
+            <a:pPr algn="ctr"/>
+            <a:r>
+              <a:rPr lang="en-US" sz="2800" b="1" dirty="0">
+                <a:solidFill>
+                  <a:srgbClr val="3F51C3"/>
                 </a:solidFill>
                 <a:latin typeface="SF Pro Text" pitchFamily="2" charset="0"/>
                 <a:ea typeface="SF Pro Text" pitchFamily="2" charset="0"/>
                 <a:cs typeface="SF Pro Text" pitchFamily="2" charset="0"/>
               </a:rPr>
-              <a:t>dell’introduzione</a:t>
-            </a:r>
+              <a:t>The idea</a:t>
+            </a:r>
+          </a:p>
+          <a:p>
+            <a:endParaRPr lang="en-US" sz="1000" b="1" dirty="0">
+              <a:solidFill>
+                <a:srgbClr val="3F51C3"/>
+              </a:solidFill>
+              <a:latin typeface="SF Pro Text" pitchFamily="2" charset="0"/>
+              <a:ea typeface="SF Pro Text" pitchFamily="2" charset="0"/>
+              <a:cs typeface="SF Pro Text" pitchFamily="2" charset="0"/>
+            </a:endParaRPr>
+          </a:p>
+          <a:p>
+            <a:r>
+              <a:rPr lang="en-US" dirty="0">
+                <a:solidFill>
+                  <a:srgbClr val="3F3C53"/>
+                </a:solidFill>
+                <a:latin typeface="SF Pro Text" pitchFamily="2" charset="0"/>
+                <a:ea typeface="SF Pro Text" pitchFamily="2" charset="0"/>
+                <a:cs typeface="SF Pro Text" pitchFamily="2" charset="0"/>
+              </a:rPr>
+              <a:t>The original idea is given by Bending Spoons.</a:t>
+            </a:r>
+          </a:p>
+        </p:txBody>
+      </p:sp>
+      <p:sp>
+        <p:nvSpPr>
+          <p:cNvPr id="11" name="Rettangolo con angoli arrotondati 10">
+            <a:extLst>
+              <a:ext uri="{FF2B5EF4-FFF2-40B4-BE49-F238E27FC236}">
+                <a16:creationId xmlns:a16="http://schemas.microsoft.com/office/drawing/2014/main" id="{5EE822F5-13E5-AD8F-C5CA-4C10AD5BA3FF}"/>
+              </a:ext>
+            </a:extLst>
+          </p:cNvPr>
+          <p:cNvSpPr/>
+          <p:nvPr/>
+        </p:nvSpPr>
+        <p:spPr>
+          <a:xfrm>
+            <a:off x="2998922" y="3180032"/>
+            <a:ext cx="6230320" cy="2887553"/>
+          </a:xfrm>
+          <a:prstGeom prst="roundRect">
+            <a:avLst>
+              <a:gd name="adj" fmla="val 30571"/>
+            </a:avLst>
+          </a:prstGeom>
+          <a:solidFill>
+            <a:srgbClr val="FFFFFF">
+              <a:alpha val="50196"/>
+            </a:srgbClr>
+          </a:solidFill>
+          <a:ln w="38100">
+            <a:noFill/>
+          </a:ln>
+        </p:spPr>
+        <p:style>
+          <a:lnRef idx="2">
+            <a:schemeClr val="accent1">
+              <a:shade val="50000"/>
+            </a:schemeClr>
+          </a:lnRef>
+          <a:fillRef idx="1">
+            <a:schemeClr val="accent1"/>
+          </a:fillRef>
+          <a:effectRef idx="0">
+            <a:schemeClr val="accent1"/>
+          </a:effectRef>
+          <a:fontRef idx="minor">
+            <a:schemeClr val="lt1"/>
+          </a:fontRef>
+        </p:style>
+        <p:txBody>
+          <a:bodyPr rtlCol="0" anchor="ctr"/>
+          <a:lstStyle/>
+          <a:p>
+            <a:pPr algn="ctr"/>
+            <a:r>
+              <a:rPr lang="en-US" sz="2800" b="1" dirty="0">
+                <a:solidFill>
+                  <a:srgbClr val="3F51C3"/>
+                </a:solidFill>
+                <a:latin typeface="SF Pro Text" pitchFamily="2" charset="0"/>
+                <a:ea typeface="SF Pro Text" pitchFamily="2" charset="0"/>
+                <a:cs typeface="SF Pro Text" pitchFamily="2" charset="0"/>
+              </a:rPr>
+              <a:t>Our choice</a:t>
+            </a:r>
+          </a:p>
+          <a:p>
+            <a:endParaRPr lang="en-US" sz="1000" b="1" dirty="0">
+              <a:solidFill>
+                <a:srgbClr val="3F51C3"/>
+              </a:solidFill>
+              <a:latin typeface="SF Pro Text" pitchFamily="2" charset="0"/>
+              <a:ea typeface="SF Pro Text" pitchFamily="2" charset="0"/>
+              <a:cs typeface="SF Pro Text" pitchFamily="2" charset="0"/>
+            </a:endParaRPr>
+          </a:p>
+          <a:p>
+            <a:pPr marL="285750" indent="-285750">
+              <a:buBlip>
+                <a:blip r:embed="rId2">
+                  <a:extLst>
+                    <a:ext uri="{96DAC541-7B7A-43D3-8B79-37D633B846F1}">
+                      <asvg:svgBlip xmlns:asvg="http://schemas.microsoft.com/office/drawing/2016/SVG/main" r:embed="rId3"/>
+                    </a:ext>
+                  </a:extLst>
+                </a:blip>
+              </a:buBlip>
+            </a:pPr>
+            <a:r>
+              <a:rPr lang="en-US" dirty="0">
+                <a:solidFill>
+                  <a:srgbClr val="3F3C53"/>
+                </a:solidFill>
+                <a:latin typeface="SF Pro Text" pitchFamily="2" charset="0"/>
+                <a:ea typeface="SF Pro Text" pitchFamily="2" charset="0"/>
+                <a:cs typeface="SF Pro Text" pitchFamily="2" charset="0"/>
+              </a:rPr>
+              <a:t>Social network style</a:t>
+            </a:r>
+          </a:p>
+          <a:p>
+            <a:pPr marL="285750" indent="-285750">
+              <a:buBlip>
+                <a:blip r:embed="rId2">
+                  <a:extLst>
+                    <a:ext uri="{96DAC541-7B7A-43D3-8B79-37D633B846F1}">
+                      <asvg:svgBlip xmlns:asvg="http://schemas.microsoft.com/office/drawing/2016/SVG/main" r:embed="rId3"/>
+                    </a:ext>
+                  </a:extLst>
+                </a:blip>
+              </a:buBlip>
+            </a:pPr>
+            <a:r>
+              <a:rPr lang="en-US" dirty="0">
+                <a:solidFill>
+                  <a:srgbClr val="3F3C53"/>
+                </a:solidFill>
+                <a:latin typeface="SF Pro Text" pitchFamily="2" charset="0"/>
+                <a:ea typeface="SF Pro Text" pitchFamily="2" charset="0"/>
+                <a:cs typeface="SF Pro Text" pitchFamily="2" charset="0"/>
+              </a:rPr>
+              <a:t>Backend processing and data management</a:t>
+            </a:r>
+          </a:p>
+          <a:p>
+            <a:pPr marL="285750" indent="-285750">
+              <a:buBlip>
+                <a:blip r:embed="rId2">
+                  <a:extLst>
+                    <a:ext uri="{96DAC541-7B7A-43D3-8B79-37D633B846F1}">
+                      <asvg:svgBlip xmlns:asvg="http://schemas.microsoft.com/office/drawing/2016/SVG/main" r:embed="rId3"/>
+                    </a:ext>
+                  </a:extLst>
+                </a:blip>
+              </a:buBlip>
+            </a:pPr>
+            <a:r>
+              <a:rPr lang="en-US" dirty="0">
+                <a:solidFill>
+                  <a:srgbClr val="3F3C53"/>
+                </a:solidFill>
+                <a:latin typeface="SF Pro Text" pitchFamily="2" charset="0"/>
+                <a:ea typeface="SF Pro Text" pitchFamily="2" charset="0"/>
+                <a:cs typeface="SF Pro Text" pitchFamily="2" charset="0"/>
+              </a:rPr>
+              <a:t>Per user personalization</a:t>
+            </a:r>
+          </a:p>
+          <a:p>
+            <a:pPr marL="285750" indent="-285750">
+              <a:buBlip>
+                <a:blip r:embed="rId2">
+                  <a:extLst>
+                    <a:ext uri="{96DAC541-7B7A-43D3-8B79-37D633B846F1}">
+                      <asvg:svgBlip xmlns:asvg="http://schemas.microsoft.com/office/drawing/2016/SVG/main" r:embed="rId3"/>
+                    </a:ext>
+                  </a:extLst>
+                </a:blip>
+              </a:buBlip>
+            </a:pPr>
+            <a:r>
+              <a:rPr lang="en-US" dirty="0">
+                <a:solidFill>
+                  <a:srgbClr val="3F3C53"/>
+                </a:solidFill>
+                <a:latin typeface="SF Pro Text" pitchFamily="2" charset="0"/>
+                <a:ea typeface="SF Pro Text" pitchFamily="2" charset="0"/>
+                <a:cs typeface="SF Pro Text" pitchFamily="2" charset="0"/>
+              </a:rPr>
+              <a:t>Data synchronization</a:t>
+            </a:r>
+          </a:p>
+          <a:p>
+            <a:pPr marL="285750" indent="-285750">
+              <a:buBlip>
+                <a:blip r:embed="rId2">
+                  <a:extLst>
+                    <a:ext uri="{96DAC541-7B7A-43D3-8B79-37D633B846F1}">
+                      <asvg:svgBlip xmlns:asvg="http://schemas.microsoft.com/office/drawing/2016/SVG/main" r:embed="rId3"/>
+                    </a:ext>
+                  </a:extLst>
+                </a:blip>
+              </a:buBlip>
+            </a:pPr>
+            <a:r>
+              <a:rPr lang="en-US" dirty="0">
+                <a:solidFill>
+                  <a:srgbClr val="3F3C53"/>
+                </a:solidFill>
+                <a:latin typeface="SF Pro Text" pitchFamily="2" charset="0"/>
+                <a:ea typeface="SF Pro Text" pitchFamily="2" charset="0"/>
+                <a:cs typeface="SF Pro Text" pitchFamily="2" charset="0"/>
+              </a:rPr>
+              <a:t>Multi-device</a:t>
+            </a:r>
+          </a:p>
+          <a:p>
+            <a:pPr marL="171450" indent="-171450">
+              <a:buFont typeface="Arial" panose="020B0604020202020204" pitchFamily="34" charset="0"/>
+              <a:buChar char="•"/>
+            </a:pPr>
             <a:endParaRPr lang="en-US" dirty="0">
               <a:solidFill>
                 <a:srgbClr val="3F3C53"/>
@@ -2667,269 +2948,6 @@
               <a:ea typeface="SF Pro Text" pitchFamily="2" charset="0"/>
               <a:cs typeface="SF Pro Text" pitchFamily="2" charset="0"/>
             </a:endParaRPr>
-          </a:p>
-        </p:txBody>
-      </p:sp>
-      <p:sp>
-        <p:nvSpPr>
-          <p:cNvPr id="10" name="Rettangolo con angoli arrotondati 9">
-            <a:extLst>
-              <a:ext uri="{FF2B5EF4-FFF2-40B4-BE49-F238E27FC236}">
-                <a16:creationId xmlns:a16="http://schemas.microsoft.com/office/drawing/2014/main" id="{D267BE66-8B8A-1519-9367-02C7A698C330}"/>
-              </a:ext>
-            </a:extLst>
-          </p:cNvPr>
-          <p:cNvSpPr/>
-          <p:nvPr/>
-        </p:nvSpPr>
-        <p:spPr>
-          <a:xfrm>
-            <a:off x="766144" y="1081903"/>
-            <a:ext cx="5148305" cy="1865688"/>
-          </a:xfrm>
-          <a:prstGeom prst="roundRect">
-            <a:avLst>
-              <a:gd name="adj" fmla="val 30571"/>
-            </a:avLst>
-          </a:prstGeom>
-          <a:solidFill>
-            <a:srgbClr val="FFFFFF">
-              <a:alpha val="50196"/>
-            </a:srgbClr>
-          </a:solidFill>
-          <a:ln w="38100">
-            <a:noFill/>
-          </a:ln>
-        </p:spPr>
-        <p:style>
-          <a:lnRef idx="2">
-            <a:schemeClr val="accent1">
-              <a:shade val="50000"/>
-            </a:schemeClr>
-          </a:lnRef>
-          <a:fillRef idx="1">
-            <a:schemeClr val="accent1"/>
-          </a:fillRef>
-          <a:effectRef idx="0">
-            <a:schemeClr val="accent1"/>
-          </a:effectRef>
-          <a:fontRef idx="minor">
-            <a:schemeClr val="lt1"/>
-          </a:fontRef>
-        </p:style>
-        <p:txBody>
-          <a:bodyPr rtlCol="0" anchor="ctr"/>
-          <a:lstStyle/>
-          <a:p>
-            <a:r>
-              <a:rPr lang="en-US" sz="2000" b="1" dirty="0">
-                <a:solidFill>
-                  <a:srgbClr val="3F51C3"/>
-                </a:solidFill>
-                <a:latin typeface="SF Pro Text" pitchFamily="2" charset="0"/>
-                <a:ea typeface="SF Pro Text" pitchFamily="2" charset="0"/>
-                <a:cs typeface="SF Pro Text" pitchFamily="2" charset="0"/>
-              </a:rPr>
-              <a:t>The idea</a:t>
-            </a:r>
-          </a:p>
-          <a:p>
-            <a:endParaRPr lang="en-US" sz="1000" b="1" dirty="0">
-              <a:solidFill>
-                <a:srgbClr val="3F51C3"/>
-              </a:solidFill>
-              <a:latin typeface="SF Pro Text" pitchFamily="2" charset="0"/>
-              <a:ea typeface="SF Pro Text" pitchFamily="2" charset="0"/>
-              <a:cs typeface="SF Pro Text" pitchFamily="2" charset="0"/>
-            </a:endParaRPr>
-          </a:p>
-          <a:p>
-            <a:r>
-              <a:rPr lang="en-US" dirty="0">
-                <a:solidFill>
-                  <a:srgbClr val="3F3C53"/>
-                </a:solidFill>
-                <a:latin typeface="SF Pro Text" pitchFamily="2" charset="0"/>
-                <a:ea typeface="SF Pro Text" pitchFamily="2" charset="0"/>
-                <a:cs typeface="SF Pro Text" pitchFamily="2" charset="0"/>
-              </a:rPr>
-              <a:t>Testo </a:t>
-            </a:r>
-            <a:r>
-              <a:rPr lang="en-US" dirty="0" err="1">
-                <a:solidFill>
-                  <a:srgbClr val="3F3C53"/>
-                </a:solidFill>
-                <a:latin typeface="SF Pro Text" pitchFamily="2" charset="0"/>
-                <a:ea typeface="SF Pro Text" pitchFamily="2" charset="0"/>
-                <a:cs typeface="SF Pro Text" pitchFamily="2" charset="0"/>
-              </a:rPr>
-              <a:t>dell’introduzione</a:t>
-            </a:r>
-            <a:endParaRPr lang="en-US" dirty="0">
-              <a:solidFill>
-                <a:srgbClr val="3F3C53"/>
-              </a:solidFill>
-              <a:latin typeface="SF Pro Text" pitchFamily="2" charset="0"/>
-              <a:ea typeface="SF Pro Text" pitchFamily="2" charset="0"/>
-              <a:cs typeface="SF Pro Text" pitchFamily="2" charset="0"/>
-            </a:endParaRPr>
-          </a:p>
-          <a:p>
-            <a:endParaRPr lang="en-US" dirty="0">
-              <a:solidFill>
-                <a:srgbClr val="3F3C53"/>
-              </a:solidFill>
-              <a:latin typeface="SF Pro Text" pitchFamily="2" charset="0"/>
-              <a:ea typeface="SF Pro Text" pitchFamily="2" charset="0"/>
-              <a:cs typeface="SF Pro Text" pitchFamily="2" charset="0"/>
-            </a:endParaRPr>
-          </a:p>
-        </p:txBody>
-      </p:sp>
-      <p:pic>
-        <p:nvPicPr>
-          <p:cNvPr id="2050" name="Picture 2" descr="Bending Spoons - Employer Branding Great Place to Work">
-            <a:extLst>
-              <a:ext uri="{FF2B5EF4-FFF2-40B4-BE49-F238E27FC236}">
-                <a16:creationId xmlns:a16="http://schemas.microsoft.com/office/drawing/2014/main" id="{7A18362C-A2A7-7DEA-0D54-13746F3B96E3}"/>
-              </a:ext>
-            </a:extLst>
-          </p:cNvPr>
-          <p:cNvPicPr>
-            <a:picLocks noChangeAspect="1" noChangeArrowheads="1"/>
-          </p:cNvPicPr>
-          <p:nvPr/>
-        </p:nvPicPr>
-        <p:blipFill>
-          <a:blip r:embed="rId2">
-            <a:extLst>
-              <a:ext uri="{28A0092B-C50C-407E-A947-70E740481C1C}">
-                <a14:useLocalDpi xmlns:a14="http://schemas.microsoft.com/office/drawing/2010/main" val="0"/>
-              </a:ext>
-            </a:extLst>
-          </a:blip>
-          <a:srcRect/>
-          <a:stretch>
-            <a:fillRect/>
-          </a:stretch>
-        </p:blipFill>
-        <p:spPr bwMode="auto">
-          <a:xfrm>
-            <a:off x="3487119" y="1539894"/>
-            <a:ext cx="2089074" cy="207819"/>
-          </a:xfrm>
-          <a:prstGeom prst="rect">
-            <a:avLst/>
-          </a:prstGeom>
-          <a:noFill/>
-          <a:extLst>
-            <a:ext uri="{909E8E84-426E-40DD-AFC4-6F175D3DCCD1}">
-              <a14:hiddenFill xmlns:a14="http://schemas.microsoft.com/office/drawing/2010/main">
-                <a:solidFill>
-                  <a:srgbClr val="FFFFFF"/>
-                </a:solidFill>
-              </a14:hiddenFill>
-            </a:ext>
-          </a:extLst>
-        </p:spPr>
-      </p:pic>
-      <p:sp>
-        <p:nvSpPr>
-          <p:cNvPr id="11" name="Rettangolo con angoli arrotondati 10">
-            <a:extLst>
-              <a:ext uri="{FF2B5EF4-FFF2-40B4-BE49-F238E27FC236}">
-                <a16:creationId xmlns:a16="http://schemas.microsoft.com/office/drawing/2014/main" id="{5EE822F5-13E5-AD8F-C5CA-4C10AD5BA3FF}"/>
-              </a:ext>
-            </a:extLst>
-          </p:cNvPr>
-          <p:cNvSpPr/>
-          <p:nvPr/>
-        </p:nvSpPr>
-        <p:spPr>
-          <a:xfrm>
-            <a:off x="766143" y="3180032"/>
-            <a:ext cx="10929724" cy="2887553"/>
-          </a:xfrm>
-          <a:prstGeom prst="roundRect">
-            <a:avLst>
-              <a:gd name="adj" fmla="val 30571"/>
-            </a:avLst>
-          </a:prstGeom>
-          <a:solidFill>
-            <a:srgbClr val="FFFFFF">
-              <a:alpha val="50196"/>
-            </a:srgbClr>
-          </a:solidFill>
-          <a:ln w="38100">
-            <a:noFill/>
-          </a:ln>
-        </p:spPr>
-        <p:style>
-          <a:lnRef idx="2">
-            <a:schemeClr val="accent1">
-              <a:shade val="50000"/>
-            </a:schemeClr>
-          </a:lnRef>
-          <a:fillRef idx="1">
-            <a:schemeClr val="accent1"/>
-          </a:fillRef>
-          <a:effectRef idx="0">
-            <a:schemeClr val="accent1"/>
-          </a:effectRef>
-          <a:fontRef idx="minor">
-            <a:schemeClr val="lt1"/>
-          </a:fontRef>
-        </p:style>
-        <p:txBody>
-          <a:bodyPr rtlCol="0" anchor="ctr"/>
-          <a:lstStyle/>
-          <a:p>
-            <a:r>
-              <a:rPr lang="en-US" sz="2000" b="1" dirty="0">
-                <a:solidFill>
-                  <a:srgbClr val="3F51C3"/>
-                </a:solidFill>
-                <a:latin typeface="SF Pro Text" pitchFamily="2" charset="0"/>
-                <a:ea typeface="SF Pro Text" pitchFamily="2" charset="0"/>
-                <a:cs typeface="SF Pro Text" pitchFamily="2" charset="0"/>
-              </a:rPr>
-              <a:t>Our choice</a:t>
-            </a:r>
-          </a:p>
-          <a:p>
-            <a:endParaRPr lang="en-US" sz="1000" b="1" dirty="0">
-              <a:solidFill>
-                <a:srgbClr val="3F51C3"/>
-              </a:solidFill>
-              <a:latin typeface="SF Pro Text" pitchFamily="2" charset="0"/>
-              <a:ea typeface="SF Pro Text" pitchFamily="2" charset="0"/>
-              <a:cs typeface="SF Pro Text" pitchFamily="2" charset="0"/>
-            </a:endParaRPr>
-          </a:p>
-          <a:p>
-            <a:r>
-              <a:rPr lang="en-US" dirty="0" err="1">
-                <a:solidFill>
-                  <a:srgbClr val="3F3C53"/>
-                </a:solidFill>
-                <a:latin typeface="SF Pro Text" pitchFamily="2" charset="0"/>
-                <a:ea typeface="SF Pro Text" pitchFamily="2" charset="0"/>
-                <a:cs typeface="SF Pro Text" pitchFamily="2" charset="0"/>
-              </a:rPr>
-              <a:t>Obbligo</a:t>
-            </a:r>
-            <a:r>
-              <a:rPr lang="en-US" dirty="0">
-                <a:solidFill>
-                  <a:srgbClr val="3F3C53"/>
-                </a:solidFill>
-                <a:latin typeface="SF Pro Text" pitchFamily="2" charset="0"/>
-                <a:ea typeface="SF Pro Text" pitchFamily="2" charset="0"/>
-                <a:cs typeface="SF Pro Text" pitchFamily="2" charset="0"/>
-              </a:rPr>
-              <a:t> login x tracking</a:t>
-            </a:r>
           </a:p>
         </p:txBody>
       </p:sp>
@@ -5620,7 +5638,7 @@
           <a:lstStyle/>
           <a:p>
             <a:r>
-              <a:rPr lang="en-US" sz="2000" b="1">
+              <a:rPr lang="en-US" sz="2000" b="1" dirty="0">
                 <a:solidFill>
                   <a:srgbClr val="3F51C3"/>
                 </a:solidFill>
@@ -5633,7 +5651,7 @@
           </a:p>
           <a:p>
             <a:r>
-              <a:rPr lang="en-US" sz="1400">
+              <a:rPr lang="en-US" sz="1400" dirty="0">
                 <a:solidFill>
                   <a:srgbClr val="3F3C53"/>
                 </a:solidFill>
@@ -5641,7 +5659,29 @@
                 <a:ea typeface="SF Pro Text" pitchFamily="2" charset="0"/>
                 <a:cs typeface="SF Pro Text" pitchFamily="2" charset="0"/>
               </a:rPr>
-              <a:t>Keep track of the price of your favourite products</a:t>
+              <a:t>Keep track of the price of your </a:t>
+            </a:r>
+            <a:r>
+              <a:rPr lang="en-US" sz="1400" dirty="0" err="1">
+                <a:solidFill>
+                  <a:srgbClr val="3F3C53"/>
+                </a:solidFill>
+                <a:latin typeface="SF Pro Text" pitchFamily="2" charset="0"/>
+                <a:ea typeface="SF Pro Text" pitchFamily="2" charset="0"/>
+                <a:cs typeface="SF Pro Text" pitchFamily="2" charset="0"/>
+              </a:rPr>
+              <a:t>favourite</a:t>
+            </a:r>
+            <a:r>
+              <a:rPr lang="en-US" sz="1400" dirty="0">
+                <a:solidFill>
+                  <a:srgbClr val="3F3C53"/>
+                </a:solidFill>
+                <a:latin typeface="SF Pro Text" pitchFamily="2" charset="0"/>
+                <a:ea typeface="SF Pro Text" pitchFamily="2" charset="0"/>
+                <a:cs typeface="SF Pro Text" pitchFamily="2" charset="0"/>
+              </a:rPr>
+              <a:t> products</a:t>
             </a:r>
           </a:p>
         </p:txBody>

--- a/Presentation/DIMA_myAPTracker_Presentation.pptx
+++ b/Presentation/DIMA_myAPTracker_Presentation.pptx
@@ -5,7 +5,7 @@
     <p:sldMasterId id="2147483648" r:id="rId1"/>
   </p:sldMasterIdLst>
   <p:notesMasterIdLst>
-    <p:notesMasterId r:id="rId10"/>
+    <p:notesMasterId r:id="rId11"/>
   </p:notesMasterIdLst>
   <p:sldIdLst>
     <p:sldId id="256" r:id="rId2"/>
@@ -14,8 +14,9 @@
     <p:sldId id="259" r:id="rId5"/>
     <p:sldId id="261" r:id="rId6"/>
     <p:sldId id="260" r:id="rId7"/>
-    <p:sldId id="263" r:id="rId8"/>
-    <p:sldId id="262" r:id="rId9"/>
+    <p:sldId id="264" r:id="rId8"/>
+    <p:sldId id="263" r:id="rId9"/>
+    <p:sldId id="262" r:id="rId10"/>
   </p:sldIdLst>
   <p:sldSz cx="12192000" cy="6858000"/>
   <p:notesSz cx="6858000" cy="9144000"/>
@@ -204,7 +205,7 @@
           <a:p>
             <a:fld id="{04871163-4F93-9544-967C-41CE9E9A3E47}" type="datetimeFigureOut">
               <a:rPr lang="it-IT" smtClean="0"/>
-              <a:t>16/06/22</a:t>
+              <a:t>09/07/22</a:t>
             </a:fld>
             <a:endParaRPr lang="it-IT"/>
           </a:p>
@@ -6096,7 +6097,7 @@
           <p:cNvPr id="2" name="Segnaposto numero diapositiva 1">
             <a:extLst>
               <a:ext uri="{FF2B5EF4-FFF2-40B4-BE49-F238E27FC236}">
-                <a16:creationId xmlns:a16="http://schemas.microsoft.com/office/drawing/2014/main" id="{963A9284-0C08-8CBB-F377-3F8CC6013BDC}"/>
+                <a16:creationId xmlns:a16="http://schemas.microsoft.com/office/drawing/2014/main" id="{D5AF0F76-69C5-397A-F5D4-B220D3F35365}"/>
               </a:ext>
             </a:extLst>
           </p:cNvPr>
@@ -6126,7 +6127,7 @@
           <p:cNvPr id="3" name="Titolo 2">
             <a:extLst>
               <a:ext uri="{FF2B5EF4-FFF2-40B4-BE49-F238E27FC236}">
-                <a16:creationId xmlns:a16="http://schemas.microsoft.com/office/drawing/2014/main" id="{CB05F6BE-4F57-C91D-4C5D-9C94307734D7}"/>
+                <a16:creationId xmlns:a16="http://schemas.microsoft.com/office/drawing/2014/main" id="{329AEF97-F5B2-382F-06CB-6689261AC800}"/>
               </a:ext>
             </a:extLst>
           </p:cNvPr>
@@ -6143,62 +6144,18 @@
           <a:lstStyle/>
           <a:p>
             <a:r>
-              <a:rPr lang="en-US"/>
-              <a:t>Further implementation</a:t>
-            </a:r>
-          </a:p>
-        </p:txBody>
-      </p:sp>
-      <p:cxnSp>
-        <p:nvCxnSpPr>
-          <p:cNvPr id="6" name="Connettore 2 5">
-            <a:extLst>
-              <a:ext uri="{FF2B5EF4-FFF2-40B4-BE49-F238E27FC236}">
-                <a16:creationId xmlns:a16="http://schemas.microsoft.com/office/drawing/2014/main" id="{1B131AE8-FA89-5300-93C1-D8D8099FE80E}"/>
-              </a:ext>
-            </a:extLst>
-          </p:cNvPr>
-          <p:cNvCxnSpPr>
-            <a:cxnSpLocks/>
-          </p:cNvCxnSpPr>
-          <p:nvPr/>
-        </p:nvCxnSpPr>
-        <p:spPr>
-          <a:xfrm>
-            <a:off x="790414" y="3429000"/>
-            <a:ext cx="11183872" cy="0"/>
-          </a:xfrm>
-          <a:prstGeom prst="straightConnector1">
-            <a:avLst/>
-          </a:prstGeom>
-          <a:ln w="57150" cap="rnd">
-            <a:solidFill>
-              <a:srgbClr val="3F3C53"/>
-            </a:solidFill>
-            <a:tailEnd type="arrow"/>
-          </a:ln>
-        </p:spPr>
-        <p:style>
-          <a:lnRef idx="1">
-            <a:schemeClr val="accent1"/>
-          </a:lnRef>
-          <a:fillRef idx="0">
-            <a:schemeClr val="accent1"/>
-          </a:fillRef>
-          <a:effectRef idx="0">
-            <a:schemeClr val="accent1"/>
-          </a:effectRef>
-          <a:fontRef idx="minor">
-            <a:schemeClr val="tx1"/>
-          </a:fontRef>
-        </p:style>
-      </p:cxnSp>
-      <p:sp>
-        <p:nvSpPr>
-          <p:cNvPr id="8" name="Ovale 7">
-            <a:extLst>
-              <a:ext uri="{FF2B5EF4-FFF2-40B4-BE49-F238E27FC236}">
-                <a16:creationId xmlns:a16="http://schemas.microsoft.com/office/drawing/2014/main" id="{94681E17-8E35-71D6-01DB-EE2786BA7FDF}"/>
+              <a:rPr lang="it-IT" dirty="0"/>
+              <a:t>Testing</a:t>
+            </a:r>
+          </a:p>
+        </p:txBody>
+      </p:sp>
+      <p:sp>
+        <p:nvSpPr>
+          <p:cNvPr id="4" name="Rettangolo con angoli arrotondati 3">
+            <a:extLst>
+              <a:ext uri="{FF2B5EF4-FFF2-40B4-BE49-F238E27FC236}">
+                <a16:creationId xmlns:a16="http://schemas.microsoft.com/office/drawing/2014/main" id="{7BED1F41-EAD0-73AF-8F3B-398A55986A94}"/>
               </a:ext>
             </a:extLst>
           </p:cNvPr>
@@ -6207,78 +6164,8 @@
         </p:nvSpPr>
         <p:spPr>
           <a:xfrm>
-            <a:off x="2491352" y="3105473"/>
-            <a:ext cx="647053" cy="647053"/>
-          </a:xfrm>
-          <a:prstGeom prst="ellipse">
-            <a:avLst/>
-          </a:prstGeom>
-          <a:solidFill>
-            <a:srgbClr val="3F51C3"/>
-          </a:solidFill>
-          <a:ln>
-            <a:noFill/>
-          </a:ln>
-        </p:spPr>
-        <p:style>
-          <a:lnRef idx="2">
-            <a:schemeClr val="accent1">
-              <a:shade val="50000"/>
-            </a:schemeClr>
-          </a:lnRef>
-          <a:fillRef idx="1">
-            <a:schemeClr val="accent1"/>
-          </a:fillRef>
-          <a:effectRef idx="0">
-            <a:schemeClr val="accent1"/>
-          </a:effectRef>
-          <a:fontRef idx="minor">
-            <a:schemeClr val="lt1"/>
-          </a:fontRef>
-        </p:style>
-        <p:txBody>
-          <a:bodyPr rtlCol="0" anchor="ctr"/>
-          <a:lstStyle/>
-          <a:p>
-            <a:pPr algn="ctr"/>
-            <a:r>
-              <a:rPr lang="en-US" sz="2000" b="1" dirty="0">
-                <a:solidFill>
-                  <a:srgbClr val="FFFFFF"/>
-                </a:solidFill>
-                <a:latin typeface="SF Pro Text" pitchFamily="2" charset="0"/>
-                <a:ea typeface="SF Pro Text" pitchFamily="2" charset="0"/>
-                <a:cs typeface="SF Pro Text" pitchFamily="2" charset="0"/>
-              </a:rPr>
-              <a:t>1</a:t>
-            </a:r>
-            <a:endParaRPr lang="en-US" b="1" dirty="0">
-              <a:solidFill>
-                <a:srgbClr val="FFFFFF"/>
-              </a:solidFill>
-              <a:latin typeface="SF Pro Text" pitchFamily="2" charset="0"/>
-              <a:ea typeface="SF Pro Text" pitchFamily="2" charset="0"/>
-              <a:cs typeface="SF Pro Text" pitchFamily="2" charset="0"/>
-            </a:endParaRPr>
-          </a:p>
-        </p:txBody>
-      </p:sp>
-      <p:sp>
-        <p:nvSpPr>
-          <p:cNvPr id="12" name="Rettangolo con angoli arrotondati 11">
-            <a:extLst>
-              <a:ext uri="{FF2B5EF4-FFF2-40B4-BE49-F238E27FC236}">
-                <a16:creationId xmlns:a16="http://schemas.microsoft.com/office/drawing/2014/main" id="{D06D9D78-60D1-D9B2-BD1D-5C5D2F26E6E6}"/>
-              </a:ext>
-            </a:extLst>
-          </p:cNvPr>
-          <p:cNvSpPr/>
-          <p:nvPr/>
-        </p:nvSpPr>
-        <p:spPr>
-          <a:xfrm>
-            <a:off x="1556599" y="1426589"/>
-            <a:ext cx="2532635" cy="1359148"/>
+            <a:off x="5266160" y="2757693"/>
+            <a:ext cx="1659680" cy="1541971"/>
           </a:xfrm>
           <a:prstGeom prst="roundRect">
             <a:avLst>
@@ -6315,26 +6202,16 @@
           <a:lstStyle/>
           <a:p>
             <a:pPr algn="ctr"/>
-            <a:r>
-              <a:rPr lang="en-US" dirty="0">
-                <a:solidFill>
-                  <a:srgbClr val="3F3C53"/>
-                </a:solidFill>
-                <a:latin typeface="SF Pro Text" pitchFamily="2" charset="0"/>
-                <a:ea typeface="SF Pro Text" pitchFamily="2" charset="0"/>
-                <a:cs typeface="SF Pro Text" pitchFamily="2" charset="0"/>
-              </a:rPr>
-              <a:t>Internationalization of Amazon website</a:t>
-            </a:r>
-          </a:p>
-        </p:txBody>
-      </p:sp>
-      <p:sp>
-        <p:nvSpPr>
-          <p:cNvPr id="13" name="Rettangolo con angoli arrotondati 12">
-            <a:extLst>
-              <a:ext uri="{FF2B5EF4-FFF2-40B4-BE49-F238E27FC236}">
-                <a16:creationId xmlns:a16="http://schemas.microsoft.com/office/drawing/2014/main" id="{26E445A3-A4AA-2C1C-D4E1-FED4377D037C}"/>
+            <a:endParaRPr lang="en-US"/>
+          </a:p>
+        </p:txBody>
+      </p:sp>
+      <p:sp>
+        <p:nvSpPr>
+          <p:cNvPr id="5" name="Rettangolo con angoli arrotondati 4">
+            <a:extLst>
+              <a:ext uri="{FF2B5EF4-FFF2-40B4-BE49-F238E27FC236}">
+                <a16:creationId xmlns:a16="http://schemas.microsoft.com/office/drawing/2014/main" id="{7FC815CD-B41E-E9F1-299B-3A68E542D1A5}"/>
               </a:ext>
             </a:extLst>
           </p:cNvPr>
@@ -6343,8 +6220,8 @@
         </p:nvSpPr>
         <p:spPr>
           <a:xfrm>
-            <a:off x="1439023" y="1328897"/>
-            <a:ext cx="2751709" cy="1556018"/>
+            <a:off x="5123433" y="2589848"/>
+            <a:ext cx="1945133" cy="1877659"/>
           </a:xfrm>
           <a:prstGeom prst="roundRect">
             <a:avLst>
@@ -6385,10 +6262,10 @@
       </p:sp>
       <p:sp>
         <p:nvSpPr>
-          <p:cNvPr id="14" name="Rettangolo con angoli arrotondati 13">
-            <a:extLst>
-              <a:ext uri="{FF2B5EF4-FFF2-40B4-BE49-F238E27FC236}">
-                <a16:creationId xmlns:a16="http://schemas.microsoft.com/office/drawing/2014/main" id="{E512831A-66C0-72ED-4DEF-4B7A2703F2C3}"/>
+          <p:cNvPr id="6" name="Ovale 5">
+            <a:extLst>
+              <a:ext uri="{FF2B5EF4-FFF2-40B4-BE49-F238E27FC236}">
+                <a16:creationId xmlns:a16="http://schemas.microsoft.com/office/drawing/2014/main" id="{B8F2588E-A87B-27A4-F064-BAA0D21EE2CD}"/>
               </a:ext>
             </a:extLst>
           </p:cNvPr>
@@ -6397,20 +6274,16 @@
         </p:nvSpPr>
         <p:spPr>
           <a:xfrm>
-            <a:off x="4760231" y="4082561"/>
-            <a:ext cx="2532635" cy="1359148"/>
-          </a:xfrm>
-          <a:prstGeom prst="roundRect">
-            <a:avLst>
-              <a:gd name="adj" fmla="val 30571"/>
-            </a:avLst>
+            <a:off x="4381812" y="4256806"/>
+            <a:ext cx="805912" cy="805912"/>
+          </a:xfrm>
+          <a:prstGeom prst="ellipse">
+            <a:avLst/>
           </a:prstGeom>
           <a:solidFill>
-            <a:srgbClr val="FFFFFF">
-              <a:alpha val="50196"/>
-            </a:srgbClr>
+            <a:srgbClr val="3F51C3"/>
           </a:solidFill>
-          <a:ln w="38100">
+          <a:ln>
             <a:noFill/>
           </a:ln>
         </p:spPr>
@@ -6435,26 +6308,16 @@
           <a:lstStyle/>
           <a:p>
             <a:pPr algn="ctr"/>
-            <a:r>
-              <a:rPr lang="en-US" dirty="0">
-                <a:solidFill>
-                  <a:srgbClr val="3F3C53"/>
-                </a:solidFill>
-                <a:latin typeface="SF Pro Text" pitchFamily="2" charset="0"/>
-                <a:ea typeface="SF Pro Text" pitchFamily="2" charset="0"/>
-                <a:cs typeface="SF Pro Text" pitchFamily="2" charset="0"/>
-              </a:rPr>
-              <a:t>Currencies internationalization back-end side</a:t>
-            </a:r>
-          </a:p>
-        </p:txBody>
-      </p:sp>
-      <p:sp>
-        <p:nvSpPr>
-          <p:cNvPr id="15" name="Rettangolo con angoli arrotondati 14">
-            <a:extLst>
-              <a:ext uri="{FF2B5EF4-FFF2-40B4-BE49-F238E27FC236}">
-                <a16:creationId xmlns:a16="http://schemas.microsoft.com/office/drawing/2014/main" id="{5C3C917A-408F-7D7D-A14D-26FD40BB3443}"/>
+            <a:endParaRPr lang="en-US"/>
+          </a:p>
+        </p:txBody>
+      </p:sp>
+      <p:sp>
+        <p:nvSpPr>
+          <p:cNvPr id="7" name="Ovale 6">
+            <a:extLst>
+              <a:ext uri="{FF2B5EF4-FFF2-40B4-BE49-F238E27FC236}">
+                <a16:creationId xmlns:a16="http://schemas.microsoft.com/office/drawing/2014/main" id="{01DFD978-A239-5EEF-7122-EC47E9F81CAA}"/>
               </a:ext>
             </a:extLst>
           </p:cNvPr>
@@ -6463,19 +6326,17 @@
         </p:nvSpPr>
         <p:spPr>
           <a:xfrm>
-            <a:off x="4642655" y="3984869"/>
-            <a:ext cx="2751709" cy="1556018"/>
-          </a:xfrm>
-          <a:prstGeom prst="roundRect">
-            <a:avLst>
-              <a:gd name="adj" fmla="val 30571"/>
-            </a:avLst>
-          </a:prstGeom>
-          <a:noFill/>
-          <a:ln w="38100">
-            <a:solidFill>
-              <a:srgbClr val="3F3C53"/>
-            </a:solidFill>
+            <a:off x="5672376" y="4551429"/>
+            <a:ext cx="805912" cy="805912"/>
+          </a:xfrm>
+          <a:prstGeom prst="ellipse">
+            <a:avLst/>
+          </a:prstGeom>
+          <a:solidFill>
+            <a:srgbClr val="3F51C3"/>
+          </a:solidFill>
+          <a:ln>
+            <a:noFill/>
           </a:ln>
         </p:spPr>
         <p:style>
@@ -6499,16 +6360,16 @@
           <a:lstStyle/>
           <a:p>
             <a:pPr algn="ctr"/>
-            <a:endParaRPr lang="en-US"/>
-          </a:p>
-        </p:txBody>
-      </p:sp>
-      <p:sp>
-        <p:nvSpPr>
-          <p:cNvPr id="16" name="Rettangolo con angoli arrotondati 15">
-            <a:extLst>
-              <a:ext uri="{FF2B5EF4-FFF2-40B4-BE49-F238E27FC236}">
-                <a16:creationId xmlns:a16="http://schemas.microsoft.com/office/drawing/2014/main" id="{8FDBD43B-55BA-40C6-6D10-819162606FD8}"/>
+            <a:endParaRPr lang="en-US" dirty="0"/>
+          </a:p>
+        </p:txBody>
+      </p:sp>
+      <p:sp>
+        <p:nvSpPr>
+          <p:cNvPr id="8" name="Ovale 7">
+            <a:extLst>
+              <a:ext uri="{FF2B5EF4-FFF2-40B4-BE49-F238E27FC236}">
+                <a16:creationId xmlns:a16="http://schemas.microsoft.com/office/drawing/2014/main" id="{98A68F29-213D-3DA5-1E5D-94E27AFD387D}"/>
               </a:ext>
             </a:extLst>
           </p:cNvPr>
@@ -6517,20 +6378,16 @@
         </p:nvSpPr>
         <p:spPr>
           <a:xfrm>
-            <a:off x="8117531" y="1427332"/>
-            <a:ext cx="2532635" cy="1359148"/>
-          </a:xfrm>
-          <a:prstGeom prst="roundRect">
-            <a:avLst>
-              <a:gd name="adj" fmla="val 30571"/>
-            </a:avLst>
+            <a:off x="7063947" y="4256634"/>
+            <a:ext cx="805912" cy="805912"/>
+          </a:xfrm>
+          <a:prstGeom prst="ellipse">
+            <a:avLst/>
           </a:prstGeom>
           <a:solidFill>
-            <a:srgbClr val="FFFFFF">
-              <a:alpha val="50196"/>
-            </a:srgbClr>
+            <a:srgbClr val="3F51C3"/>
           </a:solidFill>
-          <a:ln w="38100">
+          <a:ln>
             <a:noFill/>
           </a:ln>
         </p:spPr>
@@ -6555,51 +6412,16 @@
           <a:lstStyle/>
           <a:p>
             <a:pPr algn="ctr"/>
-            <a:r>
-              <a:rPr lang="en-US" dirty="0">
-                <a:solidFill>
-                  <a:srgbClr val="3F3C53"/>
-                </a:solidFill>
-                <a:latin typeface="SF Pro Text" pitchFamily="2" charset="0"/>
-                <a:ea typeface="SF Pro Text" pitchFamily="2" charset="0"/>
-                <a:cs typeface="SF Pro Text" pitchFamily="2" charset="0"/>
-              </a:rPr>
-              <a:t>Improve user suggestion</a:t>
-            </a:r>
-          </a:p>
-          <a:p>
-            <a:pPr algn="ctr"/>
-            <a:endParaRPr lang="en-US" sz="1000" dirty="0">
-              <a:solidFill>
-                <a:srgbClr val="3F3C53"/>
-              </a:solidFill>
-              <a:latin typeface="SF Pro Text" pitchFamily="2" charset="0"/>
-              <a:ea typeface="SF Pro Text" pitchFamily="2" charset="0"/>
-              <a:cs typeface="SF Pro Text" pitchFamily="2" charset="0"/>
-            </a:endParaRPr>
-          </a:p>
-          <a:p>
-            <a:pPr algn="ctr"/>
-            <a:r>
-              <a:rPr lang="en-US" sz="1600" dirty="0">
-                <a:solidFill>
-                  <a:srgbClr val="3F3C53"/>
-                </a:solidFill>
-                <a:latin typeface="SF Pro Text" pitchFamily="2" charset="0"/>
-                <a:ea typeface="SF Pro Text" pitchFamily="2" charset="0"/>
-                <a:cs typeface="SF Pro Text" pitchFamily="2" charset="0"/>
-              </a:rPr>
-              <a:t>(ML backend engine)</a:t>
-            </a:r>
-          </a:p>
-        </p:txBody>
-      </p:sp>
-      <p:sp>
-        <p:nvSpPr>
-          <p:cNvPr id="17" name="Rettangolo con angoli arrotondati 16">
-            <a:extLst>
-              <a:ext uri="{FF2B5EF4-FFF2-40B4-BE49-F238E27FC236}">
-                <a16:creationId xmlns:a16="http://schemas.microsoft.com/office/drawing/2014/main" id="{33661704-9700-E61D-CFB0-7A8C1A55A0B1}"/>
+            <a:endParaRPr lang="en-US"/>
+          </a:p>
+        </p:txBody>
+      </p:sp>
+      <p:sp>
+        <p:nvSpPr>
+          <p:cNvPr id="9" name="Ovale 8">
+            <a:extLst>
+              <a:ext uri="{FF2B5EF4-FFF2-40B4-BE49-F238E27FC236}">
+                <a16:creationId xmlns:a16="http://schemas.microsoft.com/office/drawing/2014/main" id="{F4DAC1EE-D10E-ADCB-843A-E469826CCB11}"/>
               </a:ext>
             </a:extLst>
           </p:cNvPr>
@@ -6608,19 +6430,17 @@
         </p:nvSpPr>
         <p:spPr>
           <a:xfrm>
-            <a:off x="7999955" y="1329640"/>
-            <a:ext cx="2751709" cy="1556018"/>
-          </a:xfrm>
-          <a:prstGeom prst="roundRect">
-            <a:avLst>
-              <a:gd name="adj" fmla="val 30571"/>
-            </a:avLst>
-          </a:prstGeom>
-          <a:noFill/>
-          <a:ln w="38100">
-            <a:solidFill>
-              <a:srgbClr val="3F3C53"/>
-            </a:solidFill>
+            <a:off x="5672376" y="1700014"/>
+            <a:ext cx="805912" cy="805912"/>
+          </a:xfrm>
+          <a:prstGeom prst="ellipse">
+            <a:avLst/>
+          </a:prstGeom>
+          <a:solidFill>
+            <a:srgbClr val="3F51C3"/>
+          </a:solidFill>
+          <a:ln>
+            <a:noFill/>
           </a:ln>
         </p:spPr>
         <p:style>
@@ -6648,150 +6468,416 @@
           </a:p>
         </p:txBody>
       </p:sp>
-      <p:sp>
-        <p:nvSpPr>
-          <p:cNvPr id="18" name="Ovale 17">
-            <a:extLst>
-              <a:ext uri="{FF2B5EF4-FFF2-40B4-BE49-F238E27FC236}">
-                <a16:creationId xmlns:a16="http://schemas.microsoft.com/office/drawing/2014/main" id="{D253C6C2-6D58-E737-42CD-968336DFC126}"/>
-              </a:ext>
-            </a:extLst>
-          </p:cNvPr>
-          <p:cNvSpPr/>
-          <p:nvPr/>
-        </p:nvSpPr>
-        <p:spPr>
-          <a:xfrm>
-            <a:off x="5699234" y="3105472"/>
-            <a:ext cx="647053" cy="647053"/>
-          </a:xfrm>
-          <a:prstGeom prst="ellipse">
-            <a:avLst/>
-          </a:prstGeom>
-          <a:solidFill>
-            <a:srgbClr val="3F51C3"/>
-          </a:solidFill>
-          <a:ln>
-            <a:noFill/>
-          </a:ln>
-        </p:spPr>
-        <p:style>
-          <a:lnRef idx="2">
-            <a:schemeClr val="accent1">
-              <a:shade val="50000"/>
-            </a:schemeClr>
-          </a:lnRef>
-          <a:fillRef idx="1">
-            <a:schemeClr val="accent1"/>
-          </a:fillRef>
-          <a:effectRef idx="0">
-            <a:schemeClr val="accent1"/>
-          </a:effectRef>
-          <a:fontRef idx="minor">
-            <a:schemeClr val="lt1"/>
-          </a:fontRef>
-        </p:style>
-        <p:txBody>
-          <a:bodyPr rtlCol="0" anchor="ctr"/>
+      <p:pic>
+        <p:nvPicPr>
+          <p:cNvPr id="20" name="Elemento grafico 19">
+            <a:extLst>
+              <a:ext uri="{FF2B5EF4-FFF2-40B4-BE49-F238E27FC236}">
+                <a16:creationId xmlns:a16="http://schemas.microsoft.com/office/drawing/2014/main" id="{6F8119EA-2795-D56A-5C2F-90843C7525C3}"/>
+              </a:ext>
+            </a:extLst>
+          </p:cNvPr>
+          <p:cNvPicPr>
+            <a:picLocks noChangeAspect="1"/>
+          </p:cNvPicPr>
+          <p:nvPr/>
+        </p:nvPicPr>
+        <p:blipFill>
+          <a:blip r:embed="rId2">
+            <a:extLst>
+              <a:ext uri="{96DAC541-7B7A-43D3-8B79-37D633B846F1}">
+                <asvg:svgBlip xmlns:asvg="http://schemas.microsoft.com/office/drawing/2016/SVG/main" r:embed="rId3"/>
+              </a:ext>
+            </a:extLst>
+          </a:blip>
+          <a:stretch>
+            <a:fillRect/>
+          </a:stretch>
+        </p:blipFill>
+        <p:spPr>
+          <a:xfrm>
+            <a:off x="7147002" y="4339691"/>
+            <a:ext cx="639797" cy="639797"/>
+          </a:xfrm>
+          <a:prstGeom prst="rect">
+            <a:avLst/>
+          </a:prstGeom>
+        </p:spPr>
+      </p:pic>
+      <p:pic>
+        <p:nvPicPr>
+          <p:cNvPr id="22" name="Elemento grafico 21">
+            <a:extLst>
+              <a:ext uri="{FF2B5EF4-FFF2-40B4-BE49-F238E27FC236}">
+                <a16:creationId xmlns:a16="http://schemas.microsoft.com/office/drawing/2014/main" id="{2AEF73D0-C7CB-BBAE-1F05-4A2FE660AD5A}"/>
+              </a:ext>
+            </a:extLst>
+          </p:cNvPr>
+          <p:cNvPicPr>
+            <a:picLocks noChangeAspect="1"/>
+          </p:cNvPicPr>
+          <p:nvPr/>
+        </p:nvPicPr>
+        <p:blipFill>
+          <a:blip r:embed="rId4">
+            <a:extLst>
+              <a:ext uri="{96DAC541-7B7A-43D3-8B79-37D633B846F1}">
+                <asvg:svgBlip xmlns:asvg="http://schemas.microsoft.com/office/drawing/2016/SVG/main" r:embed="rId5"/>
+              </a:ext>
+            </a:extLst>
+          </a:blip>
+          <a:stretch>
+            <a:fillRect/>
+          </a:stretch>
+        </p:blipFill>
+        <p:spPr>
+          <a:xfrm>
+            <a:off x="5824843" y="4717640"/>
+            <a:ext cx="500971" cy="500971"/>
+          </a:xfrm>
+          <a:prstGeom prst="rect">
+            <a:avLst/>
+          </a:prstGeom>
+        </p:spPr>
+      </p:pic>
+      <p:pic>
+        <p:nvPicPr>
+          <p:cNvPr id="24" name="Elemento grafico 23">
+            <a:extLst>
+              <a:ext uri="{FF2B5EF4-FFF2-40B4-BE49-F238E27FC236}">
+                <a16:creationId xmlns:a16="http://schemas.microsoft.com/office/drawing/2014/main" id="{E9E7413A-C977-21C9-A97D-E1DEFEAB5E21}"/>
+              </a:ext>
+            </a:extLst>
+          </p:cNvPr>
+          <p:cNvPicPr>
+            <a:picLocks noChangeAspect="1"/>
+          </p:cNvPicPr>
+          <p:nvPr/>
+        </p:nvPicPr>
+        <p:blipFill>
+          <a:blip r:embed="rId6">
+            <a:extLst>
+              <a:ext uri="{96DAC541-7B7A-43D3-8B79-37D633B846F1}">
+                <asvg:svgBlip xmlns:asvg="http://schemas.microsoft.com/office/drawing/2016/SVG/main" r:embed="rId7"/>
+              </a:ext>
+            </a:extLst>
+          </a:blip>
+          <a:stretch>
+            <a:fillRect/>
+          </a:stretch>
+        </p:blipFill>
+        <p:spPr>
+          <a:xfrm>
+            <a:off x="4464867" y="4339691"/>
+            <a:ext cx="631556" cy="631556"/>
+          </a:xfrm>
+          <a:prstGeom prst="rect">
+            <a:avLst/>
+          </a:prstGeom>
+        </p:spPr>
+      </p:pic>
+      <p:sp>
+        <p:nvSpPr>
+          <p:cNvPr id="38" name="CasellaDiTesto 37">
+            <a:extLst>
+              <a:ext uri="{FF2B5EF4-FFF2-40B4-BE49-F238E27FC236}">
+                <a16:creationId xmlns:a16="http://schemas.microsoft.com/office/drawing/2014/main" id="{454D8AD4-6AA0-B23E-0B89-148F6B8B4691}"/>
+              </a:ext>
+            </a:extLst>
+          </p:cNvPr>
+          <p:cNvSpPr txBox="1"/>
+          <p:nvPr/>
+        </p:nvSpPr>
+        <p:spPr>
+          <a:xfrm>
+            <a:off x="3877864" y="992990"/>
+            <a:ext cx="4394928" cy="615553"/>
+          </a:xfrm>
+          <a:prstGeom prst="rect">
+            <a:avLst/>
+          </a:prstGeom>
+          <a:noFill/>
+        </p:spPr>
+        <p:txBody>
+          <a:bodyPr wrap="square" rtlCol="0">
+            <a:spAutoFit/>
+          </a:bodyPr>
           <a:lstStyle/>
           <a:p>
             <a:pPr algn="ctr"/>
             <a:r>
               <a:rPr lang="en-US" sz="2000" b="1" dirty="0">
                 <a:solidFill>
-                  <a:srgbClr val="FFFFFF"/>
+                  <a:srgbClr val="3F51C3"/>
                 </a:solidFill>
                 <a:latin typeface="SF Pro Text" pitchFamily="2" charset="0"/>
                 <a:ea typeface="SF Pro Text" pitchFamily="2" charset="0"/>
                 <a:cs typeface="SF Pro Text" pitchFamily="2" charset="0"/>
               </a:rPr>
-              <a:t>2</a:t>
-            </a:r>
-            <a:endParaRPr lang="en-US" b="1" dirty="0">
-              <a:solidFill>
-                <a:srgbClr val="FFFFFF"/>
-              </a:solidFill>
-              <a:latin typeface="SF Pro Text" pitchFamily="2" charset="0"/>
-              <a:ea typeface="SF Pro Text" pitchFamily="2" charset="0"/>
-              <a:cs typeface="SF Pro Text" pitchFamily="2" charset="0"/>
-            </a:endParaRPr>
-          </a:p>
-        </p:txBody>
-      </p:sp>
-      <p:sp>
-        <p:nvSpPr>
-          <p:cNvPr id="19" name="Ovale 18">
-            <a:extLst>
-              <a:ext uri="{FF2B5EF4-FFF2-40B4-BE49-F238E27FC236}">
-                <a16:creationId xmlns:a16="http://schemas.microsoft.com/office/drawing/2014/main" id="{F49C282F-CA2B-4881-308D-A21714AFD686}"/>
-              </a:ext>
-            </a:extLst>
-          </p:cNvPr>
-          <p:cNvSpPr/>
-          <p:nvPr/>
-        </p:nvSpPr>
-        <p:spPr>
-          <a:xfrm>
-            <a:off x="9060321" y="3105471"/>
-            <a:ext cx="647053" cy="647053"/>
-          </a:xfrm>
-          <a:prstGeom prst="ellipse">
-            <a:avLst/>
-          </a:prstGeom>
-          <a:solidFill>
-            <a:srgbClr val="3F51C3"/>
-          </a:solidFill>
-          <a:ln>
-            <a:noFill/>
-          </a:ln>
-        </p:spPr>
-        <p:style>
-          <a:lnRef idx="2">
-            <a:schemeClr val="accent1">
-              <a:shade val="50000"/>
-            </a:schemeClr>
-          </a:lnRef>
-          <a:fillRef idx="1">
-            <a:schemeClr val="accent1"/>
-          </a:fillRef>
-          <a:effectRef idx="0">
-            <a:schemeClr val="accent1"/>
-          </a:effectRef>
-          <a:fontRef idx="minor">
-            <a:schemeClr val="lt1"/>
-          </a:fontRef>
-        </p:style>
-        <p:txBody>
-          <a:bodyPr rtlCol="0" anchor="ctr"/>
-          <a:lstStyle/>
+              <a:t>Unit Tests</a:t>
+            </a:r>
+          </a:p>
           <a:p>
             <a:pPr algn="ctr"/>
             <a:r>
-              <a:rPr lang="en-US" sz="2000" b="1" dirty="0">
-                <a:solidFill>
-                  <a:srgbClr val="FFFFFF"/>
+              <a:rPr lang="en-US" sz="1400" dirty="0">
+                <a:solidFill>
+                  <a:srgbClr val="3F3C53"/>
                 </a:solidFill>
                 <a:latin typeface="SF Pro Text" pitchFamily="2" charset="0"/>
                 <a:ea typeface="SF Pro Text" pitchFamily="2" charset="0"/>
                 <a:cs typeface="SF Pro Text" pitchFamily="2" charset="0"/>
               </a:rPr>
-              <a:t>3</a:t>
-            </a:r>
-            <a:endParaRPr lang="en-US" b="1" dirty="0">
-              <a:solidFill>
-                <a:srgbClr val="FFFFFF"/>
-              </a:solidFill>
-              <a:latin typeface="SF Pro Text" pitchFamily="2" charset="0"/>
-              <a:ea typeface="SF Pro Text" pitchFamily="2" charset="0"/>
-              <a:cs typeface="SF Pro Text" pitchFamily="2" charset="0"/>
-            </a:endParaRPr>
-          </a:p>
-        </p:txBody>
-      </p:sp>
+              <a:t>25 Unit tests for the internal application logic</a:t>
+            </a:r>
+          </a:p>
+        </p:txBody>
+      </p:sp>
+      <p:sp>
+        <p:nvSpPr>
+          <p:cNvPr id="39" name="CasellaDiTesto 38">
+            <a:extLst>
+              <a:ext uri="{FF2B5EF4-FFF2-40B4-BE49-F238E27FC236}">
+                <a16:creationId xmlns:a16="http://schemas.microsoft.com/office/drawing/2014/main" id="{9B45E9F8-12CD-8AF1-FE6B-6841576D505E}"/>
+              </a:ext>
+            </a:extLst>
+          </p:cNvPr>
+          <p:cNvSpPr txBox="1"/>
+          <p:nvPr/>
+        </p:nvSpPr>
+        <p:spPr>
+          <a:xfrm>
+            <a:off x="3877864" y="5495521"/>
+            <a:ext cx="4394928" cy="615553"/>
+          </a:xfrm>
+          <a:prstGeom prst="rect">
+            <a:avLst/>
+          </a:prstGeom>
+          <a:noFill/>
+        </p:spPr>
+        <p:txBody>
+          <a:bodyPr wrap="square" rtlCol="0">
+            <a:spAutoFit/>
+          </a:bodyPr>
+          <a:lstStyle/>
+          <a:p>
+            <a:pPr algn="ctr"/>
+            <a:r>
+              <a:rPr lang="en-US" sz="2000" b="1" dirty="0">
+                <a:solidFill>
+                  <a:srgbClr val="3F51C3"/>
+                </a:solidFill>
+                <a:latin typeface="SF Pro Text" pitchFamily="2" charset="0"/>
+                <a:ea typeface="SF Pro Text" pitchFamily="2" charset="0"/>
+                <a:cs typeface="SF Pro Text" pitchFamily="2" charset="0"/>
+              </a:rPr>
+              <a:t>iPad UI Tests</a:t>
+            </a:r>
+          </a:p>
+          <a:p>
+            <a:pPr algn="ctr"/>
+            <a:r>
+              <a:rPr lang="en-US" sz="1400" dirty="0">
+                <a:solidFill>
+                  <a:srgbClr val="3F3C53"/>
+                </a:solidFill>
+                <a:latin typeface="SF Pro Text" pitchFamily="2" charset="0"/>
+                <a:ea typeface="SF Pro Text" pitchFamily="2" charset="0"/>
+                <a:cs typeface="SF Pro Text" pitchFamily="2" charset="0"/>
+              </a:rPr>
+              <a:t>67 UI tests for iPad views portrait and landscape</a:t>
+            </a:r>
+          </a:p>
+        </p:txBody>
+      </p:sp>
+      <p:sp>
+        <p:nvSpPr>
+          <p:cNvPr id="40" name="CasellaDiTesto 39">
+            <a:extLst>
+              <a:ext uri="{FF2B5EF4-FFF2-40B4-BE49-F238E27FC236}">
+                <a16:creationId xmlns:a16="http://schemas.microsoft.com/office/drawing/2014/main" id="{2BE98100-B737-90ED-07A8-BA1A8408F973}"/>
+              </a:ext>
+            </a:extLst>
+          </p:cNvPr>
+          <p:cNvSpPr txBox="1"/>
+          <p:nvPr/>
+        </p:nvSpPr>
+        <p:spPr>
+          <a:xfrm>
+            <a:off x="8007966" y="4351189"/>
+            <a:ext cx="3942936" cy="615553"/>
+          </a:xfrm>
+          <a:prstGeom prst="rect">
+            <a:avLst/>
+          </a:prstGeom>
+          <a:noFill/>
+        </p:spPr>
+        <p:txBody>
+          <a:bodyPr wrap="square" rtlCol="0">
+            <a:spAutoFit/>
+          </a:bodyPr>
+          <a:lstStyle/>
+          <a:p>
+            <a:r>
+              <a:rPr lang="en-US" sz="2000" b="1" dirty="0">
+                <a:solidFill>
+                  <a:srgbClr val="3F51C3"/>
+                </a:solidFill>
+                <a:latin typeface="SF Pro Text" pitchFamily="2" charset="0"/>
+                <a:ea typeface="SF Pro Text" pitchFamily="2" charset="0"/>
+                <a:cs typeface="SF Pro Text" pitchFamily="2" charset="0"/>
+              </a:rPr>
+              <a:t>Watch UI Tests</a:t>
+            </a:r>
+          </a:p>
+          <a:p>
+            <a:r>
+              <a:rPr lang="en-US" sz="1400" dirty="0">
+                <a:solidFill>
+                  <a:srgbClr val="3F3C53"/>
+                </a:solidFill>
+                <a:latin typeface="SF Pro Text" pitchFamily="2" charset="0"/>
+                <a:ea typeface="SF Pro Text" pitchFamily="2" charset="0"/>
+                <a:cs typeface="SF Pro Text" pitchFamily="2" charset="0"/>
+              </a:rPr>
+              <a:t>9 UI tests for Apple Watch views</a:t>
+            </a:r>
+          </a:p>
+        </p:txBody>
+      </p:sp>
+      <p:sp>
+        <p:nvSpPr>
+          <p:cNvPr id="41" name="CasellaDiTesto 40">
+            <a:extLst>
+              <a:ext uri="{FF2B5EF4-FFF2-40B4-BE49-F238E27FC236}">
+                <a16:creationId xmlns:a16="http://schemas.microsoft.com/office/drawing/2014/main" id="{E864A975-FB71-000A-2740-AC39C751FE95}"/>
+              </a:ext>
+            </a:extLst>
+          </p:cNvPr>
+          <p:cNvSpPr txBox="1"/>
+          <p:nvPr/>
+        </p:nvSpPr>
+        <p:spPr>
+          <a:xfrm>
+            <a:off x="432486" y="4294269"/>
+            <a:ext cx="3806600" cy="615553"/>
+          </a:xfrm>
+          <a:prstGeom prst="rect">
+            <a:avLst/>
+          </a:prstGeom>
+          <a:noFill/>
+        </p:spPr>
+        <p:txBody>
+          <a:bodyPr wrap="square" rtlCol="0">
+            <a:spAutoFit/>
+          </a:bodyPr>
+          <a:lstStyle/>
+          <a:p>
+            <a:pPr algn="r"/>
+            <a:r>
+              <a:rPr lang="en-US" sz="2000" b="1" dirty="0">
+                <a:solidFill>
+                  <a:srgbClr val="3F51C3"/>
+                </a:solidFill>
+                <a:latin typeface="SF Pro Text" pitchFamily="2" charset="0"/>
+                <a:ea typeface="SF Pro Text" pitchFamily="2" charset="0"/>
+                <a:cs typeface="SF Pro Text" pitchFamily="2" charset="0"/>
+              </a:rPr>
+              <a:t>iPhone UI Tests</a:t>
+            </a:r>
+          </a:p>
+          <a:p>
+            <a:pPr algn="r"/>
+            <a:r>
+              <a:rPr lang="en-US" sz="1400" dirty="0">
+                <a:solidFill>
+                  <a:srgbClr val="3F3C53"/>
+                </a:solidFill>
+                <a:latin typeface="SF Pro Text" pitchFamily="2" charset="0"/>
+                <a:ea typeface="SF Pro Text" pitchFamily="2" charset="0"/>
+                <a:cs typeface="SF Pro Text" pitchFamily="2" charset="0"/>
+              </a:rPr>
+              <a:t>68 UI tests for iPhone views</a:t>
+            </a:r>
+          </a:p>
+        </p:txBody>
+      </p:sp>
+      <p:pic>
+        <p:nvPicPr>
+          <p:cNvPr id="42" name="Elemento grafico 41">
+            <a:extLst>
+              <a:ext uri="{FF2B5EF4-FFF2-40B4-BE49-F238E27FC236}">
+                <a16:creationId xmlns:a16="http://schemas.microsoft.com/office/drawing/2014/main" id="{A7A64EAF-A6DD-F6E2-851D-95EFC01557FD}"/>
+              </a:ext>
+            </a:extLst>
+          </p:cNvPr>
+          <p:cNvPicPr>
+            <a:picLocks noChangeAspect="1"/>
+          </p:cNvPicPr>
+          <p:nvPr/>
+        </p:nvPicPr>
+        <p:blipFill>
+          <a:blip r:embed="rId8">
+            <a:extLst>
+              <a:ext uri="{96DAC541-7B7A-43D3-8B79-37D633B846F1}">
+                <asvg:svgBlip xmlns:asvg="http://schemas.microsoft.com/office/drawing/2016/SVG/main" r:embed="rId9"/>
+              </a:ext>
+            </a:extLst>
+          </a:blip>
+          <a:stretch>
+            <a:fillRect/>
+          </a:stretch>
+        </p:blipFill>
+        <p:spPr>
+          <a:xfrm>
+            <a:off x="5840839" y="1871549"/>
+            <a:ext cx="468978" cy="468978"/>
+          </a:xfrm>
+          <a:prstGeom prst="rect">
+            <a:avLst/>
+          </a:prstGeom>
+        </p:spPr>
+      </p:pic>
+      <p:pic>
+        <p:nvPicPr>
+          <p:cNvPr id="43" name="Elemento grafico 42">
+            <a:extLst>
+              <a:ext uri="{FF2B5EF4-FFF2-40B4-BE49-F238E27FC236}">
+                <a16:creationId xmlns:a16="http://schemas.microsoft.com/office/drawing/2014/main" id="{71792F4D-8852-2018-C6DB-271040D815E3}"/>
+              </a:ext>
+            </a:extLst>
+          </p:cNvPr>
+          <p:cNvPicPr>
+            <a:picLocks noChangeAspect="1"/>
+          </p:cNvPicPr>
+          <p:nvPr/>
+        </p:nvPicPr>
+        <p:blipFill>
+          <a:blip r:embed="rId10">
+            <a:extLst>
+              <a:ext uri="{96DAC541-7B7A-43D3-8B79-37D633B846F1}">
+                <asvg:svgBlip xmlns:asvg="http://schemas.microsoft.com/office/drawing/2016/SVG/main" r:embed="rId11"/>
+              </a:ext>
+            </a:extLst>
+          </a:blip>
+          <a:stretch>
+            <a:fillRect/>
+          </a:stretch>
+        </p:blipFill>
+        <p:spPr>
+          <a:xfrm flipH="1">
+            <a:off x="5625852" y="3063792"/>
+            <a:ext cx="940296" cy="940296"/>
+          </a:xfrm>
+          <a:prstGeom prst="rect">
+            <a:avLst/>
+          </a:prstGeom>
+        </p:spPr>
+      </p:pic>
     </p:spTree>
     <p:extLst>
       <p:ext uri="{BB962C8B-B14F-4D97-AF65-F5344CB8AC3E}">
-        <p14:creationId xmlns:p14="http://schemas.microsoft.com/office/powerpoint/2010/main" val="2856823994"/>
+        <p14:creationId xmlns:p14="http://schemas.microsoft.com/office/powerpoint/2010/main" val="1850755760"/>
       </p:ext>
     </p:extLst>
   </p:cSld>
@@ -6823,7 +6909,7 @@
           <p:cNvPr id="2" name="Segnaposto numero diapositiva 1">
             <a:extLst>
               <a:ext uri="{FF2B5EF4-FFF2-40B4-BE49-F238E27FC236}">
-                <a16:creationId xmlns:a16="http://schemas.microsoft.com/office/drawing/2014/main" id="{FC44AB29-1B85-EE06-C4B6-782D7B07750A}"/>
+                <a16:creationId xmlns:a16="http://schemas.microsoft.com/office/drawing/2014/main" id="{963A9284-0C08-8CBB-F377-3F8CC6013BDC}"/>
               </a:ext>
             </a:extLst>
           </p:cNvPr>
@@ -6843,6 +6929,733 @@
               <a:rPr lang="it-IT" smtClean="0"/>
               <a:pPr/>
               <a:t>7</a:t>
+            </a:fld>
+            <a:endParaRPr lang="it-IT" dirty="0"/>
+          </a:p>
+        </p:txBody>
+      </p:sp>
+      <p:sp>
+        <p:nvSpPr>
+          <p:cNvPr id="3" name="Titolo 2">
+            <a:extLst>
+              <a:ext uri="{FF2B5EF4-FFF2-40B4-BE49-F238E27FC236}">
+                <a16:creationId xmlns:a16="http://schemas.microsoft.com/office/drawing/2014/main" id="{CB05F6BE-4F57-C91D-4C5D-9C94307734D7}"/>
+              </a:ext>
+            </a:extLst>
+          </p:cNvPr>
+          <p:cNvSpPr>
+            <a:spLocks noGrp="1"/>
+          </p:cNvSpPr>
+          <p:nvPr>
+            <p:ph type="title"/>
+          </p:nvPr>
+        </p:nvSpPr>
+        <p:spPr/>
+        <p:txBody>
+          <a:bodyPr/>
+          <a:lstStyle/>
+          <a:p>
+            <a:r>
+              <a:rPr lang="en-US"/>
+              <a:t>Further implementation</a:t>
+            </a:r>
+          </a:p>
+        </p:txBody>
+      </p:sp>
+      <p:cxnSp>
+        <p:nvCxnSpPr>
+          <p:cNvPr id="6" name="Connettore 2 5">
+            <a:extLst>
+              <a:ext uri="{FF2B5EF4-FFF2-40B4-BE49-F238E27FC236}">
+                <a16:creationId xmlns:a16="http://schemas.microsoft.com/office/drawing/2014/main" id="{1B131AE8-FA89-5300-93C1-D8D8099FE80E}"/>
+              </a:ext>
+            </a:extLst>
+          </p:cNvPr>
+          <p:cNvCxnSpPr>
+            <a:cxnSpLocks/>
+          </p:cNvCxnSpPr>
+          <p:nvPr/>
+        </p:nvCxnSpPr>
+        <p:spPr>
+          <a:xfrm>
+            <a:off x="790414" y="3429000"/>
+            <a:ext cx="11183872" cy="0"/>
+          </a:xfrm>
+          <a:prstGeom prst="straightConnector1">
+            <a:avLst/>
+          </a:prstGeom>
+          <a:ln w="57150" cap="rnd">
+            <a:solidFill>
+              <a:srgbClr val="3F3C53"/>
+            </a:solidFill>
+            <a:tailEnd type="arrow"/>
+          </a:ln>
+        </p:spPr>
+        <p:style>
+          <a:lnRef idx="1">
+            <a:schemeClr val="accent1"/>
+          </a:lnRef>
+          <a:fillRef idx="0">
+            <a:schemeClr val="accent1"/>
+          </a:fillRef>
+          <a:effectRef idx="0">
+            <a:schemeClr val="accent1"/>
+          </a:effectRef>
+          <a:fontRef idx="minor">
+            <a:schemeClr val="tx1"/>
+          </a:fontRef>
+        </p:style>
+      </p:cxnSp>
+      <p:sp>
+        <p:nvSpPr>
+          <p:cNvPr id="8" name="Ovale 7">
+            <a:extLst>
+              <a:ext uri="{FF2B5EF4-FFF2-40B4-BE49-F238E27FC236}">
+                <a16:creationId xmlns:a16="http://schemas.microsoft.com/office/drawing/2014/main" id="{94681E17-8E35-71D6-01DB-EE2786BA7FDF}"/>
+              </a:ext>
+            </a:extLst>
+          </p:cNvPr>
+          <p:cNvSpPr/>
+          <p:nvPr/>
+        </p:nvSpPr>
+        <p:spPr>
+          <a:xfrm>
+            <a:off x="2491352" y="3105473"/>
+            <a:ext cx="647053" cy="647053"/>
+          </a:xfrm>
+          <a:prstGeom prst="ellipse">
+            <a:avLst/>
+          </a:prstGeom>
+          <a:solidFill>
+            <a:srgbClr val="3F51C3"/>
+          </a:solidFill>
+          <a:ln>
+            <a:noFill/>
+          </a:ln>
+        </p:spPr>
+        <p:style>
+          <a:lnRef idx="2">
+            <a:schemeClr val="accent1">
+              <a:shade val="50000"/>
+            </a:schemeClr>
+          </a:lnRef>
+          <a:fillRef idx="1">
+            <a:schemeClr val="accent1"/>
+          </a:fillRef>
+          <a:effectRef idx="0">
+            <a:schemeClr val="accent1"/>
+          </a:effectRef>
+          <a:fontRef idx="minor">
+            <a:schemeClr val="lt1"/>
+          </a:fontRef>
+        </p:style>
+        <p:txBody>
+          <a:bodyPr rtlCol="0" anchor="ctr"/>
+          <a:lstStyle/>
+          <a:p>
+            <a:pPr algn="ctr"/>
+            <a:r>
+              <a:rPr lang="en-US" sz="2000" b="1" dirty="0">
+                <a:solidFill>
+                  <a:srgbClr val="FFFFFF"/>
+                </a:solidFill>
+                <a:latin typeface="SF Pro Text" pitchFamily="2" charset="0"/>
+                <a:ea typeface="SF Pro Text" pitchFamily="2" charset="0"/>
+                <a:cs typeface="SF Pro Text" pitchFamily="2" charset="0"/>
+              </a:rPr>
+              <a:t>1</a:t>
+            </a:r>
+            <a:endParaRPr lang="en-US" b="1" dirty="0">
+              <a:solidFill>
+                <a:srgbClr val="FFFFFF"/>
+              </a:solidFill>
+              <a:latin typeface="SF Pro Text" pitchFamily="2" charset="0"/>
+              <a:ea typeface="SF Pro Text" pitchFamily="2" charset="0"/>
+              <a:cs typeface="SF Pro Text" pitchFamily="2" charset="0"/>
+            </a:endParaRPr>
+          </a:p>
+        </p:txBody>
+      </p:sp>
+      <p:sp>
+        <p:nvSpPr>
+          <p:cNvPr id="12" name="Rettangolo con angoli arrotondati 11">
+            <a:extLst>
+              <a:ext uri="{FF2B5EF4-FFF2-40B4-BE49-F238E27FC236}">
+                <a16:creationId xmlns:a16="http://schemas.microsoft.com/office/drawing/2014/main" id="{D06D9D78-60D1-D9B2-BD1D-5C5D2F26E6E6}"/>
+              </a:ext>
+            </a:extLst>
+          </p:cNvPr>
+          <p:cNvSpPr/>
+          <p:nvPr/>
+        </p:nvSpPr>
+        <p:spPr>
+          <a:xfrm>
+            <a:off x="1556599" y="1426589"/>
+            <a:ext cx="2532635" cy="1359148"/>
+          </a:xfrm>
+          <a:prstGeom prst="roundRect">
+            <a:avLst>
+              <a:gd name="adj" fmla="val 30571"/>
+            </a:avLst>
+          </a:prstGeom>
+          <a:solidFill>
+            <a:srgbClr val="FFFFFF">
+              <a:alpha val="50196"/>
+            </a:srgbClr>
+          </a:solidFill>
+          <a:ln w="38100">
+            <a:noFill/>
+          </a:ln>
+        </p:spPr>
+        <p:style>
+          <a:lnRef idx="2">
+            <a:schemeClr val="accent1">
+              <a:shade val="50000"/>
+            </a:schemeClr>
+          </a:lnRef>
+          <a:fillRef idx="1">
+            <a:schemeClr val="accent1"/>
+          </a:fillRef>
+          <a:effectRef idx="0">
+            <a:schemeClr val="accent1"/>
+          </a:effectRef>
+          <a:fontRef idx="minor">
+            <a:schemeClr val="lt1"/>
+          </a:fontRef>
+        </p:style>
+        <p:txBody>
+          <a:bodyPr rtlCol="0" anchor="ctr"/>
+          <a:lstStyle/>
+          <a:p>
+            <a:pPr algn="ctr"/>
+            <a:r>
+              <a:rPr lang="en-US" dirty="0">
+                <a:solidFill>
+                  <a:srgbClr val="3F3C53"/>
+                </a:solidFill>
+                <a:latin typeface="SF Pro Text" pitchFamily="2" charset="0"/>
+                <a:ea typeface="SF Pro Text" pitchFamily="2" charset="0"/>
+                <a:cs typeface="SF Pro Text" pitchFamily="2" charset="0"/>
+              </a:rPr>
+              <a:t>Internationalization of Amazon website</a:t>
+            </a:r>
+          </a:p>
+        </p:txBody>
+      </p:sp>
+      <p:sp>
+        <p:nvSpPr>
+          <p:cNvPr id="13" name="Rettangolo con angoli arrotondati 12">
+            <a:extLst>
+              <a:ext uri="{FF2B5EF4-FFF2-40B4-BE49-F238E27FC236}">
+                <a16:creationId xmlns:a16="http://schemas.microsoft.com/office/drawing/2014/main" id="{26E445A3-A4AA-2C1C-D4E1-FED4377D037C}"/>
+              </a:ext>
+            </a:extLst>
+          </p:cNvPr>
+          <p:cNvSpPr/>
+          <p:nvPr/>
+        </p:nvSpPr>
+        <p:spPr>
+          <a:xfrm>
+            <a:off x="1439023" y="1328897"/>
+            <a:ext cx="2751709" cy="1556018"/>
+          </a:xfrm>
+          <a:prstGeom prst="roundRect">
+            <a:avLst>
+              <a:gd name="adj" fmla="val 30571"/>
+            </a:avLst>
+          </a:prstGeom>
+          <a:noFill/>
+          <a:ln w="38100">
+            <a:solidFill>
+              <a:srgbClr val="3F3C53"/>
+            </a:solidFill>
+          </a:ln>
+        </p:spPr>
+        <p:style>
+          <a:lnRef idx="2">
+            <a:schemeClr val="accent1">
+              <a:shade val="50000"/>
+            </a:schemeClr>
+          </a:lnRef>
+          <a:fillRef idx="1">
+            <a:schemeClr val="accent1"/>
+          </a:fillRef>
+          <a:effectRef idx="0">
+            <a:schemeClr val="accent1"/>
+          </a:effectRef>
+          <a:fontRef idx="minor">
+            <a:schemeClr val="lt1"/>
+          </a:fontRef>
+        </p:style>
+        <p:txBody>
+          <a:bodyPr rtlCol="0" anchor="ctr"/>
+          <a:lstStyle/>
+          <a:p>
+            <a:pPr algn="ctr"/>
+            <a:endParaRPr lang="en-US"/>
+          </a:p>
+        </p:txBody>
+      </p:sp>
+      <p:sp>
+        <p:nvSpPr>
+          <p:cNvPr id="14" name="Rettangolo con angoli arrotondati 13">
+            <a:extLst>
+              <a:ext uri="{FF2B5EF4-FFF2-40B4-BE49-F238E27FC236}">
+                <a16:creationId xmlns:a16="http://schemas.microsoft.com/office/drawing/2014/main" id="{E512831A-66C0-72ED-4DEF-4B7A2703F2C3}"/>
+              </a:ext>
+            </a:extLst>
+          </p:cNvPr>
+          <p:cNvSpPr/>
+          <p:nvPr/>
+        </p:nvSpPr>
+        <p:spPr>
+          <a:xfrm>
+            <a:off x="4760231" y="4082561"/>
+            <a:ext cx="2532635" cy="1359148"/>
+          </a:xfrm>
+          <a:prstGeom prst="roundRect">
+            <a:avLst>
+              <a:gd name="adj" fmla="val 30571"/>
+            </a:avLst>
+          </a:prstGeom>
+          <a:solidFill>
+            <a:srgbClr val="FFFFFF">
+              <a:alpha val="50196"/>
+            </a:srgbClr>
+          </a:solidFill>
+          <a:ln w="38100">
+            <a:noFill/>
+          </a:ln>
+        </p:spPr>
+        <p:style>
+          <a:lnRef idx="2">
+            <a:schemeClr val="accent1">
+              <a:shade val="50000"/>
+            </a:schemeClr>
+          </a:lnRef>
+          <a:fillRef idx="1">
+            <a:schemeClr val="accent1"/>
+          </a:fillRef>
+          <a:effectRef idx="0">
+            <a:schemeClr val="accent1"/>
+          </a:effectRef>
+          <a:fontRef idx="minor">
+            <a:schemeClr val="lt1"/>
+          </a:fontRef>
+        </p:style>
+        <p:txBody>
+          <a:bodyPr rtlCol="0" anchor="ctr"/>
+          <a:lstStyle/>
+          <a:p>
+            <a:pPr algn="ctr"/>
+            <a:r>
+              <a:rPr lang="en-US" dirty="0">
+                <a:solidFill>
+                  <a:srgbClr val="3F3C53"/>
+                </a:solidFill>
+                <a:latin typeface="SF Pro Text" pitchFamily="2" charset="0"/>
+                <a:ea typeface="SF Pro Text" pitchFamily="2" charset="0"/>
+                <a:cs typeface="SF Pro Text" pitchFamily="2" charset="0"/>
+              </a:rPr>
+              <a:t>Currencies internationalization back-end side</a:t>
+            </a:r>
+          </a:p>
+        </p:txBody>
+      </p:sp>
+      <p:sp>
+        <p:nvSpPr>
+          <p:cNvPr id="15" name="Rettangolo con angoli arrotondati 14">
+            <a:extLst>
+              <a:ext uri="{FF2B5EF4-FFF2-40B4-BE49-F238E27FC236}">
+                <a16:creationId xmlns:a16="http://schemas.microsoft.com/office/drawing/2014/main" id="{5C3C917A-408F-7D7D-A14D-26FD40BB3443}"/>
+              </a:ext>
+            </a:extLst>
+          </p:cNvPr>
+          <p:cNvSpPr/>
+          <p:nvPr/>
+        </p:nvSpPr>
+        <p:spPr>
+          <a:xfrm>
+            <a:off x="4642655" y="3984869"/>
+            <a:ext cx="2751709" cy="1556018"/>
+          </a:xfrm>
+          <a:prstGeom prst="roundRect">
+            <a:avLst>
+              <a:gd name="adj" fmla="val 30571"/>
+            </a:avLst>
+          </a:prstGeom>
+          <a:noFill/>
+          <a:ln w="38100">
+            <a:solidFill>
+              <a:srgbClr val="3F3C53"/>
+            </a:solidFill>
+          </a:ln>
+        </p:spPr>
+        <p:style>
+          <a:lnRef idx="2">
+            <a:schemeClr val="accent1">
+              <a:shade val="50000"/>
+            </a:schemeClr>
+          </a:lnRef>
+          <a:fillRef idx="1">
+            <a:schemeClr val="accent1"/>
+          </a:fillRef>
+          <a:effectRef idx="0">
+            <a:schemeClr val="accent1"/>
+          </a:effectRef>
+          <a:fontRef idx="minor">
+            <a:schemeClr val="lt1"/>
+          </a:fontRef>
+        </p:style>
+        <p:txBody>
+          <a:bodyPr rtlCol="0" anchor="ctr"/>
+          <a:lstStyle/>
+          <a:p>
+            <a:pPr algn="ctr"/>
+            <a:endParaRPr lang="en-US"/>
+          </a:p>
+        </p:txBody>
+      </p:sp>
+      <p:sp>
+        <p:nvSpPr>
+          <p:cNvPr id="16" name="Rettangolo con angoli arrotondati 15">
+            <a:extLst>
+              <a:ext uri="{FF2B5EF4-FFF2-40B4-BE49-F238E27FC236}">
+                <a16:creationId xmlns:a16="http://schemas.microsoft.com/office/drawing/2014/main" id="{8FDBD43B-55BA-40C6-6D10-819162606FD8}"/>
+              </a:ext>
+            </a:extLst>
+          </p:cNvPr>
+          <p:cNvSpPr/>
+          <p:nvPr/>
+        </p:nvSpPr>
+        <p:spPr>
+          <a:xfrm>
+            <a:off x="8117531" y="1427332"/>
+            <a:ext cx="2532635" cy="1359148"/>
+          </a:xfrm>
+          <a:prstGeom prst="roundRect">
+            <a:avLst>
+              <a:gd name="adj" fmla="val 30571"/>
+            </a:avLst>
+          </a:prstGeom>
+          <a:solidFill>
+            <a:srgbClr val="FFFFFF">
+              <a:alpha val="50196"/>
+            </a:srgbClr>
+          </a:solidFill>
+          <a:ln w="38100">
+            <a:noFill/>
+          </a:ln>
+        </p:spPr>
+        <p:style>
+          <a:lnRef idx="2">
+            <a:schemeClr val="accent1">
+              <a:shade val="50000"/>
+            </a:schemeClr>
+          </a:lnRef>
+          <a:fillRef idx="1">
+            <a:schemeClr val="accent1"/>
+          </a:fillRef>
+          <a:effectRef idx="0">
+            <a:schemeClr val="accent1"/>
+          </a:effectRef>
+          <a:fontRef idx="minor">
+            <a:schemeClr val="lt1"/>
+          </a:fontRef>
+        </p:style>
+        <p:txBody>
+          <a:bodyPr rtlCol="0" anchor="ctr"/>
+          <a:lstStyle/>
+          <a:p>
+            <a:pPr algn="ctr"/>
+            <a:r>
+              <a:rPr lang="en-US" dirty="0">
+                <a:solidFill>
+                  <a:srgbClr val="3F3C53"/>
+                </a:solidFill>
+                <a:latin typeface="SF Pro Text" pitchFamily="2" charset="0"/>
+                <a:ea typeface="SF Pro Text" pitchFamily="2" charset="0"/>
+                <a:cs typeface="SF Pro Text" pitchFamily="2" charset="0"/>
+              </a:rPr>
+              <a:t>Improve user suggestion</a:t>
+            </a:r>
+          </a:p>
+          <a:p>
+            <a:pPr algn="ctr"/>
+            <a:endParaRPr lang="en-US" sz="1000" dirty="0">
+              <a:solidFill>
+                <a:srgbClr val="3F3C53"/>
+              </a:solidFill>
+              <a:latin typeface="SF Pro Text" pitchFamily="2" charset="0"/>
+              <a:ea typeface="SF Pro Text" pitchFamily="2" charset="0"/>
+              <a:cs typeface="SF Pro Text" pitchFamily="2" charset="0"/>
+            </a:endParaRPr>
+          </a:p>
+          <a:p>
+            <a:pPr algn="ctr"/>
+            <a:r>
+              <a:rPr lang="en-US" sz="1600" dirty="0">
+                <a:solidFill>
+                  <a:srgbClr val="3F3C53"/>
+                </a:solidFill>
+                <a:latin typeface="SF Pro Text" pitchFamily="2" charset="0"/>
+                <a:ea typeface="SF Pro Text" pitchFamily="2" charset="0"/>
+                <a:cs typeface="SF Pro Text" pitchFamily="2" charset="0"/>
+              </a:rPr>
+              <a:t>(ML backend engine)</a:t>
+            </a:r>
+          </a:p>
+        </p:txBody>
+      </p:sp>
+      <p:sp>
+        <p:nvSpPr>
+          <p:cNvPr id="17" name="Rettangolo con angoli arrotondati 16">
+            <a:extLst>
+              <a:ext uri="{FF2B5EF4-FFF2-40B4-BE49-F238E27FC236}">
+                <a16:creationId xmlns:a16="http://schemas.microsoft.com/office/drawing/2014/main" id="{33661704-9700-E61D-CFB0-7A8C1A55A0B1}"/>
+              </a:ext>
+            </a:extLst>
+          </p:cNvPr>
+          <p:cNvSpPr/>
+          <p:nvPr/>
+        </p:nvSpPr>
+        <p:spPr>
+          <a:xfrm>
+            <a:off x="7999955" y="1329640"/>
+            <a:ext cx="2751709" cy="1556018"/>
+          </a:xfrm>
+          <a:prstGeom prst="roundRect">
+            <a:avLst>
+              <a:gd name="adj" fmla="val 30571"/>
+            </a:avLst>
+          </a:prstGeom>
+          <a:noFill/>
+          <a:ln w="38100">
+            <a:solidFill>
+              <a:srgbClr val="3F3C53"/>
+            </a:solidFill>
+          </a:ln>
+        </p:spPr>
+        <p:style>
+          <a:lnRef idx="2">
+            <a:schemeClr val="accent1">
+              <a:shade val="50000"/>
+            </a:schemeClr>
+          </a:lnRef>
+          <a:fillRef idx="1">
+            <a:schemeClr val="accent1"/>
+          </a:fillRef>
+          <a:effectRef idx="0">
+            <a:schemeClr val="accent1"/>
+          </a:effectRef>
+          <a:fontRef idx="minor">
+            <a:schemeClr val="lt1"/>
+          </a:fontRef>
+        </p:style>
+        <p:txBody>
+          <a:bodyPr rtlCol="0" anchor="ctr"/>
+          <a:lstStyle/>
+          <a:p>
+            <a:pPr algn="ctr"/>
+            <a:endParaRPr lang="en-US"/>
+          </a:p>
+        </p:txBody>
+      </p:sp>
+      <p:sp>
+        <p:nvSpPr>
+          <p:cNvPr id="18" name="Ovale 17">
+            <a:extLst>
+              <a:ext uri="{FF2B5EF4-FFF2-40B4-BE49-F238E27FC236}">
+                <a16:creationId xmlns:a16="http://schemas.microsoft.com/office/drawing/2014/main" id="{D253C6C2-6D58-E737-42CD-968336DFC126}"/>
+              </a:ext>
+            </a:extLst>
+          </p:cNvPr>
+          <p:cNvSpPr/>
+          <p:nvPr/>
+        </p:nvSpPr>
+        <p:spPr>
+          <a:xfrm>
+            <a:off x="5699234" y="3105472"/>
+            <a:ext cx="647053" cy="647053"/>
+          </a:xfrm>
+          <a:prstGeom prst="ellipse">
+            <a:avLst/>
+          </a:prstGeom>
+          <a:solidFill>
+            <a:srgbClr val="3F51C3"/>
+          </a:solidFill>
+          <a:ln>
+            <a:noFill/>
+          </a:ln>
+        </p:spPr>
+        <p:style>
+          <a:lnRef idx="2">
+            <a:schemeClr val="accent1">
+              <a:shade val="50000"/>
+            </a:schemeClr>
+          </a:lnRef>
+          <a:fillRef idx="1">
+            <a:schemeClr val="accent1"/>
+          </a:fillRef>
+          <a:effectRef idx="0">
+            <a:schemeClr val="accent1"/>
+          </a:effectRef>
+          <a:fontRef idx="minor">
+            <a:schemeClr val="lt1"/>
+          </a:fontRef>
+        </p:style>
+        <p:txBody>
+          <a:bodyPr rtlCol="0" anchor="ctr"/>
+          <a:lstStyle/>
+          <a:p>
+            <a:pPr algn="ctr"/>
+            <a:r>
+              <a:rPr lang="en-US" sz="2000" b="1" dirty="0">
+                <a:solidFill>
+                  <a:srgbClr val="FFFFFF"/>
+                </a:solidFill>
+                <a:latin typeface="SF Pro Text" pitchFamily="2" charset="0"/>
+                <a:ea typeface="SF Pro Text" pitchFamily="2" charset="0"/>
+                <a:cs typeface="SF Pro Text" pitchFamily="2" charset="0"/>
+              </a:rPr>
+              <a:t>2</a:t>
+            </a:r>
+            <a:endParaRPr lang="en-US" b="1" dirty="0">
+              <a:solidFill>
+                <a:srgbClr val="FFFFFF"/>
+              </a:solidFill>
+              <a:latin typeface="SF Pro Text" pitchFamily="2" charset="0"/>
+              <a:ea typeface="SF Pro Text" pitchFamily="2" charset="0"/>
+              <a:cs typeface="SF Pro Text" pitchFamily="2" charset="0"/>
+            </a:endParaRPr>
+          </a:p>
+        </p:txBody>
+      </p:sp>
+      <p:sp>
+        <p:nvSpPr>
+          <p:cNvPr id="19" name="Ovale 18">
+            <a:extLst>
+              <a:ext uri="{FF2B5EF4-FFF2-40B4-BE49-F238E27FC236}">
+                <a16:creationId xmlns:a16="http://schemas.microsoft.com/office/drawing/2014/main" id="{F49C282F-CA2B-4881-308D-A21714AFD686}"/>
+              </a:ext>
+            </a:extLst>
+          </p:cNvPr>
+          <p:cNvSpPr/>
+          <p:nvPr/>
+        </p:nvSpPr>
+        <p:spPr>
+          <a:xfrm>
+            <a:off x="9060321" y="3105471"/>
+            <a:ext cx="647053" cy="647053"/>
+          </a:xfrm>
+          <a:prstGeom prst="ellipse">
+            <a:avLst/>
+          </a:prstGeom>
+          <a:solidFill>
+            <a:srgbClr val="3F51C3"/>
+          </a:solidFill>
+          <a:ln>
+            <a:noFill/>
+          </a:ln>
+        </p:spPr>
+        <p:style>
+          <a:lnRef idx="2">
+            <a:schemeClr val="accent1">
+              <a:shade val="50000"/>
+            </a:schemeClr>
+          </a:lnRef>
+          <a:fillRef idx="1">
+            <a:schemeClr val="accent1"/>
+          </a:fillRef>
+          <a:effectRef idx="0">
+            <a:schemeClr val="accent1"/>
+          </a:effectRef>
+          <a:fontRef idx="minor">
+            <a:schemeClr val="lt1"/>
+          </a:fontRef>
+        </p:style>
+        <p:txBody>
+          <a:bodyPr rtlCol="0" anchor="ctr"/>
+          <a:lstStyle/>
+          <a:p>
+            <a:pPr algn="ctr"/>
+            <a:r>
+              <a:rPr lang="en-US" sz="2000" b="1" dirty="0">
+                <a:solidFill>
+                  <a:srgbClr val="FFFFFF"/>
+                </a:solidFill>
+                <a:latin typeface="SF Pro Text" pitchFamily="2" charset="0"/>
+                <a:ea typeface="SF Pro Text" pitchFamily="2" charset="0"/>
+                <a:cs typeface="SF Pro Text" pitchFamily="2" charset="0"/>
+              </a:rPr>
+              <a:t>3</a:t>
+            </a:r>
+            <a:endParaRPr lang="en-US" b="1" dirty="0">
+              <a:solidFill>
+                <a:srgbClr val="FFFFFF"/>
+              </a:solidFill>
+              <a:latin typeface="SF Pro Text" pitchFamily="2" charset="0"/>
+              <a:ea typeface="SF Pro Text" pitchFamily="2" charset="0"/>
+              <a:cs typeface="SF Pro Text" pitchFamily="2" charset="0"/>
+            </a:endParaRPr>
+          </a:p>
+        </p:txBody>
+      </p:sp>
+    </p:spTree>
+    <p:extLst>
+      <p:ext uri="{BB962C8B-B14F-4D97-AF65-F5344CB8AC3E}">
+        <p14:creationId xmlns:p14="http://schemas.microsoft.com/office/powerpoint/2010/main" val="2856823994"/>
+      </p:ext>
+    </p:extLst>
+  </p:cSld>
+  <p:clrMapOvr>
+    <a:masterClrMapping/>
+  </p:clrMapOvr>
+</p:sld>
+</file>
+
+<file path=ppt/slides/slide9.xml><?xml version="1.0" encoding="utf-8"?>
+<p:sld xmlns:a="http://schemas.openxmlformats.org/drawingml/2006/main" xmlns:r="http://schemas.openxmlformats.org/officeDocument/2006/relationships" xmlns:p="http://schemas.openxmlformats.org/presentationml/2006/main">
+  <p:cSld>
+    <p:spTree>
+      <p:nvGrpSpPr>
+        <p:cNvPr id="1" name=""/>
+        <p:cNvGrpSpPr/>
+        <p:nvPr/>
+      </p:nvGrpSpPr>
+      <p:grpSpPr>
+        <a:xfrm>
+          <a:off x="0" y="0"/>
+          <a:ext cx="0" cy="0"/>
+          <a:chOff x="0" y="0"/>
+          <a:chExt cx="0" cy="0"/>
+        </a:xfrm>
+      </p:grpSpPr>
+      <p:sp>
+        <p:nvSpPr>
+          <p:cNvPr id="2" name="Segnaposto numero diapositiva 1">
+            <a:extLst>
+              <a:ext uri="{FF2B5EF4-FFF2-40B4-BE49-F238E27FC236}">
+                <a16:creationId xmlns:a16="http://schemas.microsoft.com/office/drawing/2014/main" id="{FC44AB29-1B85-EE06-C4B6-782D7B07750A}"/>
+              </a:ext>
+            </a:extLst>
+          </p:cNvPr>
+          <p:cNvSpPr>
+            <a:spLocks noGrp="1"/>
+          </p:cNvSpPr>
+          <p:nvPr>
+            <p:ph type="sldNum" sz="quarter" idx="12"/>
+          </p:nvPr>
+        </p:nvSpPr>
+        <p:spPr/>
+        <p:txBody>
+          <a:bodyPr/>
+          <a:lstStyle/>
+          <a:p>
+            <a:fld id="{925FCEA2-F0DA-AB4C-B1CA-0E33C745EDE1}" type="slidenum">
+              <a:rPr lang="it-IT" smtClean="0"/>
+              <a:pPr/>
+              <a:t>8</a:t>
             </a:fld>
             <a:endParaRPr lang="it-IT" dirty="0"/>
           </a:p>

--- a/Presentation/DIMA_myAPTracker_Presentation.pptx
+++ b/Presentation/DIMA_myAPTracker_Presentation.pptx
@@ -205,7 +205,7 @@
           <a:p>
             <a:fld id="{04871163-4F93-9544-967C-41CE9E9A3E47}" type="datetimeFigureOut">
               <a:rPr lang="it-IT" smtClean="0"/>
-              <a:t>09/07/22</a:t>
+              <a:t>11/07/22</a:t>
             </a:fld>
             <a:endParaRPr lang="it-IT"/>
           </a:p>
@@ -5660,29 +5660,7 @@
                 <a:ea typeface="SF Pro Text" pitchFamily="2" charset="0"/>
                 <a:cs typeface="SF Pro Text" pitchFamily="2" charset="0"/>
               </a:rPr>
-              <a:t>Keep track of the price of your </a:t>
-            </a:r>
-            <a:r>
-              <a:rPr lang="en-US" sz="1400" dirty="0" err="1">
-                <a:solidFill>
-                  <a:srgbClr val="3F3C53"/>
-                </a:solidFill>
-                <a:latin typeface="SF Pro Text" pitchFamily="2" charset="0"/>
-                <a:ea typeface="SF Pro Text" pitchFamily="2" charset="0"/>
-                <a:cs typeface="SF Pro Text" pitchFamily="2" charset="0"/>
-              </a:rPr>
-              <a:t>favourite</a:t>
-            </a:r>
-            <a:r>
-              <a:rPr lang="en-US" sz="1400" dirty="0">
-                <a:solidFill>
-                  <a:srgbClr val="3F3C53"/>
-                </a:solidFill>
-                <a:latin typeface="SF Pro Text" pitchFamily="2" charset="0"/>
-                <a:ea typeface="SF Pro Text" pitchFamily="2" charset="0"/>
-                <a:cs typeface="SF Pro Text" pitchFamily="2" charset="0"/>
-              </a:rPr>
-              <a:t> products</a:t>
+              <a:t>Keep track of the price of your favorite products</a:t>
             </a:r>
           </a:p>
         </p:txBody>

--- a/Presentation/DIMA_myAPTracker_Presentation.pptx
+++ b/Presentation/DIMA_myAPTracker_Presentation.pptx
@@ -205,7 +205,7 @@
           <a:p>
             <a:fld id="{04871163-4F93-9544-967C-41CE9E9A3E47}" type="datetimeFigureOut">
               <a:rPr lang="it-IT" smtClean="0"/>
-              <a:t>11/07/22</a:t>
+              <a:t>12/07/22</a:t>
             </a:fld>
             <a:endParaRPr lang="it-IT"/>
           </a:p>
@@ -6408,7 +6408,7 @@
         </p:nvSpPr>
         <p:spPr>
           <a:xfrm>
-            <a:off x="5672376" y="1700014"/>
+            <a:off x="4407556" y="1799654"/>
             <a:ext cx="805912" cy="805912"/>
           </a:xfrm>
           <a:prstGeom prst="ellipse">
@@ -6568,7 +6568,7 @@
         </p:nvSpPr>
         <p:spPr>
           <a:xfrm>
-            <a:off x="3877864" y="992990"/>
+            <a:off x="-71603" y="1891781"/>
             <a:ext cx="4394928" cy="615553"/>
           </a:xfrm>
           <a:prstGeom prst="rect">
@@ -6582,7 +6582,7 @@
           </a:bodyPr>
           <a:lstStyle/>
           <a:p>
-            <a:pPr algn="ctr"/>
+            <a:pPr algn="r"/>
             <a:r>
               <a:rPr lang="en-US" sz="2000" b="1" dirty="0">
                 <a:solidFill>
@@ -6596,7 +6596,7 @@
             </a:r>
           </a:p>
           <a:p>
-            <a:pPr algn="ctr"/>
+            <a:pPr algn="r"/>
             <a:r>
               <a:rPr lang="en-US" sz="1400" dirty="0">
                 <a:solidFill>
@@ -6606,7 +6606,7 @@
                 <a:ea typeface="SF Pro Text" pitchFamily="2" charset="0"/>
                 <a:cs typeface="SF Pro Text" pitchFamily="2" charset="0"/>
               </a:rPr>
-              <a:t>25 Unit tests for the internal application logic</a:t>
+              <a:t>25 Unit tests for internal application logic</a:t>
             </a:r>
           </a:p>
         </p:txBody>
@@ -6808,7 +6808,7 @@
         </p:blipFill>
         <p:spPr>
           <a:xfrm>
-            <a:off x="5840839" y="1871549"/>
+            <a:off x="4576019" y="1971189"/>
             <a:ext cx="468978" cy="468978"/>
           </a:xfrm>
           <a:prstGeom prst="rect">
@@ -6852,6 +6852,148 @@
           </a:prstGeom>
         </p:spPr>
       </p:pic>
+      <p:sp>
+        <p:nvSpPr>
+          <p:cNvPr id="19" name="Ovale 18">
+            <a:extLst>
+              <a:ext uri="{FF2B5EF4-FFF2-40B4-BE49-F238E27FC236}">
+                <a16:creationId xmlns:a16="http://schemas.microsoft.com/office/drawing/2014/main" id="{613F95DD-1D54-81EF-92C1-78D54932BF22}"/>
+              </a:ext>
+            </a:extLst>
+          </p:cNvPr>
+          <p:cNvSpPr/>
+          <p:nvPr/>
+        </p:nvSpPr>
+        <p:spPr>
+          <a:xfrm>
+            <a:off x="7063947" y="1802042"/>
+            <a:ext cx="805912" cy="805912"/>
+          </a:xfrm>
+          <a:prstGeom prst="ellipse">
+            <a:avLst/>
+          </a:prstGeom>
+          <a:solidFill>
+            <a:srgbClr val="3F51C3"/>
+          </a:solidFill>
+          <a:ln>
+            <a:noFill/>
+          </a:ln>
+        </p:spPr>
+        <p:style>
+          <a:lnRef idx="2">
+            <a:schemeClr val="accent1">
+              <a:shade val="50000"/>
+            </a:schemeClr>
+          </a:lnRef>
+          <a:fillRef idx="1">
+            <a:schemeClr val="accent1"/>
+          </a:fillRef>
+          <a:effectRef idx="0">
+            <a:schemeClr val="accent1"/>
+          </a:effectRef>
+          <a:fontRef idx="minor">
+            <a:schemeClr val="lt1"/>
+          </a:fontRef>
+        </p:style>
+        <p:txBody>
+          <a:bodyPr rtlCol="0" anchor="ctr"/>
+          <a:lstStyle/>
+          <a:p>
+            <a:pPr algn="ctr"/>
+            <a:endParaRPr lang="en-US"/>
+          </a:p>
+        </p:txBody>
+      </p:sp>
+      <p:pic>
+        <p:nvPicPr>
+          <p:cNvPr id="21" name="Elemento grafico 20">
+            <a:extLst>
+              <a:ext uri="{FF2B5EF4-FFF2-40B4-BE49-F238E27FC236}">
+                <a16:creationId xmlns:a16="http://schemas.microsoft.com/office/drawing/2014/main" id="{CF76EB17-2A1F-9E0A-8211-A8A7F65DEEC3}"/>
+              </a:ext>
+            </a:extLst>
+          </p:cNvPr>
+          <p:cNvPicPr>
+            <a:picLocks noChangeAspect="1"/>
+          </p:cNvPicPr>
+          <p:nvPr/>
+        </p:nvPicPr>
+        <p:blipFill>
+          <a:blip r:embed="rId12">
+            <a:extLst>
+              <a:ext uri="{96DAC541-7B7A-43D3-8B79-37D633B846F1}">
+                <asvg:svgBlip xmlns:asvg="http://schemas.microsoft.com/office/drawing/2016/SVG/main" r:embed="rId13"/>
+              </a:ext>
+            </a:extLst>
+          </a:blip>
+          <a:srcRect/>
+          <a:stretch/>
+        </p:blipFill>
+        <p:spPr>
+          <a:xfrm>
+            <a:off x="7232410" y="1973577"/>
+            <a:ext cx="468978" cy="468978"/>
+          </a:xfrm>
+          <a:prstGeom prst="rect">
+            <a:avLst/>
+          </a:prstGeom>
+        </p:spPr>
+      </p:pic>
+      <p:sp>
+        <p:nvSpPr>
+          <p:cNvPr id="23" name="CasellaDiTesto 22">
+            <a:extLst>
+              <a:ext uri="{FF2B5EF4-FFF2-40B4-BE49-F238E27FC236}">
+                <a16:creationId xmlns:a16="http://schemas.microsoft.com/office/drawing/2014/main" id="{578E3985-B7AA-526A-4B35-04DB1ADF0488}"/>
+              </a:ext>
+            </a:extLst>
+          </p:cNvPr>
+          <p:cNvSpPr txBox="1"/>
+          <p:nvPr/>
+        </p:nvSpPr>
+        <p:spPr>
+          <a:xfrm>
+            <a:off x="7956389" y="1891781"/>
+            <a:ext cx="3942936" cy="615553"/>
+          </a:xfrm>
+          <a:prstGeom prst="rect">
+            <a:avLst/>
+          </a:prstGeom>
+          <a:noFill/>
+        </p:spPr>
+        <p:txBody>
+          <a:bodyPr wrap="square" rtlCol="0">
+            <a:spAutoFit/>
+          </a:bodyPr>
+          <a:lstStyle/>
+          <a:p>
+            <a:r>
+              <a:rPr lang="en-US" sz="2000" b="1" dirty="0">
+                <a:solidFill>
+                  <a:srgbClr val="3F51C3"/>
+                </a:solidFill>
+                <a:latin typeface="SF Pro Text" pitchFamily="2" charset="0"/>
+                <a:ea typeface="SF Pro Text" pitchFamily="2" charset="0"/>
+                <a:cs typeface="SF Pro Text" pitchFamily="2" charset="0"/>
+              </a:rPr>
+              <a:t>Apple TestFlight</a:t>
+            </a:r>
+          </a:p>
+          <a:p>
+            <a:r>
+              <a:rPr lang="en-US" sz="1400" dirty="0">
+                <a:solidFill>
+                  <a:srgbClr val="3F3C53"/>
+                </a:solidFill>
+                <a:latin typeface="SF Pro Text" pitchFamily="2" charset="0"/>
+                <a:ea typeface="SF Pro Text" pitchFamily="2" charset="0"/>
+                <a:cs typeface="SF Pro Text" pitchFamily="2" charset="0"/>
+              </a:rPr>
+              <a:t>11 Users joined TestFlight beta program</a:t>
+            </a:r>
+          </a:p>
+        </p:txBody>
+      </p:sp>
     </p:spTree>
     <p:extLst>
       <p:ext uri="{BB962C8B-B14F-4D97-AF65-F5344CB8AC3E}">

--- a/Presentation/DIMA_myAPTracker_Presentation.pptx
+++ b/Presentation/DIMA_myAPTracker_Presentation.pptx
@@ -205,7 +205,7 @@
           <a:p>
             <a:fld id="{04871163-4F93-9544-967C-41CE9E9A3E47}" type="datetimeFigureOut">
               <a:rPr lang="it-IT" smtClean="0"/>
-              <a:t>12/07/22</a:t>
+              <a:t>13/07/22</a:t>
             </a:fld>
             <a:endParaRPr lang="it-IT"/>
           </a:p>
@@ -4390,7 +4390,7 @@
                 <a:ea typeface="SF Pro Text" pitchFamily="2" charset="0"/>
                 <a:cs typeface="SF Pro Text" pitchFamily="2" charset="0"/>
               </a:rPr>
-              <a:t>Support iOS/</a:t>
+              <a:t>iOS/</a:t>
             </a:r>
             <a:r>
               <a:rPr lang="en-US" b="1" dirty="0" err="1">
@@ -4412,7 +4412,46 @@
                 <a:ea typeface="SF Pro Text" pitchFamily="2" charset="0"/>
                 <a:cs typeface="SF Pro Text" pitchFamily="2" charset="0"/>
               </a:rPr>
-              <a:t> 14 and later version</a:t>
+              <a:t> 14</a:t>
+            </a:r>
+          </a:p>
+          <a:p>
+            <a:pPr algn="ctr"/>
+            <a:r>
+              <a:rPr lang="en-US" b="1" dirty="0" err="1">
+                <a:solidFill>
+                  <a:srgbClr val="3F3C53"/>
+                </a:solidFill>
+                <a:latin typeface="SF Pro Text" pitchFamily="2" charset="0"/>
+                <a:ea typeface="SF Pro Text" pitchFamily="2" charset="0"/>
+                <a:cs typeface="SF Pro Text" pitchFamily="2" charset="0"/>
+              </a:rPr>
+              <a:t>watchOS</a:t>
+            </a:r>
+            <a:r>
+              <a:rPr lang="en-US" b="1" dirty="0">
+                <a:solidFill>
+                  <a:srgbClr val="3F3C53"/>
+                </a:solidFill>
+                <a:latin typeface="SF Pro Text" pitchFamily="2" charset="0"/>
+                <a:ea typeface="SF Pro Text" pitchFamily="2" charset="0"/>
+                <a:cs typeface="SF Pro Text" pitchFamily="2" charset="0"/>
+              </a:rPr>
+              <a:t> 7</a:t>
+            </a:r>
+          </a:p>
+          <a:p>
+            <a:pPr algn="ctr"/>
+            <a:r>
+              <a:rPr lang="en-US" b="1" dirty="0">
+                <a:solidFill>
+                  <a:srgbClr val="3F3C53"/>
+                </a:solidFill>
+                <a:latin typeface="SF Pro Text" pitchFamily="2" charset="0"/>
+                <a:ea typeface="SF Pro Text" pitchFamily="2" charset="0"/>
+                <a:cs typeface="SF Pro Text" pitchFamily="2" charset="0"/>
+              </a:rPr>
+              <a:t> and later version</a:t>
             </a:r>
           </a:p>
         </p:txBody>
